--- a/Presentations/2_presentation.pptx
+++ b/Presentations/2_presentation.pptx
@@ -6,22 +6,23 @@
     <p:sldMasterId id="2147483881" r:id="rId2"/>
   </p:sldMasterIdLst>
   <p:notesMasterIdLst>
-    <p:notesMasterId r:id="rId13"/>
+    <p:notesMasterId r:id="rId14"/>
   </p:notesMasterIdLst>
   <p:handoutMasterIdLst>
-    <p:handoutMasterId r:id="rId14"/>
+    <p:handoutMasterId r:id="rId15"/>
   </p:handoutMasterIdLst>
   <p:sldIdLst>
     <p:sldId id="288" r:id="rId3"/>
     <p:sldId id="307" r:id="rId4"/>
     <p:sldId id="309" r:id="rId5"/>
-    <p:sldId id="310" r:id="rId6"/>
-    <p:sldId id="315" r:id="rId7"/>
-    <p:sldId id="311" r:id="rId8"/>
-    <p:sldId id="312" r:id="rId9"/>
-    <p:sldId id="313" r:id="rId10"/>
-    <p:sldId id="314" r:id="rId11"/>
-    <p:sldId id="285" r:id="rId12"/>
+    <p:sldId id="316" r:id="rId6"/>
+    <p:sldId id="310" r:id="rId7"/>
+    <p:sldId id="315" r:id="rId8"/>
+    <p:sldId id="311" r:id="rId9"/>
+    <p:sldId id="312" r:id="rId10"/>
+    <p:sldId id="313" r:id="rId11"/>
+    <p:sldId id="314" r:id="rId12"/>
+    <p:sldId id="285" r:id="rId13"/>
   </p:sldIdLst>
   <p:sldSz cx="9144000" cy="5143500" type="screen16x9"/>
   <p:notesSz cx="6858000" cy="9144000"/>
@@ -173,6 +174,1500 @@
 </file>
 
 <file path=ppt/diagrams/colors1.xml><?xml version="1.0" encoding="utf-8"?>
+<dgm:colorsDef xmlns:dgm="http://schemas.openxmlformats.org/drawingml/2006/diagram" xmlns:a="http://schemas.openxmlformats.org/drawingml/2006/main" uniqueId="urn:microsoft.com/office/officeart/2005/8/colors/accent2_2">
+  <dgm:title val=""/>
+  <dgm:desc val=""/>
+  <dgm:catLst>
+    <dgm:cat type="accent2" pri="11200"/>
+  </dgm:catLst>
+  <dgm:styleLbl name="node0">
+    <dgm:fillClrLst meth="repeat">
+      <a:schemeClr val="accent2"/>
+    </dgm:fillClrLst>
+    <dgm:linClrLst meth="repeat">
+      <a:schemeClr val="lt1"/>
+    </dgm:linClrLst>
+    <dgm:effectClrLst/>
+    <dgm:txLinClrLst/>
+    <dgm:txFillClrLst/>
+    <dgm:txEffectClrLst/>
+  </dgm:styleLbl>
+  <dgm:styleLbl name="node1">
+    <dgm:fillClrLst meth="repeat">
+      <a:schemeClr val="accent2"/>
+    </dgm:fillClrLst>
+    <dgm:linClrLst meth="repeat">
+      <a:schemeClr val="lt1"/>
+    </dgm:linClrLst>
+    <dgm:effectClrLst/>
+    <dgm:txLinClrLst/>
+    <dgm:txFillClrLst/>
+    <dgm:txEffectClrLst/>
+  </dgm:styleLbl>
+  <dgm:styleLbl name="alignNode1">
+    <dgm:fillClrLst meth="repeat">
+      <a:schemeClr val="accent2"/>
+    </dgm:fillClrLst>
+    <dgm:linClrLst meth="repeat">
+      <a:schemeClr val="accent2"/>
+    </dgm:linClrLst>
+    <dgm:effectClrLst/>
+    <dgm:txLinClrLst/>
+    <dgm:txFillClrLst/>
+    <dgm:txEffectClrLst/>
+  </dgm:styleLbl>
+  <dgm:styleLbl name="lnNode1">
+    <dgm:fillClrLst meth="repeat">
+      <a:schemeClr val="accent2"/>
+    </dgm:fillClrLst>
+    <dgm:linClrLst meth="repeat">
+      <a:schemeClr val="lt1"/>
+    </dgm:linClrLst>
+    <dgm:effectClrLst/>
+    <dgm:txLinClrLst/>
+    <dgm:txFillClrLst/>
+    <dgm:txEffectClrLst/>
+  </dgm:styleLbl>
+  <dgm:styleLbl name="vennNode1">
+    <dgm:fillClrLst meth="repeat">
+      <a:schemeClr val="accent2">
+        <a:alpha val="50000"/>
+      </a:schemeClr>
+    </dgm:fillClrLst>
+    <dgm:linClrLst meth="repeat">
+      <a:schemeClr val="lt1"/>
+    </dgm:linClrLst>
+    <dgm:effectClrLst/>
+    <dgm:txLinClrLst/>
+    <dgm:txFillClrLst/>
+    <dgm:txEffectClrLst/>
+  </dgm:styleLbl>
+  <dgm:styleLbl name="node2">
+    <dgm:fillClrLst meth="repeat">
+      <a:schemeClr val="accent2"/>
+    </dgm:fillClrLst>
+    <dgm:linClrLst meth="repeat">
+      <a:schemeClr val="lt1"/>
+    </dgm:linClrLst>
+    <dgm:effectClrLst/>
+    <dgm:txLinClrLst/>
+    <dgm:txFillClrLst/>
+    <dgm:txEffectClrLst/>
+  </dgm:styleLbl>
+  <dgm:styleLbl name="node3">
+    <dgm:fillClrLst meth="repeat">
+      <a:schemeClr val="accent2"/>
+    </dgm:fillClrLst>
+    <dgm:linClrLst meth="repeat">
+      <a:schemeClr val="lt1"/>
+    </dgm:linClrLst>
+    <dgm:effectClrLst/>
+    <dgm:txLinClrLst/>
+    <dgm:txFillClrLst/>
+    <dgm:txEffectClrLst/>
+  </dgm:styleLbl>
+  <dgm:styleLbl name="node4">
+    <dgm:fillClrLst meth="repeat">
+      <a:schemeClr val="accent2"/>
+    </dgm:fillClrLst>
+    <dgm:linClrLst meth="repeat">
+      <a:schemeClr val="lt1"/>
+    </dgm:linClrLst>
+    <dgm:effectClrLst/>
+    <dgm:txLinClrLst/>
+    <dgm:txFillClrLst/>
+    <dgm:txEffectClrLst/>
+  </dgm:styleLbl>
+  <dgm:styleLbl name="fgImgPlace1">
+    <dgm:fillClrLst meth="repeat">
+      <a:schemeClr val="accent2">
+        <a:tint val="50000"/>
+      </a:schemeClr>
+    </dgm:fillClrLst>
+    <dgm:linClrLst meth="repeat">
+      <a:schemeClr val="lt1"/>
+    </dgm:linClrLst>
+    <dgm:effectClrLst/>
+    <dgm:txLinClrLst/>
+    <dgm:txFillClrLst meth="repeat">
+      <a:schemeClr val="lt1"/>
+    </dgm:txFillClrLst>
+    <dgm:txEffectClrLst/>
+  </dgm:styleLbl>
+  <dgm:styleLbl name="alignImgPlace1">
+    <dgm:fillClrLst meth="repeat">
+      <a:schemeClr val="accent2">
+        <a:tint val="50000"/>
+      </a:schemeClr>
+    </dgm:fillClrLst>
+    <dgm:linClrLst meth="repeat">
+      <a:schemeClr val="lt1"/>
+    </dgm:linClrLst>
+    <dgm:effectClrLst/>
+    <dgm:txLinClrLst/>
+    <dgm:txFillClrLst meth="repeat">
+      <a:schemeClr val="lt1"/>
+    </dgm:txFillClrLst>
+    <dgm:txEffectClrLst/>
+  </dgm:styleLbl>
+  <dgm:styleLbl name="bgImgPlace1">
+    <dgm:fillClrLst meth="repeat">
+      <a:schemeClr val="accent2">
+        <a:tint val="50000"/>
+      </a:schemeClr>
+    </dgm:fillClrLst>
+    <dgm:linClrLst meth="repeat">
+      <a:schemeClr val="lt1"/>
+    </dgm:linClrLst>
+    <dgm:effectClrLst/>
+    <dgm:txLinClrLst/>
+    <dgm:txFillClrLst meth="repeat">
+      <a:schemeClr val="lt1"/>
+    </dgm:txFillClrLst>
+    <dgm:txEffectClrLst/>
+  </dgm:styleLbl>
+  <dgm:styleLbl name="sibTrans2D1">
+    <dgm:fillClrLst meth="repeat">
+      <a:schemeClr val="accent2">
+        <a:tint val="60000"/>
+      </a:schemeClr>
+    </dgm:fillClrLst>
+    <dgm:linClrLst meth="repeat">
+      <a:schemeClr val="accent2">
+        <a:tint val="60000"/>
+      </a:schemeClr>
+    </dgm:linClrLst>
+    <dgm:effectClrLst/>
+    <dgm:txLinClrLst/>
+    <dgm:txFillClrLst/>
+    <dgm:txEffectClrLst/>
+  </dgm:styleLbl>
+  <dgm:styleLbl name="fgSibTrans2D1">
+    <dgm:fillClrLst meth="repeat">
+      <a:schemeClr val="accent2">
+        <a:tint val="60000"/>
+      </a:schemeClr>
+    </dgm:fillClrLst>
+    <dgm:linClrLst meth="repeat">
+      <a:schemeClr val="accent2">
+        <a:tint val="60000"/>
+      </a:schemeClr>
+    </dgm:linClrLst>
+    <dgm:effectClrLst/>
+    <dgm:txLinClrLst/>
+    <dgm:txFillClrLst/>
+    <dgm:txEffectClrLst/>
+  </dgm:styleLbl>
+  <dgm:styleLbl name="bgSibTrans2D1">
+    <dgm:fillClrLst meth="repeat">
+      <a:schemeClr val="accent2">
+        <a:tint val="60000"/>
+      </a:schemeClr>
+    </dgm:fillClrLst>
+    <dgm:linClrLst meth="repeat">
+      <a:schemeClr val="accent2">
+        <a:tint val="60000"/>
+      </a:schemeClr>
+    </dgm:linClrLst>
+    <dgm:effectClrLst/>
+    <dgm:txLinClrLst/>
+    <dgm:txFillClrLst/>
+    <dgm:txEffectClrLst/>
+  </dgm:styleLbl>
+  <dgm:styleLbl name="sibTrans1D1">
+    <dgm:fillClrLst meth="repeat">
+      <a:schemeClr val="accent2"/>
+    </dgm:fillClrLst>
+    <dgm:linClrLst meth="repeat">
+      <a:schemeClr val="accent2"/>
+    </dgm:linClrLst>
+    <dgm:effectClrLst/>
+    <dgm:txLinClrLst/>
+    <dgm:txFillClrLst meth="repeat">
+      <a:schemeClr val="tx1"/>
+    </dgm:txFillClrLst>
+    <dgm:txEffectClrLst/>
+  </dgm:styleLbl>
+  <dgm:styleLbl name="callout">
+    <dgm:fillClrLst meth="repeat">
+      <a:schemeClr val="accent2"/>
+    </dgm:fillClrLst>
+    <dgm:linClrLst meth="repeat">
+      <a:schemeClr val="accent2">
+        <a:tint val="50000"/>
+      </a:schemeClr>
+    </dgm:linClrLst>
+    <dgm:effectClrLst/>
+    <dgm:txLinClrLst/>
+    <dgm:txFillClrLst meth="repeat">
+      <a:schemeClr val="tx1"/>
+    </dgm:txFillClrLst>
+    <dgm:txEffectClrLst/>
+  </dgm:styleLbl>
+  <dgm:styleLbl name="asst0">
+    <dgm:fillClrLst meth="repeat">
+      <a:schemeClr val="accent2"/>
+    </dgm:fillClrLst>
+    <dgm:linClrLst meth="repeat">
+      <a:schemeClr val="lt1"/>
+    </dgm:linClrLst>
+    <dgm:effectClrLst/>
+    <dgm:txLinClrLst/>
+    <dgm:txFillClrLst/>
+    <dgm:txEffectClrLst/>
+  </dgm:styleLbl>
+  <dgm:styleLbl name="asst1">
+    <dgm:fillClrLst meth="repeat">
+      <a:schemeClr val="accent2"/>
+    </dgm:fillClrLst>
+    <dgm:linClrLst meth="repeat">
+      <a:schemeClr val="lt1"/>
+    </dgm:linClrLst>
+    <dgm:effectClrLst/>
+    <dgm:txLinClrLst/>
+    <dgm:txFillClrLst/>
+    <dgm:txEffectClrLst/>
+  </dgm:styleLbl>
+  <dgm:styleLbl name="asst2">
+    <dgm:fillClrLst meth="repeat">
+      <a:schemeClr val="accent2"/>
+    </dgm:fillClrLst>
+    <dgm:linClrLst meth="repeat">
+      <a:schemeClr val="lt1"/>
+    </dgm:linClrLst>
+    <dgm:effectClrLst/>
+    <dgm:txLinClrLst/>
+    <dgm:txFillClrLst/>
+    <dgm:txEffectClrLst/>
+  </dgm:styleLbl>
+  <dgm:styleLbl name="asst3">
+    <dgm:fillClrLst meth="repeat">
+      <a:schemeClr val="accent2"/>
+    </dgm:fillClrLst>
+    <dgm:linClrLst meth="repeat">
+      <a:schemeClr val="lt1"/>
+    </dgm:linClrLst>
+    <dgm:effectClrLst/>
+    <dgm:txLinClrLst/>
+    <dgm:txFillClrLst/>
+    <dgm:txEffectClrLst/>
+  </dgm:styleLbl>
+  <dgm:styleLbl name="asst4">
+    <dgm:fillClrLst meth="repeat">
+      <a:schemeClr val="accent2"/>
+    </dgm:fillClrLst>
+    <dgm:linClrLst meth="repeat">
+      <a:schemeClr val="lt1"/>
+    </dgm:linClrLst>
+    <dgm:effectClrLst/>
+    <dgm:txLinClrLst/>
+    <dgm:txFillClrLst/>
+    <dgm:txEffectClrLst/>
+  </dgm:styleLbl>
+  <dgm:styleLbl name="parChTrans2D1">
+    <dgm:fillClrLst meth="repeat">
+      <a:schemeClr val="accent2">
+        <a:tint val="60000"/>
+      </a:schemeClr>
+    </dgm:fillClrLst>
+    <dgm:linClrLst meth="repeat">
+      <a:schemeClr val="accent2">
+        <a:tint val="60000"/>
+      </a:schemeClr>
+    </dgm:linClrLst>
+    <dgm:effectClrLst/>
+    <dgm:txLinClrLst/>
+    <dgm:txFillClrLst meth="repeat">
+      <a:schemeClr val="lt1"/>
+    </dgm:txFillClrLst>
+    <dgm:txEffectClrLst/>
+  </dgm:styleLbl>
+  <dgm:styleLbl name="parChTrans2D2">
+    <dgm:fillClrLst meth="repeat">
+      <a:schemeClr val="accent2"/>
+    </dgm:fillClrLst>
+    <dgm:linClrLst meth="repeat">
+      <a:schemeClr val="accent2"/>
+    </dgm:linClrLst>
+    <dgm:effectClrLst/>
+    <dgm:txLinClrLst/>
+    <dgm:txFillClrLst meth="repeat">
+      <a:schemeClr val="lt1"/>
+    </dgm:txFillClrLst>
+    <dgm:txEffectClrLst/>
+  </dgm:styleLbl>
+  <dgm:styleLbl name="parChTrans2D3">
+    <dgm:fillClrLst meth="repeat">
+      <a:schemeClr val="accent2"/>
+    </dgm:fillClrLst>
+    <dgm:linClrLst meth="repeat">
+      <a:schemeClr val="accent2"/>
+    </dgm:linClrLst>
+    <dgm:effectClrLst/>
+    <dgm:txLinClrLst/>
+    <dgm:txFillClrLst meth="repeat">
+      <a:schemeClr val="lt1"/>
+    </dgm:txFillClrLst>
+    <dgm:txEffectClrLst/>
+  </dgm:styleLbl>
+  <dgm:styleLbl name="parChTrans2D4">
+    <dgm:fillClrLst meth="repeat">
+      <a:schemeClr val="accent2"/>
+    </dgm:fillClrLst>
+    <dgm:linClrLst meth="repeat">
+      <a:schemeClr val="accent2"/>
+    </dgm:linClrLst>
+    <dgm:effectClrLst/>
+    <dgm:txLinClrLst/>
+    <dgm:txFillClrLst meth="repeat">
+      <a:schemeClr val="lt1"/>
+    </dgm:txFillClrLst>
+    <dgm:txEffectClrLst/>
+  </dgm:styleLbl>
+  <dgm:styleLbl name="parChTrans1D1">
+    <dgm:fillClrLst meth="repeat">
+      <a:schemeClr val="accent2"/>
+    </dgm:fillClrLst>
+    <dgm:linClrLst meth="repeat">
+      <a:schemeClr val="accent2">
+        <a:shade val="60000"/>
+      </a:schemeClr>
+    </dgm:linClrLst>
+    <dgm:effectClrLst/>
+    <dgm:txLinClrLst/>
+    <dgm:txFillClrLst meth="repeat">
+      <a:schemeClr val="tx1"/>
+    </dgm:txFillClrLst>
+    <dgm:txEffectClrLst/>
+  </dgm:styleLbl>
+  <dgm:styleLbl name="parChTrans1D2">
+    <dgm:fillClrLst meth="repeat">
+      <a:schemeClr val="accent2"/>
+    </dgm:fillClrLst>
+    <dgm:linClrLst meth="repeat">
+      <a:schemeClr val="accent2">
+        <a:shade val="60000"/>
+      </a:schemeClr>
+    </dgm:linClrLst>
+    <dgm:effectClrLst/>
+    <dgm:txLinClrLst/>
+    <dgm:txFillClrLst meth="repeat">
+      <a:schemeClr val="tx1"/>
+    </dgm:txFillClrLst>
+    <dgm:txEffectClrLst/>
+  </dgm:styleLbl>
+  <dgm:styleLbl name="parChTrans1D3">
+    <dgm:fillClrLst meth="repeat">
+      <a:schemeClr val="accent2"/>
+    </dgm:fillClrLst>
+    <dgm:linClrLst meth="repeat">
+      <a:schemeClr val="accent2">
+        <a:shade val="80000"/>
+      </a:schemeClr>
+    </dgm:linClrLst>
+    <dgm:effectClrLst/>
+    <dgm:txLinClrLst/>
+    <dgm:txFillClrLst meth="repeat">
+      <a:schemeClr val="tx1"/>
+    </dgm:txFillClrLst>
+    <dgm:txEffectClrLst/>
+  </dgm:styleLbl>
+  <dgm:styleLbl name="parChTrans1D4">
+    <dgm:fillClrLst meth="repeat">
+      <a:schemeClr val="accent2"/>
+    </dgm:fillClrLst>
+    <dgm:linClrLst meth="repeat">
+      <a:schemeClr val="accent2">
+        <a:shade val="80000"/>
+      </a:schemeClr>
+    </dgm:linClrLst>
+    <dgm:effectClrLst/>
+    <dgm:txLinClrLst/>
+    <dgm:txFillClrLst meth="repeat">
+      <a:schemeClr val="tx1"/>
+    </dgm:txFillClrLst>
+    <dgm:txEffectClrLst/>
+  </dgm:styleLbl>
+  <dgm:styleLbl name="fgAcc1">
+    <dgm:fillClrLst meth="repeat">
+      <a:schemeClr val="lt1">
+        <a:alpha val="90000"/>
+      </a:schemeClr>
+    </dgm:fillClrLst>
+    <dgm:linClrLst meth="repeat">
+      <a:schemeClr val="accent2"/>
+    </dgm:linClrLst>
+    <dgm:effectClrLst/>
+    <dgm:txLinClrLst/>
+    <dgm:txFillClrLst meth="repeat">
+      <a:schemeClr val="dk1"/>
+    </dgm:txFillClrLst>
+    <dgm:txEffectClrLst/>
+  </dgm:styleLbl>
+  <dgm:styleLbl name="conFgAcc1">
+    <dgm:fillClrLst meth="repeat">
+      <a:schemeClr val="lt1">
+        <a:alpha val="90000"/>
+      </a:schemeClr>
+    </dgm:fillClrLst>
+    <dgm:linClrLst meth="repeat">
+      <a:schemeClr val="accent2"/>
+    </dgm:linClrLst>
+    <dgm:effectClrLst/>
+    <dgm:txLinClrLst/>
+    <dgm:txFillClrLst meth="repeat">
+      <a:schemeClr val="dk1"/>
+    </dgm:txFillClrLst>
+    <dgm:txEffectClrLst/>
+  </dgm:styleLbl>
+  <dgm:styleLbl name="alignAcc1">
+    <dgm:fillClrLst meth="repeat">
+      <a:schemeClr val="lt1">
+        <a:alpha val="90000"/>
+      </a:schemeClr>
+    </dgm:fillClrLst>
+    <dgm:linClrLst meth="repeat">
+      <a:schemeClr val="accent2"/>
+    </dgm:linClrLst>
+    <dgm:effectClrLst/>
+    <dgm:txLinClrLst/>
+    <dgm:txFillClrLst meth="repeat">
+      <a:schemeClr val="dk1"/>
+    </dgm:txFillClrLst>
+    <dgm:txEffectClrLst/>
+  </dgm:styleLbl>
+  <dgm:styleLbl name="trAlignAcc1">
+    <dgm:fillClrLst meth="repeat">
+      <a:schemeClr val="lt1">
+        <a:alpha val="40000"/>
+      </a:schemeClr>
+    </dgm:fillClrLst>
+    <dgm:linClrLst meth="repeat">
+      <a:schemeClr val="accent2"/>
+    </dgm:linClrLst>
+    <dgm:effectClrLst/>
+    <dgm:txLinClrLst/>
+    <dgm:txFillClrLst meth="repeat">
+      <a:schemeClr val="dk1"/>
+    </dgm:txFillClrLst>
+    <dgm:txEffectClrLst/>
+  </dgm:styleLbl>
+  <dgm:styleLbl name="bgAcc1">
+    <dgm:fillClrLst meth="repeat">
+      <a:schemeClr val="lt1">
+        <a:alpha val="90000"/>
+      </a:schemeClr>
+    </dgm:fillClrLst>
+    <dgm:linClrLst meth="repeat">
+      <a:schemeClr val="accent2"/>
+    </dgm:linClrLst>
+    <dgm:effectClrLst/>
+    <dgm:txLinClrLst/>
+    <dgm:txFillClrLst meth="repeat">
+      <a:schemeClr val="dk1"/>
+    </dgm:txFillClrLst>
+    <dgm:txEffectClrLst/>
+  </dgm:styleLbl>
+  <dgm:styleLbl name="solidFgAcc1">
+    <dgm:fillClrLst meth="repeat">
+      <a:schemeClr val="lt1"/>
+    </dgm:fillClrLst>
+    <dgm:linClrLst meth="repeat">
+      <a:schemeClr val="accent2"/>
+    </dgm:linClrLst>
+    <dgm:effectClrLst/>
+    <dgm:txLinClrLst/>
+    <dgm:txFillClrLst meth="repeat">
+      <a:schemeClr val="dk1"/>
+    </dgm:txFillClrLst>
+    <dgm:txEffectClrLst/>
+  </dgm:styleLbl>
+  <dgm:styleLbl name="solidAlignAcc1">
+    <dgm:fillClrLst meth="repeat">
+      <a:schemeClr val="lt1"/>
+    </dgm:fillClrLst>
+    <dgm:linClrLst meth="repeat">
+      <a:schemeClr val="accent2"/>
+    </dgm:linClrLst>
+    <dgm:effectClrLst/>
+    <dgm:txLinClrLst/>
+    <dgm:txFillClrLst meth="repeat">
+      <a:schemeClr val="dk1"/>
+    </dgm:txFillClrLst>
+    <dgm:txEffectClrLst/>
+  </dgm:styleLbl>
+  <dgm:styleLbl name="solidBgAcc1">
+    <dgm:fillClrLst meth="repeat">
+      <a:schemeClr val="lt1"/>
+    </dgm:fillClrLst>
+    <dgm:linClrLst meth="repeat">
+      <a:schemeClr val="accent2"/>
+    </dgm:linClrLst>
+    <dgm:effectClrLst/>
+    <dgm:txLinClrLst/>
+    <dgm:txFillClrLst meth="repeat">
+      <a:schemeClr val="dk1"/>
+    </dgm:txFillClrLst>
+    <dgm:txEffectClrLst/>
+  </dgm:styleLbl>
+  <dgm:styleLbl name="fgAccFollowNode1">
+    <dgm:fillClrLst meth="repeat">
+      <a:schemeClr val="accent2">
+        <a:alpha val="90000"/>
+        <a:tint val="40000"/>
+      </a:schemeClr>
+    </dgm:fillClrLst>
+    <dgm:linClrLst meth="repeat">
+      <a:schemeClr val="accent2">
+        <a:alpha val="90000"/>
+        <a:tint val="40000"/>
+      </a:schemeClr>
+    </dgm:linClrLst>
+    <dgm:effectClrLst/>
+    <dgm:txLinClrLst/>
+    <dgm:txFillClrLst meth="repeat">
+      <a:schemeClr val="dk1"/>
+    </dgm:txFillClrLst>
+    <dgm:txEffectClrLst/>
+  </dgm:styleLbl>
+  <dgm:styleLbl name="alignAccFollowNode1">
+    <dgm:fillClrLst meth="repeat">
+      <a:schemeClr val="accent2">
+        <a:alpha val="90000"/>
+        <a:tint val="40000"/>
+      </a:schemeClr>
+    </dgm:fillClrLst>
+    <dgm:linClrLst meth="repeat">
+      <a:schemeClr val="accent2">
+        <a:alpha val="90000"/>
+        <a:tint val="40000"/>
+      </a:schemeClr>
+    </dgm:linClrLst>
+    <dgm:effectClrLst/>
+    <dgm:txLinClrLst/>
+    <dgm:txFillClrLst meth="repeat">
+      <a:schemeClr val="dk1"/>
+    </dgm:txFillClrLst>
+    <dgm:txEffectClrLst/>
+  </dgm:styleLbl>
+  <dgm:styleLbl name="bgAccFollowNode1">
+    <dgm:fillClrLst meth="repeat">
+      <a:schemeClr val="accent2">
+        <a:alpha val="90000"/>
+        <a:tint val="40000"/>
+      </a:schemeClr>
+    </dgm:fillClrLst>
+    <dgm:linClrLst meth="repeat">
+      <a:schemeClr val="accent2">
+        <a:alpha val="90000"/>
+        <a:tint val="40000"/>
+      </a:schemeClr>
+    </dgm:linClrLst>
+    <dgm:effectClrLst/>
+    <dgm:txLinClrLst/>
+    <dgm:txFillClrLst meth="repeat">
+      <a:schemeClr val="dk1"/>
+    </dgm:txFillClrLst>
+    <dgm:txEffectClrLst/>
+  </dgm:styleLbl>
+  <dgm:styleLbl name="fgAcc0">
+    <dgm:fillClrLst meth="repeat">
+      <a:schemeClr val="lt1">
+        <a:alpha val="90000"/>
+      </a:schemeClr>
+    </dgm:fillClrLst>
+    <dgm:linClrLst meth="repeat">
+      <a:schemeClr val="accent2"/>
+    </dgm:linClrLst>
+    <dgm:effectClrLst/>
+    <dgm:txLinClrLst/>
+    <dgm:txFillClrLst meth="repeat">
+      <a:schemeClr val="dk1"/>
+    </dgm:txFillClrLst>
+    <dgm:txEffectClrLst/>
+  </dgm:styleLbl>
+  <dgm:styleLbl name="fgAcc2">
+    <dgm:fillClrLst meth="repeat">
+      <a:schemeClr val="lt1">
+        <a:alpha val="90000"/>
+      </a:schemeClr>
+    </dgm:fillClrLst>
+    <dgm:linClrLst meth="repeat">
+      <a:schemeClr val="accent2"/>
+    </dgm:linClrLst>
+    <dgm:effectClrLst/>
+    <dgm:txLinClrLst/>
+    <dgm:txFillClrLst meth="repeat">
+      <a:schemeClr val="dk1"/>
+    </dgm:txFillClrLst>
+    <dgm:txEffectClrLst/>
+  </dgm:styleLbl>
+  <dgm:styleLbl name="fgAcc3">
+    <dgm:fillClrLst meth="repeat">
+      <a:schemeClr val="lt1">
+        <a:alpha val="90000"/>
+      </a:schemeClr>
+    </dgm:fillClrLst>
+    <dgm:linClrLst meth="repeat">
+      <a:schemeClr val="accent2"/>
+    </dgm:linClrLst>
+    <dgm:effectClrLst/>
+    <dgm:txLinClrLst/>
+    <dgm:txFillClrLst meth="repeat">
+      <a:schemeClr val="dk1"/>
+    </dgm:txFillClrLst>
+    <dgm:txEffectClrLst/>
+  </dgm:styleLbl>
+  <dgm:styleLbl name="fgAcc4">
+    <dgm:fillClrLst meth="repeat">
+      <a:schemeClr val="lt1">
+        <a:alpha val="90000"/>
+      </a:schemeClr>
+    </dgm:fillClrLst>
+    <dgm:linClrLst meth="repeat">
+      <a:schemeClr val="accent2"/>
+    </dgm:linClrLst>
+    <dgm:effectClrLst/>
+    <dgm:txLinClrLst/>
+    <dgm:txFillClrLst meth="repeat">
+      <a:schemeClr val="dk1"/>
+    </dgm:txFillClrLst>
+    <dgm:txEffectClrLst/>
+  </dgm:styleLbl>
+  <dgm:styleLbl name="bgShp">
+    <dgm:fillClrLst meth="repeat">
+      <a:schemeClr val="accent2">
+        <a:tint val="40000"/>
+      </a:schemeClr>
+    </dgm:fillClrLst>
+    <dgm:linClrLst meth="repeat">
+      <a:schemeClr val="accent2"/>
+    </dgm:linClrLst>
+    <dgm:effectClrLst/>
+    <dgm:txLinClrLst/>
+    <dgm:txFillClrLst meth="repeat">
+      <a:schemeClr val="dk1"/>
+    </dgm:txFillClrLst>
+    <dgm:txEffectClrLst/>
+  </dgm:styleLbl>
+  <dgm:styleLbl name="dkBgShp">
+    <dgm:fillClrLst meth="repeat">
+      <a:schemeClr val="accent2">
+        <a:shade val="80000"/>
+      </a:schemeClr>
+    </dgm:fillClrLst>
+    <dgm:linClrLst meth="repeat">
+      <a:schemeClr val="accent2"/>
+    </dgm:linClrLst>
+    <dgm:effectClrLst/>
+    <dgm:txLinClrLst/>
+    <dgm:txFillClrLst meth="repeat">
+      <a:schemeClr val="lt1"/>
+    </dgm:txFillClrLst>
+    <dgm:txEffectClrLst/>
+  </dgm:styleLbl>
+  <dgm:styleLbl name="trBgShp">
+    <dgm:fillClrLst meth="repeat">
+      <a:schemeClr val="accent2">
+        <a:tint val="50000"/>
+        <a:alpha val="40000"/>
+      </a:schemeClr>
+    </dgm:fillClrLst>
+    <dgm:linClrLst meth="repeat">
+      <a:schemeClr val="accent2"/>
+    </dgm:linClrLst>
+    <dgm:effectClrLst/>
+    <dgm:txLinClrLst/>
+    <dgm:txFillClrLst meth="repeat">
+      <a:schemeClr val="lt1"/>
+    </dgm:txFillClrLst>
+    <dgm:txEffectClrLst/>
+  </dgm:styleLbl>
+  <dgm:styleLbl name="fgShp">
+    <dgm:fillClrLst meth="repeat">
+      <a:schemeClr val="accent2">
+        <a:tint val="60000"/>
+      </a:schemeClr>
+    </dgm:fillClrLst>
+    <dgm:linClrLst meth="repeat">
+      <a:schemeClr val="lt1"/>
+    </dgm:linClrLst>
+    <dgm:effectClrLst/>
+    <dgm:txLinClrLst/>
+    <dgm:txFillClrLst meth="repeat">
+      <a:schemeClr val="dk1"/>
+    </dgm:txFillClrLst>
+    <dgm:txEffectClrLst/>
+  </dgm:styleLbl>
+  <dgm:styleLbl name="revTx">
+    <dgm:fillClrLst meth="repeat">
+      <a:schemeClr val="lt1">
+        <a:alpha val="0"/>
+      </a:schemeClr>
+    </dgm:fillClrLst>
+    <dgm:linClrLst meth="repeat">
+      <a:schemeClr val="dk1">
+        <a:alpha val="0"/>
+      </a:schemeClr>
+    </dgm:linClrLst>
+    <dgm:effectClrLst/>
+    <dgm:txLinClrLst/>
+    <dgm:txFillClrLst meth="repeat">
+      <a:schemeClr val="tx1"/>
+    </dgm:txFillClrLst>
+    <dgm:txEffectClrLst/>
+  </dgm:styleLbl>
+</dgm:colorsDef>
+</file>
+
+<file path=ppt/diagrams/colors2.xml><?xml version="1.0" encoding="utf-8"?>
+<dgm:colorsDef xmlns:dgm="http://schemas.openxmlformats.org/drawingml/2006/diagram" xmlns:a="http://schemas.openxmlformats.org/drawingml/2006/main" uniqueId="urn:microsoft.com/office/officeart/2005/8/colors/accent3_2">
+  <dgm:title val=""/>
+  <dgm:desc val=""/>
+  <dgm:catLst>
+    <dgm:cat type="accent3" pri="11200"/>
+  </dgm:catLst>
+  <dgm:styleLbl name="node0">
+    <dgm:fillClrLst meth="repeat">
+      <a:schemeClr val="accent3"/>
+    </dgm:fillClrLst>
+    <dgm:linClrLst meth="repeat">
+      <a:schemeClr val="lt1"/>
+    </dgm:linClrLst>
+    <dgm:effectClrLst/>
+    <dgm:txLinClrLst/>
+    <dgm:txFillClrLst/>
+    <dgm:txEffectClrLst/>
+  </dgm:styleLbl>
+  <dgm:styleLbl name="node1">
+    <dgm:fillClrLst meth="repeat">
+      <a:schemeClr val="accent3"/>
+    </dgm:fillClrLst>
+    <dgm:linClrLst meth="repeat">
+      <a:schemeClr val="lt1"/>
+    </dgm:linClrLst>
+    <dgm:effectClrLst/>
+    <dgm:txLinClrLst/>
+    <dgm:txFillClrLst/>
+    <dgm:txEffectClrLst/>
+  </dgm:styleLbl>
+  <dgm:styleLbl name="alignNode1">
+    <dgm:fillClrLst meth="repeat">
+      <a:schemeClr val="accent3"/>
+    </dgm:fillClrLst>
+    <dgm:linClrLst meth="repeat">
+      <a:schemeClr val="accent3"/>
+    </dgm:linClrLst>
+    <dgm:effectClrLst/>
+    <dgm:txLinClrLst/>
+    <dgm:txFillClrLst/>
+    <dgm:txEffectClrLst/>
+  </dgm:styleLbl>
+  <dgm:styleLbl name="lnNode1">
+    <dgm:fillClrLst meth="repeat">
+      <a:schemeClr val="accent3"/>
+    </dgm:fillClrLst>
+    <dgm:linClrLst meth="repeat">
+      <a:schemeClr val="lt1"/>
+    </dgm:linClrLst>
+    <dgm:effectClrLst/>
+    <dgm:txLinClrLst/>
+    <dgm:txFillClrLst/>
+    <dgm:txEffectClrLst/>
+  </dgm:styleLbl>
+  <dgm:styleLbl name="vennNode1">
+    <dgm:fillClrLst meth="repeat">
+      <a:schemeClr val="accent3">
+        <a:alpha val="50000"/>
+      </a:schemeClr>
+    </dgm:fillClrLst>
+    <dgm:linClrLst meth="repeat">
+      <a:schemeClr val="lt1"/>
+    </dgm:linClrLst>
+    <dgm:effectClrLst/>
+    <dgm:txLinClrLst/>
+    <dgm:txFillClrLst/>
+    <dgm:txEffectClrLst/>
+  </dgm:styleLbl>
+  <dgm:styleLbl name="node2">
+    <dgm:fillClrLst meth="repeat">
+      <a:schemeClr val="accent3"/>
+    </dgm:fillClrLst>
+    <dgm:linClrLst meth="repeat">
+      <a:schemeClr val="lt1"/>
+    </dgm:linClrLst>
+    <dgm:effectClrLst/>
+    <dgm:txLinClrLst/>
+    <dgm:txFillClrLst/>
+    <dgm:txEffectClrLst/>
+  </dgm:styleLbl>
+  <dgm:styleLbl name="node3">
+    <dgm:fillClrLst meth="repeat">
+      <a:schemeClr val="accent3"/>
+    </dgm:fillClrLst>
+    <dgm:linClrLst meth="repeat">
+      <a:schemeClr val="lt1"/>
+    </dgm:linClrLst>
+    <dgm:effectClrLst/>
+    <dgm:txLinClrLst/>
+    <dgm:txFillClrLst/>
+    <dgm:txEffectClrLst/>
+  </dgm:styleLbl>
+  <dgm:styleLbl name="node4">
+    <dgm:fillClrLst meth="repeat">
+      <a:schemeClr val="accent3"/>
+    </dgm:fillClrLst>
+    <dgm:linClrLst meth="repeat">
+      <a:schemeClr val="lt1"/>
+    </dgm:linClrLst>
+    <dgm:effectClrLst/>
+    <dgm:txLinClrLst/>
+    <dgm:txFillClrLst/>
+    <dgm:txEffectClrLst/>
+  </dgm:styleLbl>
+  <dgm:styleLbl name="fgImgPlace1">
+    <dgm:fillClrLst meth="repeat">
+      <a:schemeClr val="accent3">
+        <a:tint val="50000"/>
+      </a:schemeClr>
+    </dgm:fillClrLst>
+    <dgm:linClrLst meth="repeat">
+      <a:schemeClr val="lt1"/>
+    </dgm:linClrLst>
+    <dgm:effectClrLst/>
+    <dgm:txLinClrLst/>
+    <dgm:txFillClrLst meth="repeat">
+      <a:schemeClr val="lt1"/>
+    </dgm:txFillClrLst>
+    <dgm:txEffectClrLst/>
+  </dgm:styleLbl>
+  <dgm:styleLbl name="alignImgPlace1">
+    <dgm:fillClrLst meth="repeat">
+      <a:schemeClr val="accent3">
+        <a:tint val="50000"/>
+      </a:schemeClr>
+    </dgm:fillClrLst>
+    <dgm:linClrLst meth="repeat">
+      <a:schemeClr val="lt1"/>
+    </dgm:linClrLst>
+    <dgm:effectClrLst/>
+    <dgm:txLinClrLst/>
+    <dgm:txFillClrLst meth="repeat">
+      <a:schemeClr val="lt1"/>
+    </dgm:txFillClrLst>
+    <dgm:txEffectClrLst/>
+  </dgm:styleLbl>
+  <dgm:styleLbl name="bgImgPlace1">
+    <dgm:fillClrLst meth="repeat">
+      <a:schemeClr val="accent3">
+        <a:tint val="50000"/>
+      </a:schemeClr>
+    </dgm:fillClrLst>
+    <dgm:linClrLst meth="repeat">
+      <a:schemeClr val="lt1"/>
+    </dgm:linClrLst>
+    <dgm:effectClrLst/>
+    <dgm:txLinClrLst/>
+    <dgm:txFillClrLst meth="repeat">
+      <a:schemeClr val="lt1"/>
+    </dgm:txFillClrLst>
+    <dgm:txEffectClrLst/>
+  </dgm:styleLbl>
+  <dgm:styleLbl name="sibTrans2D1">
+    <dgm:fillClrLst meth="repeat">
+      <a:schemeClr val="accent3">
+        <a:tint val="60000"/>
+      </a:schemeClr>
+    </dgm:fillClrLst>
+    <dgm:linClrLst meth="repeat">
+      <a:schemeClr val="accent3">
+        <a:tint val="60000"/>
+      </a:schemeClr>
+    </dgm:linClrLst>
+    <dgm:effectClrLst/>
+    <dgm:txLinClrLst/>
+    <dgm:txFillClrLst/>
+    <dgm:txEffectClrLst/>
+  </dgm:styleLbl>
+  <dgm:styleLbl name="fgSibTrans2D1">
+    <dgm:fillClrLst meth="repeat">
+      <a:schemeClr val="accent3">
+        <a:tint val="60000"/>
+      </a:schemeClr>
+    </dgm:fillClrLst>
+    <dgm:linClrLst meth="repeat">
+      <a:schemeClr val="accent3">
+        <a:tint val="60000"/>
+      </a:schemeClr>
+    </dgm:linClrLst>
+    <dgm:effectClrLst/>
+    <dgm:txLinClrLst/>
+    <dgm:txFillClrLst/>
+    <dgm:txEffectClrLst/>
+  </dgm:styleLbl>
+  <dgm:styleLbl name="bgSibTrans2D1">
+    <dgm:fillClrLst meth="repeat">
+      <a:schemeClr val="accent3">
+        <a:tint val="60000"/>
+      </a:schemeClr>
+    </dgm:fillClrLst>
+    <dgm:linClrLst meth="repeat">
+      <a:schemeClr val="accent3">
+        <a:tint val="60000"/>
+      </a:schemeClr>
+    </dgm:linClrLst>
+    <dgm:effectClrLst/>
+    <dgm:txLinClrLst/>
+    <dgm:txFillClrLst/>
+    <dgm:txEffectClrLst/>
+  </dgm:styleLbl>
+  <dgm:styleLbl name="sibTrans1D1">
+    <dgm:fillClrLst meth="repeat">
+      <a:schemeClr val="accent3"/>
+    </dgm:fillClrLst>
+    <dgm:linClrLst meth="repeat">
+      <a:schemeClr val="accent3"/>
+    </dgm:linClrLst>
+    <dgm:effectClrLst/>
+    <dgm:txLinClrLst/>
+    <dgm:txFillClrLst meth="repeat">
+      <a:schemeClr val="tx1"/>
+    </dgm:txFillClrLst>
+    <dgm:txEffectClrLst/>
+  </dgm:styleLbl>
+  <dgm:styleLbl name="callout">
+    <dgm:fillClrLst meth="repeat">
+      <a:schemeClr val="accent3"/>
+    </dgm:fillClrLst>
+    <dgm:linClrLst meth="repeat">
+      <a:schemeClr val="accent3">
+        <a:tint val="50000"/>
+      </a:schemeClr>
+    </dgm:linClrLst>
+    <dgm:effectClrLst/>
+    <dgm:txLinClrLst/>
+    <dgm:txFillClrLst meth="repeat">
+      <a:schemeClr val="tx1"/>
+    </dgm:txFillClrLst>
+    <dgm:txEffectClrLst/>
+  </dgm:styleLbl>
+  <dgm:styleLbl name="asst0">
+    <dgm:fillClrLst meth="repeat">
+      <a:schemeClr val="accent3"/>
+    </dgm:fillClrLst>
+    <dgm:linClrLst meth="repeat">
+      <a:schemeClr val="lt1"/>
+    </dgm:linClrLst>
+    <dgm:effectClrLst/>
+    <dgm:txLinClrLst/>
+    <dgm:txFillClrLst/>
+    <dgm:txEffectClrLst/>
+  </dgm:styleLbl>
+  <dgm:styleLbl name="asst1">
+    <dgm:fillClrLst meth="repeat">
+      <a:schemeClr val="accent3"/>
+    </dgm:fillClrLst>
+    <dgm:linClrLst meth="repeat">
+      <a:schemeClr val="lt1"/>
+    </dgm:linClrLst>
+    <dgm:effectClrLst/>
+    <dgm:txLinClrLst/>
+    <dgm:txFillClrLst/>
+    <dgm:txEffectClrLst/>
+  </dgm:styleLbl>
+  <dgm:styleLbl name="asst2">
+    <dgm:fillClrLst meth="repeat">
+      <a:schemeClr val="accent3"/>
+    </dgm:fillClrLst>
+    <dgm:linClrLst meth="repeat">
+      <a:schemeClr val="lt1"/>
+    </dgm:linClrLst>
+    <dgm:effectClrLst/>
+    <dgm:txLinClrLst/>
+    <dgm:txFillClrLst/>
+    <dgm:txEffectClrLst/>
+  </dgm:styleLbl>
+  <dgm:styleLbl name="asst3">
+    <dgm:fillClrLst meth="repeat">
+      <a:schemeClr val="accent3"/>
+    </dgm:fillClrLst>
+    <dgm:linClrLst meth="repeat">
+      <a:schemeClr val="lt1"/>
+    </dgm:linClrLst>
+    <dgm:effectClrLst/>
+    <dgm:txLinClrLst/>
+    <dgm:txFillClrLst/>
+    <dgm:txEffectClrLst/>
+  </dgm:styleLbl>
+  <dgm:styleLbl name="asst4">
+    <dgm:fillClrLst meth="repeat">
+      <a:schemeClr val="accent3"/>
+    </dgm:fillClrLst>
+    <dgm:linClrLst meth="repeat">
+      <a:schemeClr val="lt1"/>
+    </dgm:linClrLst>
+    <dgm:effectClrLst/>
+    <dgm:txLinClrLst/>
+    <dgm:txFillClrLst/>
+    <dgm:txEffectClrLst/>
+  </dgm:styleLbl>
+  <dgm:styleLbl name="parChTrans2D1">
+    <dgm:fillClrLst meth="repeat">
+      <a:schemeClr val="accent3">
+        <a:tint val="60000"/>
+      </a:schemeClr>
+    </dgm:fillClrLst>
+    <dgm:linClrLst meth="repeat">
+      <a:schemeClr val="accent3">
+        <a:tint val="60000"/>
+      </a:schemeClr>
+    </dgm:linClrLst>
+    <dgm:effectClrLst/>
+    <dgm:txLinClrLst/>
+    <dgm:txFillClrLst meth="repeat">
+      <a:schemeClr val="lt1"/>
+    </dgm:txFillClrLst>
+    <dgm:txEffectClrLst/>
+  </dgm:styleLbl>
+  <dgm:styleLbl name="parChTrans2D2">
+    <dgm:fillClrLst meth="repeat">
+      <a:schemeClr val="accent3"/>
+    </dgm:fillClrLst>
+    <dgm:linClrLst meth="repeat">
+      <a:schemeClr val="accent3"/>
+    </dgm:linClrLst>
+    <dgm:effectClrLst/>
+    <dgm:txLinClrLst/>
+    <dgm:txFillClrLst meth="repeat">
+      <a:schemeClr val="lt1"/>
+    </dgm:txFillClrLst>
+    <dgm:txEffectClrLst/>
+  </dgm:styleLbl>
+  <dgm:styleLbl name="parChTrans2D3">
+    <dgm:fillClrLst meth="repeat">
+      <a:schemeClr val="accent3"/>
+    </dgm:fillClrLst>
+    <dgm:linClrLst meth="repeat">
+      <a:schemeClr val="accent3"/>
+    </dgm:linClrLst>
+    <dgm:effectClrLst/>
+    <dgm:txLinClrLst/>
+    <dgm:txFillClrLst meth="repeat">
+      <a:schemeClr val="lt1"/>
+    </dgm:txFillClrLst>
+    <dgm:txEffectClrLst/>
+  </dgm:styleLbl>
+  <dgm:styleLbl name="parChTrans2D4">
+    <dgm:fillClrLst meth="repeat">
+      <a:schemeClr val="accent3"/>
+    </dgm:fillClrLst>
+    <dgm:linClrLst meth="repeat">
+      <a:schemeClr val="accent3"/>
+    </dgm:linClrLst>
+    <dgm:effectClrLst/>
+    <dgm:txLinClrLst/>
+    <dgm:txFillClrLst meth="repeat">
+      <a:schemeClr val="lt1"/>
+    </dgm:txFillClrLst>
+    <dgm:txEffectClrLst/>
+  </dgm:styleLbl>
+  <dgm:styleLbl name="parChTrans1D1">
+    <dgm:fillClrLst meth="repeat">
+      <a:schemeClr val="accent3"/>
+    </dgm:fillClrLst>
+    <dgm:linClrLst meth="repeat">
+      <a:schemeClr val="accent3">
+        <a:shade val="60000"/>
+      </a:schemeClr>
+    </dgm:linClrLst>
+    <dgm:effectClrLst/>
+    <dgm:txLinClrLst/>
+    <dgm:txFillClrLst meth="repeat">
+      <a:schemeClr val="tx1"/>
+    </dgm:txFillClrLst>
+    <dgm:txEffectClrLst/>
+  </dgm:styleLbl>
+  <dgm:styleLbl name="parChTrans1D2">
+    <dgm:fillClrLst meth="repeat">
+      <a:schemeClr val="accent3"/>
+    </dgm:fillClrLst>
+    <dgm:linClrLst meth="repeat">
+      <a:schemeClr val="accent3">
+        <a:shade val="60000"/>
+      </a:schemeClr>
+    </dgm:linClrLst>
+    <dgm:effectClrLst/>
+    <dgm:txLinClrLst/>
+    <dgm:txFillClrLst meth="repeat">
+      <a:schemeClr val="tx1"/>
+    </dgm:txFillClrLst>
+    <dgm:txEffectClrLst/>
+  </dgm:styleLbl>
+  <dgm:styleLbl name="parChTrans1D3">
+    <dgm:fillClrLst meth="repeat">
+      <a:schemeClr val="accent3"/>
+    </dgm:fillClrLst>
+    <dgm:linClrLst meth="repeat">
+      <a:schemeClr val="accent3">
+        <a:shade val="80000"/>
+      </a:schemeClr>
+    </dgm:linClrLst>
+    <dgm:effectClrLst/>
+    <dgm:txLinClrLst/>
+    <dgm:txFillClrLst meth="repeat">
+      <a:schemeClr val="tx1"/>
+    </dgm:txFillClrLst>
+    <dgm:txEffectClrLst/>
+  </dgm:styleLbl>
+  <dgm:styleLbl name="parChTrans1D4">
+    <dgm:fillClrLst meth="repeat">
+      <a:schemeClr val="accent3"/>
+    </dgm:fillClrLst>
+    <dgm:linClrLst meth="repeat">
+      <a:schemeClr val="accent3">
+        <a:shade val="80000"/>
+      </a:schemeClr>
+    </dgm:linClrLst>
+    <dgm:effectClrLst/>
+    <dgm:txLinClrLst/>
+    <dgm:txFillClrLst meth="repeat">
+      <a:schemeClr val="tx1"/>
+    </dgm:txFillClrLst>
+    <dgm:txEffectClrLst/>
+  </dgm:styleLbl>
+  <dgm:styleLbl name="fgAcc1">
+    <dgm:fillClrLst meth="repeat">
+      <a:schemeClr val="lt1">
+        <a:alpha val="90000"/>
+      </a:schemeClr>
+    </dgm:fillClrLst>
+    <dgm:linClrLst meth="repeat">
+      <a:schemeClr val="accent3"/>
+    </dgm:linClrLst>
+    <dgm:effectClrLst/>
+    <dgm:txLinClrLst/>
+    <dgm:txFillClrLst meth="repeat">
+      <a:schemeClr val="dk1"/>
+    </dgm:txFillClrLst>
+    <dgm:txEffectClrLst/>
+  </dgm:styleLbl>
+  <dgm:styleLbl name="conFgAcc1">
+    <dgm:fillClrLst meth="repeat">
+      <a:schemeClr val="lt1">
+        <a:alpha val="90000"/>
+      </a:schemeClr>
+    </dgm:fillClrLst>
+    <dgm:linClrLst meth="repeat">
+      <a:schemeClr val="accent3"/>
+    </dgm:linClrLst>
+    <dgm:effectClrLst/>
+    <dgm:txLinClrLst/>
+    <dgm:txFillClrLst meth="repeat">
+      <a:schemeClr val="dk1"/>
+    </dgm:txFillClrLst>
+    <dgm:txEffectClrLst/>
+  </dgm:styleLbl>
+  <dgm:styleLbl name="alignAcc1">
+    <dgm:fillClrLst meth="repeat">
+      <a:schemeClr val="lt1">
+        <a:alpha val="90000"/>
+      </a:schemeClr>
+    </dgm:fillClrLst>
+    <dgm:linClrLst meth="repeat">
+      <a:schemeClr val="accent3"/>
+    </dgm:linClrLst>
+    <dgm:effectClrLst/>
+    <dgm:txLinClrLst/>
+    <dgm:txFillClrLst meth="repeat">
+      <a:schemeClr val="dk1"/>
+    </dgm:txFillClrLst>
+    <dgm:txEffectClrLst/>
+  </dgm:styleLbl>
+  <dgm:styleLbl name="trAlignAcc1">
+    <dgm:fillClrLst meth="repeat">
+      <a:schemeClr val="lt1">
+        <a:alpha val="40000"/>
+      </a:schemeClr>
+    </dgm:fillClrLst>
+    <dgm:linClrLst meth="repeat">
+      <a:schemeClr val="accent3"/>
+    </dgm:linClrLst>
+    <dgm:effectClrLst/>
+    <dgm:txLinClrLst/>
+    <dgm:txFillClrLst meth="repeat">
+      <a:schemeClr val="dk1"/>
+    </dgm:txFillClrLst>
+    <dgm:txEffectClrLst/>
+  </dgm:styleLbl>
+  <dgm:styleLbl name="bgAcc1">
+    <dgm:fillClrLst meth="repeat">
+      <a:schemeClr val="lt1">
+        <a:alpha val="90000"/>
+      </a:schemeClr>
+    </dgm:fillClrLst>
+    <dgm:linClrLst meth="repeat">
+      <a:schemeClr val="accent3"/>
+    </dgm:linClrLst>
+    <dgm:effectClrLst/>
+    <dgm:txLinClrLst/>
+    <dgm:txFillClrLst meth="repeat">
+      <a:schemeClr val="dk1"/>
+    </dgm:txFillClrLst>
+    <dgm:txEffectClrLst/>
+  </dgm:styleLbl>
+  <dgm:styleLbl name="solidFgAcc1">
+    <dgm:fillClrLst meth="repeat">
+      <a:schemeClr val="lt1"/>
+    </dgm:fillClrLst>
+    <dgm:linClrLst meth="repeat">
+      <a:schemeClr val="accent3"/>
+    </dgm:linClrLst>
+    <dgm:effectClrLst/>
+    <dgm:txLinClrLst/>
+    <dgm:txFillClrLst meth="repeat">
+      <a:schemeClr val="dk1"/>
+    </dgm:txFillClrLst>
+    <dgm:txEffectClrLst/>
+  </dgm:styleLbl>
+  <dgm:styleLbl name="solidAlignAcc1">
+    <dgm:fillClrLst meth="repeat">
+      <a:schemeClr val="lt1"/>
+    </dgm:fillClrLst>
+    <dgm:linClrLst meth="repeat">
+      <a:schemeClr val="accent3"/>
+    </dgm:linClrLst>
+    <dgm:effectClrLst/>
+    <dgm:txLinClrLst/>
+    <dgm:txFillClrLst meth="repeat">
+      <a:schemeClr val="dk1"/>
+    </dgm:txFillClrLst>
+    <dgm:txEffectClrLst/>
+  </dgm:styleLbl>
+  <dgm:styleLbl name="solidBgAcc1">
+    <dgm:fillClrLst meth="repeat">
+      <a:schemeClr val="lt1"/>
+    </dgm:fillClrLst>
+    <dgm:linClrLst meth="repeat">
+      <a:schemeClr val="accent3"/>
+    </dgm:linClrLst>
+    <dgm:effectClrLst/>
+    <dgm:txLinClrLst/>
+    <dgm:txFillClrLst meth="repeat">
+      <a:schemeClr val="dk1"/>
+    </dgm:txFillClrLst>
+    <dgm:txEffectClrLst/>
+  </dgm:styleLbl>
+  <dgm:styleLbl name="fgAccFollowNode1">
+    <dgm:fillClrLst meth="repeat">
+      <a:schemeClr val="accent3">
+        <a:alpha val="90000"/>
+        <a:tint val="40000"/>
+      </a:schemeClr>
+    </dgm:fillClrLst>
+    <dgm:linClrLst meth="repeat">
+      <a:schemeClr val="accent3">
+        <a:alpha val="90000"/>
+        <a:tint val="40000"/>
+      </a:schemeClr>
+    </dgm:linClrLst>
+    <dgm:effectClrLst/>
+    <dgm:txLinClrLst/>
+    <dgm:txFillClrLst meth="repeat">
+      <a:schemeClr val="dk1"/>
+    </dgm:txFillClrLst>
+    <dgm:txEffectClrLst/>
+  </dgm:styleLbl>
+  <dgm:styleLbl name="alignAccFollowNode1">
+    <dgm:fillClrLst meth="repeat">
+      <a:schemeClr val="accent3">
+        <a:alpha val="90000"/>
+        <a:tint val="40000"/>
+      </a:schemeClr>
+    </dgm:fillClrLst>
+    <dgm:linClrLst meth="repeat">
+      <a:schemeClr val="accent3">
+        <a:alpha val="90000"/>
+        <a:tint val="40000"/>
+      </a:schemeClr>
+    </dgm:linClrLst>
+    <dgm:effectClrLst/>
+    <dgm:txLinClrLst/>
+    <dgm:txFillClrLst meth="repeat">
+      <a:schemeClr val="dk1"/>
+    </dgm:txFillClrLst>
+    <dgm:txEffectClrLst/>
+  </dgm:styleLbl>
+  <dgm:styleLbl name="bgAccFollowNode1">
+    <dgm:fillClrLst meth="repeat">
+      <a:schemeClr val="accent3">
+        <a:alpha val="90000"/>
+        <a:tint val="40000"/>
+      </a:schemeClr>
+    </dgm:fillClrLst>
+    <dgm:linClrLst meth="repeat">
+      <a:schemeClr val="accent3">
+        <a:alpha val="90000"/>
+        <a:tint val="40000"/>
+      </a:schemeClr>
+    </dgm:linClrLst>
+    <dgm:effectClrLst/>
+    <dgm:txLinClrLst/>
+    <dgm:txFillClrLst meth="repeat">
+      <a:schemeClr val="dk1"/>
+    </dgm:txFillClrLst>
+    <dgm:txEffectClrLst/>
+  </dgm:styleLbl>
+  <dgm:styleLbl name="fgAcc0">
+    <dgm:fillClrLst meth="repeat">
+      <a:schemeClr val="lt1">
+        <a:alpha val="90000"/>
+      </a:schemeClr>
+    </dgm:fillClrLst>
+    <dgm:linClrLst meth="repeat">
+      <a:schemeClr val="accent3"/>
+    </dgm:linClrLst>
+    <dgm:effectClrLst/>
+    <dgm:txLinClrLst/>
+    <dgm:txFillClrLst meth="repeat">
+      <a:schemeClr val="dk1"/>
+    </dgm:txFillClrLst>
+    <dgm:txEffectClrLst/>
+  </dgm:styleLbl>
+  <dgm:styleLbl name="fgAcc2">
+    <dgm:fillClrLst meth="repeat">
+      <a:schemeClr val="lt1">
+        <a:alpha val="90000"/>
+      </a:schemeClr>
+    </dgm:fillClrLst>
+    <dgm:linClrLst meth="repeat">
+      <a:schemeClr val="accent3"/>
+    </dgm:linClrLst>
+    <dgm:effectClrLst/>
+    <dgm:txLinClrLst/>
+    <dgm:txFillClrLst meth="repeat">
+      <a:schemeClr val="dk1"/>
+    </dgm:txFillClrLst>
+    <dgm:txEffectClrLst/>
+  </dgm:styleLbl>
+  <dgm:styleLbl name="fgAcc3">
+    <dgm:fillClrLst meth="repeat">
+      <a:schemeClr val="lt1">
+        <a:alpha val="90000"/>
+      </a:schemeClr>
+    </dgm:fillClrLst>
+    <dgm:linClrLst meth="repeat">
+      <a:schemeClr val="accent3"/>
+    </dgm:linClrLst>
+    <dgm:effectClrLst/>
+    <dgm:txLinClrLst/>
+    <dgm:txFillClrLst meth="repeat">
+      <a:schemeClr val="dk1"/>
+    </dgm:txFillClrLst>
+    <dgm:txEffectClrLst/>
+  </dgm:styleLbl>
+  <dgm:styleLbl name="fgAcc4">
+    <dgm:fillClrLst meth="repeat">
+      <a:schemeClr val="lt1">
+        <a:alpha val="90000"/>
+      </a:schemeClr>
+    </dgm:fillClrLst>
+    <dgm:linClrLst meth="repeat">
+      <a:schemeClr val="accent3"/>
+    </dgm:linClrLst>
+    <dgm:effectClrLst/>
+    <dgm:txLinClrLst/>
+    <dgm:txFillClrLst meth="repeat">
+      <a:schemeClr val="dk1"/>
+    </dgm:txFillClrLst>
+    <dgm:txEffectClrLst/>
+  </dgm:styleLbl>
+  <dgm:styleLbl name="bgShp">
+    <dgm:fillClrLst meth="repeat">
+      <a:schemeClr val="accent3">
+        <a:tint val="40000"/>
+      </a:schemeClr>
+    </dgm:fillClrLst>
+    <dgm:linClrLst meth="repeat">
+      <a:schemeClr val="accent3"/>
+    </dgm:linClrLst>
+    <dgm:effectClrLst/>
+    <dgm:txLinClrLst/>
+    <dgm:txFillClrLst meth="repeat">
+      <a:schemeClr val="dk1"/>
+    </dgm:txFillClrLst>
+    <dgm:txEffectClrLst/>
+  </dgm:styleLbl>
+  <dgm:styleLbl name="dkBgShp">
+    <dgm:fillClrLst meth="repeat">
+      <a:schemeClr val="accent3">
+        <a:shade val="80000"/>
+      </a:schemeClr>
+    </dgm:fillClrLst>
+    <dgm:linClrLst meth="repeat">
+      <a:schemeClr val="accent3"/>
+    </dgm:linClrLst>
+    <dgm:effectClrLst/>
+    <dgm:txLinClrLst/>
+    <dgm:txFillClrLst meth="repeat">
+      <a:schemeClr val="lt1"/>
+    </dgm:txFillClrLst>
+    <dgm:txEffectClrLst/>
+  </dgm:styleLbl>
+  <dgm:styleLbl name="trBgShp">
+    <dgm:fillClrLst meth="repeat">
+      <a:schemeClr val="accent3">
+        <a:tint val="50000"/>
+        <a:alpha val="40000"/>
+      </a:schemeClr>
+    </dgm:fillClrLst>
+    <dgm:linClrLst meth="repeat">
+      <a:schemeClr val="accent3"/>
+    </dgm:linClrLst>
+    <dgm:effectClrLst/>
+    <dgm:txLinClrLst/>
+    <dgm:txFillClrLst meth="repeat">
+      <a:schemeClr val="lt1"/>
+    </dgm:txFillClrLst>
+    <dgm:txEffectClrLst/>
+  </dgm:styleLbl>
+  <dgm:styleLbl name="fgShp">
+    <dgm:fillClrLst meth="repeat">
+      <a:schemeClr val="accent3">
+        <a:tint val="60000"/>
+      </a:schemeClr>
+    </dgm:fillClrLst>
+    <dgm:linClrLst meth="repeat">
+      <a:schemeClr val="lt1"/>
+    </dgm:linClrLst>
+    <dgm:effectClrLst/>
+    <dgm:txLinClrLst/>
+    <dgm:txFillClrLst meth="repeat">
+      <a:schemeClr val="dk1"/>
+    </dgm:txFillClrLst>
+    <dgm:txEffectClrLst/>
+  </dgm:styleLbl>
+  <dgm:styleLbl name="revTx">
+    <dgm:fillClrLst meth="repeat">
+      <a:schemeClr val="lt1">
+        <a:alpha val="0"/>
+      </a:schemeClr>
+    </dgm:fillClrLst>
+    <dgm:linClrLst meth="repeat">
+      <a:schemeClr val="dk1">
+        <a:alpha val="0"/>
+      </a:schemeClr>
+    </dgm:linClrLst>
+    <dgm:effectClrLst/>
+    <dgm:txLinClrLst/>
+    <dgm:txFillClrLst meth="repeat">
+      <a:schemeClr val="tx1"/>
+    </dgm:txFillClrLst>
+    <dgm:txEffectClrLst/>
+  </dgm:styleLbl>
+</dgm:colorsDef>
+</file>
+
+<file path=ppt/diagrams/colors3.xml><?xml version="1.0" encoding="utf-8"?>
 <dgm:colorsDef xmlns:dgm="http://schemas.openxmlformats.org/drawingml/2006/diagram" xmlns:a="http://schemas.openxmlformats.org/drawingml/2006/main" uniqueId="urn:microsoft.com/office/officeart/2005/8/colors/accent1_5">
   <dgm:title val=""/>
   <dgm:desc val=""/>
@@ -1053,6 +2548,828 @@
 </file>
 
 <file path=ppt/diagrams/data1.xml><?xml version="1.0" encoding="utf-8"?>
+<dgm:dataModel xmlns:dgm="http://schemas.openxmlformats.org/drawingml/2006/diagram" xmlns:a="http://schemas.openxmlformats.org/drawingml/2006/main">
+  <dgm:ptLst>
+    <dgm:pt modelId="{C59A2F3F-7B12-47F0-9CA6-8DB37B445A1B}" type="doc">
+      <dgm:prSet loTypeId="urn:microsoft.com/office/officeart/2018/2/layout/IconVerticalSolidList" loCatId="icon" qsTypeId="urn:microsoft.com/office/officeart/2005/8/quickstyle/simple1" qsCatId="simple" csTypeId="urn:microsoft.com/office/officeart/2005/8/colors/accent2_2" csCatId="accent2" phldr="1"/>
+      <dgm:spPr/>
+      <dgm:t>
+        <a:bodyPr/>
+        <a:lstStyle/>
+        <a:p>
+          <a:endParaRPr lang="en-US"/>
+        </a:p>
+      </dgm:t>
+    </dgm:pt>
+    <dgm:pt modelId="{5BBD1F80-B0C9-4B0E-9016-224F39E12F72}">
+      <dgm:prSet/>
+      <dgm:spPr/>
+      <dgm:t>
+        <a:bodyPr/>
+        <a:lstStyle/>
+        <a:p>
+          <a:r>
+            <a:rPr lang="de-DE" b="1"/>
+            <a:t>Ziel 1: </a:t>
+          </a:r>
+          <a:r>
+            <a:rPr lang="de-DE"/>
+            <a:t>Systemanalyse und –bewertung des Leipziger Dokumentationssystems zur medizinischen Dokumentation bei Wohnungslosen</a:t>
+          </a:r>
+          <a:endParaRPr lang="en-US"/>
+        </a:p>
+      </dgm:t>
+    </dgm:pt>
+    <dgm:pt modelId="{806F0D71-8D90-453E-953D-1286A459DA48}" type="parTrans" cxnId="{03C67EE2-BED7-4882-8CC1-CFB11EEFFA57}">
+      <dgm:prSet/>
+      <dgm:spPr/>
+      <dgm:t>
+        <a:bodyPr/>
+        <a:lstStyle/>
+        <a:p>
+          <a:endParaRPr lang="en-US"/>
+        </a:p>
+      </dgm:t>
+    </dgm:pt>
+    <dgm:pt modelId="{93B96530-8ABB-4C3D-9F7D-608308B06574}" type="sibTrans" cxnId="{03C67EE2-BED7-4882-8CC1-CFB11EEFFA57}">
+      <dgm:prSet/>
+      <dgm:spPr/>
+      <dgm:t>
+        <a:bodyPr/>
+        <a:lstStyle/>
+        <a:p>
+          <a:endParaRPr lang="en-US"/>
+        </a:p>
+      </dgm:t>
+    </dgm:pt>
+    <dgm:pt modelId="{E109EAEE-E0BC-4DEA-8FFE-B235A3943EC4}">
+      <dgm:prSet/>
+      <dgm:spPr/>
+      <dgm:t>
+        <a:bodyPr/>
+        <a:lstStyle/>
+        <a:p>
+          <a:r>
+            <a:rPr lang="de-DE"/>
+            <a:t>Informationsbeschaffung über das Leipziger System</a:t>
+          </a:r>
+          <a:endParaRPr lang="en-US"/>
+        </a:p>
+      </dgm:t>
+    </dgm:pt>
+    <dgm:pt modelId="{D1F74F50-8E48-4B9E-A89E-38AF053A48CD}" type="parTrans" cxnId="{8B636607-7566-44C3-AF7B-336309CF5289}">
+      <dgm:prSet/>
+      <dgm:spPr/>
+      <dgm:t>
+        <a:bodyPr/>
+        <a:lstStyle/>
+        <a:p>
+          <a:endParaRPr lang="en-US"/>
+        </a:p>
+      </dgm:t>
+    </dgm:pt>
+    <dgm:pt modelId="{74CE87F6-AA6B-4E52-A221-B9823F9F91F0}" type="sibTrans" cxnId="{8B636607-7566-44C3-AF7B-336309CF5289}">
+      <dgm:prSet/>
+      <dgm:spPr/>
+      <dgm:t>
+        <a:bodyPr/>
+        <a:lstStyle/>
+        <a:p>
+          <a:endParaRPr lang="en-US"/>
+        </a:p>
+      </dgm:t>
+    </dgm:pt>
+    <dgm:pt modelId="{1F3524D8-D4F6-43DF-99CC-3084A1671B0D}">
+      <dgm:prSet/>
+      <dgm:spPr/>
+      <dgm:t>
+        <a:bodyPr/>
+        <a:lstStyle/>
+        <a:p>
+          <a:r>
+            <a:rPr lang="de-DE"/>
+            <a:t>Gegenüberstellung der Stärken und Schwächen</a:t>
+          </a:r>
+          <a:endParaRPr lang="en-US"/>
+        </a:p>
+      </dgm:t>
+    </dgm:pt>
+    <dgm:pt modelId="{039CECBC-24B0-4D77-939B-AA5511A5A389}" type="parTrans" cxnId="{39B559A5-ED19-4563-BDBC-FDF72C7378A6}">
+      <dgm:prSet/>
+      <dgm:spPr/>
+      <dgm:t>
+        <a:bodyPr/>
+        <a:lstStyle/>
+        <a:p>
+          <a:endParaRPr lang="en-US"/>
+        </a:p>
+      </dgm:t>
+    </dgm:pt>
+    <dgm:pt modelId="{0E57C168-9E05-4734-819B-EDF70F55FCB1}" type="sibTrans" cxnId="{39B559A5-ED19-4563-BDBC-FDF72C7378A6}">
+      <dgm:prSet/>
+      <dgm:spPr/>
+      <dgm:t>
+        <a:bodyPr/>
+        <a:lstStyle/>
+        <a:p>
+          <a:endParaRPr lang="en-US"/>
+        </a:p>
+      </dgm:t>
+    </dgm:pt>
+    <dgm:pt modelId="{E3190F01-A309-46F4-8BCD-9F34E5E49220}">
+      <dgm:prSet/>
+      <dgm:spPr/>
+      <dgm:t>
+        <a:bodyPr/>
+        <a:lstStyle/>
+        <a:p>
+          <a:r>
+            <a:rPr lang="de-DE"/>
+            <a:t>Vorschläge zur Verbesserung</a:t>
+          </a:r>
+          <a:endParaRPr lang="en-US"/>
+        </a:p>
+      </dgm:t>
+    </dgm:pt>
+    <dgm:pt modelId="{1567D6A5-C01A-4C7E-A2ED-BCB7D64F0D16}" type="parTrans" cxnId="{6F3303F2-6B58-4CBB-93BE-A1FDECF98F11}">
+      <dgm:prSet/>
+      <dgm:spPr/>
+      <dgm:t>
+        <a:bodyPr/>
+        <a:lstStyle/>
+        <a:p>
+          <a:endParaRPr lang="en-US"/>
+        </a:p>
+      </dgm:t>
+    </dgm:pt>
+    <dgm:pt modelId="{A0AD71D2-D43A-438F-B92F-0A811442FBA7}" type="sibTrans" cxnId="{6F3303F2-6B58-4CBB-93BE-A1FDECF98F11}">
+      <dgm:prSet/>
+      <dgm:spPr/>
+      <dgm:t>
+        <a:bodyPr/>
+        <a:lstStyle/>
+        <a:p>
+          <a:endParaRPr lang="en-US"/>
+        </a:p>
+      </dgm:t>
+    </dgm:pt>
+    <dgm:pt modelId="{77525961-B05A-4B38-91CA-E2784E0608EC}">
+      <dgm:prSet/>
+      <dgm:spPr/>
+      <dgm:t>
+        <a:bodyPr/>
+        <a:lstStyle/>
+        <a:p>
+          <a:r>
+            <a:rPr lang="de-DE" b="1"/>
+            <a:t>Ziel 2: </a:t>
+          </a:r>
+          <a:r>
+            <a:rPr lang="de-DE"/>
+            <a:t>Gegenüberstellung des Leipziger Systems mit bestehenden Ansätzen</a:t>
+          </a:r>
+          <a:endParaRPr lang="en-US"/>
+        </a:p>
+      </dgm:t>
+    </dgm:pt>
+    <dgm:pt modelId="{AF5AA7EE-B18D-4C66-80A4-5A233C96FE34}" type="parTrans" cxnId="{20A92F8F-DB71-4711-B716-24BE293D61D6}">
+      <dgm:prSet/>
+      <dgm:spPr/>
+      <dgm:t>
+        <a:bodyPr/>
+        <a:lstStyle/>
+        <a:p>
+          <a:endParaRPr lang="en-US"/>
+        </a:p>
+      </dgm:t>
+    </dgm:pt>
+    <dgm:pt modelId="{F1A05284-1C75-4D6C-BA26-DC4A365D7CC9}" type="sibTrans" cxnId="{20A92F8F-DB71-4711-B716-24BE293D61D6}">
+      <dgm:prSet/>
+      <dgm:spPr/>
+      <dgm:t>
+        <a:bodyPr/>
+        <a:lstStyle/>
+        <a:p>
+          <a:endParaRPr lang="en-US"/>
+        </a:p>
+      </dgm:t>
+    </dgm:pt>
+    <dgm:pt modelId="{A17DA5D6-5462-4184-80BC-AD05D3A754DB}">
+      <dgm:prSet/>
+      <dgm:spPr/>
+      <dgm:t>
+        <a:bodyPr/>
+        <a:lstStyle/>
+        <a:p>
+          <a:r>
+            <a:rPr lang="de-DE"/>
+            <a:t>Literaturrecherche</a:t>
+          </a:r>
+          <a:endParaRPr lang="en-US"/>
+        </a:p>
+      </dgm:t>
+    </dgm:pt>
+    <dgm:pt modelId="{0ABF045C-C4E1-4CC3-B56D-2234D388F26F}" type="parTrans" cxnId="{84898080-FF4D-4C87-BEB7-071D9834D852}">
+      <dgm:prSet/>
+      <dgm:spPr/>
+      <dgm:t>
+        <a:bodyPr/>
+        <a:lstStyle/>
+        <a:p>
+          <a:endParaRPr lang="en-US"/>
+        </a:p>
+      </dgm:t>
+    </dgm:pt>
+    <dgm:pt modelId="{53F87D20-8AFE-4391-B062-6F639A647E62}" type="sibTrans" cxnId="{84898080-FF4D-4C87-BEB7-071D9834D852}">
+      <dgm:prSet/>
+      <dgm:spPr/>
+      <dgm:t>
+        <a:bodyPr/>
+        <a:lstStyle/>
+        <a:p>
+          <a:endParaRPr lang="en-US"/>
+        </a:p>
+      </dgm:t>
+    </dgm:pt>
+    <dgm:pt modelId="{46D9C1F0-3F74-4C0A-A3F6-3DCC62AE30ED}">
+      <dgm:prSet/>
+      <dgm:spPr/>
+      <dgm:t>
+        <a:bodyPr/>
+        <a:lstStyle/>
+        <a:p>
+          <a:r>
+            <a:rPr lang="de-DE"/>
+            <a:t>Vergleich mit Leipziger System sowie Diskussion über Praktikabilität</a:t>
+          </a:r>
+          <a:endParaRPr lang="en-US"/>
+        </a:p>
+      </dgm:t>
+    </dgm:pt>
+    <dgm:pt modelId="{984AE87F-77D0-43C7-8F64-C9714C8DB2D9}" type="parTrans" cxnId="{F2D2599A-B0AC-4CA2-AC3A-86FCA365B1F5}">
+      <dgm:prSet/>
+      <dgm:spPr/>
+      <dgm:t>
+        <a:bodyPr/>
+        <a:lstStyle/>
+        <a:p>
+          <a:endParaRPr lang="en-US"/>
+        </a:p>
+      </dgm:t>
+    </dgm:pt>
+    <dgm:pt modelId="{F7A69059-F6A7-4E20-B380-2E08AC0BE6EF}" type="sibTrans" cxnId="{F2D2599A-B0AC-4CA2-AC3A-86FCA365B1F5}">
+      <dgm:prSet/>
+      <dgm:spPr/>
+      <dgm:t>
+        <a:bodyPr/>
+        <a:lstStyle/>
+        <a:p>
+          <a:endParaRPr lang="en-US"/>
+        </a:p>
+      </dgm:t>
+    </dgm:pt>
+    <dgm:pt modelId="{91CCA0A7-FB55-4CBF-BFA0-F13A13A4C3BD}" type="pres">
+      <dgm:prSet presAssocID="{C59A2F3F-7B12-47F0-9CA6-8DB37B445A1B}" presName="root" presStyleCnt="0">
+        <dgm:presLayoutVars>
+          <dgm:dir/>
+          <dgm:resizeHandles val="exact"/>
+        </dgm:presLayoutVars>
+      </dgm:prSet>
+      <dgm:spPr/>
+    </dgm:pt>
+    <dgm:pt modelId="{C5C6AD9E-F69A-4580-AC9F-A69047AD286F}" type="pres">
+      <dgm:prSet presAssocID="{5BBD1F80-B0C9-4B0E-9016-224F39E12F72}" presName="compNode" presStyleCnt="0"/>
+      <dgm:spPr/>
+    </dgm:pt>
+    <dgm:pt modelId="{755B72FD-8C9B-4A6D-B204-43D549269EC3}" type="pres">
+      <dgm:prSet presAssocID="{5BBD1F80-B0C9-4B0E-9016-224F39E12F72}" presName="bgRect" presStyleLbl="bgShp" presStyleIdx="0" presStyleCnt="2"/>
+      <dgm:spPr/>
+    </dgm:pt>
+    <dgm:pt modelId="{BCE037B6-2201-4057-8A4F-256CEDDBCAEB}" type="pres">
+      <dgm:prSet presAssocID="{5BBD1F80-B0C9-4B0E-9016-224F39E12F72}" presName="iconRect" presStyleLbl="node1" presStyleIdx="0" presStyleCnt="2"/>
+      <dgm:spPr>
+        <a:blipFill>
+          <a:blip xmlns:r="http://schemas.openxmlformats.org/officeDocument/2006/relationships" r:embed="rId1">
+            <a:extLst>
+              <a:ext uri="{28A0092B-C50C-407E-A947-70E740481C1C}">
+                <a14:useLocalDpi xmlns:a14="http://schemas.microsoft.com/office/drawing/2010/main" val="0"/>
+              </a:ext>
+              <a:ext uri="{96DAC541-7B7A-43D3-8B79-37D633B846F1}">
+                <asvg:svgBlip xmlns:asvg="http://schemas.microsoft.com/office/drawing/2016/SVG/main" r:embed="rId2"/>
+              </a:ext>
+            </a:extLst>
+          </a:blip>
+          <a:stretch>
+            <a:fillRect/>
+          </a:stretch>
+        </a:blipFill>
+        <a:ln>
+          <a:noFill/>
+        </a:ln>
+      </dgm:spPr>
+      <dgm:extLst>
+        <a:ext uri="{E40237B7-FDA0-4F09-8148-C483321AD2D9}">
+          <dgm14:cNvPr xmlns:dgm14="http://schemas.microsoft.com/office/drawing/2010/diagram" id="0" name="" descr="Magnifying glass"/>
+        </a:ext>
+      </dgm:extLst>
+    </dgm:pt>
+    <dgm:pt modelId="{C6205943-C8F3-4D03-B38F-0338EA3FEA37}" type="pres">
+      <dgm:prSet presAssocID="{5BBD1F80-B0C9-4B0E-9016-224F39E12F72}" presName="spaceRect" presStyleCnt="0"/>
+      <dgm:spPr/>
+    </dgm:pt>
+    <dgm:pt modelId="{788A7D42-9DA8-436B-A959-C39D61949E5B}" type="pres">
+      <dgm:prSet presAssocID="{5BBD1F80-B0C9-4B0E-9016-224F39E12F72}" presName="parTx" presStyleLbl="revTx" presStyleIdx="0" presStyleCnt="4">
+        <dgm:presLayoutVars>
+          <dgm:chMax val="0"/>
+          <dgm:chPref val="0"/>
+        </dgm:presLayoutVars>
+      </dgm:prSet>
+      <dgm:spPr/>
+    </dgm:pt>
+    <dgm:pt modelId="{B03170D3-FAB5-422A-9C40-3915C5D3FEDF}" type="pres">
+      <dgm:prSet presAssocID="{5BBD1F80-B0C9-4B0E-9016-224F39E12F72}" presName="desTx" presStyleLbl="revTx" presStyleIdx="1" presStyleCnt="4">
+        <dgm:presLayoutVars/>
+      </dgm:prSet>
+      <dgm:spPr/>
+    </dgm:pt>
+    <dgm:pt modelId="{C838B554-13E6-4A4E-971A-F5DAC004812C}" type="pres">
+      <dgm:prSet presAssocID="{93B96530-8ABB-4C3D-9F7D-608308B06574}" presName="sibTrans" presStyleCnt="0"/>
+      <dgm:spPr/>
+    </dgm:pt>
+    <dgm:pt modelId="{1255A833-27D1-454C-9C62-DAEF21753FE4}" type="pres">
+      <dgm:prSet presAssocID="{77525961-B05A-4B38-91CA-E2784E0608EC}" presName="compNode" presStyleCnt="0"/>
+      <dgm:spPr/>
+    </dgm:pt>
+    <dgm:pt modelId="{CBB2D2C8-5089-4947-9F96-87E0554E5B32}" type="pres">
+      <dgm:prSet presAssocID="{77525961-B05A-4B38-91CA-E2784E0608EC}" presName="bgRect" presStyleLbl="bgShp" presStyleIdx="1" presStyleCnt="2"/>
+      <dgm:spPr/>
+    </dgm:pt>
+    <dgm:pt modelId="{6DB5CF01-909D-42F9-9F73-B3EB381C6A08}" type="pres">
+      <dgm:prSet presAssocID="{77525961-B05A-4B38-91CA-E2784E0608EC}" presName="iconRect" presStyleLbl="node1" presStyleIdx="1" presStyleCnt="2"/>
+      <dgm:spPr>
+        <a:blipFill>
+          <a:blip xmlns:r="http://schemas.openxmlformats.org/officeDocument/2006/relationships" r:embed="rId3">
+            <a:extLst>
+              <a:ext uri="{96DAC541-7B7A-43D3-8B79-37D633B846F1}">
+                <asvg:svgBlip xmlns:asvg="http://schemas.microsoft.com/office/drawing/2016/SVG/main" r:embed="rId4"/>
+              </a:ext>
+            </a:extLst>
+          </a:blip>
+          <a:srcRect/>
+          <a:stretch>
+            <a:fillRect/>
+          </a:stretch>
+        </a:blipFill>
+        <a:ln>
+          <a:noFill/>
+        </a:ln>
+      </dgm:spPr>
+      <dgm:extLst>
+        <a:ext uri="{E40237B7-FDA0-4F09-8148-C483321AD2D9}">
+          <dgm14:cNvPr xmlns:dgm14="http://schemas.microsoft.com/office/drawing/2010/diagram" id="0" name="" descr="Liste mit einfarbiger Füllung"/>
+        </a:ext>
+      </dgm:extLst>
+    </dgm:pt>
+    <dgm:pt modelId="{3B8F2B22-37FA-4312-9F36-64D33A6483C5}" type="pres">
+      <dgm:prSet presAssocID="{77525961-B05A-4B38-91CA-E2784E0608EC}" presName="spaceRect" presStyleCnt="0"/>
+      <dgm:spPr/>
+    </dgm:pt>
+    <dgm:pt modelId="{D27446A2-3B66-41D3-9B5A-05E3147FBD9D}" type="pres">
+      <dgm:prSet presAssocID="{77525961-B05A-4B38-91CA-E2784E0608EC}" presName="parTx" presStyleLbl="revTx" presStyleIdx="2" presStyleCnt="4">
+        <dgm:presLayoutVars>
+          <dgm:chMax val="0"/>
+          <dgm:chPref val="0"/>
+        </dgm:presLayoutVars>
+      </dgm:prSet>
+      <dgm:spPr/>
+    </dgm:pt>
+    <dgm:pt modelId="{31983A4A-E1B0-404D-894C-D72E649BC307}" type="pres">
+      <dgm:prSet presAssocID="{77525961-B05A-4B38-91CA-E2784E0608EC}" presName="desTx" presStyleLbl="revTx" presStyleIdx="3" presStyleCnt="4">
+        <dgm:presLayoutVars/>
+      </dgm:prSet>
+      <dgm:spPr/>
+    </dgm:pt>
+  </dgm:ptLst>
+  <dgm:cxnLst>
+    <dgm:cxn modelId="{8B636607-7566-44C3-AF7B-336309CF5289}" srcId="{5BBD1F80-B0C9-4B0E-9016-224F39E12F72}" destId="{E109EAEE-E0BC-4DEA-8FFE-B235A3943EC4}" srcOrd="0" destOrd="0" parTransId="{D1F74F50-8E48-4B9E-A89E-38AF053A48CD}" sibTransId="{74CE87F6-AA6B-4E52-A221-B9823F9F91F0}"/>
+    <dgm:cxn modelId="{A50AE30C-FD7A-4D4C-862A-DF8816D64B78}" type="presOf" srcId="{E3190F01-A309-46F4-8BCD-9F34E5E49220}" destId="{B03170D3-FAB5-422A-9C40-3915C5D3FEDF}" srcOrd="0" destOrd="2" presId="urn:microsoft.com/office/officeart/2018/2/layout/IconVerticalSolidList"/>
+    <dgm:cxn modelId="{39250B23-B1E4-4C06-BA6F-3DD1E83CAEF4}" type="presOf" srcId="{A17DA5D6-5462-4184-80BC-AD05D3A754DB}" destId="{31983A4A-E1B0-404D-894C-D72E649BC307}" srcOrd="0" destOrd="0" presId="urn:microsoft.com/office/officeart/2018/2/layout/IconVerticalSolidList"/>
+    <dgm:cxn modelId="{08D54C24-296C-47D1-B3F7-D7B208AF6882}" type="presOf" srcId="{46D9C1F0-3F74-4C0A-A3F6-3DCC62AE30ED}" destId="{31983A4A-E1B0-404D-894C-D72E649BC307}" srcOrd="0" destOrd="1" presId="urn:microsoft.com/office/officeart/2018/2/layout/IconVerticalSolidList"/>
+    <dgm:cxn modelId="{1AB54826-132F-4CB2-AE94-EA4A47A957B4}" type="presOf" srcId="{5BBD1F80-B0C9-4B0E-9016-224F39E12F72}" destId="{788A7D42-9DA8-436B-A959-C39D61949E5B}" srcOrd="0" destOrd="0" presId="urn:microsoft.com/office/officeart/2018/2/layout/IconVerticalSolidList"/>
+    <dgm:cxn modelId="{F68D7B26-C281-4756-BB8C-40ED9F04024D}" type="presOf" srcId="{C59A2F3F-7B12-47F0-9CA6-8DB37B445A1B}" destId="{91CCA0A7-FB55-4CBF-BFA0-F13A13A4C3BD}" srcOrd="0" destOrd="0" presId="urn:microsoft.com/office/officeart/2018/2/layout/IconVerticalSolidList"/>
+    <dgm:cxn modelId="{0033B234-2536-48F3-9705-9C6F70E7DB93}" type="presOf" srcId="{E109EAEE-E0BC-4DEA-8FFE-B235A3943EC4}" destId="{B03170D3-FAB5-422A-9C40-3915C5D3FEDF}" srcOrd="0" destOrd="0" presId="urn:microsoft.com/office/officeart/2018/2/layout/IconVerticalSolidList"/>
+    <dgm:cxn modelId="{FDB78B44-398D-4C76-A28C-5185A58F97B8}" type="presOf" srcId="{1F3524D8-D4F6-43DF-99CC-3084A1671B0D}" destId="{B03170D3-FAB5-422A-9C40-3915C5D3FEDF}" srcOrd="0" destOrd="1" presId="urn:microsoft.com/office/officeart/2018/2/layout/IconVerticalSolidList"/>
+    <dgm:cxn modelId="{84898080-FF4D-4C87-BEB7-071D9834D852}" srcId="{77525961-B05A-4B38-91CA-E2784E0608EC}" destId="{A17DA5D6-5462-4184-80BC-AD05D3A754DB}" srcOrd="0" destOrd="0" parTransId="{0ABF045C-C4E1-4CC3-B56D-2234D388F26F}" sibTransId="{53F87D20-8AFE-4391-B062-6F639A647E62}"/>
+    <dgm:cxn modelId="{8A4ACC81-72A4-4B4F-889D-9A250C22F455}" type="presOf" srcId="{77525961-B05A-4B38-91CA-E2784E0608EC}" destId="{D27446A2-3B66-41D3-9B5A-05E3147FBD9D}" srcOrd="0" destOrd="0" presId="urn:microsoft.com/office/officeart/2018/2/layout/IconVerticalSolidList"/>
+    <dgm:cxn modelId="{20A92F8F-DB71-4711-B716-24BE293D61D6}" srcId="{C59A2F3F-7B12-47F0-9CA6-8DB37B445A1B}" destId="{77525961-B05A-4B38-91CA-E2784E0608EC}" srcOrd="1" destOrd="0" parTransId="{AF5AA7EE-B18D-4C66-80A4-5A233C96FE34}" sibTransId="{F1A05284-1C75-4D6C-BA26-DC4A365D7CC9}"/>
+    <dgm:cxn modelId="{F2D2599A-B0AC-4CA2-AC3A-86FCA365B1F5}" srcId="{77525961-B05A-4B38-91CA-E2784E0608EC}" destId="{46D9C1F0-3F74-4C0A-A3F6-3DCC62AE30ED}" srcOrd="1" destOrd="0" parTransId="{984AE87F-77D0-43C7-8F64-C9714C8DB2D9}" sibTransId="{F7A69059-F6A7-4E20-B380-2E08AC0BE6EF}"/>
+    <dgm:cxn modelId="{39B559A5-ED19-4563-BDBC-FDF72C7378A6}" srcId="{5BBD1F80-B0C9-4B0E-9016-224F39E12F72}" destId="{1F3524D8-D4F6-43DF-99CC-3084A1671B0D}" srcOrd="1" destOrd="0" parTransId="{039CECBC-24B0-4D77-939B-AA5511A5A389}" sibTransId="{0E57C168-9E05-4734-819B-EDF70F55FCB1}"/>
+    <dgm:cxn modelId="{03C67EE2-BED7-4882-8CC1-CFB11EEFFA57}" srcId="{C59A2F3F-7B12-47F0-9CA6-8DB37B445A1B}" destId="{5BBD1F80-B0C9-4B0E-9016-224F39E12F72}" srcOrd="0" destOrd="0" parTransId="{806F0D71-8D90-453E-953D-1286A459DA48}" sibTransId="{93B96530-8ABB-4C3D-9F7D-608308B06574}"/>
+    <dgm:cxn modelId="{6F3303F2-6B58-4CBB-93BE-A1FDECF98F11}" srcId="{5BBD1F80-B0C9-4B0E-9016-224F39E12F72}" destId="{E3190F01-A309-46F4-8BCD-9F34E5E49220}" srcOrd="2" destOrd="0" parTransId="{1567D6A5-C01A-4C7E-A2ED-BCB7D64F0D16}" sibTransId="{A0AD71D2-D43A-438F-B92F-0A811442FBA7}"/>
+    <dgm:cxn modelId="{D3709A07-7DC4-45C3-80F6-9FD8FB810157}" type="presParOf" srcId="{91CCA0A7-FB55-4CBF-BFA0-F13A13A4C3BD}" destId="{C5C6AD9E-F69A-4580-AC9F-A69047AD286F}" srcOrd="0" destOrd="0" presId="urn:microsoft.com/office/officeart/2018/2/layout/IconVerticalSolidList"/>
+    <dgm:cxn modelId="{AF8F192B-2D09-4B80-885F-D6A3685BA4C9}" type="presParOf" srcId="{C5C6AD9E-F69A-4580-AC9F-A69047AD286F}" destId="{755B72FD-8C9B-4A6D-B204-43D549269EC3}" srcOrd="0" destOrd="0" presId="urn:microsoft.com/office/officeart/2018/2/layout/IconVerticalSolidList"/>
+    <dgm:cxn modelId="{72F5F782-33D4-4796-B0D0-EE78D24E075C}" type="presParOf" srcId="{C5C6AD9E-F69A-4580-AC9F-A69047AD286F}" destId="{BCE037B6-2201-4057-8A4F-256CEDDBCAEB}" srcOrd="1" destOrd="0" presId="urn:microsoft.com/office/officeart/2018/2/layout/IconVerticalSolidList"/>
+    <dgm:cxn modelId="{C2BE5A2F-C056-4951-9383-0F3792E94963}" type="presParOf" srcId="{C5C6AD9E-F69A-4580-AC9F-A69047AD286F}" destId="{C6205943-C8F3-4D03-B38F-0338EA3FEA37}" srcOrd="2" destOrd="0" presId="urn:microsoft.com/office/officeart/2018/2/layout/IconVerticalSolidList"/>
+    <dgm:cxn modelId="{1161EDED-120C-4C86-8A9C-61F54FA6D03E}" type="presParOf" srcId="{C5C6AD9E-F69A-4580-AC9F-A69047AD286F}" destId="{788A7D42-9DA8-436B-A959-C39D61949E5B}" srcOrd="3" destOrd="0" presId="urn:microsoft.com/office/officeart/2018/2/layout/IconVerticalSolidList"/>
+    <dgm:cxn modelId="{C8664B5A-6D1C-4E02-9363-3105052A59F3}" type="presParOf" srcId="{C5C6AD9E-F69A-4580-AC9F-A69047AD286F}" destId="{B03170D3-FAB5-422A-9C40-3915C5D3FEDF}" srcOrd="4" destOrd="0" presId="urn:microsoft.com/office/officeart/2018/2/layout/IconVerticalSolidList"/>
+    <dgm:cxn modelId="{10143B44-20ED-4670-8503-E69930B9179E}" type="presParOf" srcId="{91CCA0A7-FB55-4CBF-BFA0-F13A13A4C3BD}" destId="{C838B554-13E6-4A4E-971A-F5DAC004812C}" srcOrd="1" destOrd="0" presId="urn:microsoft.com/office/officeart/2018/2/layout/IconVerticalSolidList"/>
+    <dgm:cxn modelId="{5891A75C-89EF-4CC1-A023-1F3BCD666D94}" type="presParOf" srcId="{91CCA0A7-FB55-4CBF-BFA0-F13A13A4C3BD}" destId="{1255A833-27D1-454C-9C62-DAEF21753FE4}" srcOrd="2" destOrd="0" presId="urn:microsoft.com/office/officeart/2018/2/layout/IconVerticalSolidList"/>
+    <dgm:cxn modelId="{63231259-2D51-42B0-800E-C72058218C2D}" type="presParOf" srcId="{1255A833-27D1-454C-9C62-DAEF21753FE4}" destId="{CBB2D2C8-5089-4947-9F96-87E0554E5B32}" srcOrd="0" destOrd="0" presId="urn:microsoft.com/office/officeart/2018/2/layout/IconVerticalSolidList"/>
+    <dgm:cxn modelId="{A7D109D1-1217-4734-BB9E-3ECC9DDB1539}" type="presParOf" srcId="{1255A833-27D1-454C-9C62-DAEF21753FE4}" destId="{6DB5CF01-909D-42F9-9F73-B3EB381C6A08}" srcOrd="1" destOrd="0" presId="urn:microsoft.com/office/officeart/2018/2/layout/IconVerticalSolidList"/>
+    <dgm:cxn modelId="{F46C6CE3-C5D2-4822-A962-45CFB3BECFBE}" type="presParOf" srcId="{1255A833-27D1-454C-9C62-DAEF21753FE4}" destId="{3B8F2B22-37FA-4312-9F36-64D33A6483C5}" srcOrd="2" destOrd="0" presId="urn:microsoft.com/office/officeart/2018/2/layout/IconVerticalSolidList"/>
+    <dgm:cxn modelId="{5F4B30D3-4EDC-4305-A5B0-F28655EA375E}" type="presParOf" srcId="{1255A833-27D1-454C-9C62-DAEF21753FE4}" destId="{D27446A2-3B66-41D3-9B5A-05E3147FBD9D}" srcOrd="3" destOrd="0" presId="urn:microsoft.com/office/officeart/2018/2/layout/IconVerticalSolidList"/>
+    <dgm:cxn modelId="{B7188C10-5B8D-43CC-A9C0-C8288D943858}" type="presParOf" srcId="{1255A833-27D1-454C-9C62-DAEF21753FE4}" destId="{31983A4A-E1B0-404D-894C-D72E649BC307}" srcOrd="4" destOrd="0" presId="urn:microsoft.com/office/officeart/2018/2/layout/IconVerticalSolidList"/>
+  </dgm:cxnLst>
+  <dgm:bg/>
+  <dgm:whole/>
+  <dgm:extLst>
+    <a:ext uri="http://schemas.microsoft.com/office/drawing/2008/diagram">
+      <dsp:dataModelExt xmlns:dsp="http://schemas.microsoft.com/office/drawing/2008/diagram" relId="rId6" minVer="http://schemas.openxmlformats.org/drawingml/2006/diagram"/>
+    </a:ext>
+  </dgm:extLst>
+</dgm:dataModel>
+</file>
+
+<file path=ppt/diagrams/data2.xml><?xml version="1.0" encoding="utf-8"?>
+<dgm:dataModel xmlns:dgm="http://schemas.openxmlformats.org/drawingml/2006/diagram" xmlns:a="http://schemas.openxmlformats.org/drawingml/2006/main">
+  <dgm:ptLst>
+    <dgm:pt modelId="{918915D0-F038-4C53-86B8-58DC1895430F}" type="doc">
+      <dgm:prSet loTypeId="urn:microsoft.com/office/officeart/2005/8/layout/list1" loCatId="list" qsTypeId="urn:microsoft.com/office/officeart/2005/8/quickstyle/simple2" qsCatId="simple" csTypeId="urn:microsoft.com/office/officeart/2005/8/colors/accent3_2" csCatId="accent3" phldr="1"/>
+      <dgm:spPr/>
+      <dgm:t>
+        <a:bodyPr/>
+        <a:lstStyle/>
+        <a:p>
+          <a:endParaRPr lang="en-US"/>
+        </a:p>
+      </dgm:t>
+    </dgm:pt>
+    <dgm:pt modelId="{CCB26B75-CB77-40F6-BB6A-63F4EA053DCB}">
+      <dgm:prSet/>
+      <dgm:spPr>
+        <a:solidFill>
+          <a:schemeClr val="accent2"/>
+        </a:solidFill>
+      </dgm:spPr>
+      <dgm:t>
+        <a:bodyPr/>
+        <a:lstStyle/>
+        <a:p>
+          <a:r>
+            <a:rPr lang="de-DE" dirty="0"/>
+            <a:t>Ziel 1</a:t>
+          </a:r>
+          <a:endParaRPr lang="en-US" dirty="0"/>
+        </a:p>
+      </dgm:t>
+    </dgm:pt>
+    <dgm:pt modelId="{C6026523-6692-4923-870E-E0F343FB95D7}" type="parTrans" cxnId="{3AA164C5-3B97-4B44-BC40-BD110D0C7316}">
+      <dgm:prSet/>
+      <dgm:spPr/>
+      <dgm:t>
+        <a:bodyPr/>
+        <a:lstStyle/>
+        <a:p>
+          <a:endParaRPr lang="en-US"/>
+        </a:p>
+      </dgm:t>
+    </dgm:pt>
+    <dgm:pt modelId="{E61F7F30-DA71-4DEB-90D5-95D614431E20}" type="sibTrans" cxnId="{3AA164C5-3B97-4B44-BC40-BD110D0C7316}">
+      <dgm:prSet/>
+      <dgm:spPr/>
+      <dgm:t>
+        <a:bodyPr/>
+        <a:lstStyle/>
+        <a:p>
+          <a:endParaRPr lang="en-US"/>
+        </a:p>
+      </dgm:t>
+    </dgm:pt>
+    <dgm:pt modelId="{1A9B0C63-BAD0-4AFA-9CEC-3A5C40295601}">
+      <dgm:prSet/>
+      <dgm:spPr>
+        <a:ln>
+          <a:solidFill>
+            <a:schemeClr val="accent2"/>
+          </a:solidFill>
+        </a:ln>
+      </dgm:spPr>
+      <dgm:t>
+        <a:bodyPr/>
+        <a:lstStyle/>
+        <a:p>
+          <a:r>
+            <a:rPr lang="de-DE" dirty="0"/>
+            <a:t>Interviews mit Personen aus dem Umfeld der med. Versorgung von Wohnungslosen</a:t>
+          </a:r>
+          <a:endParaRPr lang="en-US" dirty="0"/>
+        </a:p>
+      </dgm:t>
+    </dgm:pt>
+    <dgm:pt modelId="{167E3175-7C96-4D0B-BF09-33ACB1468FA5}" type="parTrans" cxnId="{1C41EB21-5EC7-4790-98D3-F2B90CC1211B}">
+      <dgm:prSet/>
+      <dgm:spPr/>
+      <dgm:t>
+        <a:bodyPr/>
+        <a:lstStyle/>
+        <a:p>
+          <a:endParaRPr lang="en-US"/>
+        </a:p>
+      </dgm:t>
+    </dgm:pt>
+    <dgm:pt modelId="{706F1BFC-E93F-4F80-8B90-4B67C4194A91}" type="sibTrans" cxnId="{1C41EB21-5EC7-4790-98D3-F2B90CC1211B}">
+      <dgm:prSet/>
+      <dgm:spPr/>
+      <dgm:t>
+        <a:bodyPr/>
+        <a:lstStyle/>
+        <a:p>
+          <a:endParaRPr lang="en-US"/>
+        </a:p>
+      </dgm:t>
+    </dgm:pt>
+    <dgm:pt modelId="{BB064118-20ED-493F-B7A6-CB4B7C46DF07}">
+      <dgm:prSet/>
+      <dgm:spPr>
+        <a:ln>
+          <a:solidFill>
+            <a:schemeClr val="accent2"/>
+          </a:solidFill>
+        </a:ln>
+      </dgm:spPr>
+      <dgm:t>
+        <a:bodyPr/>
+        <a:lstStyle/>
+        <a:p>
+          <a:r>
+            <a:rPr lang="de-DE"/>
+            <a:t>Modellierung der erfassten Informationen</a:t>
+          </a:r>
+          <a:endParaRPr lang="en-US"/>
+        </a:p>
+      </dgm:t>
+    </dgm:pt>
+    <dgm:pt modelId="{54C47D4E-7CB2-4EBE-89A3-5A26CE561D56}" type="parTrans" cxnId="{25EA6D4B-CE47-4276-B257-CC88377CB44D}">
+      <dgm:prSet/>
+      <dgm:spPr/>
+      <dgm:t>
+        <a:bodyPr/>
+        <a:lstStyle/>
+        <a:p>
+          <a:endParaRPr lang="en-US"/>
+        </a:p>
+      </dgm:t>
+    </dgm:pt>
+    <dgm:pt modelId="{E76EE8DE-4435-4D48-9302-9C91EA1483C2}" type="sibTrans" cxnId="{25EA6D4B-CE47-4276-B257-CC88377CB44D}">
+      <dgm:prSet/>
+      <dgm:spPr/>
+      <dgm:t>
+        <a:bodyPr/>
+        <a:lstStyle/>
+        <a:p>
+          <a:endParaRPr lang="en-US"/>
+        </a:p>
+      </dgm:t>
+    </dgm:pt>
+    <dgm:pt modelId="{5FD043D9-97B5-437A-A038-41B720C6BC5F}">
+      <dgm:prSet/>
+      <dgm:spPr>
+        <a:solidFill>
+          <a:schemeClr val="accent2"/>
+        </a:solidFill>
+      </dgm:spPr>
+      <dgm:t>
+        <a:bodyPr/>
+        <a:lstStyle/>
+        <a:p>
+          <a:r>
+            <a:rPr lang="de-DE" dirty="0"/>
+            <a:t>Ziel 2</a:t>
+          </a:r>
+          <a:endParaRPr lang="en-US" dirty="0"/>
+        </a:p>
+      </dgm:t>
+    </dgm:pt>
+    <dgm:pt modelId="{96662BC1-63DC-452F-AE26-CA1C83382940}" type="parTrans" cxnId="{C147FDF6-5676-4368-AED1-FCE433D59201}">
+      <dgm:prSet/>
+      <dgm:spPr/>
+      <dgm:t>
+        <a:bodyPr/>
+        <a:lstStyle/>
+        <a:p>
+          <a:endParaRPr lang="en-US"/>
+        </a:p>
+      </dgm:t>
+    </dgm:pt>
+    <dgm:pt modelId="{5A5D6ADA-73E0-4C7A-842E-FC49558B0CF2}" type="sibTrans" cxnId="{C147FDF6-5676-4368-AED1-FCE433D59201}">
+      <dgm:prSet/>
+      <dgm:spPr/>
+      <dgm:t>
+        <a:bodyPr/>
+        <a:lstStyle/>
+        <a:p>
+          <a:endParaRPr lang="en-US"/>
+        </a:p>
+      </dgm:t>
+    </dgm:pt>
+    <dgm:pt modelId="{4EF6F153-8E51-44D4-9EB1-C096C35D9496}">
+      <dgm:prSet/>
+      <dgm:spPr>
+        <a:ln>
+          <a:solidFill>
+            <a:schemeClr val="accent2"/>
+          </a:solidFill>
+        </a:ln>
+      </dgm:spPr>
+      <dgm:t>
+        <a:bodyPr/>
+        <a:lstStyle/>
+        <a:p>
+          <a:r>
+            <a:rPr lang="de-DE"/>
+            <a:t>Literaturrecherche nach bestehenden Ansätzen</a:t>
+          </a:r>
+          <a:endParaRPr lang="en-US"/>
+        </a:p>
+      </dgm:t>
+    </dgm:pt>
+    <dgm:pt modelId="{6A347D3F-244E-423B-A563-2D3D110FDD7E}" type="parTrans" cxnId="{A86872B0-3E25-430B-A956-B044961607DE}">
+      <dgm:prSet/>
+      <dgm:spPr/>
+      <dgm:t>
+        <a:bodyPr/>
+        <a:lstStyle/>
+        <a:p>
+          <a:endParaRPr lang="en-US"/>
+        </a:p>
+      </dgm:t>
+    </dgm:pt>
+    <dgm:pt modelId="{600E9813-6B1F-4617-8A6E-E882E173A923}" type="sibTrans" cxnId="{A86872B0-3E25-430B-A956-B044961607DE}">
+      <dgm:prSet/>
+      <dgm:spPr/>
+      <dgm:t>
+        <a:bodyPr/>
+        <a:lstStyle/>
+        <a:p>
+          <a:endParaRPr lang="en-US"/>
+        </a:p>
+      </dgm:t>
+    </dgm:pt>
+    <dgm:pt modelId="{DA1B9F41-CAAB-46A9-AD8B-7EEE005E947B}">
+      <dgm:prSet/>
+      <dgm:spPr>
+        <a:ln>
+          <a:solidFill>
+            <a:schemeClr val="accent2"/>
+          </a:solidFill>
+        </a:ln>
+      </dgm:spPr>
+      <dgm:t>
+        <a:bodyPr/>
+        <a:lstStyle/>
+        <a:p>
+          <a:r>
+            <a:rPr lang="de-DE"/>
+            <a:t>Definition von Vergleichskriterien</a:t>
+          </a:r>
+          <a:endParaRPr lang="en-US"/>
+        </a:p>
+      </dgm:t>
+    </dgm:pt>
+    <dgm:pt modelId="{1406A010-BD76-49E5-806F-37F61B1FA0F0}" type="parTrans" cxnId="{36D98F5F-5B6A-428A-B462-3B83DC6EDB5A}">
+      <dgm:prSet/>
+      <dgm:spPr/>
+      <dgm:t>
+        <a:bodyPr/>
+        <a:lstStyle/>
+        <a:p>
+          <a:endParaRPr lang="en-US"/>
+        </a:p>
+      </dgm:t>
+    </dgm:pt>
+    <dgm:pt modelId="{0EC40BFC-2B20-4317-8400-ADD69AB2385D}" type="sibTrans" cxnId="{36D98F5F-5B6A-428A-B462-3B83DC6EDB5A}">
+      <dgm:prSet/>
+      <dgm:spPr/>
+      <dgm:t>
+        <a:bodyPr/>
+        <a:lstStyle/>
+        <a:p>
+          <a:endParaRPr lang="en-US"/>
+        </a:p>
+      </dgm:t>
+    </dgm:pt>
+    <dgm:pt modelId="{49A84714-775A-4D74-855A-C0F63FF02BC6}" type="pres">
+      <dgm:prSet presAssocID="{918915D0-F038-4C53-86B8-58DC1895430F}" presName="linear" presStyleCnt="0">
+        <dgm:presLayoutVars>
+          <dgm:dir/>
+          <dgm:animLvl val="lvl"/>
+          <dgm:resizeHandles val="exact"/>
+        </dgm:presLayoutVars>
+      </dgm:prSet>
+      <dgm:spPr/>
+    </dgm:pt>
+    <dgm:pt modelId="{61DE78DF-BC68-48A6-BB08-6944B25D2659}" type="pres">
+      <dgm:prSet presAssocID="{CCB26B75-CB77-40F6-BB6A-63F4EA053DCB}" presName="parentLin" presStyleCnt="0"/>
+      <dgm:spPr/>
+    </dgm:pt>
+    <dgm:pt modelId="{F8A3C4FC-E20E-4182-AC1A-4386369DA589}" type="pres">
+      <dgm:prSet presAssocID="{CCB26B75-CB77-40F6-BB6A-63F4EA053DCB}" presName="parentLeftMargin" presStyleLbl="node1" presStyleIdx="0" presStyleCnt="2"/>
+      <dgm:spPr/>
+    </dgm:pt>
+    <dgm:pt modelId="{9CBF5304-0D3D-4995-BA7A-E8647A0A37A4}" type="pres">
+      <dgm:prSet presAssocID="{CCB26B75-CB77-40F6-BB6A-63F4EA053DCB}" presName="parentText" presStyleLbl="node1" presStyleIdx="0" presStyleCnt="2">
+        <dgm:presLayoutVars>
+          <dgm:chMax val="0"/>
+          <dgm:bulletEnabled val="1"/>
+        </dgm:presLayoutVars>
+      </dgm:prSet>
+      <dgm:spPr/>
+    </dgm:pt>
+    <dgm:pt modelId="{8FEB0845-1716-43B6-88AC-4E9B656BE36E}" type="pres">
+      <dgm:prSet presAssocID="{CCB26B75-CB77-40F6-BB6A-63F4EA053DCB}" presName="negativeSpace" presStyleCnt="0"/>
+      <dgm:spPr/>
+    </dgm:pt>
+    <dgm:pt modelId="{CC8F2BE2-1581-4521-9403-5F9752D851A7}" type="pres">
+      <dgm:prSet presAssocID="{CCB26B75-CB77-40F6-BB6A-63F4EA053DCB}" presName="childText" presStyleLbl="conFgAcc1" presStyleIdx="0" presStyleCnt="2">
+        <dgm:presLayoutVars>
+          <dgm:bulletEnabled val="1"/>
+        </dgm:presLayoutVars>
+      </dgm:prSet>
+      <dgm:spPr/>
+    </dgm:pt>
+    <dgm:pt modelId="{A8898932-77EF-4C97-96C5-75428902B4C0}" type="pres">
+      <dgm:prSet presAssocID="{E61F7F30-DA71-4DEB-90D5-95D614431E20}" presName="spaceBetweenRectangles" presStyleCnt="0"/>
+      <dgm:spPr/>
+    </dgm:pt>
+    <dgm:pt modelId="{6FF6BA00-C9C1-4CE5-BD9E-A9C4AB12EC87}" type="pres">
+      <dgm:prSet presAssocID="{5FD043D9-97B5-437A-A038-41B720C6BC5F}" presName="parentLin" presStyleCnt="0"/>
+      <dgm:spPr/>
+    </dgm:pt>
+    <dgm:pt modelId="{48BAC075-11AD-407E-A961-B46B9CBFC36E}" type="pres">
+      <dgm:prSet presAssocID="{5FD043D9-97B5-437A-A038-41B720C6BC5F}" presName="parentLeftMargin" presStyleLbl="node1" presStyleIdx="0" presStyleCnt="2"/>
+      <dgm:spPr/>
+    </dgm:pt>
+    <dgm:pt modelId="{DDA11F6F-7E20-41CC-8850-668235B2CBB9}" type="pres">
+      <dgm:prSet presAssocID="{5FD043D9-97B5-437A-A038-41B720C6BC5F}" presName="parentText" presStyleLbl="node1" presStyleIdx="1" presStyleCnt="2">
+        <dgm:presLayoutVars>
+          <dgm:chMax val="0"/>
+          <dgm:bulletEnabled val="1"/>
+        </dgm:presLayoutVars>
+      </dgm:prSet>
+      <dgm:spPr/>
+    </dgm:pt>
+    <dgm:pt modelId="{678DB1DB-4763-4E0E-9214-DC2DC14CA587}" type="pres">
+      <dgm:prSet presAssocID="{5FD043D9-97B5-437A-A038-41B720C6BC5F}" presName="negativeSpace" presStyleCnt="0"/>
+      <dgm:spPr/>
+    </dgm:pt>
+    <dgm:pt modelId="{C745F97C-6088-427A-8200-6A03926D3C94}" type="pres">
+      <dgm:prSet presAssocID="{5FD043D9-97B5-437A-A038-41B720C6BC5F}" presName="childText" presStyleLbl="conFgAcc1" presStyleIdx="1" presStyleCnt="2">
+        <dgm:presLayoutVars>
+          <dgm:bulletEnabled val="1"/>
+        </dgm:presLayoutVars>
+      </dgm:prSet>
+      <dgm:spPr/>
+    </dgm:pt>
+  </dgm:ptLst>
+  <dgm:cxnLst>
+    <dgm:cxn modelId="{648EBD0E-F59B-4F23-983E-8073EDE6334D}" type="presOf" srcId="{CCB26B75-CB77-40F6-BB6A-63F4EA053DCB}" destId="{9CBF5304-0D3D-4995-BA7A-E8647A0A37A4}" srcOrd="1" destOrd="0" presId="urn:microsoft.com/office/officeart/2005/8/layout/list1"/>
+    <dgm:cxn modelId="{1C41EB21-5EC7-4790-98D3-F2B90CC1211B}" srcId="{CCB26B75-CB77-40F6-BB6A-63F4EA053DCB}" destId="{1A9B0C63-BAD0-4AFA-9CEC-3A5C40295601}" srcOrd="0" destOrd="0" parTransId="{167E3175-7C96-4D0B-BF09-33ACB1468FA5}" sibTransId="{706F1BFC-E93F-4F80-8B90-4B67C4194A91}"/>
+    <dgm:cxn modelId="{C6895E3E-BF0F-496B-BDC9-3444750CC64A}" type="presOf" srcId="{BB064118-20ED-493F-B7A6-CB4B7C46DF07}" destId="{CC8F2BE2-1581-4521-9403-5F9752D851A7}" srcOrd="0" destOrd="1" presId="urn:microsoft.com/office/officeart/2005/8/layout/list1"/>
+    <dgm:cxn modelId="{E0AFDC5E-EBCC-4200-8ECC-9148755F6BE7}" type="presOf" srcId="{918915D0-F038-4C53-86B8-58DC1895430F}" destId="{49A84714-775A-4D74-855A-C0F63FF02BC6}" srcOrd="0" destOrd="0" presId="urn:microsoft.com/office/officeart/2005/8/layout/list1"/>
+    <dgm:cxn modelId="{36D98F5F-5B6A-428A-B462-3B83DC6EDB5A}" srcId="{5FD043D9-97B5-437A-A038-41B720C6BC5F}" destId="{DA1B9F41-CAAB-46A9-AD8B-7EEE005E947B}" srcOrd="1" destOrd="0" parTransId="{1406A010-BD76-49E5-806F-37F61B1FA0F0}" sibTransId="{0EC40BFC-2B20-4317-8400-ADD69AB2385D}"/>
+    <dgm:cxn modelId="{4B649544-7CC4-466B-929C-6BDA1642CDAA}" type="presOf" srcId="{5FD043D9-97B5-437A-A038-41B720C6BC5F}" destId="{DDA11F6F-7E20-41CC-8850-668235B2CBB9}" srcOrd="1" destOrd="0" presId="urn:microsoft.com/office/officeart/2005/8/layout/list1"/>
+    <dgm:cxn modelId="{25EA6D4B-CE47-4276-B257-CC88377CB44D}" srcId="{CCB26B75-CB77-40F6-BB6A-63F4EA053DCB}" destId="{BB064118-20ED-493F-B7A6-CB4B7C46DF07}" srcOrd="1" destOrd="0" parTransId="{54C47D4E-7CB2-4EBE-89A3-5A26CE561D56}" sibTransId="{E76EE8DE-4435-4D48-9302-9C91EA1483C2}"/>
+    <dgm:cxn modelId="{2DF85A92-3F9E-46AA-8837-8E693A1A45DD}" type="presOf" srcId="{5FD043D9-97B5-437A-A038-41B720C6BC5F}" destId="{48BAC075-11AD-407E-A961-B46B9CBFC36E}" srcOrd="0" destOrd="0" presId="urn:microsoft.com/office/officeart/2005/8/layout/list1"/>
+    <dgm:cxn modelId="{A7D450AB-CC50-4330-A989-00D73A755EFB}" type="presOf" srcId="{DA1B9F41-CAAB-46A9-AD8B-7EEE005E947B}" destId="{C745F97C-6088-427A-8200-6A03926D3C94}" srcOrd="0" destOrd="1" presId="urn:microsoft.com/office/officeart/2005/8/layout/list1"/>
+    <dgm:cxn modelId="{3FD00BAE-9411-41B7-ADD8-6A33645527B6}" type="presOf" srcId="{CCB26B75-CB77-40F6-BB6A-63F4EA053DCB}" destId="{F8A3C4FC-E20E-4182-AC1A-4386369DA589}" srcOrd="0" destOrd="0" presId="urn:microsoft.com/office/officeart/2005/8/layout/list1"/>
+    <dgm:cxn modelId="{A86872B0-3E25-430B-A956-B044961607DE}" srcId="{5FD043D9-97B5-437A-A038-41B720C6BC5F}" destId="{4EF6F153-8E51-44D4-9EB1-C096C35D9496}" srcOrd="0" destOrd="0" parTransId="{6A347D3F-244E-423B-A563-2D3D110FDD7E}" sibTransId="{600E9813-6B1F-4617-8A6E-E882E173A923}"/>
+    <dgm:cxn modelId="{3AA164C5-3B97-4B44-BC40-BD110D0C7316}" srcId="{918915D0-F038-4C53-86B8-58DC1895430F}" destId="{CCB26B75-CB77-40F6-BB6A-63F4EA053DCB}" srcOrd="0" destOrd="0" parTransId="{C6026523-6692-4923-870E-E0F343FB95D7}" sibTransId="{E61F7F30-DA71-4DEB-90D5-95D614431E20}"/>
+    <dgm:cxn modelId="{738337D9-889D-43A4-BC8F-D2B3AD307CE3}" type="presOf" srcId="{4EF6F153-8E51-44D4-9EB1-C096C35D9496}" destId="{C745F97C-6088-427A-8200-6A03926D3C94}" srcOrd="0" destOrd="0" presId="urn:microsoft.com/office/officeart/2005/8/layout/list1"/>
+    <dgm:cxn modelId="{C147FDF6-5676-4368-AED1-FCE433D59201}" srcId="{918915D0-F038-4C53-86B8-58DC1895430F}" destId="{5FD043D9-97B5-437A-A038-41B720C6BC5F}" srcOrd="1" destOrd="0" parTransId="{96662BC1-63DC-452F-AE26-CA1C83382940}" sibTransId="{5A5D6ADA-73E0-4C7A-842E-FC49558B0CF2}"/>
+    <dgm:cxn modelId="{8C64C5FB-3368-4DC4-BADE-339C671AA004}" type="presOf" srcId="{1A9B0C63-BAD0-4AFA-9CEC-3A5C40295601}" destId="{CC8F2BE2-1581-4521-9403-5F9752D851A7}" srcOrd="0" destOrd="0" presId="urn:microsoft.com/office/officeart/2005/8/layout/list1"/>
+    <dgm:cxn modelId="{F2E602CC-14C3-4644-A0E9-FD6585851ACA}" type="presParOf" srcId="{49A84714-775A-4D74-855A-C0F63FF02BC6}" destId="{61DE78DF-BC68-48A6-BB08-6944B25D2659}" srcOrd="0" destOrd="0" presId="urn:microsoft.com/office/officeart/2005/8/layout/list1"/>
+    <dgm:cxn modelId="{44EEAD97-0D28-40F8-98C5-29BACA5E7C8D}" type="presParOf" srcId="{61DE78DF-BC68-48A6-BB08-6944B25D2659}" destId="{F8A3C4FC-E20E-4182-AC1A-4386369DA589}" srcOrd="0" destOrd="0" presId="urn:microsoft.com/office/officeart/2005/8/layout/list1"/>
+    <dgm:cxn modelId="{CEEA13CD-5468-47A6-9095-F1EAE708984F}" type="presParOf" srcId="{61DE78DF-BC68-48A6-BB08-6944B25D2659}" destId="{9CBF5304-0D3D-4995-BA7A-E8647A0A37A4}" srcOrd="1" destOrd="0" presId="urn:microsoft.com/office/officeart/2005/8/layout/list1"/>
+    <dgm:cxn modelId="{A464981B-2ADD-4DD8-8818-4AA5174CD98F}" type="presParOf" srcId="{49A84714-775A-4D74-855A-C0F63FF02BC6}" destId="{8FEB0845-1716-43B6-88AC-4E9B656BE36E}" srcOrd="1" destOrd="0" presId="urn:microsoft.com/office/officeart/2005/8/layout/list1"/>
+    <dgm:cxn modelId="{42C750EE-8CCE-4B74-87F1-A1CECDED766C}" type="presParOf" srcId="{49A84714-775A-4D74-855A-C0F63FF02BC6}" destId="{CC8F2BE2-1581-4521-9403-5F9752D851A7}" srcOrd="2" destOrd="0" presId="urn:microsoft.com/office/officeart/2005/8/layout/list1"/>
+    <dgm:cxn modelId="{356D7146-DD38-471B-871B-18D8215B2099}" type="presParOf" srcId="{49A84714-775A-4D74-855A-C0F63FF02BC6}" destId="{A8898932-77EF-4C97-96C5-75428902B4C0}" srcOrd="3" destOrd="0" presId="urn:microsoft.com/office/officeart/2005/8/layout/list1"/>
+    <dgm:cxn modelId="{35E63F7B-7579-49AA-B651-D59CB0371ECF}" type="presParOf" srcId="{49A84714-775A-4D74-855A-C0F63FF02BC6}" destId="{6FF6BA00-C9C1-4CE5-BD9E-A9C4AB12EC87}" srcOrd="4" destOrd="0" presId="urn:microsoft.com/office/officeart/2005/8/layout/list1"/>
+    <dgm:cxn modelId="{3223C7FA-F451-4480-9D37-2E5025F42F80}" type="presParOf" srcId="{6FF6BA00-C9C1-4CE5-BD9E-A9C4AB12EC87}" destId="{48BAC075-11AD-407E-A961-B46B9CBFC36E}" srcOrd="0" destOrd="0" presId="urn:microsoft.com/office/officeart/2005/8/layout/list1"/>
+    <dgm:cxn modelId="{5805C3B5-400D-4232-9EA6-B281C9AD47A2}" type="presParOf" srcId="{6FF6BA00-C9C1-4CE5-BD9E-A9C4AB12EC87}" destId="{DDA11F6F-7E20-41CC-8850-668235B2CBB9}" srcOrd="1" destOrd="0" presId="urn:microsoft.com/office/officeart/2005/8/layout/list1"/>
+    <dgm:cxn modelId="{ED5AAA71-9FC2-4BEF-AEC7-0AF347B7538B}" type="presParOf" srcId="{49A84714-775A-4D74-855A-C0F63FF02BC6}" destId="{678DB1DB-4763-4E0E-9214-DC2DC14CA587}" srcOrd="5" destOrd="0" presId="urn:microsoft.com/office/officeart/2005/8/layout/list1"/>
+    <dgm:cxn modelId="{A0882129-F018-4808-81A6-16066D297E8E}" type="presParOf" srcId="{49A84714-775A-4D74-855A-C0F63FF02BC6}" destId="{C745F97C-6088-427A-8200-6A03926D3C94}" srcOrd="6" destOrd="0" presId="urn:microsoft.com/office/officeart/2005/8/layout/list1"/>
+  </dgm:cxnLst>
+  <dgm:bg/>
+  <dgm:whole/>
+  <dgm:extLst>
+    <a:ext uri="http://schemas.microsoft.com/office/drawing/2008/diagram">
+      <dsp:dataModelExt xmlns:dsp="http://schemas.microsoft.com/office/drawing/2008/diagram" relId="rId6" minVer="http://schemas.openxmlformats.org/drawingml/2006/diagram"/>
+    </a:ext>
+  </dgm:extLst>
+</dgm:dataModel>
+</file>
+
+<file path=ppt/diagrams/data3.xml><?xml version="1.0" encoding="utf-8"?>
 <dgm:dataModel xmlns:dgm="http://schemas.openxmlformats.org/drawingml/2006/diagram" xmlns:a="http://schemas.openxmlformats.org/drawingml/2006/main">
   <dgm:ptLst>
     <dgm:pt modelId="{1FF1C8B2-A303-4D47-A524-CF24CE099B29}" type="doc">
@@ -1528,6 +3845,859 @@
 </file>
 
 <file path=ppt/diagrams/drawing1.xml><?xml version="1.0" encoding="utf-8"?>
+<dsp:drawing xmlns:dgm="http://schemas.openxmlformats.org/drawingml/2006/diagram" xmlns:dsp="http://schemas.microsoft.com/office/drawing/2008/diagram" xmlns:a="http://schemas.openxmlformats.org/drawingml/2006/main">
+  <dsp:spTree>
+    <dsp:nvGrpSpPr>
+      <dsp:cNvPr id="0" name=""/>
+      <dsp:cNvGrpSpPr/>
+    </dsp:nvGrpSpPr>
+    <dsp:grpSpPr/>
+    <dsp:sp modelId="{755B72FD-8C9B-4A6D-B204-43D549269EC3}">
+      <dsp:nvSpPr>
+        <dsp:cNvPr id="0" name=""/>
+        <dsp:cNvSpPr/>
+      </dsp:nvSpPr>
+      <dsp:spPr>
+        <a:xfrm>
+          <a:off x="0" y="468750"/>
+          <a:ext cx="8229600" cy="947067"/>
+        </a:xfrm>
+        <a:prstGeom prst="roundRect">
+          <a:avLst>
+            <a:gd name="adj" fmla="val 10000"/>
+          </a:avLst>
+        </a:prstGeom>
+        <a:solidFill>
+          <a:schemeClr val="accent2">
+            <a:tint val="40000"/>
+            <a:hueOff val="0"/>
+            <a:satOff val="0"/>
+            <a:lumOff val="0"/>
+            <a:alphaOff val="0"/>
+          </a:schemeClr>
+        </a:solidFill>
+        <a:ln>
+          <a:noFill/>
+        </a:ln>
+        <a:effectLst/>
+      </dsp:spPr>
+      <dsp:style>
+        <a:lnRef idx="0">
+          <a:scrgbClr r="0" g="0" b="0"/>
+        </a:lnRef>
+        <a:fillRef idx="1">
+          <a:scrgbClr r="0" g="0" b="0"/>
+        </a:fillRef>
+        <a:effectRef idx="0">
+          <a:scrgbClr r="0" g="0" b="0"/>
+        </a:effectRef>
+        <a:fontRef idx="minor"/>
+      </dsp:style>
+    </dsp:sp>
+    <dsp:sp modelId="{BCE037B6-2201-4057-8A4F-256CEDDBCAEB}">
+      <dsp:nvSpPr>
+        <dsp:cNvPr id="0" name=""/>
+        <dsp:cNvSpPr/>
+      </dsp:nvSpPr>
+      <dsp:spPr>
+        <a:xfrm>
+          <a:off x="286487" y="681840"/>
+          <a:ext cx="520887" cy="520887"/>
+        </a:xfrm>
+        <a:prstGeom prst="rect">
+          <a:avLst/>
+        </a:prstGeom>
+        <a:blipFill>
+          <a:blip xmlns:r="http://schemas.openxmlformats.org/officeDocument/2006/relationships" r:embed="rId1">
+            <a:extLst>
+              <a:ext uri="{28A0092B-C50C-407E-A947-70E740481C1C}">
+                <a14:useLocalDpi xmlns:a14="http://schemas.microsoft.com/office/drawing/2010/main" val="0"/>
+              </a:ext>
+              <a:ext uri="{96DAC541-7B7A-43D3-8B79-37D633B846F1}">
+                <asvg:svgBlip xmlns:asvg="http://schemas.microsoft.com/office/drawing/2016/SVG/main" r:embed="rId2"/>
+              </a:ext>
+            </a:extLst>
+          </a:blip>
+          <a:stretch>
+            <a:fillRect/>
+          </a:stretch>
+        </a:blipFill>
+        <a:ln w="25400" cap="flat" cmpd="sng" algn="ctr">
+          <a:noFill/>
+          <a:prstDash val="solid"/>
+        </a:ln>
+        <a:effectLst/>
+      </dsp:spPr>
+      <dsp:style>
+        <a:lnRef idx="2">
+          <a:scrgbClr r="0" g="0" b="0"/>
+        </a:lnRef>
+        <a:fillRef idx="1">
+          <a:scrgbClr r="0" g="0" b="0"/>
+        </a:fillRef>
+        <a:effectRef idx="0">
+          <a:scrgbClr r="0" g="0" b="0"/>
+        </a:effectRef>
+        <a:fontRef idx="minor">
+          <a:schemeClr val="lt1"/>
+        </a:fontRef>
+      </dsp:style>
+    </dsp:sp>
+    <dsp:sp modelId="{788A7D42-9DA8-436B-A959-C39D61949E5B}">
+      <dsp:nvSpPr>
+        <dsp:cNvPr id="0" name=""/>
+        <dsp:cNvSpPr/>
+      </dsp:nvSpPr>
+      <dsp:spPr>
+        <a:xfrm>
+          <a:off x="1093862" y="468750"/>
+          <a:ext cx="3703320" cy="947067"/>
+        </a:xfrm>
+        <a:prstGeom prst="rect">
+          <a:avLst/>
+        </a:prstGeom>
+        <a:noFill/>
+        <a:ln>
+          <a:noFill/>
+        </a:ln>
+        <a:effectLst/>
+      </dsp:spPr>
+      <dsp:style>
+        <a:lnRef idx="0">
+          <a:scrgbClr r="0" g="0" b="0"/>
+        </a:lnRef>
+        <a:fillRef idx="0">
+          <a:scrgbClr r="0" g="0" b="0"/>
+        </a:fillRef>
+        <a:effectRef idx="0">
+          <a:scrgbClr r="0" g="0" b="0"/>
+        </a:effectRef>
+        <a:fontRef idx="minor"/>
+      </dsp:style>
+      <dsp:txBody>
+        <a:bodyPr spcFirstLastPara="0" vert="horz" wrap="square" lIns="100231" tIns="100231" rIns="100231" bIns="100231" numCol="1" spcCol="1270" anchor="ctr" anchorCtr="0">
+          <a:noAutofit/>
+        </a:bodyPr>
+        <a:lstStyle/>
+        <a:p>
+          <a:pPr marL="0" lvl="0" indent="0" algn="l" defTabSz="622300">
+            <a:lnSpc>
+              <a:spcPct val="90000"/>
+            </a:lnSpc>
+            <a:spcBef>
+              <a:spcPct val="0"/>
+            </a:spcBef>
+            <a:spcAft>
+              <a:spcPct val="35000"/>
+            </a:spcAft>
+            <a:buNone/>
+          </a:pPr>
+          <a:r>
+            <a:rPr lang="de-DE" sz="1400" b="1" kern="1200"/>
+            <a:t>Ziel 1: </a:t>
+          </a:r>
+          <a:r>
+            <a:rPr lang="de-DE" sz="1400" kern="1200"/>
+            <a:t>Systemanalyse und –bewertung des Leipziger Dokumentationssystems zur medizinischen Dokumentation bei Wohnungslosen</a:t>
+          </a:r>
+          <a:endParaRPr lang="en-US" sz="1400" kern="1200"/>
+        </a:p>
+      </dsp:txBody>
+      <dsp:txXfrm>
+        <a:off x="1093862" y="468750"/>
+        <a:ext cx="3703320" cy="947067"/>
+      </dsp:txXfrm>
+    </dsp:sp>
+    <dsp:sp modelId="{B03170D3-FAB5-422A-9C40-3915C5D3FEDF}">
+      <dsp:nvSpPr>
+        <dsp:cNvPr id="0" name=""/>
+        <dsp:cNvSpPr/>
+      </dsp:nvSpPr>
+      <dsp:spPr>
+        <a:xfrm>
+          <a:off x="4797182" y="468750"/>
+          <a:ext cx="3432417" cy="947067"/>
+        </a:xfrm>
+        <a:prstGeom prst="rect">
+          <a:avLst/>
+        </a:prstGeom>
+        <a:noFill/>
+        <a:ln>
+          <a:noFill/>
+        </a:ln>
+        <a:effectLst/>
+      </dsp:spPr>
+      <dsp:style>
+        <a:lnRef idx="0">
+          <a:scrgbClr r="0" g="0" b="0"/>
+        </a:lnRef>
+        <a:fillRef idx="0">
+          <a:scrgbClr r="0" g="0" b="0"/>
+        </a:fillRef>
+        <a:effectRef idx="0">
+          <a:scrgbClr r="0" g="0" b="0"/>
+        </a:effectRef>
+        <a:fontRef idx="minor"/>
+      </dsp:style>
+      <dsp:txBody>
+        <a:bodyPr spcFirstLastPara="0" vert="horz" wrap="square" lIns="100231" tIns="100231" rIns="100231" bIns="100231" numCol="1" spcCol="1270" anchor="ctr" anchorCtr="0">
+          <a:noAutofit/>
+        </a:bodyPr>
+        <a:lstStyle/>
+        <a:p>
+          <a:pPr marL="0" lvl="0" indent="0" algn="l" defTabSz="488950">
+            <a:lnSpc>
+              <a:spcPct val="90000"/>
+            </a:lnSpc>
+            <a:spcBef>
+              <a:spcPct val="0"/>
+            </a:spcBef>
+            <a:spcAft>
+              <a:spcPct val="35000"/>
+            </a:spcAft>
+            <a:buNone/>
+          </a:pPr>
+          <a:r>
+            <a:rPr lang="de-DE" sz="1100" kern="1200"/>
+            <a:t>Informationsbeschaffung über das Leipziger System</a:t>
+          </a:r>
+          <a:endParaRPr lang="en-US" sz="1100" kern="1200"/>
+        </a:p>
+        <a:p>
+          <a:pPr marL="0" lvl="0" indent="0" algn="l" defTabSz="488950">
+            <a:lnSpc>
+              <a:spcPct val="90000"/>
+            </a:lnSpc>
+            <a:spcBef>
+              <a:spcPct val="0"/>
+            </a:spcBef>
+            <a:spcAft>
+              <a:spcPct val="35000"/>
+            </a:spcAft>
+            <a:buNone/>
+          </a:pPr>
+          <a:r>
+            <a:rPr lang="de-DE" sz="1100" kern="1200"/>
+            <a:t>Gegenüberstellung der Stärken und Schwächen</a:t>
+          </a:r>
+          <a:endParaRPr lang="en-US" sz="1100" kern="1200"/>
+        </a:p>
+        <a:p>
+          <a:pPr marL="0" lvl="0" indent="0" algn="l" defTabSz="488950">
+            <a:lnSpc>
+              <a:spcPct val="90000"/>
+            </a:lnSpc>
+            <a:spcBef>
+              <a:spcPct val="0"/>
+            </a:spcBef>
+            <a:spcAft>
+              <a:spcPct val="35000"/>
+            </a:spcAft>
+            <a:buNone/>
+          </a:pPr>
+          <a:r>
+            <a:rPr lang="de-DE" sz="1100" kern="1200"/>
+            <a:t>Vorschläge zur Verbesserung</a:t>
+          </a:r>
+          <a:endParaRPr lang="en-US" sz="1100" kern="1200"/>
+        </a:p>
+      </dsp:txBody>
+      <dsp:txXfrm>
+        <a:off x="4797182" y="468750"/>
+        <a:ext cx="3432417" cy="947067"/>
+      </dsp:txXfrm>
+    </dsp:sp>
+    <dsp:sp modelId="{CBB2D2C8-5089-4947-9F96-87E0554E5B32}">
+      <dsp:nvSpPr>
+        <dsp:cNvPr id="0" name=""/>
+        <dsp:cNvSpPr/>
+      </dsp:nvSpPr>
+      <dsp:spPr>
+        <a:xfrm>
+          <a:off x="0" y="1645410"/>
+          <a:ext cx="8229600" cy="947067"/>
+        </a:xfrm>
+        <a:prstGeom prst="roundRect">
+          <a:avLst>
+            <a:gd name="adj" fmla="val 10000"/>
+          </a:avLst>
+        </a:prstGeom>
+        <a:solidFill>
+          <a:schemeClr val="accent2">
+            <a:tint val="40000"/>
+            <a:hueOff val="0"/>
+            <a:satOff val="0"/>
+            <a:lumOff val="0"/>
+            <a:alphaOff val="0"/>
+          </a:schemeClr>
+        </a:solidFill>
+        <a:ln>
+          <a:noFill/>
+        </a:ln>
+        <a:effectLst/>
+      </dsp:spPr>
+      <dsp:style>
+        <a:lnRef idx="0">
+          <a:scrgbClr r="0" g="0" b="0"/>
+        </a:lnRef>
+        <a:fillRef idx="1">
+          <a:scrgbClr r="0" g="0" b="0"/>
+        </a:fillRef>
+        <a:effectRef idx="0">
+          <a:scrgbClr r="0" g="0" b="0"/>
+        </a:effectRef>
+        <a:fontRef idx="minor"/>
+      </dsp:style>
+    </dsp:sp>
+    <dsp:sp modelId="{6DB5CF01-909D-42F9-9F73-B3EB381C6A08}">
+      <dsp:nvSpPr>
+        <dsp:cNvPr id="0" name=""/>
+        <dsp:cNvSpPr/>
+      </dsp:nvSpPr>
+      <dsp:spPr>
+        <a:xfrm>
+          <a:off x="286487" y="1858500"/>
+          <a:ext cx="520887" cy="520887"/>
+        </a:xfrm>
+        <a:prstGeom prst="rect">
+          <a:avLst/>
+        </a:prstGeom>
+        <a:blipFill>
+          <a:blip xmlns:r="http://schemas.openxmlformats.org/officeDocument/2006/relationships" r:embed="rId3">
+            <a:extLst>
+              <a:ext uri="{96DAC541-7B7A-43D3-8B79-37D633B846F1}">
+                <asvg:svgBlip xmlns:asvg="http://schemas.microsoft.com/office/drawing/2016/SVG/main" r:embed="rId4"/>
+              </a:ext>
+            </a:extLst>
+          </a:blip>
+          <a:srcRect/>
+          <a:stretch>
+            <a:fillRect/>
+          </a:stretch>
+        </a:blipFill>
+        <a:ln w="25400" cap="flat" cmpd="sng" algn="ctr">
+          <a:noFill/>
+          <a:prstDash val="solid"/>
+        </a:ln>
+        <a:effectLst/>
+      </dsp:spPr>
+      <dsp:style>
+        <a:lnRef idx="2">
+          <a:scrgbClr r="0" g="0" b="0"/>
+        </a:lnRef>
+        <a:fillRef idx="1">
+          <a:scrgbClr r="0" g="0" b="0"/>
+        </a:fillRef>
+        <a:effectRef idx="0">
+          <a:scrgbClr r="0" g="0" b="0"/>
+        </a:effectRef>
+        <a:fontRef idx="minor">
+          <a:schemeClr val="lt1"/>
+        </a:fontRef>
+      </dsp:style>
+    </dsp:sp>
+    <dsp:sp modelId="{D27446A2-3B66-41D3-9B5A-05E3147FBD9D}">
+      <dsp:nvSpPr>
+        <dsp:cNvPr id="0" name=""/>
+        <dsp:cNvSpPr/>
+      </dsp:nvSpPr>
+      <dsp:spPr>
+        <a:xfrm>
+          <a:off x="1093862" y="1645410"/>
+          <a:ext cx="3703320" cy="947067"/>
+        </a:xfrm>
+        <a:prstGeom prst="rect">
+          <a:avLst/>
+        </a:prstGeom>
+        <a:noFill/>
+        <a:ln>
+          <a:noFill/>
+        </a:ln>
+        <a:effectLst/>
+      </dsp:spPr>
+      <dsp:style>
+        <a:lnRef idx="0">
+          <a:scrgbClr r="0" g="0" b="0"/>
+        </a:lnRef>
+        <a:fillRef idx="0">
+          <a:scrgbClr r="0" g="0" b="0"/>
+        </a:fillRef>
+        <a:effectRef idx="0">
+          <a:scrgbClr r="0" g="0" b="0"/>
+        </a:effectRef>
+        <a:fontRef idx="minor"/>
+      </dsp:style>
+      <dsp:txBody>
+        <a:bodyPr spcFirstLastPara="0" vert="horz" wrap="square" lIns="100231" tIns="100231" rIns="100231" bIns="100231" numCol="1" spcCol="1270" anchor="ctr" anchorCtr="0">
+          <a:noAutofit/>
+        </a:bodyPr>
+        <a:lstStyle/>
+        <a:p>
+          <a:pPr marL="0" lvl="0" indent="0" algn="l" defTabSz="622300">
+            <a:lnSpc>
+              <a:spcPct val="90000"/>
+            </a:lnSpc>
+            <a:spcBef>
+              <a:spcPct val="0"/>
+            </a:spcBef>
+            <a:spcAft>
+              <a:spcPct val="35000"/>
+            </a:spcAft>
+            <a:buNone/>
+          </a:pPr>
+          <a:r>
+            <a:rPr lang="de-DE" sz="1400" b="1" kern="1200"/>
+            <a:t>Ziel 2: </a:t>
+          </a:r>
+          <a:r>
+            <a:rPr lang="de-DE" sz="1400" kern="1200"/>
+            <a:t>Gegenüberstellung des Leipziger Systems mit bestehenden Ansätzen</a:t>
+          </a:r>
+          <a:endParaRPr lang="en-US" sz="1400" kern="1200"/>
+        </a:p>
+      </dsp:txBody>
+      <dsp:txXfrm>
+        <a:off x="1093862" y="1645410"/>
+        <a:ext cx="3703320" cy="947067"/>
+      </dsp:txXfrm>
+    </dsp:sp>
+    <dsp:sp modelId="{31983A4A-E1B0-404D-894C-D72E649BC307}">
+      <dsp:nvSpPr>
+        <dsp:cNvPr id="0" name=""/>
+        <dsp:cNvSpPr/>
+      </dsp:nvSpPr>
+      <dsp:spPr>
+        <a:xfrm>
+          <a:off x="4797182" y="1645410"/>
+          <a:ext cx="3432417" cy="947067"/>
+        </a:xfrm>
+        <a:prstGeom prst="rect">
+          <a:avLst/>
+        </a:prstGeom>
+        <a:noFill/>
+        <a:ln>
+          <a:noFill/>
+        </a:ln>
+        <a:effectLst/>
+      </dsp:spPr>
+      <dsp:style>
+        <a:lnRef idx="0">
+          <a:scrgbClr r="0" g="0" b="0"/>
+        </a:lnRef>
+        <a:fillRef idx="0">
+          <a:scrgbClr r="0" g="0" b="0"/>
+        </a:fillRef>
+        <a:effectRef idx="0">
+          <a:scrgbClr r="0" g="0" b="0"/>
+        </a:effectRef>
+        <a:fontRef idx="minor"/>
+      </dsp:style>
+      <dsp:txBody>
+        <a:bodyPr spcFirstLastPara="0" vert="horz" wrap="square" lIns="100231" tIns="100231" rIns="100231" bIns="100231" numCol="1" spcCol="1270" anchor="ctr" anchorCtr="0">
+          <a:noAutofit/>
+        </a:bodyPr>
+        <a:lstStyle/>
+        <a:p>
+          <a:pPr marL="0" lvl="0" indent="0" algn="l" defTabSz="488950">
+            <a:lnSpc>
+              <a:spcPct val="90000"/>
+            </a:lnSpc>
+            <a:spcBef>
+              <a:spcPct val="0"/>
+            </a:spcBef>
+            <a:spcAft>
+              <a:spcPct val="35000"/>
+            </a:spcAft>
+            <a:buNone/>
+          </a:pPr>
+          <a:r>
+            <a:rPr lang="de-DE" sz="1100" kern="1200"/>
+            <a:t>Literaturrecherche</a:t>
+          </a:r>
+          <a:endParaRPr lang="en-US" sz="1100" kern="1200"/>
+        </a:p>
+        <a:p>
+          <a:pPr marL="0" lvl="0" indent="0" algn="l" defTabSz="488950">
+            <a:lnSpc>
+              <a:spcPct val="90000"/>
+            </a:lnSpc>
+            <a:spcBef>
+              <a:spcPct val="0"/>
+            </a:spcBef>
+            <a:spcAft>
+              <a:spcPct val="35000"/>
+            </a:spcAft>
+            <a:buNone/>
+          </a:pPr>
+          <a:r>
+            <a:rPr lang="de-DE" sz="1100" kern="1200"/>
+            <a:t>Vergleich mit Leipziger System sowie Diskussion über Praktikabilität</a:t>
+          </a:r>
+          <a:endParaRPr lang="en-US" sz="1100" kern="1200"/>
+        </a:p>
+      </dsp:txBody>
+      <dsp:txXfrm>
+        <a:off x="4797182" y="1645410"/>
+        <a:ext cx="3432417" cy="947067"/>
+      </dsp:txXfrm>
+    </dsp:sp>
+  </dsp:spTree>
+</dsp:drawing>
+</file>
+
+<file path=ppt/diagrams/drawing2.xml><?xml version="1.0" encoding="utf-8"?>
+<dsp:drawing xmlns:dgm="http://schemas.openxmlformats.org/drawingml/2006/diagram" xmlns:dsp="http://schemas.microsoft.com/office/drawing/2008/diagram" xmlns:a="http://schemas.openxmlformats.org/drawingml/2006/main">
+  <dsp:spTree>
+    <dsp:nvGrpSpPr>
+      <dsp:cNvPr id="0" name=""/>
+      <dsp:cNvGrpSpPr/>
+    </dsp:nvGrpSpPr>
+    <dsp:grpSpPr/>
+    <dsp:sp modelId="{CC8F2BE2-1581-4521-9403-5F9752D851A7}">
+      <dsp:nvSpPr>
+        <dsp:cNvPr id="0" name=""/>
+        <dsp:cNvSpPr/>
+      </dsp:nvSpPr>
+      <dsp:spPr>
+        <a:xfrm>
+          <a:off x="0" y="359849"/>
+          <a:ext cx="8234363" cy="1417500"/>
+        </a:xfrm>
+        <a:prstGeom prst="rect">
+          <a:avLst/>
+        </a:prstGeom>
+        <a:solidFill>
+          <a:schemeClr val="lt1">
+            <a:alpha val="90000"/>
+            <a:hueOff val="0"/>
+            <a:satOff val="0"/>
+            <a:lumOff val="0"/>
+            <a:alphaOff val="0"/>
+          </a:schemeClr>
+        </a:solidFill>
+        <a:ln w="25400" cap="flat" cmpd="sng" algn="ctr">
+          <a:solidFill>
+            <a:schemeClr val="accent2"/>
+          </a:solidFill>
+          <a:prstDash val="solid"/>
+        </a:ln>
+        <a:effectLst/>
+      </dsp:spPr>
+      <dsp:style>
+        <a:lnRef idx="2">
+          <a:scrgbClr r="0" g="0" b="0"/>
+        </a:lnRef>
+        <a:fillRef idx="1">
+          <a:scrgbClr r="0" g="0" b="0"/>
+        </a:fillRef>
+        <a:effectRef idx="0">
+          <a:scrgbClr r="0" g="0" b="0"/>
+        </a:effectRef>
+        <a:fontRef idx="minor"/>
+      </dsp:style>
+      <dsp:txBody>
+        <a:bodyPr spcFirstLastPara="0" vert="horz" wrap="square" lIns="639078" tIns="416560" rIns="639078" bIns="142240" numCol="1" spcCol="1270" anchor="t" anchorCtr="0">
+          <a:noAutofit/>
+        </a:bodyPr>
+        <a:lstStyle/>
+        <a:p>
+          <a:pPr marL="228600" lvl="1" indent="-228600" algn="l" defTabSz="889000">
+            <a:lnSpc>
+              <a:spcPct val="90000"/>
+            </a:lnSpc>
+            <a:spcBef>
+              <a:spcPct val="0"/>
+            </a:spcBef>
+            <a:spcAft>
+              <a:spcPct val="15000"/>
+            </a:spcAft>
+            <a:buChar char="•"/>
+          </a:pPr>
+          <a:r>
+            <a:rPr lang="de-DE" sz="2000" kern="1200" dirty="0"/>
+            <a:t>Interviews mit Personen aus dem Umfeld der med. Versorgung von Wohnungslosen</a:t>
+          </a:r>
+          <a:endParaRPr lang="en-US" sz="2000" kern="1200" dirty="0"/>
+        </a:p>
+        <a:p>
+          <a:pPr marL="228600" lvl="1" indent="-228600" algn="l" defTabSz="889000">
+            <a:lnSpc>
+              <a:spcPct val="90000"/>
+            </a:lnSpc>
+            <a:spcBef>
+              <a:spcPct val="0"/>
+            </a:spcBef>
+            <a:spcAft>
+              <a:spcPct val="15000"/>
+            </a:spcAft>
+            <a:buChar char="•"/>
+          </a:pPr>
+          <a:r>
+            <a:rPr lang="de-DE" sz="2000" kern="1200"/>
+            <a:t>Modellierung der erfassten Informationen</a:t>
+          </a:r>
+          <a:endParaRPr lang="en-US" sz="2000" kern="1200"/>
+        </a:p>
+      </dsp:txBody>
+      <dsp:txXfrm>
+        <a:off x="0" y="359849"/>
+        <a:ext cx="8234363" cy="1417500"/>
+      </dsp:txXfrm>
+    </dsp:sp>
+    <dsp:sp modelId="{9CBF5304-0D3D-4995-BA7A-E8647A0A37A4}">
+      <dsp:nvSpPr>
+        <dsp:cNvPr id="0" name=""/>
+        <dsp:cNvSpPr/>
+      </dsp:nvSpPr>
+      <dsp:spPr>
+        <a:xfrm>
+          <a:off x="411718" y="64649"/>
+          <a:ext cx="5764054" cy="590400"/>
+        </a:xfrm>
+        <a:prstGeom prst="roundRect">
+          <a:avLst/>
+        </a:prstGeom>
+        <a:solidFill>
+          <a:schemeClr val="accent2"/>
+        </a:solidFill>
+        <a:ln w="38100" cap="flat" cmpd="sng" algn="ctr">
+          <a:solidFill>
+            <a:schemeClr val="lt1">
+              <a:hueOff val="0"/>
+              <a:satOff val="0"/>
+              <a:lumOff val="0"/>
+              <a:alphaOff val="0"/>
+            </a:schemeClr>
+          </a:solidFill>
+          <a:prstDash val="solid"/>
+        </a:ln>
+        <a:effectLst>
+          <a:outerShdw blurRad="40000" dist="20000" dir="5400000" rotWithShape="0">
+            <a:srgbClr val="000000">
+              <a:alpha val="38000"/>
+            </a:srgbClr>
+          </a:outerShdw>
+        </a:effectLst>
+      </dsp:spPr>
+      <dsp:style>
+        <a:lnRef idx="3">
+          <a:scrgbClr r="0" g="0" b="0"/>
+        </a:lnRef>
+        <a:fillRef idx="1">
+          <a:scrgbClr r="0" g="0" b="0"/>
+        </a:fillRef>
+        <a:effectRef idx="1">
+          <a:scrgbClr r="0" g="0" b="0"/>
+        </a:effectRef>
+        <a:fontRef idx="minor">
+          <a:schemeClr val="lt1"/>
+        </a:fontRef>
+      </dsp:style>
+      <dsp:txBody>
+        <a:bodyPr spcFirstLastPara="0" vert="horz" wrap="square" lIns="217868" tIns="0" rIns="217868" bIns="0" numCol="1" spcCol="1270" anchor="ctr" anchorCtr="0">
+          <a:noAutofit/>
+        </a:bodyPr>
+        <a:lstStyle/>
+        <a:p>
+          <a:pPr marL="0" lvl="0" indent="0" algn="l" defTabSz="889000">
+            <a:lnSpc>
+              <a:spcPct val="90000"/>
+            </a:lnSpc>
+            <a:spcBef>
+              <a:spcPct val="0"/>
+            </a:spcBef>
+            <a:spcAft>
+              <a:spcPct val="35000"/>
+            </a:spcAft>
+            <a:buNone/>
+          </a:pPr>
+          <a:r>
+            <a:rPr lang="de-DE" sz="2000" kern="1200" dirty="0"/>
+            <a:t>Ziel 1</a:t>
+          </a:r>
+          <a:endParaRPr lang="en-US" sz="2000" kern="1200" dirty="0"/>
+        </a:p>
+      </dsp:txBody>
+      <dsp:txXfrm>
+        <a:off x="440539" y="93470"/>
+        <a:ext cx="5706412" cy="532758"/>
+      </dsp:txXfrm>
+    </dsp:sp>
+    <dsp:sp modelId="{C745F97C-6088-427A-8200-6A03926D3C94}">
+      <dsp:nvSpPr>
+        <dsp:cNvPr id="0" name=""/>
+        <dsp:cNvSpPr/>
+      </dsp:nvSpPr>
+      <dsp:spPr>
+        <a:xfrm>
+          <a:off x="0" y="2180549"/>
+          <a:ext cx="8234363" cy="1134000"/>
+        </a:xfrm>
+        <a:prstGeom prst="rect">
+          <a:avLst/>
+        </a:prstGeom>
+        <a:solidFill>
+          <a:schemeClr val="lt1">
+            <a:alpha val="90000"/>
+            <a:hueOff val="0"/>
+            <a:satOff val="0"/>
+            <a:lumOff val="0"/>
+            <a:alphaOff val="0"/>
+          </a:schemeClr>
+        </a:solidFill>
+        <a:ln w="25400" cap="flat" cmpd="sng" algn="ctr">
+          <a:solidFill>
+            <a:schemeClr val="accent2"/>
+          </a:solidFill>
+          <a:prstDash val="solid"/>
+        </a:ln>
+        <a:effectLst/>
+      </dsp:spPr>
+      <dsp:style>
+        <a:lnRef idx="2">
+          <a:scrgbClr r="0" g="0" b="0"/>
+        </a:lnRef>
+        <a:fillRef idx="1">
+          <a:scrgbClr r="0" g="0" b="0"/>
+        </a:fillRef>
+        <a:effectRef idx="0">
+          <a:scrgbClr r="0" g="0" b="0"/>
+        </a:effectRef>
+        <a:fontRef idx="minor"/>
+      </dsp:style>
+      <dsp:txBody>
+        <a:bodyPr spcFirstLastPara="0" vert="horz" wrap="square" lIns="639078" tIns="416560" rIns="639078" bIns="142240" numCol="1" spcCol="1270" anchor="t" anchorCtr="0">
+          <a:noAutofit/>
+        </a:bodyPr>
+        <a:lstStyle/>
+        <a:p>
+          <a:pPr marL="228600" lvl="1" indent="-228600" algn="l" defTabSz="889000">
+            <a:lnSpc>
+              <a:spcPct val="90000"/>
+            </a:lnSpc>
+            <a:spcBef>
+              <a:spcPct val="0"/>
+            </a:spcBef>
+            <a:spcAft>
+              <a:spcPct val="15000"/>
+            </a:spcAft>
+            <a:buChar char="•"/>
+          </a:pPr>
+          <a:r>
+            <a:rPr lang="de-DE" sz="2000" kern="1200"/>
+            <a:t>Literaturrecherche nach bestehenden Ansätzen</a:t>
+          </a:r>
+          <a:endParaRPr lang="en-US" sz="2000" kern="1200"/>
+        </a:p>
+        <a:p>
+          <a:pPr marL="228600" lvl="1" indent="-228600" algn="l" defTabSz="889000">
+            <a:lnSpc>
+              <a:spcPct val="90000"/>
+            </a:lnSpc>
+            <a:spcBef>
+              <a:spcPct val="0"/>
+            </a:spcBef>
+            <a:spcAft>
+              <a:spcPct val="15000"/>
+            </a:spcAft>
+            <a:buChar char="•"/>
+          </a:pPr>
+          <a:r>
+            <a:rPr lang="de-DE" sz="2000" kern="1200"/>
+            <a:t>Definition von Vergleichskriterien</a:t>
+          </a:r>
+          <a:endParaRPr lang="en-US" sz="2000" kern="1200"/>
+        </a:p>
+      </dsp:txBody>
+      <dsp:txXfrm>
+        <a:off x="0" y="2180549"/>
+        <a:ext cx="8234363" cy="1134000"/>
+      </dsp:txXfrm>
+    </dsp:sp>
+    <dsp:sp modelId="{DDA11F6F-7E20-41CC-8850-668235B2CBB9}">
+      <dsp:nvSpPr>
+        <dsp:cNvPr id="0" name=""/>
+        <dsp:cNvSpPr/>
+      </dsp:nvSpPr>
+      <dsp:spPr>
+        <a:xfrm>
+          <a:off x="411718" y="1885349"/>
+          <a:ext cx="5764054" cy="590400"/>
+        </a:xfrm>
+        <a:prstGeom prst="roundRect">
+          <a:avLst/>
+        </a:prstGeom>
+        <a:solidFill>
+          <a:schemeClr val="accent2"/>
+        </a:solidFill>
+        <a:ln w="38100" cap="flat" cmpd="sng" algn="ctr">
+          <a:solidFill>
+            <a:schemeClr val="lt1">
+              <a:hueOff val="0"/>
+              <a:satOff val="0"/>
+              <a:lumOff val="0"/>
+              <a:alphaOff val="0"/>
+            </a:schemeClr>
+          </a:solidFill>
+          <a:prstDash val="solid"/>
+        </a:ln>
+        <a:effectLst>
+          <a:outerShdw blurRad="40000" dist="20000" dir="5400000" rotWithShape="0">
+            <a:srgbClr val="000000">
+              <a:alpha val="38000"/>
+            </a:srgbClr>
+          </a:outerShdw>
+        </a:effectLst>
+      </dsp:spPr>
+      <dsp:style>
+        <a:lnRef idx="3">
+          <a:scrgbClr r="0" g="0" b="0"/>
+        </a:lnRef>
+        <a:fillRef idx="1">
+          <a:scrgbClr r="0" g="0" b="0"/>
+        </a:fillRef>
+        <a:effectRef idx="1">
+          <a:scrgbClr r="0" g="0" b="0"/>
+        </a:effectRef>
+        <a:fontRef idx="minor">
+          <a:schemeClr val="lt1"/>
+        </a:fontRef>
+      </dsp:style>
+      <dsp:txBody>
+        <a:bodyPr spcFirstLastPara="0" vert="horz" wrap="square" lIns="217868" tIns="0" rIns="217868" bIns="0" numCol="1" spcCol="1270" anchor="ctr" anchorCtr="0">
+          <a:noAutofit/>
+        </a:bodyPr>
+        <a:lstStyle/>
+        <a:p>
+          <a:pPr marL="0" lvl="0" indent="0" algn="l" defTabSz="889000">
+            <a:lnSpc>
+              <a:spcPct val="90000"/>
+            </a:lnSpc>
+            <a:spcBef>
+              <a:spcPct val="0"/>
+            </a:spcBef>
+            <a:spcAft>
+              <a:spcPct val="35000"/>
+            </a:spcAft>
+            <a:buNone/>
+          </a:pPr>
+          <a:r>
+            <a:rPr lang="de-DE" sz="2000" kern="1200" dirty="0"/>
+            <a:t>Ziel 2</a:t>
+          </a:r>
+          <a:endParaRPr lang="en-US" sz="2000" kern="1200" dirty="0"/>
+        </a:p>
+      </dsp:txBody>
+      <dsp:txXfrm>
+        <a:off x="440539" y="1914170"/>
+        <a:ext cx="5706412" cy="532758"/>
+      </dsp:txXfrm>
+    </dsp:sp>
+  </dsp:spTree>
+</dsp:drawing>
+</file>
+
+<file path=ppt/diagrams/drawing3.xml><?xml version="1.0" encoding="utf-8"?>
 <dsp:drawing xmlns:dgm="http://schemas.openxmlformats.org/drawingml/2006/diagram" xmlns:dsp="http://schemas.microsoft.com/office/drawing/2008/diagram" xmlns:a="http://schemas.openxmlformats.org/drawingml/2006/main">
   <dsp:spTree>
     <dsp:nvGrpSpPr>
@@ -2474,6 +5644,525 @@
 </file>
 
 <file path=ppt/diagrams/layout1.xml><?xml version="1.0" encoding="utf-8"?>
+<dgm:layoutDef xmlns:dgm="http://schemas.openxmlformats.org/drawingml/2006/diagram" xmlns:a="http://schemas.openxmlformats.org/drawingml/2006/main" uniqueId="urn:microsoft.com/office/officeart/2018/2/layout/IconVerticalSolidList">
+  <dgm:title val="Icon Vertical Solid List"/>
+  <dgm:desc val="Use to show a series of visuals from top to bottom with Level 1 or Level 1 and Level 2 text grouped in a shape. Works best with icons or small pictures with lengthier descriptions."/>
+  <dgm:catLst>
+    <dgm:cat type="icon" pri="500"/>
+  </dgm:catLst>
+  <dgm:sampData useDef="1">
+    <dgm:dataModel>
+      <dgm:ptLst/>
+      <dgm:bg/>
+      <dgm:whole/>
+    </dgm:dataModel>
+  </dgm:sampData>
+  <dgm:styleData useDef="1">
+    <dgm:dataModel>
+      <dgm:ptLst/>
+      <dgm:bg/>
+      <dgm:whole/>
+    </dgm:dataModel>
+  </dgm:styleData>
+  <dgm:clrData useDef="1">
+    <dgm:dataModel>
+      <dgm:ptLst/>
+      <dgm:bg/>
+      <dgm:whole/>
+    </dgm:dataModel>
+  </dgm:clrData>
+  <dgm:layoutNode name="root">
+    <dgm:varLst>
+      <dgm:dir/>
+      <dgm:resizeHandles val="exact"/>
+    </dgm:varLst>
+    <dgm:choose name="Name0">
+      <dgm:if name="Name1" axis="self" func="var" arg="dir" op="equ" val="norm">
+        <dgm:alg type="lin">
+          <dgm:param type="linDir" val="fromT"/>
+          <dgm:param type="nodeHorzAlign" val="l"/>
+        </dgm:alg>
+      </dgm:if>
+      <dgm:else name="Name2">
+        <dgm:alg type="lin">
+          <dgm:param type="linDir" val="fromT"/>
+          <dgm:param type="nodeHorzAlign" val="r"/>
+        </dgm:alg>
+      </dgm:else>
+    </dgm:choose>
+    <dgm:shape xmlns:r="http://schemas.openxmlformats.org/officeDocument/2006/relationships" r:blip="">
+      <dgm:adjLst/>
+    </dgm:shape>
+    <dgm:presOf/>
+    <dgm:choose name="Name3">
+      <dgm:if name="Name4" axis="ch" ptType="node" func="cnt" op="lte" val="3">
+        <dgm:constrLst>
+          <dgm:constr type="h" for="ch" forName="compNode" refType="h" fact="0.3"/>
+          <dgm:constr type="w" for="ch" forName="compNode" refType="w"/>
+          <dgm:constr type="h" for="ch" forName="sibTrans" refType="h" refFor="ch" refForName="compNode" fact="0.25"/>
+          <dgm:constr type="primFontSz" for="des" forName="parTx" val="25"/>
+          <dgm:constr type="primFontSz" for="des" forName="desTx" refType="primFontSz" refFor="des" refForName="parTx" op="lte" fact="0.75"/>
+          <dgm:constr type="h" for="des" forName="compNode" op="equ"/>
+          <dgm:constr type="h" for="des" forName="bgRect" op="equ"/>
+          <dgm:constr type="h" for="des" forName="iconRect" op="equ"/>
+          <dgm:constr type="w" for="des" forName="iconRect" op="equ"/>
+          <dgm:constr type="h" for="des" forName="spaceRect" op="equ"/>
+          <dgm:constr type="h" for="des" forName="parTx" op="equ"/>
+          <dgm:constr type="h" for="des" forName="desTx" op="equ"/>
+        </dgm:constrLst>
+      </dgm:if>
+      <dgm:if name="Name5" axis="ch" ptType="node" func="cnt" op="lte" val="4">
+        <dgm:constrLst>
+          <dgm:constr type="h" for="ch" forName="compNode" refType="h" fact="0.3"/>
+          <dgm:constr type="w" for="ch" forName="compNode" refType="w"/>
+          <dgm:constr type="h" for="ch" forName="sibTrans" refType="h" refFor="ch" refForName="compNode" fact="0.25"/>
+          <dgm:constr type="primFontSz" for="des" forName="parTx" val="22"/>
+          <dgm:constr type="primFontSz" for="des" forName="desTx" refType="primFontSz" refFor="des" refForName="parTx" op="lte" fact="0.75"/>
+          <dgm:constr type="h" for="des" forName="compNode" op="equ"/>
+          <dgm:constr type="h" for="des" forName="bgRect" op="equ"/>
+          <dgm:constr type="h" for="des" forName="iconRect" op="equ"/>
+          <dgm:constr type="w" for="des" forName="iconRect" op="equ"/>
+          <dgm:constr type="h" for="des" forName="spaceRect" op="equ"/>
+          <dgm:constr type="h" for="des" forName="parTx" op="equ"/>
+          <dgm:constr type="h" for="des" forName="desTx" op="equ"/>
+        </dgm:constrLst>
+      </dgm:if>
+      <dgm:if name="Name6" axis="ch" ptType="node" func="cnt" op="lte" val="6">
+        <dgm:constrLst>
+          <dgm:constr type="h" for="ch" forName="compNode" refType="h" fact="0.3"/>
+          <dgm:constr type="w" for="ch" forName="compNode" refType="w"/>
+          <dgm:constr type="h" for="ch" forName="sibTrans" refType="h" refFor="ch" refForName="compNode" fact="0.25"/>
+          <dgm:constr type="primFontSz" for="des" forName="parTx" val="19"/>
+          <dgm:constr type="primFontSz" for="des" forName="desTx" refType="primFontSz" refFor="des" refForName="parTx" op="lte" fact="0.75"/>
+          <dgm:constr type="h" for="des" forName="compNode" op="equ"/>
+          <dgm:constr type="h" for="des" forName="bgRect" op="equ"/>
+          <dgm:constr type="h" for="des" forName="iconRect" op="equ"/>
+          <dgm:constr type="w" for="des" forName="iconRect" op="equ"/>
+          <dgm:constr type="h" for="des" forName="spaceRect" op="equ"/>
+          <dgm:constr type="h" for="des" forName="parTx" op="equ"/>
+          <dgm:constr type="h" for="des" forName="desTx" op="equ"/>
+        </dgm:constrLst>
+      </dgm:if>
+      <dgm:else name="Name7">
+        <dgm:constrLst>
+          <dgm:constr type="h" for="ch" forName="compNode" refType="h" fact="0.3"/>
+          <dgm:constr type="w" for="ch" forName="compNode" refType="w"/>
+          <dgm:constr type="h" for="ch" forName="sibTrans" refType="h" refFor="ch" refForName="compNode" fact="0.25"/>
+          <dgm:constr type="primFontSz" for="des" forName="parTx" val="16"/>
+          <dgm:constr type="primFontSz" for="des" forName="desTx" refType="primFontSz" refFor="des" refForName="parTx" op="lte" fact="0.75"/>
+          <dgm:constr type="h" for="des" forName="compNode" op="equ"/>
+          <dgm:constr type="h" for="des" forName="bgRect" op="equ"/>
+          <dgm:constr type="h" for="des" forName="iconRect" op="equ"/>
+          <dgm:constr type="w" for="des" forName="iconRect" op="equ"/>
+          <dgm:constr type="h" for="des" forName="spaceRect" op="equ"/>
+          <dgm:constr type="h" for="des" forName="parTx" op="equ"/>
+          <dgm:constr type="h" for="des" forName="desTx" op="equ"/>
+        </dgm:constrLst>
+      </dgm:else>
+    </dgm:choose>
+    <dgm:ruleLst>
+      <dgm:rule type="h" for="ch" forName="compNode" val="0" fact="NaN" max="NaN"/>
+    </dgm:ruleLst>
+    <dgm:forEach name="Name8" axis="ch" ptType="node">
+      <dgm:layoutNode name="compNode">
+        <dgm:alg type="composite"/>
+        <dgm:shape xmlns:r="http://schemas.openxmlformats.org/officeDocument/2006/relationships" r:blip="">
+          <dgm:adjLst/>
+        </dgm:shape>
+        <dgm:presOf axis="self"/>
+        <dgm:choose name="Name9">
+          <dgm:if name="Name10" axis="ch" ptType="node" func="cnt" op="gte" val="1">
+            <dgm:constrLst>
+              <dgm:constr type="w" for="ch" forName="bgRect" refType="w"/>
+              <dgm:constr type="h" for="ch" forName="bgRect" refType="h"/>
+              <dgm:constr type="l" for="ch" forName="bgRect"/>
+              <dgm:constr type="t" for="ch" forName="bgRect"/>
+              <dgm:constr type="h" for="ch" forName="iconRect" refType="h" fact="0.55"/>
+              <dgm:constr type="w" for="ch" forName="iconRect" refType="h" refFor="ch" refForName="iconRect"/>
+              <dgm:constr type="l" for="ch" forName="iconRect" refType="h" refFor="ch" refForName="iconRect" fact="0.55"/>
+              <dgm:constr type="ctrY" for="ch" forName="iconRect" refType="ctrY" refFor="ch" refForName="bgRect"/>
+              <dgm:constr type="w" for="ch" forName="spaceRect" refType="l" refFor="ch" refForName="iconRect"/>
+              <dgm:constr type="h" for="ch" forName="spaceRect" refType="h"/>
+              <dgm:constr type="l" for="ch" forName="spaceRect" refType="r" refFor="ch" refForName="iconRect"/>
+              <dgm:constr type="t" for="ch" forName="spaceRect"/>
+              <dgm:constr type="w" for="ch" forName="parTx" refType="w" fact="0.45"/>
+              <dgm:constr type="h" for="ch" forName="parTx" refType="h"/>
+              <dgm:constr type="l" for="ch" forName="parTx" refType="r" refFor="ch" refForName="spaceRect"/>
+              <dgm:constr type="t" for="ch" forName="parTx"/>
+              <dgm:constr type="h" for="ch" forName="desTx" refType="h"/>
+              <dgm:constr type="l" for="ch" forName="desTx" refType="r" refFor="ch" refForName="parTx"/>
+              <dgm:constr type="t" for="ch" forName="desTx"/>
+            </dgm:constrLst>
+          </dgm:if>
+          <dgm:else name="Name11">
+            <dgm:constrLst>
+              <dgm:constr type="w" for="ch" forName="bgRect" refType="w"/>
+              <dgm:constr type="h" for="ch" forName="bgRect" refType="h"/>
+              <dgm:constr type="l" for="ch" forName="bgRect"/>
+              <dgm:constr type="t" for="ch" forName="bgRect"/>
+              <dgm:constr type="h" for="ch" forName="iconRect" refType="h" fact="0.55"/>
+              <dgm:constr type="w" for="ch" forName="iconRect" refType="h" refFor="ch" refForName="iconRect"/>
+              <dgm:constr type="l" for="ch" forName="iconRect" refType="h" refFor="ch" refForName="iconRect" fact="0.55"/>
+              <dgm:constr type="ctrY" for="ch" forName="iconRect" refType="ctrY" refFor="ch" refForName="bgRect"/>
+              <dgm:constr type="w" for="ch" forName="spaceRect" refType="l" refFor="ch" refForName="iconRect"/>
+              <dgm:constr type="h" for="ch" forName="spaceRect" refType="h"/>
+              <dgm:constr type="l" for="ch" forName="spaceRect" refType="r" refFor="ch" refForName="iconRect"/>
+              <dgm:constr type="t" for="ch" forName="spaceRect"/>
+              <dgm:constr type="h" for="ch" forName="parTx" refType="h"/>
+              <dgm:constr type="l" for="ch" forName="parTx" refType="r" refFor="ch" refForName="spaceRect"/>
+              <dgm:constr type="t" for="ch" forName="parTx"/>
+            </dgm:constrLst>
+          </dgm:else>
+        </dgm:choose>
+        <dgm:ruleLst>
+          <dgm:rule type="h" val="INF" fact="NaN" max="NaN"/>
+        </dgm:ruleLst>
+        <dgm:layoutNode name="bgRect" styleLbl="bgShp">
+          <dgm:alg type="sp"/>
+          <dgm:shape xmlns:r="http://schemas.openxmlformats.org/officeDocument/2006/relationships" type="roundRect" r:blip="">
+            <dgm:adjLst>
+              <dgm:adj idx="1" val="0.1"/>
+            </dgm:adjLst>
+          </dgm:shape>
+          <dgm:presOf/>
+          <dgm:constrLst/>
+          <dgm:ruleLst/>
+        </dgm:layoutNode>
+        <dgm:layoutNode name="iconRect" styleLbl="node1">
+          <dgm:alg type="sp"/>
+          <dgm:shape xmlns:r="http://schemas.openxmlformats.org/officeDocument/2006/relationships" type="rect" r:blip="" blipPhldr="1">
+            <dgm:adjLst/>
+          </dgm:shape>
+          <dgm:presOf/>
+          <dgm:constrLst/>
+          <dgm:ruleLst/>
+        </dgm:layoutNode>
+        <dgm:layoutNode name="spaceRect">
+          <dgm:alg type="sp"/>
+          <dgm:shape xmlns:r="http://schemas.openxmlformats.org/officeDocument/2006/relationships" r:blip="">
+            <dgm:adjLst/>
+          </dgm:shape>
+          <dgm:presOf/>
+          <dgm:constrLst/>
+          <dgm:ruleLst/>
+        </dgm:layoutNode>
+        <dgm:layoutNode name="parTx" styleLbl="revTx">
+          <dgm:varLst>
+            <dgm:chMax val="0"/>
+            <dgm:chPref val="0"/>
+          </dgm:varLst>
+          <dgm:alg type="tx">
+            <dgm:param type="txAnchorVert" val="mid"/>
+            <dgm:param type="parTxLTRAlign" val="l"/>
+            <dgm:param type="shpTxLTRAlignCh" val="l"/>
+            <dgm:param type="parTxRTLAlign" val="r"/>
+            <dgm:param type="shpTxRTLAlignCh" val="r"/>
+          </dgm:alg>
+          <dgm:shape xmlns:r="http://schemas.openxmlformats.org/officeDocument/2006/relationships" type="rect" r:blip="">
+            <dgm:adjLst/>
+          </dgm:shape>
+          <dgm:presOf axis="self" ptType="node"/>
+          <dgm:constrLst>
+            <dgm:constr type="lMarg" refType="h" fact="0.3"/>
+            <dgm:constr type="rMarg" refType="h" fact="0.3"/>
+            <dgm:constr type="tMarg" refType="h" fact="0.3"/>
+            <dgm:constr type="bMarg" refType="h" fact="0.3"/>
+          </dgm:constrLst>
+          <dgm:ruleLst>
+            <dgm:rule type="primFontSz" val="14" fact="NaN" max="NaN"/>
+            <dgm:rule type="h" val="INF" fact="NaN" max="NaN"/>
+          </dgm:ruleLst>
+        </dgm:layoutNode>
+        <dgm:choose name="Name12">
+          <dgm:if name="Name13" axis="ch" ptType="node" func="cnt" op="gte" val="1">
+            <dgm:layoutNode name="desTx" styleLbl="revTx">
+              <dgm:varLst/>
+              <dgm:alg type="tx">
+                <dgm:param type="txAnchorVertCh" val="mid"/>
+                <dgm:param type="parTxLTRAlign" val="l"/>
+                <dgm:param type="shpTxLTRAlignCh" val="l"/>
+                <dgm:param type="parTxRTLAlign" val="r"/>
+                <dgm:param type="shpTxRTLAlignCh" val="r"/>
+                <dgm:param type="stBulletLvl" val="0"/>
+              </dgm:alg>
+              <dgm:shape xmlns:r="http://schemas.openxmlformats.org/officeDocument/2006/relationships" type="rect" r:blip="">
+                <dgm:adjLst/>
+              </dgm:shape>
+              <dgm:presOf axis="des" ptType="node"/>
+              <dgm:constrLst>
+                <dgm:constr type="primFontSz" val="18"/>
+                <dgm:constr type="secFontSz" refType="primFontSz"/>
+                <dgm:constr type="lMarg" refType="h" fact="0.3"/>
+                <dgm:constr type="rMarg" refType="h" fact="0.3"/>
+                <dgm:constr type="tMarg" refType="h" fact="0.3"/>
+                <dgm:constr type="bMarg" refType="h" fact="0.3"/>
+              </dgm:constrLst>
+              <dgm:ruleLst>
+                <dgm:rule type="primFontSz" val="11" fact="NaN" max="NaN"/>
+              </dgm:ruleLst>
+            </dgm:layoutNode>
+          </dgm:if>
+          <dgm:else name="Name14"/>
+        </dgm:choose>
+      </dgm:layoutNode>
+      <dgm:forEach name="Name15" axis="followSib" ptType="sibTrans" cnt="1">
+        <dgm:layoutNode name="sibTrans">
+          <dgm:alg type="sp"/>
+          <dgm:shape xmlns:r="http://schemas.openxmlformats.org/officeDocument/2006/relationships" r:blip="">
+            <dgm:adjLst/>
+          </dgm:shape>
+          <dgm:presOf axis="self"/>
+          <dgm:constrLst/>
+          <dgm:ruleLst/>
+        </dgm:layoutNode>
+      </dgm:forEach>
+    </dgm:forEach>
+  </dgm:layoutNode>
+  <dgm:extLst>
+    <a:ext uri="{68A01E43-0DF5-4B5B-8FA6-DAF915123BFB}">
+      <dgm1612:lstStyle xmlns:dgm1612="http://schemas.microsoft.com/office/drawing/2016/12/diagram">
+        <a:lvl1pPr>
+          <a:lnSpc>
+            <a:spcPct val="100000"/>
+          </a:lnSpc>
+        </a:lvl1pPr>
+        <a:lvl2pPr>
+          <a:lnSpc>
+            <a:spcPct val="100000"/>
+          </a:lnSpc>
+        </a:lvl2pPr>
+      </dgm1612:lstStyle>
+    </a:ext>
+  </dgm:extLst>
+</dgm:layoutDef>
+</file>
+
+<file path=ppt/diagrams/layout2.xml><?xml version="1.0" encoding="utf-8"?>
+<dgm:layoutDef xmlns:dgm="http://schemas.openxmlformats.org/drawingml/2006/diagram" xmlns:a="http://schemas.openxmlformats.org/drawingml/2006/main" uniqueId="urn:microsoft.com/office/officeart/2005/8/layout/list1">
+  <dgm:title val=""/>
+  <dgm:desc val=""/>
+  <dgm:catLst>
+    <dgm:cat type="list" pri="4000"/>
+  </dgm:catLst>
+  <dgm:sampData>
+    <dgm:dataModel>
+      <dgm:ptLst>
+        <dgm:pt modelId="0" type="doc"/>
+        <dgm:pt modelId="1">
+          <dgm:prSet phldr="1"/>
+        </dgm:pt>
+        <dgm:pt modelId="2">
+          <dgm:prSet phldr="1"/>
+        </dgm:pt>
+        <dgm:pt modelId="3">
+          <dgm:prSet phldr="1"/>
+        </dgm:pt>
+      </dgm:ptLst>
+      <dgm:cxnLst>
+        <dgm:cxn modelId="4" srcId="0" destId="1" srcOrd="0" destOrd="0"/>
+        <dgm:cxn modelId="5" srcId="0" destId="2" srcOrd="1" destOrd="0"/>
+        <dgm:cxn modelId="6" srcId="0" destId="3" srcOrd="2" destOrd="0"/>
+      </dgm:cxnLst>
+      <dgm:bg/>
+      <dgm:whole/>
+    </dgm:dataModel>
+  </dgm:sampData>
+  <dgm:styleData>
+    <dgm:dataModel>
+      <dgm:ptLst>
+        <dgm:pt modelId="0" type="doc"/>
+        <dgm:pt modelId="1"/>
+        <dgm:pt modelId="2"/>
+      </dgm:ptLst>
+      <dgm:cxnLst>
+        <dgm:cxn modelId="4" srcId="0" destId="1" srcOrd="0" destOrd="0"/>
+        <dgm:cxn modelId="5" srcId="0" destId="2" srcOrd="1" destOrd="0"/>
+      </dgm:cxnLst>
+      <dgm:bg/>
+      <dgm:whole/>
+    </dgm:dataModel>
+  </dgm:styleData>
+  <dgm:clrData>
+    <dgm:dataModel>
+      <dgm:ptLst>
+        <dgm:pt modelId="0" type="doc"/>
+        <dgm:pt modelId="1"/>
+        <dgm:pt modelId="2"/>
+        <dgm:pt modelId="3"/>
+        <dgm:pt modelId="4"/>
+      </dgm:ptLst>
+      <dgm:cxnLst>
+        <dgm:cxn modelId="5" srcId="0" destId="1" srcOrd="0" destOrd="0"/>
+        <dgm:cxn modelId="6" srcId="0" destId="2" srcOrd="1" destOrd="0"/>
+        <dgm:cxn modelId="7" srcId="0" destId="3" srcOrd="2" destOrd="0"/>
+        <dgm:cxn modelId="8" srcId="0" destId="4" srcOrd="3" destOrd="0"/>
+      </dgm:cxnLst>
+      <dgm:bg/>
+      <dgm:whole/>
+    </dgm:dataModel>
+  </dgm:clrData>
+  <dgm:layoutNode name="linear">
+    <dgm:varLst>
+      <dgm:dir/>
+      <dgm:animLvl val="lvl"/>
+      <dgm:resizeHandles val="exact"/>
+    </dgm:varLst>
+    <dgm:choose name="Name0">
+      <dgm:if name="Name1" func="var" arg="dir" op="equ" val="norm">
+        <dgm:alg type="lin">
+          <dgm:param type="linDir" val="fromT"/>
+          <dgm:param type="vertAlign" val="mid"/>
+          <dgm:param type="horzAlign" val="l"/>
+          <dgm:param type="nodeHorzAlign" val="l"/>
+        </dgm:alg>
+      </dgm:if>
+      <dgm:else name="Name2">
+        <dgm:alg type="lin">
+          <dgm:param type="linDir" val="fromT"/>
+          <dgm:param type="vertAlign" val="mid"/>
+          <dgm:param type="horzAlign" val="r"/>
+          <dgm:param type="nodeHorzAlign" val="r"/>
+        </dgm:alg>
+      </dgm:else>
+    </dgm:choose>
+    <dgm:shape xmlns:r="http://schemas.openxmlformats.org/officeDocument/2006/relationships" r:blip="">
+      <dgm:adjLst/>
+    </dgm:shape>
+    <dgm:presOf/>
+    <dgm:constrLst>
+      <dgm:constr type="w" for="ch" forName="parentLin" refType="w"/>
+      <dgm:constr type="h" for="ch" forName="parentLin" val="INF"/>
+      <dgm:constr type="w" for="des" forName="parentLeftMargin" refType="w" fact="0.05"/>
+      <dgm:constr type="w" for="des" forName="parentText" refType="w" fact="0.7"/>
+      <dgm:constr type="h" for="des" forName="parentText" refType="primFontSz" refFor="des" refForName="parentText" fact="0.82"/>
+      <dgm:constr type="h" for="ch" forName="negativeSpace" refType="primFontSz" refFor="des" refForName="parentText" fact="-0.41"/>
+      <dgm:constr type="h" for="ch" forName="negativeSpace" refType="h" refFor="des" refForName="parentText" op="lte" fact="-0.82"/>
+      <dgm:constr type="h" for="ch" forName="negativeSpace" refType="h" refFor="des" refForName="parentText" op="gte" fact="-0.82"/>
+      <dgm:constr type="w" for="ch" forName="childText" refType="w"/>
+      <dgm:constr type="h" for="ch" forName="childText" refType="primFontSz" refFor="des" refForName="parentText" fact="0.7"/>
+      <dgm:constr type="primFontSz" for="des" forName="parentText" val="65"/>
+      <dgm:constr type="primFontSz" for="ch" forName="childText" refType="primFontSz" refFor="des" refForName="parentText"/>
+      <dgm:constr type="tMarg" for="ch" forName="childText" refType="primFontSz" refFor="des" refForName="parentText" fact="1.64"/>
+      <dgm:constr type="tMarg" for="ch" forName="childText" refType="h" refFor="des" refForName="parentText" op="lte" fact="3.28"/>
+      <dgm:constr type="tMarg" for="ch" forName="childText" refType="h" refFor="des" refForName="parentText" op="gte" fact="3.28"/>
+      <dgm:constr type="lMarg" for="ch" forName="childText" refType="w" fact="0.22"/>
+      <dgm:constr type="rMarg" for="ch" forName="childText" refType="lMarg" refFor="ch" refForName="childText"/>
+      <dgm:constr type="lMarg" for="des" forName="parentText" refType="w" fact="0.075"/>
+      <dgm:constr type="rMarg" for="des" forName="parentText" refType="lMarg" refFor="des" refForName="parentText"/>
+      <dgm:constr type="h" for="ch" forName="spaceBetweenRectangles" refType="primFontSz" refFor="des" refForName="parentText" fact="0.15"/>
+    </dgm:constrLst>
+    <dgm:ruleLst>
+      <dgm:rule type="primFontSz" for="des" forName="parentText" val="5" fact="NaN" max="NaN"/>
+    </dgm:ruleLst>
+    <dgm:forEach name="Name3" axis="ch" ptType="node">
+      <dgm:layoutNode name="parentLin">
+        <dgm:choose name="Name4">
+          <dgm:if name="Name5" func="var" arg="dir" op="equ" val="norm">
+            <dgm:alg type="lin">
+              <dgm:param type="linDir" val="fromL"/>
+              <dgm:param type="horzAlign" val="l"/>
+              <dgm:param type="nodeHorzAlign" val="l"/>
+            </dgm:alg>
+          </dgm:if>
+          <dgm:else name="Name6">
+            <dgm:alg type="lin">
+              <dgm:param type="linDir" val="fromR"/>
+              <dgm:param type="horzAlign" val="r"/>
+              <dgm:param type="nodeHorzAlign" val="r"/>
+            </dgm:alg>
+          </dgm:else>
+        </dgm:choose>
+        <dgm:shape xmlns:r="http://schemas.openxmlformats.org/officeDocument/2006/relationships" r:blip="">
+          <dgm:adjLst/>
+        </dgm:shape>
+        <dgm:presOf/>
+        <dgm:constrLst/>
+        <dgm:ruleLst/>
+        <dgm:layoutNode name="parentLeftMargin">
+          <dgm:alg type="sp"/>
+          <dgm:shape xmlns:r="http://schemas.openxmlformats.org/officeDocument/2006/relationships" type="rect" r:blip="" hideGeom="1">
+            <dgm:adjLst/>
+          </dgm:shape>
+          <dgm:presOf axis="self"/>
+          <dgm:constrLst>
+            <dgm:constr type="h"/>
+          </dgm:constrLst>
+          <dgm:ruleLst/>
+        </dgm:layoutNode>
+        <dgm:layoutNode name="parentText" styleLbl="node1">
+          <dgm:varLst>
+            <dgm:chMax val="0"/>
+            <dgm:bulletEnabled val="1"/>
+          </dgm:varLst>
+          <dgm:choose name="Name7">
+            <dgm:if name="Name8" func="var" arg="dir" op="equ" val="norm">
+              <dgm:alg type="tx">
+                <dgm:param type="parTxLTRAlign" val="l"/>
+                <dgm:param type="parTxRTLAlign" val="l"/>
+              </dgm:alg>
+            </dgm:if>
+            <dgm:else name="Name9">
+              <dgm:alg type="tx">
+                <dgm:param type="parTxLTRAlign" val="r"/>
+                <dgm:param type="parTxRTLAlign" val="r"/>
+              </dgm:alg>
+            </dgm:else>
+          </dgm:choose>
+          <dgm:shape xmlns:r="http://schemas.openxmlformats.org/officeDocument/2006/relationships" type="roundRect" r:blip="">
+            <dgm:adjLst/>
+          </dgm:shape>
+          <dgm:presOf axis="self" ptType="node"/>
+          <dgm:constrLst>
+            <dgm:constr type="tMarg"/>
+            <dgm:constr type="bMarg"/>
+          </dgm:constrLst>
+          <dgm:ruleLst/>
+        </dgm:layoutNode>
+      </dgm:layoutNode>
+      <dgm:layoutNode name="negativeSpace">
+        <dgm:alg type="sp"/>
+        <dgm:shape xmlns:r="http://schemas.openxmlformats.org/officeDocument/2006/relationships" r:blip="">
+          <dgm:adjLst/>
+        </dgm:shape>
+        <dgm:presOf/>
+        <dgm:constrLst/>
+        <dgm:ruleLst/>
+      </dgm:layoutNode>
+      <dgm:layoutNode name="childText" styleLbl="conFgAcc1">
+        <dgm:varLst>
+          <dgm:bulletEnabled val="1"/>
+        </dgm:varLst>
+        <dgm:alg type="tx">
+          <dgm:param type="stBulletLvl" val="1"/>
+        </dgm:alg>
+        <dgm:shape xmlns:r="http://schemas.openxmlformats.org/officeDocument/2006/relationships" type="rect" r:blip="" zOrderOff="-2">
+          <dgm:adjLst/>
+        </dgm:shape>
+        <dgm:presOf axis="des" ptType="node"/>
+        <dgm:constrLst>
+          <dgm:constr type="secFontSz" refType="primFontSz"/>
+        </dgm:constrLst>
+        <dgm:ruleLst>
+          <dgm:rule type="h" val="INF" fact="NaN" max="NaN"/>
+        </dgm:ruleLst>
+      </dgm:layoutNode>
+      <dgm:forEach name="Name10" axis="followSib" ptType="sibTrans" cnt="1">
+        <dgm:layoutNode name="spaceBetweenRectangles">
+          <dgm:alg type="sp"/>
+          <dgm:shape xmlns:r="http://schemas.openxmlformats.org/officeDocument/2006/relationships" r:blip="">
+            <dgm:adjLst/>
+          </dgm:shape>
+          <dgm:presOf/>
+          <dgm:constrLst/>
+          <dgm:ruleLst/>
+        </dgm:layoutNode>
+      </dgm:forEach>
+    </dgm:forEach>
+  </dgm:layoutNode>
+</dgm:layoutDef>
+</file>
+
+<file path=ppt/diagrams/layout3.xml><?xml version="1.0" encoding="utf-8"?>
 <dgm:layoutDef xmlns:dgm="http://schemas.openxmlformats.org/drawingml/2006/diagram" xmlns:a="http://schemas.openxmlformats.org/drawingml/2006/main" uniqueId="urn:microsoft.com/office/officeart/2008/layout/VerticalCurvedList">
   <dgm:title val=""/>
   <dgm:desc val=""/>
@@ -4785,6 +8474,2074 @@
 </dgm:styleDef>
 </file>
 
+<file path=ppt/diagrams/quickStyle2.xml><?xml version="1.0" encoding="utf-8"?>
+<dgm:styleDef xmlns:dgm="http://schemas.openxmlformats.org/drawingml/2006/diagram" xmlns:a="http://schemas.openxmlformats.org/drawingml/2006/main" uniqueId="urn:microsoft.com/office/officeart/2005/8/quickstyle/simple2">
+  <dgm:title val=""/>
+  <dgm:desc val=""/>
+  <dgm:catLst>
+    <dgm:cat type="simple" pri="10200"/>
+  </dgm:catLst>
+  <dgm:scene3d>
+    <a:camera prst="orthographicFront"/>
+    <a:lightRig rig="threePt" dir="t"/>
+  </dgm:scene3d>
+  <dgm:styleLbl name="node0">
+    <dgm:scene3d>
+      <a:camera prst="orthographicFront"/>
+      <a:lightRig rig="threePt" dir="t"/>
+    </dgm:scene3d>
+    <dgm:sp3d/>
+    <dgm:txPr/>
+    <dgm:style>
+      <a:lnRef idx="3">
+        <a:scrgbClr r="0" g="0" b="0"/>
+      </a:lnRef>
+      <a:fillRef idx="1">
+        <a:scrgbClr r="0" g="0" b="0"/>
+      </a:fillRef>
+      <a:effectRef idx="1">
+        <a:scrgbClr r="0" g="0" b="0"/>
+      </a:effectRef>
+      <a:fontRef idx="minor">
+        <a:schemeClr val="lt1"/>
+      </a:fontRef>
+    </dgm:style>
+  </dgm:styleLbl>
+  <dgm:styleLbl name="lnNode1">
+    <dgm:scene3d>
+      <a:camera prst="orthographicFront"/>
+      <a:lightRig rig="threePt" dir="t"/>
+    </dgm:scene3d>
+    <dgm:sp3d/>
+    <dgm:txPr/>
+    <dgm:style>
+      <a:lnRef idx="3">
+        <a:scrgbClr r="0" g="0" b="0"/>
+      </a:lnRef>
+      <a:fillRef idx="1">
+        <a:scrgbClr r="0" g="0" b="0"/>
+      </a:fillRef>
+      <a:effectRef idx="1">
+        <a:scrgbClr r="0" g="0" b="0"/>
+      </a:effectRef>
+      <a:fontRef idx="minor">
+        <a:schemeClr val="lt1"/>
+      </a:fontRef>
+    </dgm:style>
+  </dgm:styleLbl>
+  <dgm:styleLbl name="vennNode1">
+    <dgm:scene3d>
+      <a:camera prst="orthographicFront"/>
+      <a:lightRig rig="threePt" dir="t"/>
+    </dgm:scene3d>
+    <dgm:sp3d/>
+    <dgm:txPr/>
+    <dgm:style>
+      <a:lnRef idx="3">
+        <a:scrgbClr r="0" g="0" b="0"/>
+      </a:lnRef>
+      <a:fillRef idx="1">
+        <a:scrgbClr r="0" g="0" b="0"/>
+      </a:fillRef>
+      <a:effectRef idx="0">
+        <a:scrgbClr r="0" g="0" b="0"/>
+      </a:effectRef>
+      <a:fontRef idx="minor">
+        <a:schemeClr val="tx1"/>
+      </a:fontRef>
+    </dgm:style>
+  </dgm:styleLbl>
+  <dgm:styleLbl name="alignNode1">
+    <dgm:scene3d>
+      <a:camera prst="orthographicFront"/>
+      <a:lightRig rig="threePt" dir="t"/>
+    </dgm:scene3d>
+    <dgm:sp3d/>
+    <dgm:txPr/>
+    <dgm:style>
+      <a:lnRef idx="2">
+        <a:scrgbClr r="0" g="0" b="0"/>
+      </a:lnRef>
+      <a:fillRef idx="1">
+        <a:scrgbClr r="0" g="0" b="0"/>
+      </a:fillRef>
+      <a:effectRef idx="1">
+        <a:scrgbClr r="0" g="0" b="0"/>
+      </a:effectRef>
+      <a:fontRef idx="minor">
+        <a:schemeClr val="lt1"/>
+      </a:fontRef>
+    </dgm:style>
+  </dgm:styleLbl>
+  <dgm:styleLbl name="node1">
+    <dgm:scene3d>
+      <a:camera prst="orthographicFront"/>
+      <a:lightRig rig="threePt" dir="t"/>
+    </dgm:scene3d>
+    <dgm:sp3d/>
+    <dgm:txPr/>
+    <dgm:style>
+      <a:lnRef idx="3">
+        <a:scrgbClr r="0" g="0" b="0"/>
+      </a:lnRef>
+      <a:fillRef idx="1">
+        <a:scrgbClr r="0" g="0" b="0"/>
+      </a:fillRef>
+      <a:effectRef idx="1">
+        <a:scrgbClr r="0" g="0" b="0"/>
+      </a:effectRef>
+      <a:fontRef idx="minor">
+        <a:schemeClr val="lt1"/>
+      </a:fontRef>
+    </dgm:style>
+  </dgm:styleLbl>
+  <dgm:styleLbl name="node2">
+    <dgm:scene3d>
+      <a:camera prst="orthographicFront"/>
+      <a:lightRig rig="threePt" dir="t"/>
+    </dgm:scene3d>
+    <dgm:sp3d/>
+    <dgm:txPr/>
+    <dgm:style>
+      <a:lnRef idx="3">
+        <a:scrgbClr r="0" g="0" b="0"/>
+      </a:lnRef>
+      <a:fillRef idx="1">
+        <a:scrgbClr r="0" g="0" b="0"/>
+      </a:fillRef>
+      <a:effectRef idx="1">
+        <a:scrgbClr r="0" g="0" b="0"/>
+      </a:effectRef>
+      <a:fontRef idx="minor">
+        <a:schemeClr val="lt1"/>
+      </a:fontRef>
+    </dgm:style>
+  </dgm:styleLbl>
+  <dgm:styleLbl name="node3">
+    <dgm:scene3d>
+      <a:camera prst="orthographicFront"/>
+      <a:lightRig rig="threePt" dir="t"/>
+    </dgm:scene3d>
+    <dgm:sp3d/>
+    <dgm:txPr/>
+    <dgm:style>
+      <a:lnRef idx="3">
+        <a:scrgbClr r="0" g="0" b="0"/>
+      </a:lnRef>
+      <a:fillRef idx="1">
+        <a:scrgbClr r="0" g="0" b="0"/>
+      </a:fillRef>
+      <a:effectRef idx="1">
+        <a:scrgbClr r="0" g="0" b="0"/>
+      </a:effectRef>
+      <a:fontRef idx="minor">
+        <a:schemeClr val="lt1"/>
+      </a:fontRef>
+    </dgm:style>
+  </dgm:styleLbl>
+  <dgm:styleLbl name="node4">
+    <dgm:scene3d>
+      <a:camera prst="orthographicFront"/>
+      <a:lightRig rig="threePt" dir="t"/>
+    </dgm:scene3d>
+    <dgm:sp3d/>
+    <dgm:txPr/>
+    <dgm:style>
+      <a:lnRef idx="3">
+        <a:scrgbClr r="0" g="0" b="0"/>
+      </a:lnRef>
+      <a:fillRef idx="1">
+        <a:scrgbClr r="0" g="0" b="0"/>
+      </a:fillRef>
+      <a:effectRef idx="1">
+        <a:scrgbClr r="0" g="0" b="0"/>
+      </a:effectRef>
+      <a:fontRef idx="minor">
+        <a:schemeClr val="lt1"/>
+      </a:fontRef>
+    </dgm:style>
+  </dgm:styleLbl>
+  <dgm:styleLbl name="fgImgPlace1">
+    <dgm:scene3d>
+      <a:camera prst="orthographicFront"/>
+      <a:lightRig rig="threePt" dir="t"/>
+    </dgm:scene3d>
+    <dgm:sp3d/>
+    <dgm:txPr/>
+    <dgm:style>
+      <a:lnRef idx="3">
+        <a:scrgbClr r="0" g="0" b="0"/>
+      </a:lnRef>
+      <a:fillRef idx="1">
+        <a:scrgbClr r="0" g="0" b="0"/>
+      </a:fillRef>
+      <a:effectRef idx="1">
+        <a:scrgbClr r="0" g="0" b="0"/>
+      </a:effectRef>
+      <a:fontRef idx="minor"/>
+    </dgm:style>
+  </dgm:styleLbl>
+  <dgm:styleLbl name="alignImgPlace1">
+    <dgm:scene3d>
+      <a:camera prst="orthographicFront"/>
+      <a:lightRig rig="threePt" dir="t"/>
+    </dgm:scene3d>
+    <dgm:sp3d/>
+    <dgm:txPr/>
+    <dgm:style>
+      <a:lnRef idx="3">
+        <a:scrgbClr r="0" g="0" b="0"/>
+      </a:lnRef>
+      <a:fillRef idx="1">
+        <a:scrgbClr r="0" g="0" b="0"/>
+      </a:fillRef>
+      <a:effectRef idx="1">
+        <a:scrgbClr r="0" g="0" b="0"/>
+      </a:effectRef>
+      <a:fontRef idx="minor"/>
+    </dgm:style>
+  </dgm:styleLbl>
+  <dgm:styleLbl name="bgImgPlace1">
+    <dgm:scene3d>
+      <a:camera prst="orthographicFront"/>
+      <a:lightRig rig="threePt" dir="t"/>
+    </dgm:scene3d>
+    <dgm:sp3d/>
+    <dgm:txPr/>
+    <dgm:style>
+      <a:lnRef idx="3">
+        <a:scrgbClr r="0" g="0" b="0"/>
+      </a:lnRef>
+      <a:fillRef idx="1">
+        <a:scrgbClr r="0" g="0" b="0"/>
+      </a:fillRef>
+      <a:effectRef idx="1">
+        <a:scrgbClr r="0" g="0" b="0"/>
+      </a:effectRef>
+      <a:fontRef idx="minor"/>
+    </dgm:style>
+  </dgm:styleLbl>
+  <dgm:styleLbl name="sibTrans2D1">
+    <dgm:scene3d>
+      <a:camera prst="orthographicFront"/>
+      <a:lightRig rig="threePt" dir="t"/>
+    </dgm:scene3d>
+    <dgm:sp3d/>
+    <dgm:txPr/>
+    <dgm:style>
+      <a:lnRef idx="0">
+        <a:scrgbClr r="0" g="0" b="0"/>
+      </a:lnRef>
+      <a:fillRef idx="1">
+        <a:scrgbClr r="0" g="0" b="0"/>
+      </a:fillRef>
+      <a:effectRef idx="1">
+        <a:scrgbClr r="0" g="0" b="0"/>
+      </a:effectRef>
+      <a:fontRef idx="minor">
+        <a:schemeClr val="lt1"/>
+      </a:fontRef>
+    </dgm:style>
+  </dgm:styleLbl>
+  <dgm:styleLbl name="fgSibTrans2D1">
+    <dgm:scene3d>
+      <a:camera prst="orthographicFront"/>
+      <a:lightRig rig="threePt" dir="t"/>
+    </dgm:scene3d>
+    <dgm:sp3d/>
+    <dgm:txPr/>
+    <dgm:style>
+      <a:lnRef idx="0">
+        <a:scrgbClr r="0" g="0" b="0"/>
+      </a:lnRef>
+      <a:fillRef idx="1">
+        <a:scrgbClr r="0" g="0" b="0"/>
+      </a:fillRef>
+      <a:effectRef idx="1">
+        <a:scrgbClr r="0" g="0" b="0"/>
+      </a:effectRef>
+      <a:fontRef idx="minor">
+        <a:schemeClr val="lt1"/>
+      </a:fontRef>
+    </dgm:style>
+  </dgm:styleLbl>
+  <dgm:styleLbl name="bgSibTrans2D1">
+    <dgm:scene3d>
+      <a:camera prst="orthographicFront"/>
+      <a:lightRig rig="threePt" dir="t"/>
+    </dgm:scene3d>
+    <dgm:sp3d/>
+    <dgm:txPr/>
+    <dgm:style>
+      <a:lnRef idx="0">
+        <a:scrgbClr r="0" g="0" b="0"/>
+      </a:lnRef>
+      <a:fillRef idx="1">
+        <a:scrgbClr r="0" g="0" b="0"/>
+      </a:fillRef>
+      <a:effectRef idx="1">
+        <a:scrgbClr r="0" g="0" b="0"/>
+      </a:effectRef>
+      <a:fontRef idx="minor">
+        <a:schemeClr val="lt1"/>
+      </a:fontRef>
+    </dgm:style>
+  </dgm:styleLbl>
+  <dgm:styleLbl name="sibTrans1D1">
+    <dgm:scene3d>
+      <a:camera prst="orthographicFront"/>
+      <a:lightRig rig="threePt" dir="t"/>
+    </dgm:scene3d>
+    <dgm:sp3d/>
+    <dgm:txPr/>
+    <dgm:style>
+      <a:lnRef idx="1">
+        <a:scrgbClr r="0" g="0" b="0"/>
+      </a:lnRef>
+      <a:fillRef idx="0">
+        <a:scrgbClr r="0" g="0" b="0"/>
+      </a:fillRef>
+      <a:effectRef idx="0">
+        <a:scrgbClr r="0" g="0" b="0"/>
+      </a:effectRef>
+      <a:fontRef idx="minor"/>
+    </dgm:style>
+  </dgm:styleLbl>
+  <dgm:styleLbl name="callout">
+    <dgm:scene3d>
+      <a:camera prst="orthographicFront"/>
+      <a:lightRig rig="threePt" dir="t"/>
+    </dgm:scene3d>
+    <dgm:sp3d/>
+    <dgm:txPr/>
+    <dgm:style>
+      <a:lnRef idx="2">
+        <a:scrgbClr r="0" g="0" b="0"/>
+      </a:lnRef>
+      <a:fillRef idx="1">
+        <a:scrgbClr r="0" g="0" b="0"/>
+      </a:fillRef>
+      <a:effectRef idx="1">
+        <a:scrgbClr r="0" g="0" b="0"/>
+      </a:effectRef>
+      <a:fontRef idx="minor"/>
+    </dgm:style>
+  </dgm:styleLbl>
+  <dgm:styleLbl name="asst0">
+    <dgm:scene3d>
+      <a:camera prst="orthographicFront"/>
+      <a:lightRig rig="threePt" dir="t"/>
+    </dgm:scene3d>
+    <dgm:sp3d/>
+    <dgm:txPr/>
+    <dgm:style>
+      <a:lnRef idx="3">
+        <a:scrgbClr r="0" g="0" b="0"/>
+      </a:lnRef>
+      <a:fillRef idx="1">
+        <a:scrgbClr r="0" g="0" b="0"/>
+      </a:fillRef>
+      <a:effectRef idx="1">
+        <a:scrgbClr r="0" g="0" b="0"/>
+      </a:effectRef>
+      <a:fontRef idx="minor">
+        <a:schemeClr val="lt1"/>
+      </a:fontRef>
+    </dgm:style>
+  </dgm:styleLbl>
+  <dgm:styleLbl name="asst1">
+    <dgm:scene3d>
+      <a:camera prst="orthographicFront"/>
+      <a:lightRig rig="threePt" dir="t"/>
+    </dgm:scene3d>
+    <dgm:sp3d/>
+    <dgm:txPr/>
+    <dgm:style>
+      <a:lnRef idx="3">
+        <a:scrgbClr r="0" g="0" b="0"/>
+      </a:lnRef>
+      <a:fillRef idx="1">
+        <a:scrgbClr r="0" g="0" b="0"/>
+      </a:fillRef>
+      <a:effectRef idx="1">
+        <a:scrgbClr r="0" g="0" b="0"/>
+      </a:effectRef>
+      <a:fontRef idx="minor">
+        <a:schemeClr val="lt1"/>
+      </a:fontRef>
+    </dgm:style>
+  </dgm:styleLbl>
+  <dgm:styleLbl name="asst2">
+    <dgm:scene3d>
+      <a:camera prst="orthographicFront"/>
+      <a:lightRig rig="threePt" dir="t"/>
+    </dgm:scene3d>
+    <dgm:sp3d/>
+    <dgm:txPr/>
+    <dgm:style>
+      <a:lnRef idx="3">
+        <a:scrgbClr r="0" g="0" b="0"/>
+      </a:lnRef>
+      <a:fillRef idx="1">
+        <a:scrgbClr r="0" g="0" b="0"/>
+      </a:fillRef>
+      <a:effectRef idx="1">
+        <a:scrgbClr r="0" g="0" b="0"/>
+      </a:effectRef>
+      <a:fontRef idx="minor">
+        <a:schemeClr val="lt1"/>
+      </a:fontRef>
+    </dgm:style>
+  </dgm:styleLbl>
+  <dgm:styleLbl name="asst3">
+    <dgm:scene3d>
+      <a:camera prst="orthographicFront"/>
+      <a:lightRig rig="threePt" dir="t"/>
+    </dgm:scene3d>
+    <dgm:sp3d/>
+    <dgm:txPr/>
+    <dgm:style>
+      <a:lnRef idx="3">
+        <a:scrgbClr r="0" g="0" b="0"/>
+      </a:lnRef>
+      <a:fillRef idx="1">
+        <a:scrgbClr r="0" g="0" b="0"/>
+      </a:fillRef>
+      <a:effectRef idx="1">
+        <a:scrgbClr r="0" g="0" b="0"/>
+      </a:effectRef>
+      <a:fontRef idx="minor">
+        <a:schemeClr val="lt1"/>
+      </a:fontRef>
+    </dgm:style>
+  </dgm:styleLbl>
+  <dgm:styleLbl name="asst4">
+    <dgm:scene3d>
+      <a:camera prst="orthographicFront"/>
+      <a:lightRig rig="threePt" dir="t"/>
+    </dgm:scene3d>
+    <dgm:sp3d/>
+    <dgm:txPr/>
+    <dgm:style>
+      <a:lnRef idx="3">
+        <a:scrgbClr r="0" g="0" b="0"/>
+      </a:lnRef>
+      <a:fillRef idx="1">
+        <a:scrgbClr r="0" g="0" b="0"/>
+      </a:fillRef>
+      <a:effectRef idx="1">
+        <a:scrgbClr r="0" g="0" b="0"/>
+      </a:effectRef>
+      <a:fontRef idx="minor">
+        <a:schemeClr val="lt1"/>
+      </a:fontRef>
+    </dgm:style>
+  </dgm:styleLbl>
+  <dgm:styleLbl name="parChTrans2D1">
+    <dgm:scene3d>
+      <a:camera prst="orthographicFront"/>
+      <a:lightRig rig="threePt" dir="t"/>
+    </dgm:scene3d>
+    <dgm:sp3d/>
+    <dgm:txPr/>
+    <dgm:style>
+      <a:lnRef idx="3">
+        <a:scrgbClr r="0" g="0" b="0"/>
+      </a:lnRef>
+      <a:fillRef idx="1">
+        <a:scrgbClr r="0" g="0" b="0"/>
+      </a:fillRef>
+      <a:effectRef idx="1">
+        <a:scrgbClr r="0" g="0" b="0"/>
+      </a:effectRef>
+      <a:fontRef idx="minor">
+        <a:schemeClr val="lt1"/>
+      </a:fontRef>
+    </dgm:style>
+  </dgm:styleLbl>
+  <dgm:styleLbl name="parChTrans2D2">
+    <dgm:scene3d>
+      <a:camera prst="orthographicFront"/>
+      <a:lightRig rig="threePt" dir="t"/>
+    </dgm:scene3d>
+    <dgm:sp3d/>
+    <dgm:txPr/>
+    <dgm:style>
+      <a:lnRef idx="3">
+        <a:scrgbClr r="0" g="0" b="0"/>
+      </a:lnRef>
+      <a:fillRef idx="1">
+        <a:scrgbClr r="0" g="0" b="0"/>
+      </a:fillRef>
+      <a:effectRef idx="1">
+        <a:scrgbClr r="0" g="0" b="0"/>
+      </a:effectRef>
+      <a:fontRef idx="minor">
+        <a:schemeClr val="lt1"/>
+      </a:fontRef>
+    </dgm:style>
+  </dgm:styleLbl>
+  <dgm:styleLbl name="parChTrans2D3">
+    <dgm:scene3d>
+      <a:camera prst="orthographicFront"/>
+      <a:lightRig rig="threePt" dir="t"/>
+    </dgm:scene3d>
+    <dgm:sp3d/>
+    <dgm:txPr/>
+    <dgm:style>
+      <a:lnRef idx="3">
+        <a:scrgbClr r="0" g="0" b="0"/>
+      </a:lnRef>
+      <a:fillRef idx="1">
+        <a:scrgbClr r="0" g="0" b="0"/>
+      </a:fillRef>
+      <a:effectRef idx="1">
+        <a:scrgbClr r="0" g="0" b="0"/>
+      </a:effectRef>
+      <a:fontRef idx="minor">
+        <a:schemeClr val="lt1"/>
+      </a:fontRef>
+    </dgm:style>
+  </dgm:styleLbl>
+  <dgm:styleLbl name="parChTrans2D4">
+    <dgm:scene3d>
+      <a:camera prst="orthographicFront"/>
+      <a:lightRig rig="threePt" dir="t"/>
+    </dgm:scene3d>
+    <dgm:sp3d/>
+    <dgm:txPr/>
+    <dgm:style>
+      <a:lnRef idx="3">
+        <a:scrgbClr r="0" g="0" b="0"/>
+      </a:lnRef>
+      <a:fillRef idx="1">
+        <a:scrgbClr r="0" g="0" b="0"/>
+      </a:fillRef>
+      <a:effectRef idx="1">
+        <a:scrgbClr r="0" g="0" b="0"/>
+      </a:effectRef>
+      <a:fontRef idx="minor">
+        <a:schemeClr val="lt1"/>
+      </a:fontRef>
+    </dgm:style>
+  </dgm:styleLbl>
+  <dgm:styleLbl name="parChTrans1D1">
+    <dgm:scene3d>
+      <a:camera prst="orthographicFront"/>
+      <a:lightRig rig="threePt" dir="t"/>
+    </dgm:scene3d>
+    <dgm:sp3d/>
+    <dgm:txPr/>
+    <dgm:style>
+      <a:lnRef idx="2">
+        <a:scrgbClr r="0" g="0" b="0"/>
+      </a:lnRef>
+      <a:fillRef idx="0">
+        <a:scrgbClr r="0" g="0" b="0"/>
+      </a:fillRef>
+      <a:effectRef idx="0">
+        <a:scrgbClr r="0" g="0" b="0"/>
+      </a:effectRef>
+      <a:fontRef idx="minor"/>
+    </dgm:style>
+  </dgm:styleLbl>
+  <dgm:styleLbl name="parChTrans1D2">
+    <dgm:scene3d>
+      <a:camera prst="orthographicFront"/>
+      <a:lightRig rig="threePt" dir="t"/>
+    </dgm:scene3d>
+    <dgm:sp3d/>
+    <dgm:txPr/>
+    <dgm:style>
+      <a:lnRef idx="2">
+        <a:scrgbClr r="0" g="0" b="0"/>
+      </a:lnRef>
+      <a:fillRef idx="0">
+        <a:scrgbClr r="0" g="0" b="0"/>
+      </a:fillRef>
+      <a:effectRef idx="0">
+        <a:scrgbClr r="0" g="0" b="0"/>
+      </a:effectRef>
+      <a:fontRef idx="minor"/>
+    </dgm:style>
+  </dgm:styleLbl>
+  <dgm:styleLbl name="parChTrans1D3">
+    <dgm:scene3d>
+      <a:camera prst="orthographicFront"/>
+      <a:lightRig rig="threePt" dir="t"/>
+    </dgm:scene3d>
+    <dgm:sp3d/>
+    <dgm:txPr/>
+    <dgm:style>
+      <a:lnRef idx="2">
+        <a:scrgbClr r="0" g="0" b="0"/>
+      </a:lnRef>
+      <a:fillRef idx="0">
+        <a:scrgbClr r="0" g="0" b="0"/>
+      </a:fillRef>
+      <a:effectRef idx="0">
+        <a:scrgbClr r="0" g="0" b="0"/>
+      </a:effectRef>
+      <a:fontRef idx="minor"/>
+    </dgm:style>
+  </dgm:styleLbl>
+  <dgm:styleLbl name="parChTrans1D4">
+    <dgm:scene3d>
+      <a:camera prst="orthographicFront"/>
+      <a:lightRig rig="threePt" dir="t"/>
+    </dgm:scene3d>
+    <dgm:sp3d/>
+    <dgm:txPr/>
+    <dgm:style>
+      <a:lnRef idx="2">
+        <a:scrgbClr r="0" g="0" b="0"/>
+      </a:lnRef>
+      <a:fillRef idx="0">
+        <a:scrgbClr r="0" g="0" b="0"/>
+      </a:fillRef>
+      <a:effectRef idx="0">
+        <a:scrgbClr r="0" g="0" b="0"/>
+      </a:effectRef>
+      <a:fontRef idx="minor"/>
+    </dgm:style>
+  </dgm:styleLbl>
+  <dgm:styleLbl name="fgAcc1">
+    <dgm:scene3d>
+      <a:camera prst="orthographicFront"/>
+      <a:lightRig rig="threePt" dir="t"/>
+    </dgm:scene3d>
+    <dgm:sp3d/>
+    <dgm:txPr/>
+    <dgm:style>
+      <a:lnRef idx="2">
+        <a:scrgbClr r="0" g="0" b="0"/>
+      </a:lnRef>
+      <a:fillRef idx="1">
+        <a:scrgbClr r="0" g="0" b="0"/>
+      </a:fillRef>
+      <a:effectRef idx="0">
+        <a:scrgbClr r="0" g="0" b="0"/>
+      </a:effectRef>
+      <a:fontRef idx="minor"/>
+    </dgm:style>
+  </dgm:styleLbl>
+  <dgm:styleLbl name="conFgAcc1">
+    <dgm:scene3d>
+      <a:camera prst="orthographicFront"/>
+      <a:lightRig rig="threePt" dir="t"/>
+    </dgm:scene3d>
+    <dgm:sp3d/>
+    <dgm:txPr/>
+    <dgm:style>
+      <a:lnRef idx="2">
+        <a:scrgbClr r="0" g="0" b="0"/>
+      </a:lnRef>
+      <a:fillRef idx="1">
+        <a:scrgbClr r="0" g="0" b="0"/>
+      </a:fillRef>
+      <a:effectRef idx="0">
+        <a:scrgbClr r="0" g="0" b="0"/>
+      </a:effectRef>
+      <a:fontRef idx="minor"/>
+    </dgm:style>
+  </dgm:styleLbl>
+  <dgm:styleLbl name="alignAcc1">
+    <dgm:scene3d>
+      <a:camera prst="orthographicFront"/>
+      <a:lightRig rig="threePt" dir="t"/>
+    </dgm:scene3d>
+    <dgm:sp3d/>
+    <dgm:txPr/>
+    <dgm:style>
+      <a:lnRef idx="2">
+        <a:scrgbClr r="0" g="0" b="0"/>
+      </a:lnRef>
+      <a:fillRef idx="1">
+        <a:scrgbClr r="0" g="0" b="0"/>
+      </a:fillRef>
+      <a:effectRef idx="0">
+        <a:scrgbClr r="0" g="0" b="0"/>
+      </a:effectRef>
+      <a:fontRef idx="minor"/>
+    </dgm:style>
+  </dgm:styleLbl>
+  <dgm:styleLbl name="trAlignAcc1">
+    <dgm:scene3d>
+      <a:camera prst="orthographicFront"/>
+      <a:lightRig rig="threePt" dir="t"/>
+    </dgm:scene3d>
+    <dgm:sp3d/>
+    <dgm:txPr/>
+    <dgm:style>
+      <a:lnRef idx="1">
+        <a:scrgbClr r="0" g="0" b="0"/>
+      </a:lnRef>
+      <a:fillRef idx="1">
+        <a:scrgbClr r="0" g="0" b="0"/>
+      </a:fillRef>
+      <a:effectRef idx="0">
+        <a:scrgbClr r="0" g="0" b="0"/>
+      </a:effectRef>
+      <a:fontRef idx="minor"/>
+    </dgm:style>
+  </dgm:styleLbl>
+  <dgm:styleLbl name="bgAcc1">
+    <dgm:scene3d>
+      <a:camera prst="orthographicFront"/>
+      <a:lightRig rig="threePt" dir="t"/>
+    </dgm:scene3d>
+    <dgm:sp3d/>
+    <dgm:txPr/>
+    <dgm:style>
+      <a:lnRef idx="2">
+        <a:scrgbClr r="0" g="0" b="0"/>
+      </a:lnRef>
+      <a:fillRef idx="1">
+        <a:scrgbClr r="0" g="0" b="0"/>
+      </a:fillRef>
+      <a:effectRef idx="0">
+        <a:scrgbClr r="0" g="0" b="0"/>
+      </a:effectRef>
+      <a:fontRef idx="minor"/>
+    </dgm:style>
+  </dgm:styleLbl>
+  <dgm:styleLbl name="solidFgAcc1">
+    <dgm:scene3d>
+      <a:camera prst="orthographicFront"/>
+      <a:lightRig rig="threePt" dir="t"/>
+    </dgm:scene3d>
+    <dgm:sp3d/>
+    <dgm:txPr/>
+    <dgm:style>
+      <a:lnRef idx="2">
+        <a:scrgbClr r="0" g="0" b="0"/>
+      </a:lnRef>
+      <a:fillRef idx="1">
+        <a:scrgbClr r="0" g="0" b="0"/>
+      </a:fillRef>
+      <a:effectRef idx="0">
+        <a:scrgbClr r="0" g="0" b="0"/>
+      </a:effectRef>
+      <a:fontRef idx="minor"/>
+    </dgm:style>
+  </dgm:styleLbl>
+  <dgm:styleLbl name="solidAlignAcc1">
+    <dgm:scene3d>
+      <a:camera prst="orthographicFront"/>
+      <a:lightRig rig="threePt" dir="t"/>
+    </dgm:scene3d>
+    <dgm:sp3d/>
+    <dgm:txPr/>
+    <dgm:style>
+      <a:lnRef idx="2">
+        <a:scrgbClr r="0" g="0" b="0"/>
+      </a:lnRef>
+      <a:fillRef idx="1">
+        <a:scrgbClr r="0" g="0" b="0"/>
+      </a:fillRef>
+      <a:effectRef idx="0">
+        <a:scrgbClr r="0" g="0" b="0"/>
+      </a:effectRef>
+      <a:fontRef idx="minor"/>
+    </dgm:style>
+  </dgm:styleLbl>
+  <dgm:styleLbl name="solidBgAcc1">
+    <dgm:scene3d>
+      <a:camera prst="orthographicFront"/>
+      <a:lightRig rig="threePt" dir="t"/>
+    </dgm:scene3d>
+    <dgm:sp3d/>
+    <dgm:txPr/>
+    <dgm:style>
+      <a:lnRef idx="2">
+        <a:scrgbClr r="0" g="0" b="0"/>
+      </a:lnRef>
+      <a:fillRef idx="1">
+        <a:scrgbClr r="0" g="0" b="0"/>
+      </a:fillRef>
+      <a:effectRef idx="0">
+        <a:scrgbClr r="0" g="0" b="0"/>
+      </a:effectRef>
+      <a:fontRef idx="minor"/>
+    </dgm:style>
+  </dgm:styleLbl>
+  <dgm:styleLbl name="fgAccFollowNode1">
+    <dgm:scene3d>
+      <a:camera prst="orthographicFront"/>
+      <a:lightRig rig="threePt" dir="t"/>
+    </dgm:scene3d>
+    <dgm:sp3d/>
+    <dgm:txPr/>
+    <dgm:style>
+      <a:lnRef idx="2">
+        <a:scrgbClr r="0" g="0" b="0"/>
+      </a:lnRef>
+      <a:fillRef idx="1">
+        <a:scrgbClr r="0" g="0" b="0"/>
+      </a:fillRef>
+      <a:effectRef idx="0">
+        <a:scrgbClr r="0" g="0" b="0"/>
+      </a:effectRef>
+      <a:fontRef idx="minor"/>
+    </dgm:style>
+  </dgm:styleLbl>
+  <dgm:styleLbl name="alignAccFollowNode1">
+    <dgm:scene3d>
+      <a:camera prst="orthographicFront"/>
+      <a:lightRig rig="threePt" dir="t"/>
+    </dgm:scene3d>
+    <dgm:sp3d/>
+    <dgm:txPr/>
+    <dgm:style>
+      <a:lnRef idx="2">
+        <a:scrgbClr r="0" g="0" b="0"/>
+      </a:lnRef>
+      <a:fillRef idx="1">
+        <a:scrgbClr r="0" g="0" b="0"/>
+      </a:fillRef>
+      <a:effectRef idx="0">
+        <a:scrgbClr r="0" g="0" b="0"/>
+      </a:effectRef>
+      <a:fontRef idx="minor"/>
+    </dgm:style>
+  </dgm:styleLbl>
+  <dgm:styleLbl name="bgAccFollowNode1">
+    <dgm:scene3d>
+      <a:camera prst="orthographicFront"/>
+      <a:lightRig rig="threePt" dir="t"/>
+    </dgm:scene3d>
+    <dgm:sp3d/>
+    <dgm:txPr/>
+    <dgm:style>
+      <a:lnRef idx="2">
+        <a:scrgbClr r="0" g="0" b="0"/>
+      </a:lnRef>
+      <a:fillRef idx="1">
+        <a:scrgbClr r="0" g="0" b="0"/>
+      </a:fillRef>
+      <a:effectRef idx="0">
+        <a:scrgbClr r="0" g="0" b="0"/>
+      </a:effectRef>
+      <a:fontRef idx="minor"/>
+    </dgm:style>
+  </dgm:styleLbl>
+  <dgm:styleLbl name="fgAcc0">
+    <dgm:scene3d>
+      <a:camera prst="orthographicFront"/>
+      <a:lightRig rig="threePt" dir="t"/>
+    </dgm:scene3d>
+    <dgm:sp3d/>
+    <dgm:txPr/>
+    <dgm:style>
+      <a:lnRef idx="2">
+        <a:scrgbClr r="0" g="0" b="0"/>
+      </a:lnRef>
+      <a:fillRef idx="1">
+        <a:scrgbClr r="0" g="0" b="0"/>
+      </a:fillRef>
+      <a:effectRef idx="0">
+        <a:scrgbClr r="0" g="0" b="0"/>
+      </a:effectRef>
+      <a:fontRef idx="minor"/>
+    </dgm:style>
+  </dgm:styleLbl>
+  <dgm:styleLbl name="fgAcc2">
+    <dgm:scene3d>
+      <a:camera prst="orthographicFront"/>
+      <a:lightRig rig="threePt" dir="t"/>
+    </dgm:scene3d>
+    <dgm:sp3d/>
+    <dgm:txPr/>
+    <dgm:style>
+      <a:lnRef idx="2">
+        <a:scrgbClr r="0" g="0" b="0"/>
+      </a:lnRef>
+      <a:fillRef idx="1">
+        <a:scrgbClr r="0" g="0" b="0"/>
+      </a:fillRef>
+      <a:effectRef idx="0">
+        <a:scrgbClr r="0" g="0" b="0"/>
+      </a:effectRef>
+      <a:fontRef idx="minor"/>
+    </dgm:style>
+  </dgm:styleLbl>
+  <dgm:styleLbl name="fgAcc3">
+    <dgm:scene3d>
+      <a:camera prst="orthographicFront"/>
+      <a:lightRig rig="threePt" dir="t"/>
+    </dgm:scene3d>
+    <dgm:sp3d/>
+    <dgm:txPr/>
+    <dgm:style>
+      <a:lnRef idx="2">
+        <a:scrgbClr r="0" g="0" b="0"/>
+      </a:lnRef>
+      <a:fillRef idx="1">
+        <a:scrgbClr r="0" g="0" b="0"/>
+      </a:fillRef>
+      <a:effectRef idx="0">
+        <a:scrgbClr r="0" g="0" b="0"/>
+      </a:effectRef>
+      <a:fontRef idx="minor"/>
+    </dgm:style>
+  </dgm:styleLbl>
+  <dgm:styleLbl name="fgAcc4">
+    <dgm:scene3d>
+      <a:camera prst="orthographicFront"/>
+      <a:lightRig rig="threePt" dir="t"/>
+    </dgm:scene3d>
+    <dgm:sp3d/>
+    <dgm:txPr/>
+    <dgm:style>
+      <a:lnRef idx="2">
+        <a:scrgbClr r="0" g="0" b="0"/>
+      </a:lnRef>
+      <a:fillRef idx="1">
+        <a:scrgbClr r="0" g="0" b="0"/>
+      </a:fillRef>
+      <a:effectRef idx="0">
+        <a:scrgbClr r="0" g="0" b="0"/>
+      </a:effectRef>
+      <a:fontRef idx="minor"/>
+    </dgm:style>
+  </dgm:styleLbl>
+  <dgm:styleLbl name="bgShp">
+    <dgm:scene3d>
+      <a:camera prst="orthographicFront"/>
+      <a:lightRig rig="threePt" dir="t"/>
+    </dgm:scene3d>
+    <dgm:sp3d/>
+    <dgm:txPr/>
+    <dgm:style>
+      <a:lnRef idx="0">
+        <a:scrgbClr r="0" g="0" b="0"/>
+      </a:lnRef>
+      <a:fillRef idx="1">
+        <a:scrgbClr r="0" g="0" b="0"/>
+      </a:fillRef>
+      <a:effectRef idx="0">
+        <a:scrgbClr r="0" g="0" b="0"/>
+      </a:effectRef>
+      <a:fontRef idx="minor"/>
+    </dgm:style>
+  </dgm:styleLbl>
+  <dgm:styleLbl name="dkBgShp">
+    <dgm:scene3d>
+      <a:camera prst="orthographicFront"/>
+      <a:lightRig rig="threePt" dir="t"/>
+    </dgm:scene3d>
+    <dgm:sp3d/>
+    <dgm:txPr/>
+    <dgm:style>
+      <a:lnRef idx="0">
+        <a:scrgbClr r="0" g="0" b="0"/>
+      </a:lnRef>
+      <a:fillRef idx="1">
+        <a:scrgbClr r="0" g="0" b="0"/>
+      </a:fillRef>
+      <a:effectRef idx="0">
+        <a:scrgbClr r="0" g="0" b="0"/>
+      </a:effectRef>
+      <a:fontRef idx="minor"/>
+    </dgm:style>
+  </dgm:styleLbl>
+  <dgm:styleLbl name="trBgShp">
+    <dgm:scene3d>
+      <a:camera prst="orthographicFront"/>
+      <a:lightRig rig="threePt" dir="t"/>
+    </dgm:scene3d>
+    <dgm:sp3d/>
+    <dgm:txPr/>
+    <dgm:style>
+      <a:lnRef idx="0">
+        <a:scrgbClr r="0" g="0" b="0"/>
+      </a:lnRef>
+      <a:fillRef idx="1">
+        <a:scrgbClr r="0" g="0" b="0"/>
+      </a:fillRef>
+      <a:effectRef idx="0">
+        <a:scrgbClr r="0" g="0" b="0"/>
+      </a:effectRef>
+      <a:fontRef idx="minor"/>
+    </dgm:style>
+  </dgm:styleLbl>
+  <dgm:styleLbl name="fgShp">
+    <dgm:scene3d>
+      <a:camera prst="orthographicFront"/>
+      <a:lightRig rig="threePt" dir="t"/>
+    </dgm:scene3d>
+    <dgm:sp3d/>
+    <dgm:txPr/>
+    <dgm:style>
+      <a:lnRef idx="3">
+        <a:scrgbClr r="0" g="0" b="0"/>
+      </a:lnRef>
+      <a:fillRef idx="1">
+        <a:scrgbClr r="0" g="0" b="0"/>
+      </a:fillRef>
+      <a:effectRef idx="1">
+        <a:scrgbClr r="0" g="0" b="0"/>
+      </a:effectRef>
+      <a:fontRef idx="minor"/>
+    </dgm:style>
+  </dgm:styleLbl>
+  <dgm:styleLbl name="revTx">
+    <dgm:scene3d>
+      <a:camera prst="orthographicFront"/>
+      <a:lightRig rig="threePt" dir="t"/>
+    </dgm:scene3d>
+    <dgm:sp3d/>
+    <dgm:txPr/>
+    <dgm:style>
+      <a:lnRef idx="0">
+        <a:scrgbClr r="0" g="0" b="0"/>
+      </a:lnRef>
+      <a:fillRef idx="0">
+        <a:scrgbClr r="0" g="0" b="0"/>
+      </a:fillRef>
+      <a:effectRef idx="0">
+        <a:scrgbClr r="0" g="0" b="0"/>
+      </a:effectRef>
+      <a:fontRef idx="minor"/>
+    </dgm:style>
+  </dgm:styleLbl>
+</dgm:styleDef>
+</file>
+
+<file path=ppt/diagrams/quickStyle3.xml><?xml version="1.0" encoding="utf-8"?>
+<dgm:styleDef xmlns:dgm="http://schemas.openxmlformats.org/drawingml/2006/diagram" xmlns:a="http://schemas.openxmlformats.org/drawingml/2006/main" uniqueId="urn:microsoft.com/office/officeart/2005/8/quickstyle/simple1">
+  <dgm:title val=""/>
+  <dgm:desc val=""/>
+  <dgm:catLst>
+    <dgm:cat type="simple" pri="10100"/>
+  </dgm:catLst>
+  <dgm:scene3d>
+    <a:camera prst="orthographicFront"/>
+    <a:lightRig rig="threePt" dir="t"/>
+  </dgm:scene3d>
+  <dgm:styleLbl name="node0">
+    <dgm:scene3d>
+      <a:camera prst="orthographicFront"/>
+      <a:lightRig rig="threePt" dir="t"/>
+    </dgm:scene3d>
+    <dgm:sp3d/>
+    <dgm:txPr/>
+    <dgm:style>
+      <a:lnRef idx="2">
+        <a:scrgbClr r="0" g="0" b="0"/>
+      </a:lnRef>
+      <a:fillRef idx="1">
+        <a:scrgbClr r="0" g="0" b="0"/>
+      </a:fillRef>
+      <a:effectRef idx="0">
+        <a:scrgbClr r="0" g="0" b="0"/>
+      </a:effectRef>
+      <a:fontRef idx="minor">
+        <a:schemeClr val="lt1"/>
+      </a:fontRef>
+    </dgm:style>
+  </dgm:styleLbl>
+  <dgm:styleLbl name="lnNode1">
+    <dgm:scene3d>
+      <a:camera prst="orthographicFront"/>
+      <a:lightRig rig="threePt" dir="t"/>
+    </dgm:scene3d>
+    <dgm:sp3d/>
+    <dgm:txPr/>
+    <dgm:style>
+      <a:lnRef idx="2">
+        <a:scrgbClr r="0" g="0" b="0"/>
+      </a:lnRef>
+      <a:fillRef idx="1">
+        <a:scrgbClr r="0" g="0" b="0"/>
+      </a:fillRef>
+      <a:effectRef idx="0">
+        <a:scrgbClr r="0" g="0" b="0"/>
+      </a:effectRef>
+      <a:fontRef idx="minor">
+        <a:schemeClr val="lt1"/>
+      </a:fontRef>
+    </dgm:style>
+  </dgm:styleLbl>
+  <dgm:styleLbl name="vennNode1">
+    <dgm:scene3d>
+      <a:camera prst="orthographicFront"/>
+      <a:lightRig rig="threePt" dir="t"/>
+    </dgm:scene3d>
+    <dgm:sp3d/>
+    <dgm:txPr/>
+    <dgm:style>
+      <a:lnRef idx="2">
+        <a:scrgbClr r="0" g="0" b="0"/>
+      </a:lnRef>
+      <a:fillRef idx="1">
+        <a:scrgbClr r="0" g="0" b="0"/>
+      </a:fillRef>
+      <a:effectRef idx="0">
+        <a:scrgbClr r="0" g="0" b="0"/>
+      </a:effectRef>
+      <a:fontRef idx="minor">
+        <a:schemeClr val="tx1"/>
+      </a:fontRef>
+    </dgm:style>
+  </dgm:styleLbl>
+  <dgm:styleLbl name="alignNode1">
+    <dgm:scene3d>
+      <a:camera prst="orthographicFront"/>
+      <a:lightRig rig="threePt" dir="t"/>
+    </dgm:scene3d>
+    <dgm:sp3d/>
+    <dgm:txPr/>
+    <dgm:style>
+      <a:lnRef idx="2">
+        <a:scrgbClr r="0" g="0" b="0"/>
+      </a:lnRef>
+      <a:fillRef idx="1">
+        <a:scrgbClr r="0" g="0" b="0"/>
+      </a:fillRef>
+      <a:effectRef idx="0">
+        <a:scrgbClr r="0" g="0" b="0"/>
+      </a:effectRef>
+      <a:fontRef idx="minor">
+        <a:schemeClr val="lt1"/>
+      </a:fontRef>
+    </dgm:style>
+  </dgm:styleLbl>
+  <dgm:styleLbl name="node1">
+    <dgm:scene3d>
+      <a:camera prst="orthographicFront"/>
+      <a:lightRig rig="threePt" dir="t"/>
+    </dgm:scene3d>
+    <dgm:sp3d/>
+    <dgm:txPr/>
+    <dgm:style>
+      <a:lnRef idx="2">
+        <a:scrgbClr r="0" g="0" b="0"/>
+      </a:lnRef>
+      <a:fillRef idx="1">
+        <a:scrgbClr r="0" g="0" b="0"/>
+      </a:fillRef>
+      <a:effectRef idx="0">
+        <a:scrgbClr r="0" g="0" b="0"/>
+      </a:effectRef>
+      <a:fontRef idx="minor">
+        <a:schemeClr val="lt1"/>
+      </a:fontRef>
+    </dgm:style>
+  </dgm:styleLbl>
+  <dgm:styleLbl name="node2">
+    <dgm:scene3d>
+      <a:camera prst="orthographicFront"/>
+      <a:lightRig rig="threePt" dir="t"/>
+    </dgm:scene3d>
+    <dgm:sp3d/>
+    <dgm:txPr/>
+    <dgm:style>
+      <a:lnRef idx="2">
+        <a:scrgbClr r="0" g="0" b="0"/>
+      </a:lnRef>
+      <a:fillRef idx="1">
+        <a:scrgbClr r="0" g="0" b="0"/>
+      </a:fillRef>
+      <a:effectRef idx="0">
+        <a:scrgbClr r="0" g="0" b="0"/>
+      </a:effectRef>
+      <a:fontRef idx="minor">
+        <a:schemeClr val="lt1"/>
+      </a:fontRef>
+    </dgm:style>
+  </dgm:styleLbl>
+  <dgm:styleLbl name="node3">
+    <dgm:scene3d>
+      <a:camera prst="orthographicFront"/>
+      <a:lightRig rig="threePt" dir="t"/>
+    </dgm:scene3d>
+    <dgm:sp3d/>
+    <dgm:txPr/>
+    <dgm:style>
+      <a:lnRef idx="2">
+        <a:scrgbClr r="0" g="0" b="0"/>
+      </a:lnRef>
+      <a:fillRef idx="1">
+        <a:scrgbClr r="0" g="0" b="0"/>
+      </a:fillRef>
+      <a:effectRef idx="0">
+        <a:scrgbClr r="0" g="0" b="0"/>
+      </a:effectRef>
+      <a:fontRef idx="minor">
+        <a:schemeClr val="lt1"/>
+      </a:fontRef>
+    </dgm:style>
+  </dgm:styleLbl>
+  <dgm:styleLbl name="node4">
+    <dgm:scene3d>
+      <a:camera prst="orthographicFront"/>
+      <a:lightRig rig="threePt" dir="t"/>
+    </dgm:scene3d>
+    <dgm:sp3d/>
+    <dgm:txPr/>
+    <dgm:style>
+      <a:lnRef idx="2">
+        <a:scrgbClr r="0" g="0" b="0"/>
+      </a:lnRef>
+      <a:fillRef idx="1">
+        <a:scrgbClr r="0" g="0" b="0"/>
+      </a:fillRef>
+      <a:effectRef idx="0">
+        <a:scrgbClr r="0" g="0" b="0"/>
+      </a:effectRef>
+      <a:fontRef idx="minor">
+        <a:schemeClr val="lt1"/>
+      </a:fontRef>
+    </dgm:style>
+  </dgm:styleLbl>
+  <dgm:styleLbl name="fgImgPlace1">
+    <dgm:scene3d>
+      <a:camera prst="orthographicFront"/>
+      <a:lightRig rig="threePt" dir="t"/>
+    </dgm:scene3d>
+    <dgm:sp3d/>
+    <dgm:txPr/>
+    <dgm:style>
+      <a:lnRef idx="2">
+        <a:scrgbClr r="0" g="0" b="0"/>
+      </a:lnRef>
+      <a:fillRef idx="1">
+        <a:scrgbClr r="0" g="0" b="0"/>
+      </a:fillRef>
+      <a:effectRef idx="0">
+        <a:scrgbClr r="0" g="0" b="0"/>
+      </a:effectRef>
+      <a:fontRef idx="minor"/>
+    </dgm:style>
+  </dgm:styleLbl>
+  <dgm:styleLbl name="alignImgPlace1">
+    <dgm:scene3d>
+      <a:camera prst="orthographicFront"/>
+      <a:lightRig rig="threePt" dir="t"/>
+    </dgm:scene3d>
+    <dgm:sp3d/>
+    <dgm:txPr/>
+    <dgm:style>
+      <a:lnRef idx="2">
+        <a:scrgbClr r="0" g="0" b="0"/>
+      </a:lnRef>
+      <a:fillRef idx="1">
+        <a:scrgbClr r="0" g="0" b="0"/>
+      </a:fillRef>
+      <a:effectRef idx="0">
+        <a:scrgbClr r="0" g="0" b="0"/>
+      </a:effectRef>
+      <a:fontRef idx="minor"/>
+    </dgm:style>
+  </dgm:styleLbl>
+  <dgm:styleLbl name="bgImgPlace1">
+    <dgm:scene3d>
+      <a:camera prst="orthographicFront"/>
+      <a:lightRig rig="threePt" dir="t"/>
+    </dgm:scene3d>
+    <dgm:sp3d/>
+    <dgm:txPr/>
+    <dgm:style>
+      <a:lnRef idx="2">
+        <a:scrgbClr r="0" g="0" b="0"/>
+      </a:lnRef>
+      <a:fillRef idx="1">
+        <a:scrgbClr r="0" g="0" b="0"/>
+      </a:fillRef>
+      <a:effectRef idx="0">
+        <a:scrgbClr r="0" g="0" b="0"/>
+      </a:effectRef>
+      <a:fontRef idx="minor"/>
+    </dgm:style>
+  </dgm:styleLbl>
+  <dgm:styleLbl name="sibTrans2D1">
+    <dgm:scene3d>
+      <a:camera prst="orthographicFront"/>
+      <a:lightRig rig="threePt" dir="t"/>
+    </dgm:scene3d>
+    <dgm:sp3d/>
+    <dgm:txPr/>
+    <dgm:style>
+      <a:lnRef idx="0">
+        <a:scrgbClr r="0" g="0" b="0"/>
+      </a:lnRef>
+      <a:fillRef idx="1">
+        <a:scrgbClr r="0" g="0" b="0"/>
+      </a:fillRef>
+      <a:effectRef idx="0">
+        <a:scrgbClr r="0" g="0" b="0"/>
+      </a:effectRef>
+      <a:fontRef idx="minor">
+        <a:schemeClr val="lt1"/>
+      </a:fontRef>
+    </dgm:style>
+  </dgm:styleLbl>
+  <dgm:styleLbl name="fgSibTrans2D1">
+    <dgm:scene3d>
+      <a:camera prst="orthographicFront"/>
+      <a:lightRig rig="threePt" dir="t"/>
+    </dgm:scene3d>
+    <dgm:sp3d/>
+    <dgm:txPr/>
+    <dgm:style>
+      <a:lnRef idx="0">
+        <a:scrgbClr r="0" g="0" b="0"/>
+      </a:lnRef>
+      <a:fillRef idx="1">
+        <a:scrgbClr r="0" g="0" b="0"/>
+      </a:fillRef>
+      <a:effectRef idx="0">
+        <a:scrgbClr r="0" g="0" b="0"/>
+      </a:effectRef>
+      <a:fontRef idx="minor">
+        <a:schemeClr val="lt1"/>
+      </a:fontRef>
+    </dgm:style>
+  </dgm:styleLbl>
+  <dgm:styleLbl name="bgSibTrans2D1">
+    <dgm:scene3d>
+      <a:camera prst="orthographicFront"/>
+      <a:lightRig rig="threePt" dir="t"/>
+    </dgm:scene3d>
+    <dgm:sp3d/>
+    <dgm:txPr/>
+    <dgm:style>
+      <a:lnRef idx="0">
+        <a:scrgbClr r="0" g="0" b="0"/>
+      </a:lnRef>
+      <a:fillRef idx="1">
+        <a:scrgbClr r="0" g="0" b="0"/>
+      </a:fillRef>
+      <a:effectRef idx="0">
+        <a:scrgbClr r="0" g="0" b="0"/>
+      </a:effectRef>
+      <a:fontRef idx="minor">
+        <a:schemeClr val="lt1"/>
+      </a:fontRef>
+    </dgm:style>
+  </dgm:styleLbl>
+  <dgm:styleLbl name="sibTrans1D1">
+    <dgm:scene3d>
+      <a:camera prst="orthographicFront"/>
+      <a:lightRig rig="threePt" dir="t"/>
+    </dgm:scene3d>
+    <dgm:sp3d/>
+    <dgm:txPr/>
+    <dgm:style>
+      <a:lnRef idx="1">
+        <a:scrgbClr r="0" g="0" b="0"/>
+      </a:lnRef>
+      <a:fillRef idx="0">
+        <a:scrgbClr r="0" g="0" b="0"/>
+      </a:fillRef>
+      <a:effectRef idx="0">
+        <a:scrgbClr r="0" g="0" b="0"/>
+      </a:effectRef>
+      <a:fontRef idx="minor"/>
+    </dgm:style>
+  </dgm:styleLbl>
+  <dgm:styleLbl name="callout">
+    <dgm:scene3d>
+      <a:camera prst="orthographicFront"/>
+      <a:lightRig rig="threePt" dir="t"/>
+    </dgm:scene3d>
+    <dgm:sp3d/>
+    <dgm:txPr/>
+    <dgm:style>
+      <a:lnRef idx="2">
+        <a:scrgbClr r="0" g="0" b="0"/>
+      </a:lnRef>
+      <a:fillRef idx="1">
+        <a:scrgbClr r="0" g="0" b="0"/>
+      </a:fillRef>
+      <a:effectRef idx="0">
+        <a:scrgbClr r="0" g="0" b="0"/>
+      </a:effectRef>
+      <a:fontRef idx="minor"/>
+    </dgm:style>
+  </dgm:styleLbl>
+  <dgm:styleLbl name="asst0">
+    <dgm:scene3d>
+      <a:camera prst="orthographicFront"/>
+      <a:lightRig rig="threePt" dir="t"/>
+    </dgm:scene3d>
+    <dgm:sp3d/>
+    <dgm:txPr/>
+    <dgm:style>
+      <a:lnRef idx="2">
+        <a:scrgbClr r="0" g="0" b="0"/>
+      </a:lnRef>
+      <a:fillRef idx="1">
+        <a:scrgbClr r="0" g="0" b="0"/>
+      </a:fillRef>
+      <a:effectRef idx="0">
+        <a:scrgbClr r="0" g="0" b="0"/>
+      </a:effectRef>
+      <a:fontRef idx="minor">
+        <a:schemeClr val="lt1"/>
+      </a:fontRef>
+    </dgm:style>
+  </dgm:styleLbl>
+  <dgm:styleLbl name="asst1">
+    <dgm:scene3d>
+      <a:camera prst="orthographicFront"/>
+      <a:lightRig rig="threePt" dir="t"/>
+    </dgm:scene3d>
+    <dgm:sp3d/>
+    <dgm:txPr/>
+    <dgm:style>
+      <a:lnRef idx="2">
+        <a:scrgbClr r="0" g="0" b="0"/>
+      </a:lnRef>
+      <a:fillRef idx="1">
+        <a:scrgbClr r="0" g="0" b="0"/>
+      </a:fillRef>
+      <a:effectRef idx="0">
+        <a:scrgbClr r="0" g="0" b="0"/>
+      </a:effectRef>
+      <a:fontRef idx="minor">
+        <a:schemeClr val="lt1"/>
+      </a:fontRef>
+    </dgm:style>
+  </dgm:styleLbl>
+  <dgm:styleLbl name="asst2">
+    <dgm:scene3d>
+      <a:camera prst="orthographicFront"/>
+      <a:lightRig rig="threePt" dir="t"/>
+    </dgm:scene3d>
+    <dgm:sp3d/>
+    <dgm:txPr/>
+    <dgm:style>
+      <a:lnRef idx="2">
+        <a:scrgbClr r="0" g="0" b="0"/>
+      </a:lnRef>
+      <a:fillRef idx="1">
+        <a:scrgbClr r="0" g="0" b="0"/>
+      </a:fillRef>
+      <a:effectRef idx="0">
+        <a:scrgbClr r="0" g="0" b="0"/>
+      </a:effectRef>
+      <a:fontRef idx="minor">
+        <a:schemeClr val="lt1"/>
+      </a:fontRef>
+    </dgm:style>
+  </dgm:styleLbl>
+  <dgm:styleLbl name="asst3">
+    <dgm:scene3d>
+      <a:camera prst="orthographicFront"/>
+      <a:lightRig rig="threePt" dir="t"/>
+    </dgm:scene3d>
+    <dgm:sp3d/>
+    <dgm:txPr/>
+    <dgm:style>
+      <a:lnRef idx="2">
+        <a:scrgbClr r="0" g="0" b="0"/>
+      </a:lnRef>
+      <a:fillRef idx="1">
+        <a:scrgbClr r="0" g="0" b="0"/>
+      </a:fillRef>
+      <a:effectRef idx="0">
+        <a:scrgbClr r="0" g="0" b="0"/>
+      </a:effectRef>
+      <a:fontRef idx="minor">
+        <a:schemeClr val="lt1"/>
+      </a:fontRef>
+    </dgm:style>
+  </dgm:styleLbl>
+  <dgm:styleLbl name="asst4">
+    <dgm:scene3d>
+      <a:camera prst="orthographicFront"/>
+      <a:lightRig rig="threePt" dir="t"/>
+    </dgm:scene3d>
+    <dgm:sp3d/>
+    <dgm:txPr/>
+    <dgm:style>
+      <a:lnRef idx="2">
+        <a:scrgbClr r="0" g="0" b="0"/>
+      </a:lnRef>
+      <a:fillRef idx="1">
+        <a:scrgbClr r="0" g="0" b="0"/>
+      </a:fillRef>
+      <a:effectRef idx="0">
+        <a:scrgbClr r="0" g="0" b="0"/>
+      </a:effectRef>
+      <a:fontRef idx="minor">
+        <a:schemeClr val="lt1"/>
+      </a:fontRef>
+    </dgm:style>
+  </dgm:styleLbl>
+  <dgm:styleLbl name="parChTrans2D1">
+    <dgm:scene3d>
+      <a:camera prst="orthographicFront"/>
+      <a:lightRig rig="threePt" dir="t"/>
+    </dgm:scene3d>
+    <dgm:sp3d/>
+    <dgm:txPr/>
+    <dgm:style>
+      <a:lnRef idx="2">
+        <a:scrgbClr r="0" g="0" b="0"/>
+      </a:lnRef>
+      <a:fillRef idx="1">
+        <a:scrgbClr r="0" g="0" b="0"/>
+      </a:fillRef>
+      <a:effectRef idx="0">
+        <a:scrgbClr r="0" g="0" b="0"/>
+      </a:effectRef>
+      <a:fontRef idx="minor">
+        <a:schemeClr val="lt1"/>
+      </a:fontRef>
+    </dgm:style>
+  </dgm:styleLbl>
+  <dgm:styleLbl name="parChTrans2D2">
+    <dgm:scene3d>
+      <a:camera prst="orthographicFront"/>
+      <a:lightRig rig="threePt" dir="t"/>
+    </dgm:scene3d>
+    <dgm:sp3d/>
+    <dgm:txPr/>
+    <dgm:style>
+      <a:lnRef idx="2">
+        <a:scrgbClr r="0" g="0" b="0"/>
+      </a:lnRef>
+      <a:fillRef idx="1">
+        <a:scrgbClr r="0" g="0" b="0"/>
+      </a:fillRef>
+      <a:effectRef idx="0">
+        <a:scrgbClr r="0" g="0" b="0"/>
+      </a:effectRef>
+      <a:fontRef idx="minor">
+        <a:schemeClr val="lt1"/>
+      </a:fontRef>
+    </dgm:style>
+  </dgm:styleLbl>
+  <dgm:styleLbl name="parChTrans2D3">
+    <dgm:scene3d>
+      <a:camera prst="orthographicFront"/>
+      <a:lightRig rig="threePt" dir="t"/>
+    </dgm:scene3d>
+    <dgm:sp3d/>
+    <dgm:txPr/>
+    <dgm:style>
+      <a:lnRef idx="2">
+        <a:scrgbClr r="0" g="0" b="0"/>
+      </a:lnRef>
+      <a:fillRef idx="1">
+        <a:scrgbClr r="0" g="0" b="0"/>
+      </a:fillRef>
+      <a:effectRef idx="0">
+        <a:scrgbClr r="0" g="0" b="0"/>
+      </a:effectRef>
+      <a:fontRef idx="minor">
+        <a:schemeClr val="lt1"/>
+      </a:fontRef>
+    </dgm:style>
+  </dgm:styleLbl>
+  <dgm:styleLbl name="parChTrans2D4">
+    <dgm:scene3d>
+      <a:camera prst="orthographicFront"/>
+      <a:lightRig rig="threePt" dir="t"/>
+    </dgm:scene3d>
+    <dgm:sp3d/>
+    <dgm:txPr/>
+    <dgm:style>
+      <a:lnRef idx="2">
+        <a:scrgbClr r="0" g="0" b="0"/>
+      </a:lnRef>
+      <a:fillRef idx="1">
+        <a:scrgbClr r="0" g="0" b="0"/>
+      </a:fillRef>
+      <a:effectRef idx="0">
+        <a:scrgbClr r="0" g="0" b="0"/>
+      </a:effectRef>
+      <a:fontRef idx="minor">
+        <a:schemeClr val="lt1"/>
+      </a:fontRef>
+    </dgm:style>
+  </dgm:styleLbl>
+  <dgm:styleLbl name="parChTrans1D1">
+    <dgm:scene3d>
+      <a:camera prst="orthographicFront"/>
+      <a:lightRig rig="threePt" dir="t"/>
+    </dgm:scene3d>
+    <dgm:sp3d/>
+    <dgm:txPr/>
+    <dgm:style>
+      <a:lnRef idx="2">
+        <a:scrgbClr r="0" g="0" b="0"/>
+      </a:lnRef>
+      <a:fillRef idx="0">
+        <a:scrgbClr r="0" g="0" b="0"/>
+      </a:fillRef>
+      <a:effectRef idx="0">
+        <a:scrgbClr r="0" g="0" b="0"/>
+      </a:effectRef>
+      <a:fontRef idx="minor"/>
+    </dgm:style>
+  </dgm:styleLbl>
+  <dgm:styleLbl name="parChTrans1D2">
+    <dgm:scene3d>
+      <a:camera prst="orthographicFront"/>
+      <a:lightRig rig="threePt" dir="t"/>
+    </dgm:scene3d>
+    <dgm:sp3d/>
+    <dgm:txPr/>
+    <dgm:style>
+      <a:lnRef idx="2">
+        <a:scrgbClr r="0" g="0" b="0"/>
+      </a:lnRef>
+      <a:fillRef idx="0">
+        <a:scrgbClr r="0" g="0" b="0"/>
+      </a:fillRef>
+      <a:effectRef idx="0">
+        <a:scrgbClr r="0" g="0" b="0"/>
+      </a:effectRef>
+      <a:fontRef idx="minor"/>
+    </dgm:style>
+  </dgm:styleLbl>
+  <dgm:styleLbl name="parChTrans1D3">
+    <dgm:scene3d>
+      <a:camera prst="orthographicFront"/>
+      <a:lightRig rig="threePt" dir="t"/>
+    </dgm:scene3d>
+    <dgm:sp3d/>
+    <dgm:txPr/>
+    <dgm:style>
+      <a:lnRef idx="2">
+        <a:scrgbClr r="0" g="0" b="0"/>
+      </a:lnRef>
+      <a:fillRef idx="0">
+        <a:scrgbClr r="0" g="0" b="0"/>
+      </a:fillRef>
+      <a:effectRef idx="0">
+        <a:scrgbClr r="0" g="0" b="0"/>
+      </a:effectRef>
+      <a:fontRef idx="minor"/>
+    </dgm:style>
+  </dgm:styleLbl>
+  <dgm:styleLbl name="parChTrans1D4">
+    <dgm:scene3d>
+      <a:camera prst="orthographicFront"/>
+      <a:lightRig rig="threePt" dir="t"/>
+    </dgm:scene3d>
+    <dgm:sp3d/>
+    <dgm:txPr/>
+    <dgm:style>
+      <a:lnRef idx="2">
+        <a:scrgbClr r="0" g="0" b="0"/>
+      </a:lnRef>
+      <a:fillRef idx="0">
+        <a:scrgbClr r="0" g="0" b="0"/>
+      </a:fillRef>
+      <a:effectRef idx="0">
+        <a:scrgbClr r="0" g="0" b="0"/>
+      </a:effectRef>
+      <a:fontRef idx="minor"/>
+    </dgm:style>
+  </dgm:styleLbl>
+  <dgm:styleLbl name="fgAcc1">
+    <dgm:scene3d>
+      <a:camera prst="orthographicFront"/>
+      <a:lightRig rig="threePt" dir="t"/>
+    </dgm:scene3d>
+    <dgm:sp3d/>
+    <dgm:txPr/>
+    <dgm:style>
+      <a:lnRef idx="2">
+        <a:scrgbClr r="0" g="0" b="0"/>
+      </a:lnRef>
+      <a:fillRef idx="1">
+        <a:scrgbClr r="0" g="0" b="0"/>
+      </a:fillRef>
+      <a:effectRef idx="0">
+        <a:scrgbClr r="0" g="0" b="0"/>
+      </a:effectRef>
+      <a:fontRef idx="minor"/>
+    </dgm:style>
+  </dgm:styleLbl>
+  <dgm:styleLbl name="conFgAcc1">
+    <dgm:scene3d>
+      <a:camera prst="orthographicFront"/>
+      <a:lightRig rig="threePt" dir="t"/>
+    </dgm:scene3d>
+    <dgm:sp3d/>
+    <dgm:txPr/>
+    <dgm:style>
+      <a:lnRef idx="2">
+        <a:scrgbClr r="0" g="0" b="0"/>
+      </a:lnRef>
+      <a:fillRef idx="1">
+        <a:scrgbClr r="0" g="0" b="0"/>
+      </a:fillRef>
+      <a:effectRef idx="0">
+        <a:scrgbClr r="0" g="0" b="0"/>
+      </a:effectRef>
+      <a:fontRef idx="minor"/>
+    </dgm:style>
+  </dgm:styleLbl>
+  <dgm:styleLbl name="alignAcc1">
+    <dgm:scene3d>
+      <a:camera prst="orthographicFront"/>
+      <a:lightRig rig="threePt" dir="t"/>
+    </dgm:scene3d>
+    <dgm:sp3d/>
+    <dgm:txPr/>
+    <dgm:style>
+      <a:lnRef idx="2">
+        <a:scrgbClr r="0" g="0" b="0"/>
+      </a:lnRef>
+      <a:fillRef idx="1">
+        <a:scrgbClr r="0" g="0" b="0"/>
+      </a:fillRef>
+      <a:effectRef idx="0">
+        <a:scrgbClr r="0" g="0" b="0"/>
+      </a:effectRef>
+      <a:fontRef idx="minor"/>
+    </dgm:style>
+  </dgm:styleLbl>
+  <dgm:styleLbl name="trAlignAcc1">
+    <dgm:scene3d>
+      <a:camera prst="orthographicFront"/>
+      <a:lightRig rig="threePt" dir="t"/>
+    </dgm:scene3d>
+    <dgm:sp3d/>
+    <dgm:txPr/>
+    <dgm:style>
+      <a:lnRef idx="1">
+        <a:scrgbClr r="0" g="0" b="0"/>
+      </a:lnRef>
+      <a:fillRef idx="1">
+        <a:scrgbClr r="0" g="0" b="0"/>
+      </a:fillRef>
+      <a:effectRef idx="0">
+        <a:scrgbClr r="0" g="0" b="0"/>
+      </a:effectRef>
+      <a:fontRef idx="minor"/>
+    </dgm:style>
+  </dgm:styleLbl>
+  <dgm:styleLbl name="bgAcc1">
+    <dgm:scene3d>
+      <a:camera prst="orthographicFront"/>
+      <a:lightRig rig="threePt" dir="t"/>
+    </dgm:scene3d>
+    <dgm:sp3d/>
+    <dgm:txPr/>
+    <dgm:style>
+      <a:lnRef idx="2">
+        <a:scrgbClr r="0" g="0" b="0"/>
+      </a:lnRef>
+      <a:fillRef idx="1">
+        <a:scrgbClr r="0" g="0" b="0"/>
+      </a:fillRef>
+      <a:effectRef idx="0">
+        <a:scrgbClr r="0" g="0" b="0"/>
+      </a:effectRef>
+      <a:fontRef idx="minor"/>
+    </dgm:style>
+  </dgm:styleLbl>
+  <dgm:styleLbl name="solidFgAcc1">
+    <dgm:scene3d>
+      <a:camera prst="orthographicFront"/>
+      <a:lightRig rig="threePt" dir="t"/>
+    </dgm:scene3d>
+    <dgm:sp3d/>
+    <dgm:txPr/>
+    <dgm:style>
+      <a:lnRef idx="2">
+        <a:scrgbClr r="0" g="0" b="0"/>
+      </a:lnRef>
+      <a:fillRef idx="1">
+        <a:scrgbClr r="0" g="0" b="0"/>
+      </a:fillRef>
+      <a:effectRef idx="0">
+        <a:scrgbClr r="0" g="0" b="0"/>
+      </a:effectRef>
+      <a:fontRef idx="minor"/>
+    </dgm:style>
+  </dgm:styleLbl>
+  <dgm:styleLbl name="solidAlignAcc1">
+    <dgm:scene3d>
+      <a:camera prst="orthographicFront"/>
+      <a:lightRig rig="threePt" dir="t"/>
+    </dgm:scene3d>
+    <dgm:sp3d/>
+    <dgm:txPr/>
+    <dgm:style>
+      <a:lnRef idx="2">
+        <a:scrgbClr r="0" g="0" b="0"/>
+      </a:lnRef>
+      <a:fillRef idx="1">
+        <a:scrgbClr r="0" g="0" b="0"/>
+      </a:fillRef>
+      <a:effectRef idx="0">
+        <a:scrgbClr r="0" g="0" b="0"/>
+      </a:effectRef>
+      <a:fontRef idx="minor"/>
+    </dgm:style>
+  </dgm:styleLbl>
+  <dgm:styleLbl name="solidBgAcc1">
+    <dgm:scene3d>
+      <a:camera prst="orthographicFront"/>
+      <a:lightRig rig="threePt" dir="t"/>
+    </dgm:scene3d>
+    <dgm:sp3d/>
+    <dgm:txPr/>
+    <dgm:style>
+      <a:lnRef idx="2">
+        <a:scrgbClr r="0" g="0" b="0"/>
+      </a:lnRef>
+      <a:fillRef idx="1">
+        <a:scrgbClr r="0" g="0" b="0"/>
+      </a:fillRef>
+      <a:effectRef idx="0">
+        <a:scrgbClr r="0" g="0" b="0"/>
+      </a:effectRef>
+      <a:fontRef idx="minor"/>
+    </dgm:style>
+  </dgm:styleLbl>
+  <dgm:styleLbl name="fgAccFollowNode1">
+    <dgm:scene3d>
+      <a:camera prst="orthographicFront"/>
+      <a:lightRig rig="threePt" dir="t"/>
+    </dgm:scene3d>
+    <dgm:sp3d/>
+    <dgm:txPr/>
+    <dgm:style>
+      <a:lnRef idx="2">
+        <a:scrgbClr r="0" g="0" b="0"/>
+      </a:lnRef>
+      <a:fillRef idx="1">
+        <a:scrgbClr r="0" g="0" b="0"/>
+      </a:fillRef>
+      <a:effectRef idx="0">
+        <a:scrgbClr r="0" g="0" b="0"/>
+      </a:effectRef>
+      <a:fontRef idx="minor"/>
+    </dgm:style>
+  </dgm:styleLbl>
+  <dgm:styleLbl name="alignAccFollowNode1">
+    <dgm:scene3d>
+      <a:camera prst="orthographicFront"/>
+      <a:lightRig rig="threePt" dir="t"/>
+    </dgm:scene3d>
+    <dgm:sp3d/>
+    <dgm:txPr/>
+    <dgm:style>
+      <a:lnRef idx="2">
+        <a:scrgbClr r="0" g="0" b="0"/>
+      </a:lnRef>
+      <a:fillRef idx="1">
+        <a:scrgbClr r="0" g="0" b="0"/>
+      </a:fillRef>
+      <a:effectRef idx="0">
+        <a:scrgbClr r="0" g="0" b="0"/>
+      </a:effectRef>
+      <a:fontRef idx="minor"/>
+    </dgm:style>
+  </dgm:styleLbl>
+  <dgm:styleLbl name="bgAccFollowNode1">
+    <dgm:scene3d>
+      <a:camera prst="orthographicFront"/>
+      <a:lightRig rig="threePt" dir="t"/>
+    </dgm:scene3d>
+    <dgm:sp3d/>
+    <dgm:txPr/>
+    <dgm:style>
+      <a:lnRef idx="2">
+        <a:scrgbClr r="0" g="0" b="0"/>
+      </a:lnRef>
+      <a:fillRef idx="1">
+        <a:scrgbClr r="0" g="0" b="0"/>
+      </a:fillRef>
+      <a:effectRef idx="0">
+        <a:scrgbClr r="0" g="0" b="0"/>
+      </a:effectRef>
+      <a:fontRef idx="minor"/>
+    </dgm:style>
+  </dgm:styleLbl>
+  <dgm:styleLbl name="fgAcc0">
+    <dgm:scene3d>
+      <a:camera prst="orthographicFront"/>
+      <a:lightRig rig="threePt" dir="t"/>
+    </dgm:scene3d>
+    <dgm:sp3d/>
+    <dgm:txPr/>
+    <dgm:style>
+      <a:lnRef idx="2">
+        <a:scrgbClr r="0" g="0" b="0"/>
+      </a:lnRef>
+      <a:fillRef idx="1">
+        <a:scrgbClr r="0" g="0" b="0"/>
+      </a:fillRef>
+      <a:effectRef idx="0">
+        <a:scrgbClr r="0" g="0" b="0"/>
+      </a:effectRef>
+      <a:fontRef idx="minor"/>
+    </dgm:style>
+  </dgm:styleLbl>
+  <dgm:styleLbl name="fgAcc2">
+    <dgm:scene3d>
+      <a:camera prst="orthographicFront"/>
+      <a:lightRig rig="threePt" dir="t"/>
+    </dgm:scene3d>
+    <dgm:sp3d/>
+    <dgm:txPr/>
+    <dgm:style>
+      <a:lnRef idx="2">
+        <a:scrgbClr r="0" g="0" b="0"/>
+      </a:lnRef>
+      <a:fillRef idx="1">
+        <a:scrgbClr r="0" g="0" b="0"/>
+      </a:fillRef>
+      <a:effectRef idx="0">
+        <a:scrgbClr r="0" g="0" b="0"/>
+      </a:effectRef>
+      <a:fontRef idx="minor"/>
+    </dgm:style>
+  </dgm:styleLbl>
+  <dgm:styleLbl name="fgAcc3">
+    <dgm:scene3d>
+      <a:camera prst="orthographicFront"/>
+      <a:lightRig rig="threePt" dir="t"/>
+    </dgm:scene3d>
+    <dgm:sp3d/>
+    <dgm:txPr/>
+    <dgm:style>
+      <a:lnRef idx="2">
+        <a:scrgbClr r="0" g="0" b="0"/>
+      </a:lnRef>
+      <a:fillRef idx="1">
+        <a:scrgbClr r="0" g="0" b="0"/>
+      </a:fillRef>
+      <a:effectRef idx="0">
+        <a:scrgbClr r="0" g="0" b="0"/>
+      </a:effectRef>
+      <a:fontRef idx="minor"/>
+    </dgm:style>
+  </dgm:styleLbl>
+  <dgm:styleLbl name="fgAcc4">
+    <dgm:scene3d>
+      <a:camera prst="orthographicFront"/>
+      <a:lightRig rig="threePt" dir="t"/>
+    </dgm:scene3d>
+    <dgm:sp3d/>
+    <dgm:txPr/>
+    <dgm:style>
+      <a:lnRef idx="2">
+        <a:scrgbClr r="0" g="0" b="0"/>
+      </a:lnRef>
+      <a:fillRef idx="1">
+        <a:scrgbClr r="0" g="0" b="0"/>
+      </a:fillRef>
+      <a:effectRef idx="0">
+        <a:scrgbClr r="0" g="0" b="0"/>
+      </a:effectRef>
+      <a:fontRef idx="minor"/>
+    </dgm:style>
+  </dgm:styleLbl>
+  <dgm:styleLbl name="bgShp">
+    <dgm:scene3d>
+      <a:camera prst="orthographicFront"/>
+      <a:lightRig rig="threePt" dir="t"/>
+    </dgm:scene3d>
+    <dgm:sp3d/>
+    <dgm:txPr/>
+    <dgm:style>
+      <a:lnRef idx="0">
+        <a:scrgbClr r="0" g="0" b="0"/>
+      </a:lnRef>
+      <a:fillRef idx="1">
+        <a:scrgbClr r="0" g="0" b="0"/>
+      </a:fillRef>
+      <a:effectRef idx="0">
+        <a:scrgbClr r="0" g="0" b="0"/>
+      </a:effectRef>
+      <a:fontRef idx="minor"/>
+    </dgm:style>
+  </dgm:styleLbl>
+  <dgm:styleLbl name="dkBgShp">
+    <dgm:scene3d>
+      <a:camera prst="orthographicFront"/>
+      <a:lightRig rig="threePt" dir="t"/>
+    </dgm:scene3d>
+    <dgm:sp3d/>
+    <dgm:txPr/>
+    <dgm:style>
+      <a:lnRef idx="0">
+        <a:scrgbClr r="0" g="0" b="0"/>
+      </a:lnRef>
+      <a:fillRef idx="1">
+        <a:scrgbClr r="0" g="0" b="0"/>
+      </a:fillRef>
+      <a:effectRef idx="0">
+        <a:scrgbClr r="0" g="0" b="0"/>
+      </a:effectRef>
+      <a:fontRef idx="minor"/>
+    </dgm:style>
+  </dgm:styleLbl>
+  <dgm:styleLbl name="trBgShp">
+    <dgm:scene3d>
+      <a:camera prst="orthographicFront"/>
+      <a:lightRig rig="threePt" dir="t"/>
+    </dgm:scene3d>
+    <dgm:sp3d/>
+    <dgm:txPr/>
+    <dgm:style>
+      <a:lnRef idx="0">
+        <a:scrgbClr r="0" g="0" b="0"/>
+      </a:lnRef>
+      <a:fillRef idx="1">
+        <a:scrgbClr r="0" g="0" b="0"/>
+      </a:fillRef>
+      <a:effectRef idx="0">
+        <a:scrgbClr r="0" g="0" b="0"/>
+      </a:effectRef>
+      <a:fontRef idx="minor"/>
+    </dgm:style>
+  </dgm:styleLbl>
+  <dgm:styleLbl name="fgShp">
+    <dgm:scene3d>
+      <a:camera prst="orthographicFront"/>
+      <a:lightRig rig="threePt" dir="t"/>
+    </dgm:scene3d>
+    <dgm:sp3d/>
+    <dgm:txPr/>
+    <dgm:style>
+      <a:lnRef idx="2">
+        <a:scrgbClr r="0" g="0" b="0"/>
+      </a:lnRef>
+      <a:fillRef idx="1">
+        <a:scrgbClr r="0" g="0" b="0"/>
+      </a:fillRef>
+      <a:effectRef idx="0">
+        <a:scrgbClr r="0" g="0" b="0"/>
+      </a:effectRef>
+      <a:fontRef idx="minor"/>
+    </dgm:style>
+  </dgm:styleLbl>
+  <dgm:styleLbl name="revTx">
+    <dgm:scene3d>
+      <a:camera prst="orthographicFront"/>
+      <a:lightRig rig="threePt" dir="t"/>
+    </dgm:scene3d>
+    <dgm:sp3d/>
+    <dgm:txPr/>
+    <dgm:style>
+      <a:lnRef idx="0">
+        <a:scrgbClr r="0" g="0" b="0"/>
+      </a:lnRef>
+      <a:fillRef idx="0">
+        <a:scrgbClr r="0" g="0" b="0"/>
+      </a:fillRef>
+      <a:effectRef idx="0">
+        <a:scrgbClr r="0" g="0" b="0"/>
+      </a:effectRef>
+      <a:fontRef idx="minor"/>
+    </dgm:style>
+  </dgm:styleLbl>
+</dgm:styleDef>
+</file>
+
 <file path=ppt/handoutMasters/handoutMaster1.xml><?xml version="1.0" encoding="utf-8"?>
 <p:handoutMaster xmlns:a="http://schemas.openxmlformats.org/drawingml/2006/main" xmlns:r="http://schemas.openxmlformats.org/officeDocument/2006/relationships" xmlns:p="http://schemas.openxmlformats.org/presentationml/2006/main">
   <p:cSld>
@@ -4899,7 +10656,7 @@
               <a:pPr>
                 <a:defRPr/>
               </a:pPr>
-              <a:t>07.06.2023</a:t>
+              <a:t>09.06.2023</a:t>
             </a:fld>
             <a:endParaRPr lang="de-DE" altLang="de-DE" dirty="0">
               <a:latin typeface="Arial" panose="020B0604020202020204" pitchFamily="34" charset="0"/>
@@ -5129,7 +10886,7 @@
               <a:pPr>
                 <a:defRPr/>
               </a:pPr>
-              <a:t>07.06.2023</a:t>
+              <a:t>09.06.2023</a:t>
             </a:fld>
             <a:endParaRPr lang="de-DE" altLang="de-DE" dirty="0"/>
           </a:p>
@@ -13123,6 +18880,870 @@
       </p:grpSpPr>
       <p:sp>
         <p:nvSpPr>
+          <p:cNvPr id="2" name="Titel 1">
+            <a:extLst>
+              <a:ext uri="{FF2B5EF4-FFF2-40B4-BE49-F238E27FC236}">
+                <a16:creationId xmlns:a16="http://schemas.microsoft.com/office/drawing/2014/main" id="{72FEE536-8460-4341-1982-8F34313F8075}"/>
+              </a:ext>
+            </a:extLst>
+          </p:cNvPr>
+          <p:cNvSpPr>
+            <a:spLocks noGrp="1"/>
+          </p:cNvSpPr>
+          <p:nvPr>
+            <p:ph type="title"/>
+          </p:nvPr>
+        </p:nvSpPr>
+        <p:spPr/>
+        <p:txBody>
+          <a:bodyPr/>
+          <a:lstStyle/>
+          <a:p>
+            <a:r>
+              <a:rPr lang="de-DE" dirty="0"/>
+              <a:t>6. Literatur</a:t>
+            </a:r>
+          </a:p>
+        </p:txBody>
+      </p:sp>
+      <p:sp>
+        <p:nvSpPr>
+          <p:cNvPr id="3" name="Inhaltsplatzhalter 2">
+            <a:extLst>
+              <a:ext uri="{FF2B5EF4-FFF2-40B4-BE49-F238E27FC236}">
+                <a16:creationId xmlns:a16="http://schemas.microsoft.com/office/drawing/2014/main" id="{1508104B-4285-C9AE-9710-E93306FCB9DC}"/>
+              </a:ext>
+            </a:extLst>
+          </p:cNvPr>
+          <p:cNvSpPr>
+            <a:spLocks noGrp="1"/>
+          </p:cNvSpPr>
+          <p:nvPr>
+            <p:ph idx="1"/>
+          </p:nvPr>
+        </p:nvSpPr>
+        <p:spPr/>
+        <p:txBody>
+          <a:bodyPr/>
+          <a:lstStyle/>
+          <a:p>
+            <a:r>
+              <a:rPr lang="de-DE" sz="1100" b="0" i="0" u="none" strike="noStrike" baseline="0" dirty="0">
+                <a:solidFill>
+                  <a:srgbClr val="000000"/>
+                </a:solidFill>
+                <a:latin typeface="+mj-lt"/>
+              </a:rPr>
+              <a:t>Clearingstelle und Anonymer Behandlungsschein e.V. (2022). aufgerufen am 06.06.2023. url:</a:t>
+            </a:r>
+            <a:r>
+              <a:rPr lang="de-DE" sz="1100" dirty="0">
+                <a:solidFill>
+                  <a:srgbClr val="AE0000"/>
+                </a:solidFill>
+                <a:latin typeface="+mj-lt"/>
+              </a:rPr>
+              <a:t> </a:t>
+            </a:r>
+            <a:r>
+              <a:rPr lang="de-DE" sz="1100" dirty="0">
+                <a:solidFill>
+                  <a:srgbClr val="AE0000"/>
+                </a:solidFill>
+                <a:latin typeface="+mj-lt"/>
+                <a:hlinkClick r:id="rId2">
+                  <a:extLst>
+                    <a:ext uri="{A12FA001-AC4F-418D-AE19-62706E023703}">
+                      <ahyp:hlinkClr xmlns:ahyp="http://schemas.microsoft.com/office/drawing/2018/hyperlinkcolor" val="tx"/>
+                    </a:ext>
+                  </a:extLst>
+                </a:hlinkClick>
+              </a:rPr>
+              <a:t>https://cab-leipzig.de/wp/</a:t>
+            </a:r>
+            <a:r>
+              <a:rPr lang="de-DE" sz="1100" dirty="0">
+                <a:latin typeface="+mj-lt"/>
+              </a:rPr>
+              <a:t>.</a:t>
+            </a:r>
+            <a:endParaRPr lang="de-DE" sz="1100" b="0" i="0" u="none" strike="noStrike" baseline="0" dirty="0">
+              <a:solidFill>
+                <a:srgbClr val="000000"/>
+              </a:solidFill>
+              <a:latin typeface="+mj-lt"/>
+            </a:endParaRPr>
+          </a:p>
+          <a:p>
+            <a:pPr algn="l"/>
+            <a:r>
+              <a:rPr lang="de-DE" sz="1100" b="0" i="0" u="none" strike="noStrike" baseline="0" dirty="0" err="1">
+                <a:solidFill>
+                  <a:srgbClr val="000000"/>
+                </a:solidFill>
+                <a:latin typeface="+mj-lt"/>
+              </a:rPr>
+              <a:t>Doring</a:t>
+            </a:r>
+            <a:r>
+              <a:rPr lang="de-DE" sz="1100" b="0" i="0" u="none" strike="noStrike" baseline="0" dirty="0">
+                <a:solidFill>
+                  <a:srgbClr val="000000"/>
+                </a:solidFill>
+                <a:latin typeface="+mj-lt"/>
+              </a:rPr>
+              <a:t>, Nicola und </a:t>
+            </a:r>
+            <a:r>
+              <a:rPr lang="de-DE" sz="1100" b="0" i="0" u="none" strike="noStrike" baseline="0" dirty="0" err="1">
+                <a:solidFill>
+                  <a:srgbClr val="000000"/>
+                </a:solidFill>
+                <a:latin typeface="+mj-lt"/>
+              </a:rPr>
+              <a:t>Jurgen</a:t>
+            </a:r>
+            <a:r>
+              <a:rPr lang="de-DE" sz="1100" b="0" i="0" u="none" strike="noStrike" baseline="0" dirty="0">
+                <a:solidFill>
+                  <a:srgbClr val="000000"/>
+                </a:solidFill>
+                <a:latin typeface="+mj-lt"/>
+              </a:rPr>
+              <a:t> Bortz (2015). Forschungsmethoden und Evaluation in den Sozial- und Humanwissenschaften. 5. 	Aufl. Springer Berlin, Heidelberg. </a:t>
+            </a:r>
+            <a:r>
+              <a:rPr lang="de-DE" sz="1100" b="0" i="0" u="none" strike="noStrike" baseline="0" dirty="0" err="1">
+                <a:solidFill>
+                  <a:srgbClr val="000000"/>
+                </a:solidFill>
+                <a:latin typeface="+mj-lt"/>
+              </a:rPr>
+              <a:t>doi</a:t>
+            </a:r>
+            <a:r>
+              <a:rPr lang="de-DE" sz="1100" b="0" i="0" u="none" strike="noStrike" baseline="0" dirty="0">
+                <a:solidFill>
+                  <a:srgbClr val="000000"/>
+                </a:solidFill>
+                <a:latin typeface="+mj-lt"/>
+              </a:rPr>
+              <a:t>: </a:t>
+            </a:r>
+            <a:r>
+              <a:rPr lang="de-DE" sz="1100" b="0" i="0" u="none" strike="noStrike" baseline="0" dirty="0">
+                <a:solidFill>
+                  <a:srgbClr val="AE0000"/>
+                </a:solidFill>
+                <a:latin typeface="+mj-lt"/>
+              </a:rPr>
+              <a:t>10.1007/978-3-642-41089-5</a:t>
+            </a:r>
+            <a:r>
+              <a:rPr lang="de-DE" sz="1100" b="0" i="0" u="none" strike="noStrike" baseline="0" dirty="0">
+                <a:solidFill>
+                  <a:srgbClr val="000000"/>
+                </a:solidFill>
+                <a:latin typeface="+mj-lt"/>
+              </a:rPr>
+              <a:t>.</a:t>
+            </a:r>
+          </a:p>
+          <a:p>
+            <a:pPr algn="l"/>
+            <a:r>
+              <a:rPr lang="de-DE" sz="1100" dirty="0">
+                <a:latin typeface="+mj-lt"/>
+              </a:rPr>
+              <a:t>Kirill </a:t>
+            </a:r>
+            <a:r>
+              <a:rPr lang="de-DE" sz="1100" dirty="0" err="1">
+                <a:latin typeface="+mj-lt"/>
+              </a:rPr>
+              <a:t>Fakhroutdinov</a:t>
+            </a:r>
+            <a:r>
+              <a:rPr lang="de-DE" sz="1100" dirty="0">
+                <a:latin typeface="+mj-lt"/>
+              </a:rPr>
+              <a:t>. The Unified Modeling Language. </a:t>
+            </a:r>
+            <a:r>
+              <a:rPr lang="de-DE" sz="1100" b="0" i="0" u="none" strike="noStrike" baseline="0" dirty="0">
+                <a:solidFill>
+                  <a:srgbClr val="000000"/>
+                </a:solidFill>
+                <a:latin typeface="+mj-lt"/>
+              </a:rPr>
+              <a:t>aufgerufen am 06.06.2023. </a:t>
+            </a:r>
+            <a:r>
+              <a:rPr lang="de-DE" sz="1100" dirty="0">
+                <a:latin typeface="+mj-lt"/>
+              </a:rPr>
+              <a:t>url: </a:t>
+            </a:r>
+            <a:r>
+              <a:rPr lang="de-DE" sz="1100" dirty="0">
+                <a:solidFill>
+                  <a:srgbClr val="AE0000"/>
+                </a:solidFill>
+                <a:latin typeface="+mj-lt"/>
+                <a:hlinkClick r:id="rId3">
+                  <a:extLst>
+                    <a:ext uri="{A12FA001-AC4F-418D-AE19-62706E023703}">
+                      <ahyp:hlinkClr xmlns:ahyp="http://schemas.microsoft.com/office/drawing/2018/hyperlinkcolor" val="tx"/>
+                    </a:ext>
+                  </a:extLst>
+                </a:hlinkClick>
+              </a:rPr>
+              <a:t>https://www.uml-diagrams.org/</a:t>
+            </a:r>
+            <a:r>
+              <a:rPr lang="de-DE" sz="1100" dirty="0">
+                <a:solidFill>
+                  <a:srgbClr val="AE0000"/>
+                </a:solidFill>
+                <a:latin typeface="+mj-lt"/>
+              </a:rPr>
+              <a:t> </a:t>
+            </a:r>
+          </a:p>
+          <a:p>
+            <a:r>
+              <a:rPr lang="de-DE" sz="1100" dirty="0">
+                <a:latin typeface="+mj-lt"/>
+              </a:rPr>
+              <a:t>Leiner, F., W. Gaus, R. Haux, P. Knaup-Gregori, K.P. Pfeiffer und J. Wagner (2012). </a:t>
+            </a:r>
+            <a:r>
+              <a:rPr lang="de-DE" sz="1100" i="1" dirty="0">
+                <a:latin typeface="+mj-lt"/>
+              </a:rPr>
+              <a:t>Medizinische Dokumentation: 	Grundlagen einer qualitätsgesicherten integrierten Krankenversorgung Lehrbuch und Leitfaden</a:t>
+            </a:r>
+            <a:r>
+              <a:rPr lang="de-DE" sz="1100" dirty="0">
+                <a:latin typeface="+mj-lt"/>
+              </a:rPr>
+              <a:t>. 6. Aufl. Stuttgart: 	Schattauer. </a:t>
+            </a:r>
+            <a:r>
+              <a:rPr lang="de-DE" sz="1100" dirty="0" err="1">
+                <a:latin typeface="+mj-lt"/>
+              </a:rPr>
+              <a:t>isbn</a:t>
+            </a:r>
+            <a:r>
+              <a:rPr lang="de-DE" sz="1100" dirty="0">
+                <a:latin typeface="+mj-lt"/>
+              </a:rPr>
+              <a:t>: 9783794567089.</a:t>
+            </a:r>
+          </a:p>
+          <a:p>
+            <a:r>
+              <a:rPr lang="de-DE" sz="1100" dirty="0">
+                <a:latin typeface="+mj-lt"/>
+              </a:rPr>
+              <a:t>Mohammed, S.A. and </a:t>
+            </a:r>
+            <a:r>
+              <a:rPr lang="de-DE" sz="1100" dirty="0" err="1">
+                <a:latin typeface="+mj-lt"/>
+              </a:rPr>
+              <a:t>Yusof</a:t>
+            </a:r>
+            <a:r>
+              <a:rPr lang="de-DE" sz="1100" dirty="0">
+                <a:latin typeface="+mj-lt"/>
+              </a:rPr>
+              <a:t>, M.M. (2013), </a:t>
+            </a:r>
+            <a:r>
+              <a:rPr lang="de-DE" sz="1100" i="1" dirty="0" err="1">
+                <a:latin typeface="+mj-lt"/>
+              </a:rPr>
+              <a:t>Towards</a:t>
+            </a:r>
+            <a:r>
+              <a:rPr lang="de-DE" sz="1100" i="1" dirty="0">
+                <a:latin typeface="+mj-lt"/>
+              </a:rPr>
+              <a:t> an </a:t>
+            </a:r>
+            <a:r>
+              <a:rPr lang="de-DE" sz="1100" i="1" dirty="0" err="1">
+                <a:latin typeface="+mj-lt"/>
+              </a:rPr>
+              <a:t>evaluation</a:t>
+            </a:r>
+            <a:r>
+              <a:rPr lang="de-DE" sz="1100" i="1" dirty="0">
+                <a:latin typeface="+mj-lt"/>
+              </a:rPr>
+              <a:t> </a:t>
+            </a:r>
+            <a:r>
+              <a:rPr lang="de-DE" sz="1100" i="1" dirty="0" err="1">
+                <a:latin typeface="+mj-lt"/>
+              </a:rPr>
+              <a:t>framework</a:t>
+            </a:r>
+            <a:r>
+              <a:rPr lang="de-DE" sz="1100" i="1" dirty="0">
+                <a:latin typeface="+mj-lt"/>
+              </a:rPr>
+              <a:t> </a:t>
+            </a:r>
+            <a:r>
+              <a:rPr lang="de-DE" sz="1100" i="1" dirty="0" err="1">
+                <a:latin typeface="+mj-lt"/>
+              </a:rPr>
+              <a:t>for</a:t>
+            </a:r>
+            <a:r>
+              <a:rPr lang="de-DE" sz="1100" i="1" dirty="0">
+                <a:latin typeface="+mj-lt"/>
+              </a:rPr>
+              <a:t> </a:t>
+            </a:r>
+            <a:r>
+              <a:rPr lang="de-DE" sz="1100" i="1" dirty="0" err="1">
+                <a:latin typeface="+mj-lt"/>
+              </a:rPr>
+              <a:t>information</a:t>
+            </a:r>
+            <a:r>
+              <a:rPr lang="de-DE" sz="1100" i="1" dirty="0">
+                <a:latin typeface="+mj-lt"/>
+              </a:rPr>
+              <a:t> </a:t>
+            </a:r>
+            <a:r>
+              <a:rPr lang="de-DE" sz="1100" i="1" dirty="0" err="1">
+                <a:latin typeface="+mj-lt"/>
+              </a:rPr>
+              <a:t>quality</a:t>
+            </a:r>
+            <a:r>
+              <a:rPr lang="de-DE" sz="1100" i="1" dirty="0">
+                <a:latin typeface="+mj-lt"/>
+              </a:rPr>
+              <a:t> </a:t>
+            </a:r>
+            <a:r>
+              <a:rPr lang="de-DE" sz="1100" i="1" dirty="0" err="1">
+                <a:latin typeface="+mj-lt"/>
+              </a:rPr>
+              <a:t>management</a:t>
+            </a:r>
+            <a:r>
+              <a:rPr lang="de-DE" sz="1100" i="1" dirty="0">
+                <a:latin typeface="+mj-lt"/>
+              </a:rPr>
+              <a:t> (IQM) 	</a:t>
+            </a:r>
+            <a:r>
+              <a:rPr lang="de-DE" sz="1100" i="1" dirty="0" err="1">
+                <a:latin typeface="+mj-lt"/>
+              </a:rPr>
+              <a:t>practices</a:t>
+            </a:r>
+            <a:r>
+              <a:rPr lang="de-DE" sz="1100" i="1" dirty="0">
+                <a:latin typeface="+mj-lt"/>
+              </a:rPr>
+              <a:t> </a:t>
+            </a:r>
+            <a:r>
+              <a:rPr lang="de-DE" sz="1100" i="1" dirty="0" err="1">
+                <a:latin typeface="+mj-lt"/>
+              </a:rPr>
+              <a:t>for</a:t>
+            </a:r>
+            <a:r>
+              <a:rPr lang="de-DE" sz="1100" i="1" dirty="0">
+                <a:latin typeface="+mj-lt"/>
+              </a:rPr>
+              <a:t> </a:t>
+            </a:r>
+            <a:r>
+              <a:rPr lang="de-DE" sz="1100" i="1" dirty="0" err="1">
+                <a:latin typeface="+mj-lt"/>
+              </a:rPr>
+              <a:t>health</a:t>
+            </a:r>
+            <a:r>
+              <a:rPr lang="de-DE" sz="1100" i="1" dirty="0">
+                <a:latin typeface="+mj-lt"/>
+              </a:rPr>
+              <a:t> </a:t>
+            </a:r>
+            <a:r>
+              <a:rPr lang="de-DE" sz="1100" i="1" dirty="0" err="1">
+                <a:latin typeface="+mj-lt"/>
+              </a:rPr>
+              <a:t>information</a:t>
+            </a:r>
+            <a:r>
+              <a:rPr lang="de-DE" sz="1100" i="1" dirty="0">
+                <a:latin typeface="+mj-lt"/>
+              </a:rPr>
+              <a:t> </a:t>
+            </a:r>
+            <a:r>
+              <a:rPr lang="de-DE" sz="1100" i="1" dirty="0" err="1">
+                <a:latin typeface="+mj-lt"/>
+              </a:rPr>
+              <a:t>systems</a:t>
+            </a:r>
+            <a:r>
+              <a:rPr lang="de-DE" sz="1100" i="1" dirty="0">
+                <a:latin typeface="+mj-lt"/>
+              </a:rPr>
+              <a:t> – </a:t>
+            </a:r>
+            <a:r>
+              <a:rPr lang="de-DE" sz="1100" i="1" dirty="0" err="1">
+                <a:latin typeface="+mj-lt"/>
+              </a:rPr>
+              <a:t>evaluation</a:t>
+            </a:r>
+            <a:r>
+              <a:rPr lang="de-DE" sz="1100" i="1" dirty="0">
+                <a:latin typeface="+mj-lt"/>
+              </a:rPr>
+              <a:t> </a:t>
+            </a:r>
+            <a:r>
+              <a:rPr lang="de-DE" sz="1100" i="1" dirty="0" err="1">
+                <a:latin typeface="+mj-lt"/>
+              </a:rPr>
+              <a:t>criteria</a:t>
+            </a:r>
+            <a:r>
+              <a:rPr lang="de-DE" sz="1100" i="1" dirty="0">
+                <a:latin typeface="+mj-lt"/>
+              </a:rPr>
+              <a:t> </a:t>
+            </a:r>
+            <a:r>
+              <a:rPr lang="de-DE" sz="1100" i="1" dirty="0" err="1">
+                <a:latin typeface="+mj-lt"/>
+              </a:rPr>
+              <a:t>for</a:t>
+            </a:r>
+            <a:r>
+              <a:rPr lang="de-DE" sz="1100" i="1" dirty="0">
+                <a:latin typeface="+mj-lt"/>
+              </a:rPr>
+              <a:t> </a:t>
+            </a:r>
+            <a:r>
+              <a:rPr lang="de-DE" sz="1100" i="1" dirty="0" err="1">
+                <a:latin typeface="+mj-lt"/>
+              </a:rPr>
+              <a:t>effective</a:t>
+            </a:r>
+            <a:r>
+              <a:rPr lang="de-DE" sz="1100" i="1" dirty="0">
+                <a:latin typeface="+mj-lt"/>
+              </a:rPr>
+              <a:t> IQM </a:t>
+            </a:r>
+            <a:r>
+              <a:rPr lang="de-DE" sz="1100" i="1" dirty="0" err="1">
+                <a:latin typeface="+mj-lt"/>
+              </a:rPr>
+              <a:t>practices</a:t>
+            </a:r>
+            <a:r>
+              <a:rPr lang="de-DE" sz="1100" dirty="0">
+                <a:latin typeface="+mj-lt"/>
+              </a:rPr>
+              <a:t>. Journal </a:t>
+            </a:r>
+            <a:r>
+              <a:rPr lang="de-DE" sz="1100" dirty="0" err="1">
+                <a:latin typeface="+mj-lt"/>
+              </a:rPr>
+              <a:t>of</a:t>
+            </a:r>
+            <a:r>
+              <a:rPr lang="de-DE" sz="1100" dirty="0">
+                <a:latin typeface="+mj-lt"/>
+              </a:rPr>
+              <a:t> Evaluation in Clinical 	Practice, 19: 379-387.</a:t>
+            </a:r>
+            <a:r>
+              <a:rPr lang="de-DE" sz="1100" dirty="0">
+                <a:solidFill>
+                  <a:srgbClr val="AE0000"/>
+                </a:solidFill>
+                <a:latin typeface="+mj-lt"/>
+              </a:rPr>
+              <a:t> </a:t>
+            </a:r>
+            <a:r>
+              <a:rPr lang="de-DE" sz="1100" dirty="0">
+                <a:solidFill>
+                  <a:srgbClr val="AE0000"/>
+                </a:solidFill>
+                <a:latin typeface="+mj-lt"/>
+                <a:hlinkClick r:id="rId4">
+                  <a:extLst>
+                    <a:ext uri="{A12FA001-AC4F-418D-AE19-62706E023703}">
+                      <ahyp:hlinkClr xmlns:ahyp="http://schemas.microsoft.com/office/drawing/2018/hyperlinkcolor" val="tx"/>
+                    </a:ext>
+                  </a:extLst>
+                </a:hlinkClick>
+              </a:rPr>
+              <a:t>https://doi.org/10.1111/j.1365-2753.2012.01839.x</a:t>
+            </a:r>
+            <a:endParaRPr lang="de-DE" sz="1100" dirty="0">
+              <a:solidFill>
+                <a:srgbClr val="AE0000"/>
+              </a:solidFill>
+              <a:latin typeface="+mj-lt"/>
+            </a:endParaRPr>
+          </a:p>
+          <a:p>
+            <a:r>
+              <a:rPr lang="de-DE" sz="1100" dirty="0">
+                <a:latin typeface="+mj-lt"/>
+              </a:rPr>
+              <a:t>Safe – Straßensozialarbeit für Erwachsene. </a:t>
+            </a:r>
+            <a:r>
+              <a:rPr lang="de-DE" sz="1100" b="0" i="0" u="none" strike="noStrike" baseline="0" dirty="0">
+                <a:solidFill>
+                  <a:srgbClr val="000000"/>
+                </a:solidFill>
+                <a:latin typeface="+mj-lt"/>
+              </a:rPr>
+              <a:t>aufgerufen am 06.06.2023. url:</a:t>
+            </a:r>
+            <a:r>
+              <a:rPr lang="de-DE" sz="1100" dirty="0">
+                <a:solidFill>
+                  <a:srgbClr val="AE0000"/>
+                </a:solidFill>
+                <a:latin typeface="+mj-lt"/>
+              </a:rPr>
+              <a:t> </a:t>
+            </a:r>
+            <a:r>
+              <a:rPr lang="de-DE" sz="1100" dirty="0">
+                <a:solidFill>
+                  <a:srgbClr val="AE0000"/>
+                </a:solidFill>
+                <a:latin typeface="+mj-lt"/>
+                <a:hlinkClick r:id="rId5">
+                  <a:extLst>
+                    <a:ext uri="{A12FA001-AC4F-418D-AE19-62706E023703}">
+                      <ahyp:hlinkClr xmlns:ahyp="http://schemas.microsoft.com/office/drawing/2018/hyperlinkcolor" val="tx"/>
+                    </a:ext>
+                  </a:extLst>
+                </a:hlinkClick>
+              </a:rPr>
+              <a:t>https://www.suchtzentrum.de/unsere-angebote/streetwork/safe</a:t>
+            </a:r>
+            <a:r>
+              <a:rPr lang="de-DE" sz="1100" dirty="0">
+                <a:latin typeface="+mj-lt"/>
+              </a:rPr>
+              <a:t>.</a:t>
+            </a:r>
+            <a:endParaRPr lang="en-US" sz="1100" dirty="0">
+              <a:latin typeface="+mj-lt"/>
+            </a:endParaRPr>
+          </a:p>
+          <a:p>
+            <a:r>
+              <a:rPr lang="de-DE" sz="1100" dirty="0">
+                <a:latin typeface="+mj-lt"/>
+              </a:rPr>
+              <a:t>Winter, A., </a:t>
+            </a:r>
+            <a:r>
+              <a:rPr lang="de-DE" sz="1100" dirty="0" err="1">
+                <a:latin typeface="+mj-lt"/>
+              </a:rPr>
+              <a:t>Takabayashi</a:t>
+            </a:r>
+            <a:r>
+              <a:rPr lang="de-DE" sz="1100" dirty="0">
+                <a:latin typeface="+mj-lt"/>
+              </a:rPr>
+              <a:t>, K., Jahn, F., Kimura, E., Engelbrecht, R., Haux, R., Honda, M., Hübner, U. H., Inoue, S., Kohl, C. D., 	Matsumoto, T., </a:t>
+            </a:r>
+            <a:r>
+              <a:rPr lang="de-DE" sz="1100" dirty="0" err="1">
+                <a:latin typeface="+mj-lt"/>
+              </a:rPr>
+              <a:t>Matsumura</a:t>
+            </a:r>
+            <a:r>
+              <a:rPr lang="de-DE" sz="1100" dirty="0">
+                <a:latin typeface="+mj-lt"/>
+              </a:rPr>
+              <a:t>, Y., </a:t>
+            </a:r>
+            <a:r>
+              <a:rPr lang="de-DE" sz="1100" dirty="0" err="1">
+                <a:latin typeface="+mj-lt"/>
+              </a:rPr>
+              <a:t>Miyo</a:t>
+            </a:r>
+            <a:r>
+              <a:rPr lang="de-DE" sz="1100" dirty="0">
+                <a:latin typeface="+mj-lt"/>
+              </a:rPr>
+              <a:t>, K., </a:t>
+            </a:r>
+            <a:r>
+              <a:rPr lang="de-DE" sz="1100" dirty="0" err="1">
+                <a:latin typeface="+mj-lt"/>
+              </a:rPr>
+              <a:t>Nakashima</a:t>
+            </a:r>
+            <a:r>
+              <a:rPr lang="de-DE" sz="1100" dirty="0">
+                <a:latin typeface="+mj-lt"/>
+              </a:rPr>
+              <a:t>, N., </a:t>
+            </a:r>
+            <a:r>
+              <a:rPr lang="de-DE" sz="1100" dirty="0" err="1">
+                <a:latin typeface="+mj-lt"/>
+              </a:rPr>
+              <a:t>Prokosch</a:t>
+            </a:r>
+            <a:r>
+              <a:rPr lang="de-DE" sz="1100" dirty="0">
+                <a:latin typeface="+mj-lt"/>
+              </a:rPr>
+              <a:t>, H. U., &amp; Staemmler, M. (2017). Quality </a:t>
+            </a:r>
+            <a:r>
+              <a:rPr lang="de-DE" sz="1100" dirty="0" err="1">
+                <a:latin typeface="+mj-lt"/>
+              </a:rPr>
+              <a:t>Requirements</a:t>
+            </a:r>
+            <a:r>
+              <a:rPr lang="de-DE" sz="1100" dirty="0">
+                <a:latin typeface="+mj-lt"/>
+              </a:rPr>
+              <a:t> 	</a:t>
+            </a:r>
+            <a:r>
+              <a:rPr lang="de-DE" sz="1100" dirty="0" err="1">
+                <a:latin typeface="+mj-lt"/>
+              </a:rPr>
+              <a:t>for</a:t>
+            </a:r>
+            <a:r>
+              <a:rPr lang="de-DE" sz="1100" dirty="0">
+                <a:latin typeface="+mj-lt"/>
+              </a:rPr>
+              <a:t> Electronic Health </a:t>
+            </a:r>
+            <a:r>
+              <a:rPr lang="de-DE" sz="1100" dirty="0" err="1">
+                <a:latin typeface="+mj-lt"/>
+              </a:rPr>
+              <a:t>Record</a:t>
+            </a:r>
+            <a:r>
+              <a:rPr lang="de-DE" sz="1100" dirty="0">
+                <a:latin typeface="+mj-lt"/>
+              </a:rPr>
+              <a:t> Systems*. A </a:t>
+            </a:r>
+            <a:r>
+              <a:rPr lang="de-DE" sz="1100" dirty="0" err="1">
+                <a:latin typeface="+mj-lt"/>
+              </a:rPr>
+              <a:t>Japanese</a:t>
+            </a:r>
+            <a:r>
+              <a:rPr lang="de-DE" sz="1100" dirty="0">
+                <a:latin typeface="+mj-lt"/>
+              </a:rPr>
+              <a:t>-German Information Management </a:t>
+            </a:r>
+            <a:r>
+              <a:rPr lang="de-DE" sz="1100" dirty="0" err="1">
+                <a:latin typeface="+mj-lt"/>
+              </a:rPr>
+              <a:t>Perspective</a:t>
+            </a:r>
+            <a:r>
+              <a:rPr lang="de-DE" sz="1100" dirty="0">
+                <a:latin typeface="+mj-lt"/>
+              </a:rPr>
+              <a:t>. Methods </a:t>
+            </a:r>
+            <a:r>
+              <a:rPr lang="de-DE" sz="1100" dirty="0" err="1">
+                <a:latin typeface="+mj-lt"/>
+              </a:rPr>
+              <a:t>of</a:t>
+            </a:r>
+            <a:r>
+              <a:rPr lang="de-DE" sz="1100" dirty="0">
+                <a:latin typeface="+mj-lt"/>
+              </a:rPr>
+              <a:t> </a:t>
+            </a:r>
+            <a:r>
+              <a:rPr lang="de-DE" sz="1100" dirty="0" err="1">
+                <a:latin typeface="+mj-lt"/>
+              </a:rPr>
+              <a:t>information</a:t>
+            </a:r>
+            <a:r>
+              <a:rPr lang="de-DE" sz="1100" dirty="0">
+                <a:latin typeface="+mj-lt"/>
+              </a:rPr>
+              <a:t> 	in </a:t>
+            </a:r>
+            <a:r>
+              <a:rPr lang="de-DE" sz="1100" dirty="0" err="1">
+                <a:latin typeface="+mj-lt"/>
+              </a:rPr>
+              <a:t>medicine</a:t>
+            </a:r>
+            <a:r>
+              <a:rPr lang="de-DE" sz="1100" dirty="0">
+                <a:latin typeface="+mj-lt"/>
+              </a:rPr>
+              <a:t>, 56(7), e92–e104. </a:t>
+            </a:r>
+            <a:r>
+              <a:rPr lang="de-DE" sz="1100" dirty="0">
+                <a:solidFill>
+                  <a:srgbClr val="AE0000"/>
+                </a:solidFill>
+                <a:latin typeface="+mj-lt"/>
+                <a:hlinkClick r:id="rId6">
+                  <a:extLst>
+                    <a:ext uri="{A12FA001-AC4F-418D-AE19-62706E023703}">
+                      <ahyp:hlinkClr xmlns:ahyp="http://schemas.microsoft.com/office/drawing/2018/hyperlinkcolor" val="tx"/>
+                    </a:ext>
+                  </a:extLst>
+                </a:hlinkClick>
+              </a:rPr>
+              <a:t>https://doi.org/10.3414/ME17-05-0002</a:t>
+            </a:r>
+            <a:endParaRPr lang="de-DE" sz="1100" dirty="0">
+              <a:solidFill>
+                <a:srgbClr val="AE0000"/>
+              </a:solidFill>
+              <a:latin typeface="+mj-lt"/>
+            </a:endParaRPr>
+          </a:p>
+          <a:p>
+            <a:endParaRPr lang="de-DE" sz="1100" dirty="0">
+              <a:latin typeface="+mj-lt"/>
+            </a:endParaRPr>
+          </a:p>
+        </p:txBody>
+      </p:sp>
+      <p:sp>
+        <p:nvSpPr>
+          <p:cNvPr id="4" name="Foliennummernplatzhalter 3">
+            <a:extLst>
+              <a:ext uri="{FF2B5EF4-FFF2-40B4-BE49-F238E27FC236}">
+                <a16:creationId xmlns:a16="http://schemas.microsoft.com/office/drawing/2014/main" id="{C350ED56-727F-CE48-B94D-DCEFECE1ADF8}"/>
+              </a:ext>
+            </a:extLst>
+          </p:cNvPr>
+          <p:cNvSpPr>
+            <a:spLocks noGrp="1"/>
+          </p:cNvSpPr>
+          <p:nvPr>
+            <p:ph type="sldNum" sz="quarter" idx="4"/>
+          </p:nvPr>
+        </p:nvSpPr>
+        <p:spPr/>
+        <p:txBody>
+          <a:bodyPr/>
+          <a:lstStyle/>
+          <a:p>
+            <a:pPr>
+              <a:defRPr/>
+            </a:pPr>
+            <a:fld id="{AFCF9BA9-AB08-46E1-A235-3AC71B2FE2C1}" type="slidenum">
+              <a:rPr lang="de-DE" altLang="de-DE" sz="1000" smtClean="0">
+                <a:solidFill>
+                  <a:srgbClr val="D8413E"/>
+                </a:solidFill>
+                <a:latin typeface="Arial" panose="020B0604020202020204" pitchFamily="34" charset="0"/>
+                <a:cs typeface="Arial" panose="020B0604020202020204" pitchFamily="34" charset="0"/>
+              </a:rPr>
+              <a:pPr>
+                <a:defRPr/>
+              </a:pPr>
+              <a:t>10</a:t>
+            </a:fld>
+            <a:endParaRPr lang="de-DE" altLang="de-DE" sz="1000" dirty="0">
+              <a:solidFill>
+                <a:srgbClr val="D8413E"/>
+              </a:solidFill>
+              <a:latin typeface="Arial" panose="020B0604020202020204" pitchFamily="34" charset="0"/>
+              <a:cs typeface="Arial" panose="020B0604020202020204" pitchFamily="34" charset="0"/>
+            </a:endParaRPr>
+          </a:p>
+        </p:txBody>
+      </p:sp>
+    </p:spTree>
+    <p:extLst>
+      <p:ext uri="{BB962C8B-B14F-4D97-AF65-F5344CB8AC3E}">
+        <p14:creationId xmlns:p14="http://schemas.microsoft.com/office/powerpoint/2010/main" val="1875078228"/>
+      </p:ext>
+    </p:extLst>
+  </p:cSld>
+  <p:clrMapOvr>
+    <a:masterClrMapping/>
+  </p:clrMapOvr>
+  <mc:AlternateContent xmlns:mc="http://schemas.openxmlformats.org/markup-compatibility/2006" xmlns:p14="http://schemas.microsoft.com/office/powerpoint/2010/main">
+    <mc:Choice Requires="p14">
+      <p:transition p14:dur="250">
+        <p:fade/>
+      </p:transition>
+    </mc:Choice>
+    <mc:Fallback xmlns="">
+      <p:transition>
+        <p:fade/>
+      </p:transition>
+    </mc:Fallback>
+  </mc:AlternateContent>
+</p:sld>
+</file>
+
+<file path=ppt/slides/slide11.xml><?xml version="1.0" encoding="utf-8"?>
+<p:sld xmlns:a="http://schemas.openxmlformats.org/drawingml/2006/main" xmlns:r="http://schemas.openxmlformats.org/officeDocument/2006/relationships" xmlns:p="http://schemas.openxmlformats.org/presentationml/2006/main">
+  <p:cSld>
+    <p:spTree>
+      <p:nvGrpSpPr>
+        <p:cNvPr id="1" name=""/>
+        <p:cNvGrpSpPr/>
+        <p:nvPr/>
+      </p:nvGrpSpPr>
+      <p:grpSpPr>
+        <a:xfrm>
+          <a:off x="0" y="0"/>
+          <a:ext cx="0" cy="0"/>
+          <a:chOff x="0" y="0"/>
+          <a:chExt cx="0" cy="0"/>
+        </a:xfrm>
+      </p:grpSpPr>
+      <p:sp>
+        <p:nvSpPr>
           <p:cNvPr id="2" name="Titel 1"/>
           <p:cNvSpPr>
             <a:spLocks noGrp="1"/>
@@ -13411,7 +20032,7 @@
             </a:pPr>
             <a:r>
               <a:rPr lang="de-DE" dirty="0"/>
-              <a:t>Überlegungen zur Modellierung</a:t>
+              <a:t>Modelle und Diagramme</a:t>
             </a:r>
           </a:p>
           <a:p>
@@ -13494,106 +20115,21 @@
             <p:ph type="title"/>
           </p:nvPr>
         </p:nvSpPr>
-        <p:spPr/>
+        <p:spPr>
+          <a:xfrm>
+            <a:off x="457200" y="304797"/>
+            <a:ext cx="8229600" cy="758827"/>
+          </a:xfrm>
+        </p:spPr>
         <p:txBody>
-          <a:bodyPr/>
+          <a:bodyPr anchor="b">
+            <a:normAutofit/>
+          </a:bodyPr>
           <a:lstStyle/>
           <a:p>
             <a:r>
               <a:rPr lang="de-DE" dirty="0"/>
               <a:t>1. Wiederholung der Ziele</a:t>
-            </a:r>
-          </a:p>
-        </p:txBody>
-      </p:sp>
-      <p:sp>
-        <p:nvSpPr>
-          <p:cNvPr id="3" name="Inhaltsplatzhalter 2">
-            <a:extLst>
-              <a:ext uri="{FF2B5EF4-FFF2-40B4-BE49-F238E27FC236}">
-                <a16:creationId xmlns:a16="http://schemas.microsoft.com/office/drawing/2014/main" id="{1508104B-4285-C9AE-9710-E93306FCB9DC}"/>
-              </a:ext>
-            </a:extLst>
-          </p:cNvPr>
-          <p:cNvSpPr>
-            <a:spLocks noGrp="1"/>
-          </p:cNvSpPr>
-          <p:nvPr>
-            <p:ph idx="1"/>
-          </p:nvPr>
-        </p:nvSpPr>
-        <p:spPr/>
-        <p:txBody>
-          <a:bodyPr/>
-          <a:lstStyle/>
-          <a:p>
-            <a:r>
-              <a:rPr lang="de-DE" b="1" dirty="0"/>
-              <a:t>Ziel 1: </a:t>
-            </a:r>
-            <a:r>
-              <a:rPr lang="de-DE" dirty="0"/>
-              <a:t>Systemanalyse und –bewertung des Leipziger Dokumentationssystems zur medizinischen Dokumentation bei Wohnungslosen</a:t>
-            </a:r>
-          </a:p>
-          <a:p>
-            <a:pPr lvl="1">
-              <a:buFont typeface="Wingdings" panose="05000000000000000000" pitchFamily="2" charset="2"/>
-              <a:buChar char="Ø"/>
-            </a:pPr>
-            <a:r>
-              <a:rPr lang="de-DE" dirty="0"/>
-              <a:t>Informationsbeschaffung über das Leipziger System</a:t>
-            </a:r>
-          </a:p>
-          <a:p>
-            <a:pPr lvl="1">
-              <a:buFont typeface="Wingdings" panose="05000000000000000000" pitchFamily="2" charset="2"/>
-              <a:buChar char="Ø"/>
-            </a:pPr>
-            <a:r>
-              <a:rPr lang="de-DE" dirty="0"/>
-              <a:t>Gegenüberstellung der Stärken und Schwächen</a:t>
-            </a:r>
-          </a:p>
-          <a:p>
-            <a:pPr lvl="1">
-              <a:buFont typeface="Wingdings" panose="05000000000000000000" pitchFamily="2" charset="2"/>
-              <a:buChar char="Ø"/>
-            </a:pPr>
-            <a:r>
-              <a:rPr lang="de-DE" dirty="0"/>
-              <a:t>Vorschläge zur Verbesserung</a:t>
-            </a:r>
-          </a:p>
-          <a:p>
-            <a:r>
-              <a:rPr lang="de-DE" b="1" dirty="0"/>
-              <a:t>Ziel 2: </a:t>
-            </a:r>
-            <a:r>
-              <a:rPr lang="de-DE" dirty="0"/>
-              <a:t>Gegenüberstellung des Leipziger Systems mit bestehenden Ansätzen</a:t>
-            </a:r>
-          </a:p>
-          <a:p>
-            <a:pPr lvl="1">
-              <a:buFont typeface="Wingdings" panose="05000000000000000000" pitchFamily="2" charset="2"/>
-              <a:buChar char="Ø"/>
-            </a:pPr>
-            <a:r>
-              <a:rPr lang="de-DE" dirty="0"/>
-              <a:t>Literaturrecherche</a:t>
-            </a:r>
-          </a:p>
-          <a:p>
-            <a:pPr lvl="1">
-              <a:buFont typeface="Wingdings" panose="05000000000000000000" pitchFamily="2" charset="2"/>
-              <a:buChar char="Ø"/>
-            </a:pPr>
-            <a:r>
-              <a:rPr lang="de-DE" dirty="0"/>
-              <a:t>Vergleich mit Leipziger System sowie Diskussion über Praktikabilität</a:t>
             </a:r>
           </a:p>
         </p:txBody>
@@ -13614,12 +20150,22 @@
             <p:ph type="sldNum" sz="quarter" idx="4"/>
           </p:nvPr>
         </p:nvSpPr>
-        <p:spPr/>
+        <p:spPr>
+          <a:xfrm>
+            <a:off x="7948613" y="4879075"/>
+            <a:ext cx="742950" cy="204716"/>
+          </a:xfrm>
+        </p:spPr>
         <p:txBody>
-          <a:bodyPr/>
+          <a:bodyPr anchor="t">
+            <a:normAutofit/>
+          </a:bodyPr>
           <a:lstStyle/>
           <a:p>
             <a:pPr>
+              <a:spcAft>
+                <a:spcPts val="600"/>
+              </a:spcAft>
               <a:defRPr/>
             </a:pPr>
             <a:fld id="{AFCF9BA9-AB08-46E1-A235-3AC71B2FE2C1}" type="slidenum">
@@ -13627,24 +20173,54 @@
                 <a:solidFill>
                   <a:srgbClr val="D8413E"/>
                 </a:solidFill>
-                <a:latin typeface="Arial" panose="020B0604020202020204" pitchFamily="34" charset="0"/>
-                <a:cs typeface="Arial" panose="020B0604020202020204" pitchFamily="34" charset="0"/>
               </a:rPr>
               <a:pPr>
+                <a:spcAft>
+                  <a:spcPts val="600"/>
+                </a:spcAft>
                 <a:defRPr/>
               </a:pPr>
               <a:t>3</a:t>
             </a:fld>
-            <a:endParaRPr lang="de-DE" altLang="de-DE" sz="1000" dirty="0">
+            <a:endParaRPr lang="de-DE" altLang="de-DE" sz="1000">
               <a:solidFill>
                 <a:srgbClr val="D8413E"/>
               </a:solidFill>
-              <a:latin typeface="Arial" panose="020B0604020202020204" pitchFamily="34" charset="0"/>
-              <a:cs typeface="Arial" panose="020B0604020202020204" pitchFamily="34" charset="0"/>
             </a:endParaRPr>
           </a:p>
         </p:txBody>
       </p:sp>
+      <p:graphicFrame>
+        <p:nvGraphicFramePr>
+          <p:cNvPr id="6" name="Inhaltsplatzhalter 2">
+            <a:extLst>
+              <a:ext uri="{FF2B5EF4-FFF2-40B4-BE49-F238E27FC236}">
+                <a16:creationId xmlns:a16="http://schemas.microsoft.com/office/drawing/2014/main" id="{8CF91840-BAD8-B361-061A-F5DBF5901F63}"/>
+              </a:ext>
+            </a:extLst>
+          </p:cNvPr>
+          <p:cNvGraphicFramePr>
+            <a:graphicFrameLocks noGrp="1"/>
+          </p:cNvGraphicFramePr>
+          <p:nvPr>
+            <p:ph type="chart" sz="quarter" idx="16"/>
+            <p:extLst>
+              <p:ext uri="{D42A27DB-BD31-4B8C-83A1-F6EECF244321}">
+                <p14:modId xmlns:p14="http://schemas.microsoft.com/office/powerpoint/2010/main" val="1608482337"/>
+              </p:ext>
+            </p:extLst>
+          </p:nvPr>
+        </p:nvGraphicFramePr>
+        <p:xfrm>
+          <a:off x="457200" y="1229028"/>
+          <a:ext cx="8229600" cy="3061228"/>
+        </p:xfrm>
+        <a:graphic>
+          <a:graphicData uri="http://schemas.openxmlformats.org/drawingml/2006/diagram">
+            <dgm:relIds xmlns:dgm="http://schemas.openxmlformats.org/drawingml/2006/diagram" xmlns:r="http://schemas.openxmlformats.org/officeDocument/2006/relationships" r:dm="rId2" r:lo="rId3" r:qs="rId4" r:cs="rId5"/>
+          </a:graphicData>
+        </a:graphic>
+      </p:graphicFrame>
     </p:spTree>
     <p:extLst>
       <p:ext uri="{BB962C8B-B14F-4D97-AF65-F5344CB8AC3E}">
@@ -13689,177 +20265,10 @@
       </p:grpSpPr>
       <p:sp>
         <p:nvSpPr>
-          <p:cNvPr id="2" name="Titel 1">
-            <a:extLst>
-              <a:ext uri="{FF2B5EF4-FFF2-40B4-BE49-F238E27FC236}">
-                <a16:creationId xmlns:a16="http://schemas.microsoft.com/office/drawing/2014/main" id="{72FEE536-8460-4341-1982-8F34313F8075}"/>
-              </a:ext>
-            </a:extLst>
-          </p:cNvPr>
-          <p:cNvSpPr>
-            <a:spLocks noGrp="1"/>
-          </p:cNvSpPr>
-          <p:nvPr>
-            <p:ph type="title"/>
-          </p:nvPr>
-        </p:nvSpPr>
-        <p:spPr/>
-        <p:txBody>
-          <a:bodyPr/>
-          <a:lstStyle/>
-          <a:p>
-            <a:r>
-              <a:rPr lang="de-DE" dirty="0"/>
-              <a:t>2. Literaturrecherche</a:t>
-            </a:r>
-          </a:p>
-        </p:txBody>
-      </p:sp>
-      <p:sp>
-        <p:nvSpPr>
-          <p:cNvPr id="3" name="Inhaltsplatzhalter 2">
-            <a:extLst>
-              <a:ext uri="{FF2B5EF4-FFF2-40B4-BE49-F238E27FC236}">
-                <a16:creationId xmlns:a16="http://schemas.microsoft.com/office/drawing/2014/main" id="{1508104B-4285-C9AE-9710-E93306FCB9DC}"/>
-              </a:ext>
-            </a:extLst>
-          </p:cNvPr>
-          <p:cNvSpPr>
-            <a:spLocks noGrp="1"/>
-          </p:cNvSpPr>
-          <p:nvPr>
-            <p:ph idx="1"/>
-          </p:nvPr>
-        </p:nvSpPr>
-        <p:spPr>
-          <a:xfrm>
-            <a:off x="457200" y="1223492"/>
-            <a:ext cx="8324987" cy="3379199"/>
-          </a:xfrm>
-        </p:spPr>
-        <p:txBody>
-          <a:bodyPr/>
-          <a:lstStyle/>
-          <a:p>
-            <a:r>
-              <a:rPr lang="de-DE" dirty="0"/>
-              <a:t>Nutzung von Websuchmaschinen und Literaturdatenbanken wie z.B. </a:t>
-            </a:r>
-            <a:r>
-              <a:rPr lang="de-DE" dirty="0" err="1"/>
-              <a:t>PubMed</a:t>
-            </a:r>
-            <a:endParaRPr lang="de-DE" dirty="0"/>
-          </a:p>
-          <a:p>
-            <a:pPr lvl="1"/>
-            <a:r>
-              <a:rPr lang="de-DE" dirty="0"/>
-              <a:t>Schlagwörter:</a:t>
-            </a:r>
-          </a:p>
-          <a:p>
-            <a:pPr lvl="2"/>
-            <a:r>
-              <a:rPr lang="de-DE" dirty="0"/>
-              <a:t>Wohnungs-, Obdachlose (engl. </a:t>
-            </a:r>
-            <a:r>
-              <a:rPr lang="de-DE" dirty="0" err="1"/>
-              <a:t>homelessness</a:t>
-            </a:r>
-            <a:r>
-              <a:rPr lang="de-DE" dirty="0"/>
-              <a:t>)</a:t>
-            </a:r>
-          </a:p>
-          <a:p>
-            <a:pPr lvl="2"/>
-            <a:r>
-              <a:rPr lang="de-DE" dirty="0"/>
-              <a:t>medizinische Dokumentation (engl. </a:t>
-            </a:r>
-            <a:r>
-              <a:rPr lang="de-DE" dirty="0" err="1"/>
-              <a:t>medical</a:t>
-            </a:r>
-            <a:r>
-              <a:rPr lang="de-DE" dirty="0"/>
-              <a:t> </a:t>
-            </a:r>
-            <a:r>
-              <a:rPr lang="de-DE" dirty="0" err="1"/>
-              <a:t>documentation</a:t>
-            </a:r>
-            <a:r>
-              <a:rPr lang="de-DE" dirty="0"/>
-              <a:t>)</a:t>
-            </a:r>
-          </a:p>
-          <a:p>
-            <a:pPr lvl="2"/>
-            <a:r>
-              <a:rPr lang="de-DE" dirty="0"/>
-              <a:t>elektronische Patientenakte (engl. electronic </a:t>
-            </a:r>
-            <a:r>
-              <a:rPr lang="de-DE" dirty="0" err="1"/>
-              <a:t>medical</a:t>
-            </a:r>
-            <a:r>
-              <a:rPr lang="de-DE" dirty="0"/>
-              <a:t> </a:t>
-            </a:r>
-            <a:r>
-              <a:rPr lang="de-DE" dirty="0" err="1"/>
-              <a:t>record</a:t>
-            </a:r>
-            <a:r>
-              <a:rPr lang="de-DE" dirty="0"/>
-              <a:t>)</a:t>
-            </a:r>
-          </a:p>
-          <a:p>
-            <a:pPr lvl="2"/>
-            <a:r>
-              <a:rPr lang="de-DE" dirty="0"/>
-              <a:t>Hilfsangebote, Wohnungslosenhilfe in Leipzig</a:t>
-            </a:r>
-          </a:p>
-          <a:p>
-            <a:pPr lvl="2"/>
-            <a:r>
-              <a:rPr lang="de-DE" dirty="0"/>
-              <a:t>Umgang mit vulnerablen Gruppen</a:t>
-            </a:r>
-          </a:p>
-          <a:p>
-            <a:pPr lvl="2"/>
-            <a:r>
-              <a:rPr lang="de-DE" dirty="0"/>
-              <a:t>Ansätze, Strategien, Interventionen</a:t>
-            </a:r>
-          </a:p>
-          <a:p>
-            <a:r>
-              <a:rPr lang="de-DE" dirty="0"/>
-              <a:t>per Schneeballverfahren</a:t>
-            </a:r>
-          </a:p>
-          <a:p>
-            <a:r>
-              <a:rPr lang="de-DE" dirty="0"/>
-              <a:t>über Webseiten der Hilfsorganisationen</a:t>
-            </a:r>
-          </a:p>
-        </p:txBody>
-      </p:sp>
-      <p:sp>
-        <p:nvSpPr>
           <p:cNvPr id="4" name="Foliennummernplatzhalter 3">
             <a:extLst>
               <a:ext uri="{FF2B5EF4-FFF2-40B4-BE49-F238E27FC236}">
-                <a16:creationId xmlns:a16="http://schemas.microsoft.com/office/drawing/2014/main" id="{C350ED56-727F-CE48-B94D-DCEFECE1ADF8}"/>
+                <a16:creationId xmlns:a16="http://schemas.microsoft.com/office/drawing/2014/main" id="{505A2082-121F-121B-C72C-FCA48D83AAB2}"/>
               </a:ext>
             </a:extLst>
           </p:cNvPr>
@@ -13870,12 +20279,22 @@
             <p:ph type="sldNum" sz="quarter" idx="4"/>
           </p:nvPr>
         </p:nvSpPr>
-        <p:spPr/>
+        <p:spPr>
+          <a:xfrm>
+            <a:off x="7948613" y="4879075"/>
+            <a:ext cx="742950" cy="204716"/>
+          </a:xfrm>
+        </p:spPr>
         <p:txBody>
-          <a:bodyPr/>
+          <a:bodyPr anchor="t">
+            <a:normAutofit/>
+          </a:bodyPr>
           <a:lstStyle/>
           <a:p>
             <a:pPr>
+              <a:spcAft>
+                <a:spcPts val="600"/>
+              </a:spcAft>
               <a:defRPr/>
             </a:pPr>
             <a:fld id="{AFCF9BA9-AB08-46E1-A235-3AC71B2FE2C1}" type="slidenum">
@@ -13883,28 +20302,58 @@
                 <a:solidFill>
                   <a:srgbClr val="D8413E"/>
                 </a:solidFill>
-                <a:latin typeface="Arial" panose="020B0604020202020204" pitchFamily="34" charset="0"/>
-                <a:cs typeface="Arial" panose="020B0604020202020204" pitchFamily="34" charset="0"/>
               </a:rPr>
               <a:pPr>
+                <a:spcAft>
+                  <a:spcPts val="600"/>
+                </a:spcAft>
                 <a:defRPr/>
               </a:pPr>
               <a:t>4</a:t>
             </a:fld>
-            <a:endParaRPr lang="de-DE" altLang="de-DE" sz="1000" dirty="0">
+            <a:endParaRPr lang="de-DE" altLang="de-DE" sz="1000">
               <a:solidFill>
                 <a:srgbClr val="D8413E"/>
               </a:solidFill>
-              <a:latin typeface="Arial" panose="020B0604020202020204" pitchFamily="34" charset="0"/>
-              <a:cs typeface="Arial" panose="020B0604020202020204" pitchFamily="34" charset="0"/>
             </a:endParaRPr>
           </a:p>
         </p:txBody>
       </p:sp>
+      <p:graphicFrame>
+        <p:nvGraphicFramePr>
+          <p:cNvPr id="9" name="Inhaltsplatzhalter 2">
+            <a:extLst>
+              <a:ext uri="{FF2B5EF4-FFF2-40B4-BE49-F238E27FC236}">
+                <a16:creationId xmlns:a16="http://schemas.microsoft.com/office/drawing/2014/main" id="{3CE2BAA0-DFB3-758F-5D16-E677EA666BF9}"/>
+              </a:ext>
+            </a:extLst>
+          </p:cNvPr>
+          <p:cNvGraphicFramePr>
+            <a:graphicFrameLocks noGrp="1"/>
+          </p:cNvGraphicFramePr>
+          <p:nvPr>
+            <p:ph idx="1"/>
+            <p:extLst>
+              <p:ext uri="{D42A27DB-BD31-4B8C-83A1-F6EECF244321}">
+                <p14:modId xmlns:p14="http://schemas.microsoft.com/office/powerpoint/2010/main" val="3072416316"/>
+              </p:ext>
+            </p:extLst>
+          </p:nvPr>
+        </p:nvGraphicFramePr>
+        <p:xfrm>
+          <a:off x="457200" y="882150"/>
+          <a:ext cx="8234363" cy="3379199"/>
+        </p:xfrm>
+        <a:graphic>
+          <a:graphicData uri="http://schemas.openxmlformats.org/drawingml/2006/diagram">
+            <dgm:relIds xmlns:dgm="http://schemas.openxmlformats.org/drawingml/2006/diagram" xmlns:r="http://schemas.openxmlformats.org/officeDocument/2006/relationships" r:dm="rId2" r:lo="rId3" r:qs="rId4" r:cs="rId5"/>
+          </a:graphicData>
+        </a:graphic>
+      </p:graphicFrame>
     </p:spTree>
     <p:extLst>
       <p:ext uri="{BB962C8B-B14F-4D97-AF65-F5344CB8AC3E}">
-        <p14:creationId xmlns:p14="http://schemas.microsoft.com/office/powerpoint/2010/main" val="1900544432"/>
+        <p14:creationId xmlns:p14="http://schemas.microsoft.com/office/powerpoint/2010/main" val="4255604413"/>
       </p:ext>
     </p:extLst>
   </p:cSld>
@@ -13945,10 +20394,38 @@
       </p:grpSpPr>
       <p:sp>
         <p:nvSpPr>
-          <p:cNvPr id="5" name="Inhaltsplatzhalter 4">
+          <p:cNvPr id="2" name="Titel 1">
             <a:extLst>
               <a:ext uri="{FF2B5EF4-FFF2-40B4-BE49-F238E27FC236}">
-                <a16:creationId xmlns:a16="http://schemas.microsoft.com/office/drawing/2014/main" id="{E76406A5-901C-0B45-1E1D-46134A2C0F6D}"/>
+                <a16:creationId xmlns:a16="http://schemas.microsoft.com/office/drawing/2014/main" id="{72FEE536-8460-4341-1982-8F34313F8075}"/>
+              </a:ext>
+            </a:extLst>
+          </p:cNvPr>
+          <p:cNvSpPr>
+            <a:spLocks noGrp="1"/>
+          </p:cNvSpPr>
+          <p:nvPr>
+            <p:ph type="title"/>
+          </p:nvPr>
+        </p:nvSpPr>
+        <p:spPr/>
+        <p:txBody>
+          <a:bodyPr/>
+          <a:lstStyle/>
+          <a:p>
+            <a:r>
+              <a:rPr lang="de-DE" dirty="0"/>
+              <a:t>2. Literaturrecherche</a:t>
+            </a:r>
+          </a:p>
+        </p:txBody>
+      </p:sp>
+      <p:sp>
+        <p:nvSpPr>
+          <p:cNvPr id="3" name="Inhaltsplatzhalter 2">
+            <a:extLst>
+              <a:ext uri="{FF2B5EF4-FFF2-40B4-BE49-F238E27FC236}">
+                <a16:creationId xmlns:a16="http://schemas.microsoft.com/office/drawing/2014/main" id="{1508104B-4285-C9AE-9710-E93306FCB9DC}"/>
               </a:ext>
             </a:extLst>
           </p:cNvPr>
@@ -13959,108 +20436,143 @@
             <p:ph idx="1"/>
           </p:nvPr>
         </p:nvSpPr>
-        <p:spPr/>
+        <p:spPr>
+          <a:xfrm>
+            <a:off x="457200" y="1223492"/>
+            <a:ext cx="8324987" cy="3379199"/>
+          </a:xfrm>
+        </p:spPr>
         <p:txBody>
           <a:bodyPr/>
           <a:lstStyle/>
           <a:p>
             <a:r>
               <a:rPr lang="de-DE" dirty="0"/>
-              <a:t>Einzelinterviews in halbstrukturierter Form (Leitfadeninterviews)</a:t>
+              <a:t>Nutzung von Websuchmaschinen und Literaturdatenbanken</a:t>
             </a:r>
           </a:p>
           <a:p>
             <a:pPr lvl="1"/>
             <a:r>
               <a:rPr lang="de-DE" dirty="0"/>
-              <a:t>Fragebögen werden vorab zugesandt</a:t>
-            </a:r>
-          </a:p>
-          <a:p>
+              <a:t>Google bzw. Google Scholar, </a:t>
+            </a:r>
+            <a:r>
+              <a:rPr lang="de-DE" dirty="0" err="1"/>
+              <a:t>PubMed</a:t>
+            </a:r>
             <a:r>
               <a:rPr lang="de-DE" dirty="0"/>
-              <a:t>wenn möglich Befragung vor Ort</a:t>
-            </a:r>
-          </a:p>
-          <a:p>
-            <a:r>
-              <a:rPr lang="de-DE" dirty="0"/>
-              <a:t>sofern keine Einwände erfolgt Audioaufzeichnung des Gesprächs</a:t>
-            </a:r>
-          </a:p>
-          <a:p>
-            <a:r>
-              <a:rPr lang="de-DE" dirty="0"/>
-              <a:t>Erstellung von 4 Interviewleitfäden:</a:t>
+              <a:t>, Universitätsbibliothek</a:t>
             </a:r>
           </a:p>
           <a:p>
             <a:pPr lvl="1"/>
             <a:r>
               <a:rPr lang="de-DE" dirty="0"/>
-              <a:t>für Mitarbeiter von CABL</a:t>
+              <a:t>Schlagwörter:</a:t>
             </a:r>
           </a:p>
           <a:p>
-            <a:pPr lvl="1"/>
+            <a:pPr lvl="2"/>
             <a:r>
               <a:rPr lang="de-DE" dirty="0"/>
-              <a:t>für ehrenamtlich arbeitende </a:t>
+              <a:t>Wohnungs-, Obdachlose (engl. </a:t>
             </a:r>
             <a:r>
               <a:rPr lang="de-DE" dirty="0" err="1"/>
-              <a:t>Ärzt:innen</a:t>
-            </a:r>
-            <a:endParaRPr lang="de-DE" dirty="0"/>
+              <a:t>homelessness</a:t>
+            </a:r>
+            <a:r>
+              <a:rPr lang="de-DE" dirty="0"/>
+              <a:t>)</a:t>
+            </a:r>
           </a:p>
           <a:p>
-            <a:pPr lvl="1"/>
+            <a:pPr lvl="2"/>
             <a:r>
               <a:rPr lang="de-DE" dirty="0"/>
-              <a:t>für stationäre/ambulante Krankenhausversorgung</a:t>
+              <a:t>medizinische Dokumentation (engl. </a:t>
+            </a:r>
+            <a:r>
+              <a:rPr lang="de-DE" dirty="0" err="1"/>
+              <a:t>medical</a:t>
+            </a:r>
+            <a:r>
+              <a:rPr lang="de-DE" dirty="0"/>
+              <a:t> </a:t>
+            </a:r>
+            <a:r>
+              <a:rPr lang="de-DE" dirty="0" err="1"/>
+              <a:t>documentation</a:t>
+            </a:r>
+            <a:r>
+              <a:rPr lang="de-DE" dirty="0"/>
+              <a:t>)</a:t>
             </a:r>
           </a:p>
           <a:p>
-            <a:pPr lvl="1"/>
+            <a:pPr lvl="2"/>
             <a:r>
               <a:rPr lang="de-DE" dirty="0"/>
-              <a:t>für </a:t>
+              <a:t>elektr. Patienten- / Gesundheitsakte (engl. electronic </a:t>
             </a:r>
             <a:r>
               <a:rPr lang="de-DE" dirty="0" err="1"/>
-              <a:t>Sozialarbeiter:innen</a:t>
-            </a:r>
-            <a:endParaRPr lang="de-DE" dirty="0"/>
+              <a:t>medical</a:t>
+            </a:r>
+            <a:r>
+              <a:rPr lang="de-DE" dirty="0"/>
+              <a:t>/</a:t>
+            </a:r>
+            <a:r>
+              <a:rPr lang="de-DE" dirty="0" err="1"/>
+              <a:t>health</a:t>
+            </a:r>
+            <a:r>
+              <a:rPr lang="de-DE" dirty="0"/>
+              <a:t> </a:t>
+            </a:r>
+            <a:r>
+              <a:rPr lang="de-DE" dirty="0" err="1"/>
+              <a:t>record</a:t>
+            </a:r>
+            <a:r>
+              <a:rPr lang="de-DE" dirty="0"/>
+              <a:t>)</a:t>
+            </a:r>
           </a:p>
           <a:p>
-            <a:endParaRPr lang="de-DE" dirty="0"/>
+            <a:pPr lvl="2"/>
+            <a:r>
+              <a:rPr lang="de-DE" dirty="0"/>
+              <a:t>Hilfsangebote, Wohnungslosenhilfe in Leipzig</a:t>
+            </a:r>
           </a:p>
-        </p:txBody>
-      </p:sp>
-      <p:sp>
-        <p:nvSpPr>
-          <p:cNvPr id="6" name="Textplatzhalter 5">
-            <a:extLst>
-              <a:ext uri="{FF2B5EF4-FFF2-40B4-BE49-F238E27FC236}">
-                <a16:creationId xmlns:a16="http://schemas.microsoft.com/office/drawing/2014/main" id="{79E5FF9A-1352-4C44-AEC0-6A00C34862B7}"/>
-              </a:ext>
-            </a:extLst>
-          </p:cNvPr>
-          <p:cNvSpPr>
-            <a:spLocks noGrp="1"/>
-          </p:cNvSpPr>
-          <p:nvPr>
-            <p:ph type="body" sz="quarter" idx="13"/>
-          </p:nvPr>
-        </p:nvSpPr>
-        <p:spPr/>
-        <p:txBody>
-          <a:bodyPr/>
-          <a:lstStyle/>
           <a:p>
+            <a:pPr lvl="2"/>
             <a:r>
               <a:rPr lang="de-DE" dirty="0"/>
-              <a:t>a) Struktur</a:t>
+              <a:t>Umgang mit vulnerablen Gruppen</a:t>
+            </a:r>
+          </a:p>
+          <a:p>
+            <a:pPr lvl="2"/>
+            <a:r>
+              <a:rPr lang="de-DE" dirty="0"/>
+              <a:t>Ansätze, Strategien, Interventionen</a:t>
+            </a:r>
+          </a:p>
+          <a:p>
+            <a:r>
+              <a:rPr lang="de-DE" dirty="0"/>
+              <a:t>per Schneeballverfahren</a:t>
+            </a:r>
+          </a:p>
+          <a:p>
+            <a:r>
+              <a:rPr lang="de-DE" dirty="0"/>
+              <a:t>über Webseiten der Hilfsorganisationen</a:t>
             </a:r>
           </a:p>
         </p:txBody>
@@ -14112,43 +20624,10 @@
           </a:p>
         </p:txBody>
       </p:sp>
-      <p:sp>
-        <p:nvSpPr>
-          <p:cNvPr id="3" name="Titel 1">
-            <a:extLst>
-              <a:ext uri="{FF2B5EF4-FFF2-40B4-BE49-F238E27FC236}">
-                <a16:creationId xmlns:a16="http://schemas.microsoft.com/office/drawing/2014/main" id="{4896D384-1180-136C-82B2-C92DF45DF544}"/>
-              </a:ext>
-            </a:extLst>
-          </p:cNvPr>
-          <p:cNvSpPr>
-            <a:spLocks noGrp="1"/>
-          </p:cNvSpPr>
-          <p:nvPr>
-            <p:ph type="title"/>
-          </p:nvPr>
-        </p:nvSpPr>
-        <p:spPr>
-          <a:xfrm>
-            <a:off x="457200" y="304800"/>
-            <a:ext cx="8234363" cy="758825"/>
-          </a:xfrm>
-        </p:spPr>
-        <p:txBody>
-          <a:bodyPr/>
-          <a:lstStyle/>
-          <a:p>
-            <a:r>
-              <a:rPr lang="de-DE" dirty="0"/>
-              <a:t>3. Interviews</a:t>
-            </a:r>
-          </a:p>
-        </p:txBody>
-      </p:sp>
     </p:spTree>
     <p:extLst>
       <p:ext uri="{BB962C8B-B14F-4D97-AF65-F5344CB8AC3E}">
-        <p14:creationId xmlns:p14="http://schemas.microsoft.com/office/powerpoint/2010/main" val="396342638"/>
+        <p14:creationId xmlns:p14="http://schemas.microsoft.com/office/powerpoint/2010/main" val="1900544432"/>
       </p:ext>
     </p:extLst>
   </p:cSld>
@@ -14203,94 +20682,79 @@
             <p:ph idx="1"/>
           </p:nvPr>
         </p:nvSpPr>
-        <p:spPr>
-          <a:xfrm>
-            <a:off x="457200" y="934872"/>
-            <a:ext cx="8584442" cy="3667820"/>
-          </a:xfrm>
-        </p:spPr>
+        <p:spPr/>
         <p:txBody>
           <a:bodyPr/>
           <a:lstStyle/>
           <a:p>
             <a:r>
               <a:rPr lang="de-DE" dirty="0"/>
-              <a:t>Stephan Bialas			</a:t>
-            </a:r>
-            <a:r>
-              <a:rPr lang="de-DE" dirty="0">
-                <a:sym typeface="Wingdings" panose="05000000000000000000" pitchFamily="2" charset="2"/>
-              </a:rPr>
-              <a:t> Facharzt für Psychiatrie und Psychotherapie</a:t>
+              <a:t>Einzelinterviews in halbstrukturierter Form (Leitfadeninterviews)</a:t>
+            </a:r>
+          </a:p>
+          <a:p>
+            <a:r>
+              <a:rPr lang="de-DE" dirty="0"/>
+              <a:t>wenn möglich Befragung vor Ort</a:t>
+            </a:r>
+          </a:p>
+          <a:p>
+            <a:r>
+              <a:rPr lang="de-DE" dirty="0"/>
+              <a:t>sofern keine Einwände erfolgt Audioaufzeichnung des Gesprächs</a:t>
+            </a:r>
+          </a:p>
+          <a:p>
+            <a:r>
+              <a:rPr lang="de-DE" dirty="0"/>
+              <a:t>Fragebögen werden vorab zugesandt</a:t>
+            </a:r>
+          </a:p>
+          <a:p>
+            <a:r>
+              <a:rPr lang="de-DE" dirty="0"/>
+              <a:t>Erstellung von 4 Interviewleitfäden:</a:t>
+            </a:r>
+          </a:p>
+          <a:p>
+            <a:pPr lvl="1"/>
+            <a:r>
+              <a:rPr lang="de-DE" dirty="0"/>
+              <a:t>für Mitarbeiter von CABL</a:t>
+            </a:r>
+          </a:p>
+          <a:p>
+            <a:pPr lvl="1"/>
+            <a:r>
+              <a:rPr lang="de-DE" dirty="0"/>
+              <a:t>für ehrenamtlich arbeitende </a:t>
+            </a:r>
+            <a:r>
+              <a:rPr lang="de-DE" dirty="0" err="1"/>
+              <a:t>Ärzt:innen</a:t>
             </a:r>
             <a:endParaRPr lang="de-DE" dirty="0"/>
           </a:p>
           <a:p>
+            <a:pPr lvl="1"/>
             <a:r>
               <a:rPr lang="de-DE" dirty="0"/>
-              <a:t>Gerda Matzel			</a:t>
-            </a:r>
-            <a:r>
-              <a:rPr lang="de-DE" dirty="0">
-                <a:sym typeface="Wingdings" panose="05000000000000000000" pitchFamily="2" charset="2"/>
-              </a:rPr>
-              <a:t> Fachärztin für Innere Medizin u.a.</a:t>
+              <a:t>für stationäre/ambulante Krankenhausversorgung</a:t>
+            </a:r>
+          </a:p>
+          <a:p>
+            <a:pPr lvl="1"/>
+            <a:r>
+              <a:rPr lang="de-DE" dirty="0"/>
+              <a:t>für </a:t>
+            </a:r>
+            <a:r>
+              <a:rPr lang="de-DE" dirty="0" err="1"/>
+              <a:t>Sozialarbeiter:innen</a:t>
             </a:r>
             <a:endParaRPr lang="de-DE" dirty="0"/>
           </a:p>
           <a:p>
-            <a:r>
-              <a:rPr lang="de-DE" dirty="0"/>
-              <a:t>Malika </a:t>
-            </a:r>
-            <a:r>
-              <a:rPr lang="de-DE" dirty="0" err="1"/>
-              <a:t>Autorkhanova</a:t>
-            </a:r>
-            <a:r>
-              <a:rPr lang="de-DE" dirty="0"/>
-              <a:t>	</a:t>
-            </a:r>
-            <a:r>
-              <a:rPr lang="de-DE" dirty="0">
-                <a:sym typeface="Wingdings" panose="05000000000000000000" pitchFamily="2" charset="2"/>
-              </a:rPr>
-              <a:t> CABL, Projektkoordinatorin UVO</a:t>
-            </a:r>
-            <a:endParaRPr lang="de-DE" dirty="0"/>
-          </a:p>
-          <a:p>
-            <a:r>
-              <a:rPr lang="de-DE" dirty="0"/>
-              <a:t>PD Dr. Sven </a:t>
-            </a:r>
-            <a:r>
-              <a:rPr lang="de-DE" dirty="0" err="1"/>
-              <a:t>Speerforck</a:t>
-            </a:r>
-            <a:r>
-              <a:rPr lang="de-DE" dirty="0"/>
-              <a:t>	</a:t>
-            </a:r>
-            <a:r>
-              <a:rPr lang="de-DE" dirty="0">
-                <a:sym typeface="Wingdings" panose="05000000000000000000" pitchFamily="2" charset="2"/>
-              </a:rPr>
-              <a:t> Oberarzt in Klinik für Psychiatrie und Psychotherapie</a:t>
-            </a:r>
-            <a:endParaRPr lang="de-DE" dirty="0"/>
-          </a:p>
-          <a:p>
-            <a:r>
-              <a:rPr lang="de-DE" dirty="0"/>
-              <a:t>Tino Neufert			</a:t>
-            </a:r>
-            <a:r>
-              <a:rPr lang="de-DE" dirty="0">
-                <a:sym typeface="Wingdings" panose="05000000000000000000" pitchFamily="2" charset="2"/>
-              </a:rPr>
-              <a:t> Projektleiter von SAFE</a:t>
-            </a:r>
             <a:endParaRPr lang="de-DE" dirty="0"/>
           </a:p>
         </p:txBody>
@@ -14311,19 +20775,14 @@
             <p:ph type="body" sz="quarter" idx="13"/>
           </p:nvPr>
         </p:nvSpPr>
-        <p:spPr>
-          <a:xfrm>
-            <a:off x="460862" y="492994"/>
-            <a:ext cx="8234363" cy="377740"/>
-          </a:xfrm>
-        </p:spPr>
+        <p:spPr/>
         <p:txBody>
           <a:bodyPr/>
           <a:lstStyle/>
           <a:p>
             <a:r>
               <a:rPr lang="de-DE" dirty="0"/>
-              <a:t>b) Kontaktpersonen</a:t>
+              <a:t>a) Struktur</a:t>
             </a:r>
           </a:p>
         </p:txBody>
@@ -14364,6 +20823,269 @@
                 <a:defRPr/>
               </a:pPr>
               <a:t>6</a:t>
+            </a:fld>
+            <a:endParaRPr lang="de-DE" altLang="de-DE" sz="1000" dirty="0">
+              <a:solidFill>
+                <a:srgbClr val="D8413E"/>
+              </a:solidFill>
+              <a:latin typeface="Arial" panose="020B0604020202020204" pitchFamily="34" charset="0"/>
+              <a:cs typeface="Arial" panose="020B0604020202020204" pitchFamily="34" charset="0"/>
+            </a:endParaRPr>
+          </a:p>
+        </p:txBody>
+      </p:sp>
+      <p:sp>
+        <p:nvSpPr>
+          <p:cNvPr id="3" name="Titel 1">
+            <a:extLst>
+              <a:ext uri="{FF2B5EF4-FFF2-40B4-BE49-F238E27FC236}">
+                <a16:creationId xmlns:a16="http://schemas.microsoft.com/office/drawing/2014/main" id="{4896D384-1180-136C-82B2-C92DF45DF544}"/>
+              </a:ext>
+            </a:extLst>
+          </p:cNvPr>
+          <p:cNvSpPr>
+            <a:spLocks noGrp="1"/>
+          </p:cNvSpPr>
+          <p:nvPr>
+            <p:ph type="title"/>
+          </p:nvPr>
+        </p:nvSpPr>
+        <p:spPr>
+          <a:xfrm>
+            <a:off x="457200" y="304800"/>
+            <a:ext cx="8234363" cy="758825"/>
+          </a:xfrm>
+        </p:spPr>
+        <p:txBody>
+          <a:bodyPr/>
+          <a:lstStyle/>
+          <a:p>
+            <a:r>
+              <a:rPr lang="de-DE" dirty="0"/>
+              <a:t>3. Interviews</a:t>
+            </a:r>
+          </a:p>
+        </p:txBody>
+      </p:sp>
+    </p:spTree>
+    <p:extLst>
+      <p:ext uri="{BB962C8B-B14F-4D97-AF65-F5344CB8AC3E}">
+        <p14:creationId xmlns:p14="http://schemas.microsoft.com/office/powerpoint/2010/main" val="396342638"/>
+      </p:ext>
+    </p:extLst>
+  </p:cSld>
+  <p:clrMapOvr>
+    <a:masterClrMapping/>
+  </p:clrMapOvr>
+  <mc:AlternateContent xmlns:mc="http://schemas.openxmlformats.org/markup-compatibility/2006" xmlns:p14="http://schemas.microsoft.com/office/powerpoint/2010/main">
+    <mc:Choice Requires="p14">
+      <p:transition p14:dur="250">
+        <p:fade/>
+      </p:transition>
+    </mc:Choice>
+    <mc:Fallback xmlns="">
+      <p:transition>
+        <p:fade/>
+      </p:transition>
+    </mc:Fallback>
+  </mc:AlternateContent>
+</p:sld>
+</file>
+
+<file path=ppt/slides/slide7.xml><?xml version="1.0" encoding="utf-8"?>
+<p:sld xmlns:a="http://schemas.openxmlformats.org/drawingml/2006/main" xmlns:r="http://schemas.openxmlformats.org/officeDocument/2006/relationships" xmlns:p="http://schemas.openxmlformats.org/presentationml/2006/main">
+  <p:cSld>
+    <p:spTree>
+      <p:nvGrpSpPr>
+        <p:cNvPr id="1" name=""/>
+        <p:cNvGrpSpPr/>
+        <p:nvPr/>
+      </p:nvGrpSpPr>
+      <p:grpSpPr>
+        <a:xfrm>
+          <a:off x="0" y="0"/>
+          <a:ext cx="0" cy="0"/>
+          <a:chOff x="0" y="0"/>
+          <a:chExt cx="0" cy="0"/>
+        </a:xfrm>
+      </p:grpSpPr>
+      <p:sp>
+        <p:nvSpPr>
+          <p:cNvPr id="5" name="Inhaltsplatzhalter 4">
+            <a:extLst>
+              <a:ext uri="{FF2B5EF4-FFF2-40B4-BE49-F238E27FC236}">
+                <a16:creationId xmlns:a16="http://schemas.microsoft.com/office/drawing/2014/main" id="{E76406A5-901C-0B45-1E1D-46134A2C0F6D}"/>
+              </a:ext>
+            </a:extLst>
+          </p:cNvPr>
+          <p:cNvSpPr>
+            <a:spLocks noGrp="1"/>
+          </p:cNvSpPr>
+          <p:nvPr>
+            <p:ph idx="1"/>
+          </p:nvPr>
+        </p:nvSpPr>
+        <p:spPr>
+          <a:xfrm>
+            <a:off x="457200" y="934872"/>
+            <a:ext cx="8584442" cy="3667820"/>
+          </a:xfrm>
+        </p:spPr>
+        <p:txBody>
+          <a:bodyPr/>
+          <a:lstStyle/>
+          <a:p>
+            <a:r>
+              <a:rPr lang="de-DE" dirty="0"/>
+              <a:t>Stephan Bialas			</a:t>
+            </a:r>
+            <a:r>
+              <a:rPr lang="de-DE" dirty="0">
+                <a:sym typeface="Wingdings" panose="05000000000000000000" pitchFamily="2" charset="2"/>
+              </a:rPr>
+              <a:t> Facharzt für Psychiatrie und Psychotherapie</a:t>
+            </a:r>
+            <a:endParaRPr lang="de-DE" dirty="0"/>
+          </a:p>
+          <a:p>
+            <a:r>
+              <a:rPr lang="de-DE" dirty="0"/>
+              <a:t>Gerda Matzel			</a:t>
+            </a:r>
+            <a:r>
+              <a:rPr lang="de-DE" dirty="0">
+                <a:sym typeface="Wingdings" panose="05000000000000000000" pitchFamily="2" charset="2"/>
+              </a:rPr>
+              <a:t> Fachärztin für Innere Medizin u.a.</a:t>
+            </a:r>
+            <a:endParaRPr lang="de-DE" dirty="0"/>
+          </a:p>
+          <a:p>
+            <a:r>
+              <a:rPr lang="de-DE" dirty="0"/>
+              <a:t>Malika </a:t>
+            </a:r>
+            <a:r>
+              <a:rPr lang="de-DE" dirty="0" err="1"/>
+              <a:t>Autorkhanova</a:t>
+            </a:r>
+            <a:r>
+              <a:rPr lang="de-DE" dirty="0"/>
+              <a:t>	</a:t>
+            </a:r>
+            <a:r>
+              <a:rPr lang="de-DE" dirty="0">
+                <a:sym typeface="Wingdings" panose="05000000000000000000" pitchFamily="2" charset="2"/>
+              </a:rPr>
+              <a:t> CABL, Projektkoordinatorin UVO</a:t>
+            </a:r>
+            <a:endParaRPr lang="de-DE" dirty="0"/>
+          </a:p>
+          <a:p>
+            <a:r>
+              <a:rPr lang="de-DE" dirty="0"/>
+              <a:t>PD Dr. Sven </a:t>
+            </a:r>
+            <a:r>
+              <a:rPr lang="de-DE" dirty="0" err="1"/>
+              <a:t>Speerforck</a:t>
+            </a:r>
+            <a:r>
+              <a:rPr lang="de-DE" dirty="0"/>
+              <a:t>	</a:t>
+            </a:r>
+            <a:r>
+              <a:rPr lang="de-DE" dirty="0">
+                <a:sym typeface="Wingdings" panose="05000000000000000000" pitchFamily="2" charset="2"/>
+              </a:rPr>
+              <a:t> Oberarzt in Klinik für Psychiatrie und Psychotherapie</a:t>
+            </a:r>
+            <a:endParaRPr lang="de-DE" dirty="0"/>
+          </a:p>
+          <a:p>
+            <a:r>
+              <a:rPr lang="de-DE" dirty="0"/>
+              <a:t>Tino Neufert			</a:t>
+            </a:r>
+            <a:r>
+              <a:rPr lang="de-DE" dirty="0">
+                <a:sym typeface="Wingdings" panose="05000000000000000000" pitchFamily="2" charset="2"/>
+              </a:rPr>
+              <a:t> Projektleiter von SAFE</a:t>
+            </a:r>
+            <a:endParaRPr lang="de-DE" dirty="0"/>
+          </a:p>
+        </p:txBody>
+      </p:sp>
+      <p:sp>
+        <p:nvSpPr>
+          <p:cNvPr id="6" name="Textplatzhalter 5">
+            <a:extLst>
+              <a:ext uri="{FF2B5EF4-FFF2-40B4-BE49-F238E27FC236}">
+                <a16:creationId xmlns:a16="http://schemas.microsoft.com/office/drawing/2014/main" id="{79E5FF9A-1352-4C44-AEC0-6A00C34862B7}"/>
+              </a:ext>
+            </a:extLst>
+          </p:cNvPr>
+          <p:cNvSpPr>
+            <a:spLocks noGrp="1"/>
+          </p:cNvSpPr>
+          <p:nvPr>
+            <p:ph type="body" sz="quarter" idx="13"/>
+          </p:nvPr>
+        </p:nvSpPr>
+        <p:spPr>
+          <a:xfrm>
+            <a:off x="460862" y="492994"/>
+            <a:ext cx="8234363" cy="377740"/>
+          </a:xfrm>
+        </p:spPr>
+        <p:txBody>
+          <a:bodyPr/>
+          <a:lstStyle/>
+          <a:p>
+            <a:r>
+              <a:rPr lang="de-DE" dirty="0"/>
+              <a:t>b) Kontaktpersonen</a:t>
+            </a:r>
+          </a:p>
+        </p:txBody>
+      </p:sp>
+      <p:sp>
+        <p:nvSpPr>
+          <p:cNvPr id="4" name="Foliennummernplatzhalter 3">
+            <a:extLst>
+              <a:ext uri="{FF2B5EF4-FFF2-40B4-BE49-F238E27FC236}">
+                <a16:creationId xmlns:a16="http://schemas.microsoft.com/office/drawing/2014/main" id="{C350ED56-727F-CE48-B94D-DCEFECE1ADF8}"/>
+              </a:ext>
+            </a:extLst>
+          </p:cNvPr>
+          <p:cNvSpPr>
+            <a:spLocks noGrp="1"/>
+          </p:cNvSpPr>
+          <p:nvPr>
+            <p:ph type="sldNum" sz="quarter" idx="4"/>
+          </p:nvPr>
+        </p:nvSpPr>
+        <p:spPr/>
+        <p:txBody>
+          <a:bodyPr/>
+          <a:lstStyle/>
+          <a:p>
+            <a:pPr>
+              <a:defRPr/>
+            </a:pPr>
+            <a:fld id="{AFCF9BA9-AB08-46E1-A235-3AC71B2FE2C1}" type="slidenum">
+              <a:rPr lang="de-DE" altLang="de-DE" sz="1000" smtClean="0">
+                <a:solidFill>
+                  <a:srgbClr val="D8413E"/>
+                </a:solidFill>
+                <a:latin typeface="Arial" panose="020B0604020202020204" pitchFamily="34" charset="0"/>
+                <a:cs typeface="Arial" panose="020B0604020202020204" pitchFamily="34" charset="0"/>
+              </a:rPr>
+              <a:pPr>
+                <a:defRPr/>
+              </a:pPr>
+              <a:t>7</a:t>
             </a:fld>
             <a:endParaRPr lang="de-DE" altLang="de-DE" sz="1000" dirty="0">
               <a:solidFill>
@@ -14500,7 +21222,7 @@
 </p:sld>
 </file>
 
-<file path=ppt/slides/slide7.xml><?xml version="1.0" encoding="utf-8"?>
+<file path=ppt/slides/slide8.xml><?xml version="1.0" encoding="utf-8"?>
 <p:sld xmlns:a="http://schemas.openxmlformats.org/drawingml/2006/main" xmlns:r="http://schemas.openxmlformats.org/officeDocument/2006/relationships" xmlns:p="http://schemas.openxmlformats.org/presentationml/2006/main">
   <p:cSld>
     <p:spTree>
@@ -14540,7 +21262,7 @@
           <a:p>
             <a:r>
               <a:rPr lang="de-DE" dirty="0"/>
-              <a:t>4. Überlegungen zur Modellierung</a:t>
+              <a:t>4. Modelle und Diagramme</a:t>
             </a:r>
           </a:p>
         </p:txBody>
@@ -14574,13 +21296,40 @@
           <a:p>
             <a:r>
               <a:rPr lang="de-DE" dirty="0"/>
-              <a:t>UML-Verhaltensdiagramme</a:t>
+              <a:t>Kommunikationsdiagramm</a:t>
+            </a:r>
+          </a:p>
+          <a:p>
+            <a:r>
+              <a:rPr lang="de-DE" dirty="0"/>
+              <a:t>3LGM²</a:t>
+            </a:r>
+          </a:p>
+          <a:p>
+            <a:r>
+              <a:rPr lang="de-DE" dirty="0"/>
+              <a:t>in Betracht gezogen:</a:t>
             </a:r>
           </a:p>
           <a:p>
             <a:pPr lvl="1"/>
             <a:r>
               <a:rPr lang="de-DE" dirty="0"/>
+              <a:t>andere UML-Verhaltensdiagramme</a:t>
+            </a:r>
+          </a:p>
+          <a:p>
+            <a:pPr lvl="2"/>
+            <a:r>
+              <a:rPr lang="de-DE" dirty="0" err="1"/>
+              <a:t>Sequenzendiagramm</a:t>
+            </a:r>
+            <a:endParaRPr lang="de-DE" dirty="0"/>
+          </a:p>
+          <a:p>
+            <a:pPr lvl="2"/>
+            <a:r>
+              <a:rPr lang="de-DE" dirty="0"/>
               <a:t>Informationsflussdiagramm</a:t>
             </a:r>
           </a:p>
@@ -14588,19 +21337,7 @@
             <a:pPr lvl="1"/>
             <a:r>
               <a:rPr lang="de-DE" dirty="0"/>
-              <a:t>Kommunikationsdiagramm</a:t>
-            </a:r>
-          </a:p>
-          <a:p>
-            <a:r>
-              <a:rPr lang="de-DE" dirty="0"/>
               <a:t>BPMN</a:t>
-            </a:r>
-          </a:p>
-          <a:p>
-            <a:r>
-              <a:rPr lang="de-DE" dirty="0"/>
-              <a:t>3LGM²</a:t>
             </a:r>
           </a:p>
         </p:txBody>
@@ -14640,7 +21377,7 @@
               <a:pPr>
                 <a:defRPr/>
               </a:pPr>
-              <a:t>7</a:t>
+              <a:t>8</a:t>
             </a:fld>
             <a:endParaRPr lang="de-DE" altLang="de-DE" sz="1000" dirty="0">
               <a:solidFill>
@@ -14652,104 +21389,6 @@
           </a:p>
         </p:txBody>
       </p:sp>
-      <p:grpSp>
-        <p:nvGrpSpPr>
-          <p:cNvPr id="14" name="Gruppieren 13">
-            <a:extLst>
-              <a:ext uri="{FF2B5EF4-FFF2-40B4-BE49-F238E27FC236}">
-                <a16:creationId xmlns:a16="http://schemas.microsoft.com/office/drawing/2014/main" id="{6408C455-C1A0-40A8-1166-B0B2F9489F13}"/>
-              </a:ext>
-            </a:extLst>
-          </p:cNvPr>
-          <p:cNvGrpSpPr/>
-          <p:nvPr/>
-        </p:nvGrpSpPr>
-        <p:grpSpPr>
-          <a:xfrm>
-            <a:off x="4410156" y="1369705"/>
-            <a:ext cx="4041279" cy="2404089"/>
-            <a:chOff x="452437" y="1987877"/>
-            <a:chExt cx="3787918" cy="2206172"/>
-          </a:xfrm>
-        </p:grpSpPr>
-        <p:pic>
-          <p:nvPicPr>
-            <p:cNvPr id="12" name="Grafik 11" descr="Ein Bild, das Text, Diagramm, Schrift, Reihe enthält.&#10;&#10;Automatisch generierte Beschreibung">
-              <a:extLst>
-                <a:ext uri="{FF2B5EF4-FFF2-40B4-BE49-F238E27FC236}">
-                  <a16:creationId xmlns:a16="http://schemas.microsoft.com/office/drawing/2014/main" id="{65292272-AD60-9123-D1EA-A1CE72C83FDD}"/>
-                </a:ext>
-              </a:extLst>
-            </p:cNvPr>
-            <p:cNvPicPr>
-              <a:picLocks noChangeAspect="1"/>
-            </p:cNvPicPr>
-            <p:nvPr/>
-          </p:nvPicPr>
-          <p:blipFill>
-            <a:blip r:embed="rId2"/>
-            <a:stretch>
-              <a:fillRect/>
-            </a:stretch>
-          </p:blipFill>
-          <p:spPr>
-            <a:xfrm>
-              <a:off x="452437" y="1987877"/>
-              <a:ext cx="3787918" cy="1832065"/>
-            </a:xfrm>
-            <a:prstGeom prst="rect">
-              <a:avLst/>
-            </a:prstGeom>
-          </p:spPr>
-        </p:pic>
-        <p:sp>
-          <p:nvSpPr>
-            <p:cNvPr id="13" name="Textfeld 12">
-              <a:extLst>
-                <a:ext uri="{FF2B5EF4-FFF2-40B4-BE49-F238E27FC236}">
-                  <a16:creationId xmlns:a16="http://schemas.microsoft.com/office/drawing/2014/main" id="{7D1D02BB-A11C-8EA7-88F8-99EEC9B2D02D}"/>
-                </a:ext>
-              </a:extLst>
-            </p:cNvPr>
-            <p:cNvSpPr txBox="1"/>
-            <p:nvPr/>
-          </p:nvSpPr>
-          <p:spPr>
-            <a:xfrm>
-              <a:off x="457200" y="3917050"/>
-              <a:ext cx="2458981" cy="276999"/>
-            </a:xfrm>
-            <a:prstGeom prst="rect">
-              <a:avLst/>
-            </a:prstGeom>
-            <a:noFill/>
-          </p:spPr>
-          <p:txBody>
-            <a:bodyPr wrap="square" lIns="0" tIns="0" rIns="0" bIns="0" rtlCol="0">
-              <a:spAutoFit/>
-            </a:bodyPr>
-            <a:lstStyle/>
-            <a:p>
-              <a:r>
-                <a:rPr lang="de-DE" sz="1000" i="0" dirty="0">
-                  <a:latin typeface="+mn-lt"/>
-                  <a:cs typeface="Arial" panose="020B0604020202020204" pitchFamily="34" charset="0"/>
-                </a:rPr>
-                <a:t>Beispiel eines Informationsflussdiagramms</a:t>
-              </a:r>
-            </a:p>
-            <a:p>
-              <a:r>
-                <a:rPr lang="de-DE" sz="800" i="0" dirty="0">
-                  <a:latin typeface="+mn-lt"/>
-                  <a:cs typeface="Arial" panose="020B0604020202020204" pitchFamily="34" charset="0"/>
-                </a:rPr>
-                <a:t>(Quelle: https://www.uml-diagrams.org/)</a:t>
-              </a:r>
-            </a:p>
-          </p:txBody>
-        </p:sp>
-      </p:grpSp>
       <p:grpSp>
         <p:nvGrpSpPr>
           <p:cNvPr id="16" name="Gruppieren 15">
@@ -14764,7 +21403,7 @@
         </p:nvGrpSpPr>
         <p:grpSpPr>
           <a:xfrm>
-            <a:off x="4694668" y="1090276"/>
+            <a:off x="4732348" y="959273"/>
             <a:ext cx="3472253" cy="3224953"/>
             <a:chOff x="487433" y="893150"/>
             <a:chExt cx="3472253" cy="3224953"/>
@@ -14785,7 +21424,7 @@
             <p:nvPr/>
           </p:nvPicPr>
           <p:blipFill>
-            <a:blip r:embed="rId3"/>
+            <a:blip r:embed="rId2"/>
             <a:stretch>
               <a:fillRect/>
             </a:stretch>
@@ -14833,7 +21472,7 @@
                   <a:latin typeface="+mn-lt"/>
                   <a:cs typeface="Arial" panose="020B0604020202020204" pitchFamily="34" charset="0"/>
                 </a:rPr>
-                <a:t>Beispiel eines Informationsflussdiagramms</a:t>
+                <a:t>Beispiel eines Kommunikationsdiagramms</a:t>
               </a:r>
             </a:p>
             <a:p>
@@ -14843,132 +21482,6 @@
                   <a:cs typeface="Arial" panose="020B0604020202020204" pitchFamily="34" charset="0"/>
                 </a:rPr>
                 <a:t>(Quelle: https://www.uml-diagrams.org/)</a:t>
-              </a:r>
-            </a:p>
-          </p:txBody>
-        </p:sp>
-      </p:grpSp>
-      <p:grpSp>
-        <p:nvGrpSpPr>
-          <p:cNvPr id="18" name="Gruppieren 17">
-            <a:extLst>
-              <a:ext uri="{FF2B5EF4-FFF2-40B4-BE49-F238E27FC236}">
-                <a16:creationId xmlns:a16="http://schemas.microsoft.com/office/drawing/2014/main" id="{DA9ADE3B-A251-70AB-2B74-AF3D7D0C336C}"/>
-              </a:ext>
-            </a:extLst>
-          </p:cNvPr>
-          <p:cNvGrpSpPr/>
-          <p:nvPr/>
-        </p:nvGrpSpPr>
-        <p:grpSpPr>
-          <a:xfrm>
-            <a:off x="4040340" y="1833724"/>
-            <a:ext cx="4780907" cy="2212929"/>
-            <a:chOff x="549905" y="2180981"/>
-            <a:chExt cx="4780907" cy="2212929"/>
-          </a:xfrm>
-        </p:grpSpPr>
-        <p:pic>
-          <p:nvPicPr>
-            <p:cNvPr id="8" name="Grafik 7" descr="Ein Bild, das Diagramm, Plan, technische Zeichnung, Entwurf enthält.&#10;&#10;Automatisch generierte Beschreibung">
-              <a:extLst>
-                <a:ext uri="{FF2B5EF4-FFF2-40B4-BE49-F238E27FC236}">
-                  <a16:creationId xmlns:a16="http://schemas.microsoft.com/office/drawing/2014/main" id="{66B51E96-7FAB-1A1A-0133-6B4AF1F4D6B3}"/>
-                </a:ext>
-              </a:extLst>
-            </p:cNvPr>
-            <p:cNvPicPr>
-              <a:picLocks noChangeAspect="1"/>
-            </p:cNvPicPr>
-            <p:nvPr/>
-          </p:nvPicPr>
-          <p:blipFill>
-            <a:blip r:embed="rId4"/>
-            <a:stretch>
-              <a:fillRect/>
-            </a:stretch>
-          </p:blipFill>
-          <p:spPr>
-            <a:xfrm>
-              <a:off x="549905" y="2180981"/>
-              <a:ext cx="4780907" cy="1855996"/>
-            </a:xfrm>
-            <a:prstGeom prst="rect">
-              <a:avLst/>
-            </a:prstGeom>
-          </p:spPr>
-        </p:pic>
-        <p:sp>
-          <p:nvSpPr>
-            <p:cNvPr id="17" name="Textfeld 16">
-              <a:extLst>
-                <a:ext uri="{FF2B5EF4-FFF2-40B4-BE49-F238E27FC236}">
-                  <a16:creationId xmlns:a16="http://schemas.microsoft.com/office/drawing/2014/main" id="{97A12F7E-EE79-B17A-87B0-65986B32B555}"/>
-                </a:ext>
-              </a:extLst>
-            </p:cNvPr>
-            <p:cNvSpPr txBox="1"/>
-            <p:nvPr/>
-          </p:nvSpPr>
-          <p:spPr>
-            <a:xfrm>
-              <a:off x="737137" y="4116911"/>
-              <a:ext cx="2458981" cy="276999"/>
-            </a:xfrm>
-            <a:prstGeom prst="rect">
-              <a:avLst/>
-            </a:prstGeom>
-            <a:noFill/>
-          </p:spPr>
-          <p:txBody>
-            <a:bodyPr wrap="square" lIns="0" tIns="0" rIns="0" bIns="0" rtlCol="0">
-              <a:spAutoFit/>
-            </a:bodyPr>
-            <a:lstStyle/>
-            <a:p>
-              <a:r>
-                <a:rPr lang="de-DE" sz="1000" i="0" dirty="0">
-                  <a:latin typeface="+mn-lt"/>
-                  <a:cs typeface="Arial" panose="020B0604020202020204" pitchFamily="34" charset="0"/>
-                </a:rPr>
-                <a:t>Beispiel eines Prozesses in BPMN</a:t>
-              </a:r>
-            </a:p>
-            <a:p>
-              <a:r>
-                <a:rPr lang="de-DE" sz="800" i="0" dirty="0">
-                  <a:latin typeface="+mn-lt"/>
-                  <a:cs typeface="Arial" panose="020B0604020202020204" pitchFamily="34" charset="0"/>
-                </a:rPr>
-                <a:t>(Quelle: </a:t>
-              </a:r>
-              <a:r>
-                <a:rPr lang="de-DE" sz="800" i="0" dirty="0" err="1">
-                  <a:latin typeface="+mn-lt"/>
-                  <a:cs typeface="Arial" panose="020B0604020202020204" pitchFamily="34" charset="0"/>
-                </a:rPr>
-                <a:t>Object</a:t>
-              </a:r>
-              <a:r>
-                <a:rPr lang="de-DE" sz="800" i="0" dirty="0">
-                  <a:latin typeface="+mn-lt"/>
-                  <a:cs typeface="Arial" panose="020B0604020202020204" pitchFamily="34" charset="0"/>
-                </a:rPr>
-                <a:t> Management Group, 2013, S. </a:t>
-              </a:r>
-              <a:r>
-                <a:rPr lang="de-DE" sz="800" dirty="0">
-                  <a:effectLst/>
-                  <a:latin typeface="Arial" panose="020B0604020202020204" pitchFamily="34" charset="0"/>
-                </a:rPr>
-                <a:t>143</a:t>
-              </a:r>
-              <a:r>
-                <a:rPr lang="de-DE" sz="800" i="0" dirty="0">
-                  <a:latin typeface="+mn-lt"/>
-                  <a:cs typeface="Arial" panose="020B0604020202020204" pitchFamily="34" charset="0"/>
-                </a:rPr>
-                <a:t>)</a:t>
               </a:r>
             </a:p>
           </p:txBody>
@@ -14988,7 +21501,7 @@
         </p:nvGrpSpPr>
         <p:grpSpPr>
           <a:xfrm>
-            <a:off x="4714862" y="1117757"/>
+            <a:off x="4827677" y="927785"/>
             <a:ext cx="3281593" cy="3287930"/>
             <a:chOff x="985356" y="1063624"/>
             <a:chExt cx="3281593" cy="3287930"/>
@@ -15009,7 +21522,7 @@
             <p:nvPr/>
           </p:nvPicPr>
           <p:blipFill>
-            <a:blip r:embed="rId5"/>
+            <a:blip r:embed="rId3"/>
             <a:stretch>
               <a:fillRect/>
             </a:stretch>
@@ -15128,7 +21641,7 @@
                                           </p:stCondLst>
                                         </p:cTn>
                                         <p:tgtEl>
-                                          <p:spTgt spid="14"/>
+                                          <p:spTgt spid="16"/>
                                         </p:tgtEl>
                                         <p:attrNameLst>
                                           <p:attrName>style.visibility</p:attrName>
@@ -15142,7 +21655,7 @@
                                       <p:cBhvr>
                                         <p:cTn id="7" dur="500"/>
                                         <p:tgtEl>
-                                          <p:spTgt spid="14"/>
+                                          <p:spTgt spid="16"/>
                                         </p:tgtEl>
                                       </p:cBhvr>
                                     </p:animEffect>
@@ -15177,7 +21690,7 @@
                                       <p:cBhvr>
                                         <p:cTn id="11" dur="500"/>
                                         <p:tgtEl>
-                                          <p:spTgt spid="14"/>
+                                          <p:spTgt spid="16"/>
                                         </p:tgtEl>
                                       </p:cBhvr>
                                     </p:animEffect>
@@ -15189,7 +21702,7 @@
                                           </p:stCondLst>
                                         </p:cTn>
                                         <p:tgtEl>
-                                          <p:spTgt spid="14"/>
+                                          <p:spTgt spid="16"/>
                                         </p:tgtEl>
                                         <p:attrNameLst>
                                           <p:attrName>style.visibility</p:attrName>
@@ -15225,7 +21738,7 @@
                                           </p:stCondLst>
                                         </p:cTn>
                                         <p:tgtEl>
-                                          <p:spTgt spid="16"/>
+                                          <p:spTgt spid="20"/>
                                         </p:tgtEl>
                                         <p:attrNameLst>
                                           <p:attrName>style.visibility</p:attrName>
@@ -15238,200 +21751,6 @@
                                     <p:animEffect transition="in" filter="fade">
                                       <p:cBhvr>
                                         <p:cTn id="16" dur="500"/>
-                                        <p:tgtEl>
-                                          <p:spTgt spid="16"/>
-                                        </p:tgtEl>
-                                      </p:cBhvr>
-                                    </p:animEffect>
-                                  </p:childTnLst>
-                                </p:cTn>
-                              </p:par>
-                            </p:childTnLst>
-                          </p:cTn>
-                        </p:par>
-                      </p:childTnLst>
-                    </p:cTn>
-                  </p:par>
-                  <p:par>
-                    <p:cTn id="17" fill="hold">
-                      <p:stCondLst>
-                        <p:cond delay="indefinite"/>
-                      </p:stCondLst>
-                      <p:childTnLst>
-                        <p:par>
-                          <p:cTn id="18" fill="hold">
-                            <p:stCondLst>
-                              <p:cond delay="0"/>
-                            </p:stCondLst>
-                            <p:childTnLst>
-                              <p:par>
-                                <p:cTn id="19" presetID="10" presetClass="exit" presetSubtype="0" fill="hold" nodeType="clickEffect">
-                                  <p:stCondLst>
-                                    <p:cond delay="0"/>
-                                  </p:stCondLst>
-                                  <p:childTnLst>
-                                    <p:animEffect transition="out" filter="fade">
-                                      <p:cBhvr>
-                                        <p:cTn id="20" dur="500"/>
-                                        <p:tgtEl>
-                                          <p:spTgt spid="16"/>
-                                        </p:tgtEl>
-                                      </p:cBhvr>
-                                    </p:animEffect>
-                                    <p:set>
-                                      <p:cBhvr>
-                                        <p:cTn id="21" dur="1" fill="hold">
-                                          <p:stCondLst>
-                                            <p:cond delay="499"/>
-                                          </p:stCondLst>
-                                        </p:cTn>
-                                        <p:tgtEl>
-                                          <p:spTgt spid="16"/>
-                                        </p:tgtEl>
-                                        <p:attrNameLst>
-                                          <p:attrName>style.visibility</p:attrName>
-                                        </p:attrNameLst>
-                                      </p:cBhvr>
-                                      <p:to>
-                                        <p:strVal val="hidden"/>
-                                      </p:to>
-                                    </p:set>
-                                  </p:childTnLst>
-                                </p:cTn>
-                              </p:par>
-                            </p:childTnLst>
-                          </p:cTn>
-                        </p:par>
-                        <p:par>
-                          <p:cTn id="22" fill="hold">
-                            <p:stCondLst>
-                              <p:cond delay="500"/>
-                            </p:stCondLst>
-                            <p:childTnLst>
-                              <p:par>
-                                <p:cTn id="23" presetID="10" presetClass="entr" presetSubtype="0" fill="hold" nodeType="afterEffect">
-                                  <p:stCondLst>
-                                    <p:cond delay="0"/>
-                                  </p:stCondLst>
-                                  <p:childTnLst>
-                                    <p:set>
-                                      <p:cBhvr>
-                                        <p:cTn id="24" dur="1" fill="hold">
-                                          <p:stCondLst>
-                                            <p:cond delay="0"/>
-                                          </p:stCondLst>
-                                        </p:cTn>
-                                        <p:tgtEl>
-                                          <p:spTgt spid="18"/>
-                                        </p:tgtEl>
-                                        <p:attrNameLst>
-                                          <p:attrName>style.visibility</p:attrName>
-                                        </p:attrNameLst>
-                                      </p:cBhvr>
-                                      <p:to>
-                                        <p:strVal val="visible"/>
-                                      </p:to>
-                                    </p:set>
-                                    <p:animEffect transition="in" filter="fade">
-                                      <p:cBhvr>
-                                        <p:cTn id="25" dur="500"/>
-                                        <p:tgtEl>
-                                          <p:spTgt spid="18"/>
-                                        </p:tgtEl>
-                                      </p:cBhvr>
-                                    </p:animEffect>
-                                  </p:childTnLst>
-                                </p:cTn>
-                              </p:par>
-                            </p:childTnLst>
-                          </p:cTn>
-                        </p:par>
-                      </p:childTnLst>
-                    </p:cTn>
-                  </p:par>
-                  <p:par>
-                    <p:cTn id="26" fill="hold">
-                      <p:stCondLst>
-                        <p:cond delay="indefinite"/>
-                      </p:stCondLst>
-                      <p:childTnLst>
-                        <p:par>
-                          <p:cTn id="27" fill="hold">
-                            <p:stCondLst>
-                              <p:cond delay="0"/>
-                            </p:stCondLst>
-                            <p:childTnLst>
-                              <p:par>
-                                <p:cTn id="28" presetID="10" presetClass="exit" presetSubtype="0" fill="hold" nodeType="clickEffect">
-                                  <p:stCondLst>
-                                    <p:cond delay="0"/>
-                                  </p:stCondLst>
-                                  <p:childTnLst>
-                                    <p:animEffect transition="out" filter="fade">
-                                      <p:cBhvr>
-                                        <p:cTn id="29" dur="500"/>
-                                        <p:tgtEl>
-                                          <p:spTgt spid="18"/>
-                                        </p:tgtEl>
-                                      </p:cBhvr>
-                                    </p:animEffect>
-                                    <p:set>
-                                      <p:cBhvr>
-                                        <p:cTn id="30" dur="1" fill="hold">
-                                          <p:stCondLst>
-                                            <p:cond delay="499"/>
-                                          </p:stCondLst>
-                                        </p:cTn>
-                                        <p:tgtEl>
-                                          <p:spTgt spid="18"/>
-                                        </p:tgtEl>
-                                        <p:attrNameLst>
-                                          <p:attrName>style.visibility</p:attrName>
-                                        </p:attrNameLst>
-                                      </p:cBhvr>
-                                      <p:to>
-                                        <p:strVal val="hidden"/>
-                                      </p:to>
-                                    </p:set>
-                                  </p:childTnLst>
-                                </p:cTn>
-                              </p:par>
-                            </p:childTnLst>
-                          </p:cTn>
-                        </p:par>
-                        <p:par>
-                          <p:cTn id="31" fill="hold">
-                            <p:stCondLst>
-                              <p:cond delay="500"/>
-                            </p:stCondLst>
-                            <p:childTnLst>
-                              <p:par>
-                                <p:cTn id="32" presetID="10" presetClass="entr" presetSubtype="0" fill="hold" nodeType="afterEffect">
-                                  <p:stCondLst>
-                                    <p:cond delay="0"/>
-                                  </p:stCondLst>
-                                  <p:childTnLst>
-                                    <p:set>
-                                      <p:cBhvr>
-                                        <p:cTn id="33" dur="1" fill="hold">
-                                          <p:stCondLst>
-                                            <p:cond delay="0"/>
-                                          </p:stCondLst>
-                                        </p:cTn>
-                                        <p:tgtEl>
-                                          <p:spTgt spid="20"/>
-                                        </p:tgtEl>
-                                        <p:attrNameLst>
-                                          <p:attrName>style.visibility</p:attrName>
-                                        </p:attrNameLst>
-                                      </p:cBhvr>
-                                      <p:to>
-                                        <p:strVal val="visible"/>
-                                      </p:to>
-                                    </p:set>
-                                    <p:animEffect transition="in" filter="fade">
-                                      <p:cBhvr>
-                                        <p:cTn id="34" dur="500"/>
                                         <p:tgtEl>
                                           <p:spTgt spid="20"/>
                                         </p:tgtEl>
@@ -15471,7 +21790,7 @@
 </p:sld>
 </file>
 
-<file path=ppt/slides/slide8.xml><?xml version="1.0" encoding="utf-8"?>
+<file path=ppt/slides/slide9.xml><?xml version="1.0" encoding="utf-8"?>
 <p:sld xmlns:a="http://schemas.openxmlformats.org/drawingml/2006/main" xmlns:r="http://schemas.openxmlformats.org/officeDocument/2006/relationships" xmlns:p="http://schemas.openxmlformats.org/presentationml/2006/main">
   <p:cSld>
     <p:spTree>
@@ -15569,7 +21888,7 @@
                 </a:spcAft>
                 <a:defRPr/>
               </a:pPr>
-              <a:t>8</a:t>
+              <a:t>9</a:t>
             </a:fld>
             <a:endParaRPr lang="de-DE" altLang="de-DE" sz="1000">
               <a:solidFill>
@@ -15642,7 +21961,7 @@
               <a:rPr lang="de-DE" i="0" dirty="0">
                 <a:solidFill>
                   <a:schemeClr val="accent1">
-                    <a:lumMod val="50000"/>
+                    <a:lumMod val="75000"/>
                   </a:schemeClr>
                 </a:solidFill>
                 <a:latin typeface="+mn-lt"/>
@@ -15685,7 +22004,7 @@
               <a:rPr lang="de-DE" dirty="0">
                 <a:solidFill>
                   <a:schemeClr val="accent1">
-                    <a:lumMod val="50000"/>
+                    <a:lumMod val="75000"/>
                   </a:schemeClr>
                 </a:solidFill>
                 <a:latin typeface="+mn-lt"/>
@@ -15696,7 +22015,7 @@
             <a:endParaRPr lang="de-DE" i="0" dirty="0">
               <a:solidFill>
                 <a:schemeClr val="accent1">
-                  <a:lumMod val="50000"/>
+                  <a:lumMod val="75000"/>
                 </a:schemeClr>
               </a:solidFill>
               <a:latin typeface="+mn-lt"/>
@@ -15737,7 +22056,7 @@
               <a:rPr lang="de-DE" dirty="0">
                 <a:solidFill>
                   <a:schemeClr val="accent1">
-                    <a:lumMod val="50000"/>
+                    <a:lumMod val="75000"/>
                   </a:schemeClr>
                 </a:solidFill>
                 <a:latin typeface="+mn-lt"/>
@@ -15748,7 +22067,7 @@
             <a:endParaRPr lang="de-DE" i="0" dirty="0">
               <a:solidFill>
                 <a:schemeClr val="accent1">
-                  <a:lumMod val="50000"/>
+                  <a:lumMod val="75000"/>
                 </a:schemeClr>
               </a:solidFill>
               <a:latin typeface="+mn-lt"/>
@@ -15789,7 +22108,7 @@
               <a:rPr lang="de-DE" dirty="0">
                 <a:solidFill>
                   <a:schemeClr val="accent1">
-                    <a:lumMod val="50000"/>
+                    <a:lumMod val="75000"/>
                   </a:schemeClr>
                 </a:solidFill>
                 <a:latin typeface="+mn-lt"/>
@@ -15800,7 +22119,7 @@
             <a:endParaRPr lang="de-DE" i="0" dirty="0">
               <a:solidFill>
                 <a:schemeClr val="accent1">
-                  <a:lumMod val="50000"/>
+                  <a:lumMod val="75000"/>
                 </a:schemeClr>
               </a:solidFill>
               <a:latin typeface="+mn-lt"/>
@@ -15841,7 +22160,7 @@
               <a:rPr lang="de-DE" dirty="0">
                 <a:solidFill>
                   <a:schemeClr val="accent1">
-                    <a:lumMod val="50000"/>
+                    <a:lumMod val="75000"/>
                   </a:schemeClr>
                 </a:solidFill>
                 <a:latin typeface="+mn-lt"/>
@@ -15852,7 +22171,7 @@
             <a:endParaRPr lang="de-DE" i="0" dirty="0">
               <a:solidFill>
                 <a:schemeClr val="accent1">
-                  <a:lumMod val="50000"/>
+                  <a:lumMod val="75000"/>
                 </a:schemeClr>
               </a:solidFill>
               <a:latin typeface="+mn-lt"/>
@@ -15893,7 +22212,7 @@
               <a:rPr lang="de-DE" i="0" dirty="0">
                 <a:solidFill>
                   <a:schemeClr val="accent1">
-                    <a:lumMod val="50000"/>
+                    <a:lumMod val="75000"/>
                   </a:schemeClr>
                 </a:solidFill>
                 <a:latin typeface="+mn-lt"/>
@@ -15936,7 +22255,7 @@
               <a:rPr lang="de-DE" i="0" dirty="0">
                 <a:solidFill>
                   <a:schemeClr val="accent1">
-                    <a:lumMod val="50000"/>
+                    <a:lumMod val="75000"/>
                   </a:schemeClr>
                 </a:solidFill>
                 <a:latin typeface="+mn-lt"/>
@@ -15951,669 +22270,6 @@
     <p:extLst>
       <p:ext uri="{BB962C8B-B14F-4D97-AF65-F5344CB8AC3E}">
         <p14:creationId xmlns:p14="http://schemas.microsoft.com/office/powerpoint/2010/main" val="2213159624"/>
-      </p:ext>
-    </p:extLst>
-  </p:cSld>
-  <p:clrMapOvr>
-    <a:masterClrMapping/>
-  </p:clrMapOvr>
-  <mc:AlternateContent xmlns:mc="http://schemas.openxmlformats.org/markup-compatibility/2006" xmlns:p14="http://schemas.microsoft.com/office/powerpoint/2010/main">
-    <mc:Choice Requires="p14">
-      <p:transition p14:dur="250">
-        <p:fade/>
-      </p:transition>
-    </mc:Choice>
-    <mc:Fallback xmlns="">
-      <p:transition>
-        <p:fade/>
-      </p:transition>
-    </mc:Fallback>
-  </mc:AlternateContent>
-</p:sld>
-</file>
-
-<file path=ppt/slides/slide9.xml><?xml version="1.0" encoding="utf-8"?>
-<p:sld xmlns:a="http://schemas.openxmlformats.org/drawingml/2006/main" xmlns:r="http://schemas.openxmlformats.org/officeDocument/2006/relationships" xmlns:p="http://schemas.openxmlformats.org/presentationml/2006/main">
-  <p:cSld>
-    <p:spTree>
-      <p:nvGrpSpPr>
-        <p:cNvPr id="1" name=""/>
-        <p:cNvGrpSpPr/>
-        <p:nvPr/>
-      </p:nvGrpSpPr>
-      <p:grpSpPr>
-        <a:xfrm>
-          <a:off x="0" y="0"/>
-          <a:ext cx="0" cy="0"/>
-          <a:chOff x="0" y="0"/>
-          <a:chExt cx="0" cy="0"/>
-        </a:xfrm>
-      </p:grpSpPr>
-      <p:sp>
-        <p:nvSpPr>
-          <p:cNvPr id="2" name="Titel 1">
-            <a:extLst>
-              <a:ext uri="{FF2B5EF4-FFF2-40B4-BE49-F238E27FC236}">
-                <a16:creationId xmlns:a16="http://schemas.microsoft.com/office/drawing/2014/main" id="{72FEE536-8460-4341-1982-8F34313F8075}"/>
-              </a:ext>
-            </a:extLst>
-          </p:cNvPr>
-          <p:cNvSpPr>
-            <a:spLocks noGrp="1"/>
-          </p:cNvSpPr>
-          <p:nvPr>
-            <p:ph type="title"/>
-          </p:nvPr>
-        </p:nvSpPr>
-        <p:spPr/>
-        <p:txBody>
-          <a:bodyPr/>
-          <a:lstStyle/>
-          <a:p>
-            <a:r>
-              <a:rPr lang="de-DE" dirty="0"/>
-              <a:t>6. Literatur</a:t>
-            </a:r>
-          </a:p>
-        </p:txBody>
-      </p:sp>
-      <p:sp>
-        <p:nvSpPr>
-          <p:cNvPr id="3" name="Inhaltsplatzhalter 2">
-            <a:extLst>
-              <a:ext uri="{FF2B5EF4-FFF2-40B4-BE49-F238E27FC236}">
-                <a16:creationId xmlns:a16="http://schemas.microsoft.com/office/drawing/2014/main" id="{1508104B-4285-C9AE-9710-E93306FCB9DC}"/>
-              </a:ext>
-            </a:extLst>
-          </p:cNvPr>
-          <p:cNvSpPr>
-            <a:spLocks noGrp="1"/>
-          </p:cNvSpPr>
-          <p:nvPr>
-            <p:ph idx="1"/>
-          </p:nvPr>
-        </p:nvSpPr>
-        <p:spPr/>
-        <p:txBody>
-          <a:bodyPr/>
-          <a:lstStyle/>
-          <a:p>
-            <a:r>
-              <a:rPr lang="de-DE" sz="1100" b="0" i="0" u="none" strike="noStrike" baseline="0" dirty="0">
-                <a:solidFill>
-                  <a:srgbClr val="000000"/>
-                </a:solidFill>
-                <a:latin typeface="+mj-lt"/>
-              </a:rPr>
-              <a:t>Clearingstelle und Anonymer Behandlungsschein e.V. (2022). aufgerufen am 06.06.2023. url:</a:t>
-            </a:r>
-            <a:r>
-              <a:rPr lang="de-DE" sz="1100" dirty="0">
-                <a:solidFill>
-                  <a:srgbClr val="AE0000"/>
-                </a:solidFill>
-                <a:latin typeface="+mj-lt"/>
-              </a:rPr>
-              <a:t> </a:t>
-            </a:r>
-            <a:r>
-              <a:rPr lang="de-DE" sz="1100" dirty="0">
-                <a:solidFill>
-                  <a:srgbClr val="AE0000"/>
-                </a:solidFill>
-                <a:latin typeface="+mj-lt"/>
-                <a:hlinkClick r:id="rId2">
-                  <a:extLst>
-                    <a:ext uri="{A12FA001-AC4F-418D-AE19-62706E023703}">
-                      <ahyp:hlinkClr xmlns:ahyp="http://schemas.microsoft.com/office/drawing/2018/hyperlinkcolor" val="tx"/>
-                    </a:ext>
-                  </a:extLst>
-                </a:hlinkClick>
-              </a:rPr>
-              <a:t>https://cab-leipzig.de/wp/</a:t>
-            </a:r>
-            <a:r>
-              <a:rPr lang="de-DE" sz="1100" dirty="0">
-                <a:latin typeface="+mj-lt"/>
-              </a:rPr>
-              <a:t>.</a:t>
-            </a:r>
-            <a:endParaRPr lang="de-DE" sz="1100" b="0" i="0" u="none" strike="noStrike" baseline="0" dirty="0">
-              <a:solidFill>
-                <a:srgbClr val="000000"/>
-              </a:solidFill>
-              <a:latin typeface="+mj-lt"/>
-            </a:endParaRPr>
-          </a:p>
-          <a:p>
-            <a:pPr algn="l"/>
-            <a:r>
-              <a:rPr lang="de-DE" sz="1100" b="0" i="0" u="none" strike="noStrike" baseline="0" dirty="0" err="1">
-                <a:solidFill>
-                  <a:srgbClr val="000000"/>
-                </a:solidFill>
-                <a:latin typeface="+mj-lt"/>
-              </a:rPr>
-              <a:t>Doring</a:t>
-            </a:r>
-            <a:r>
-              <a:rPr lang="de-DE" sz="1100" b="0" i="0" u="none" strike="noStrike" baseline="0" dirty="0">
-                <a:solidFill>
-                  <a:srgbClr val="000000"/>
-                </a:solidFill>
-                <a:latin typeface="+mj-lt"/>
-              </a:rPr>
-              <a:t>, Nicola und </a:t>
-            </a:r>
-            <a:r>
-              <a:rPr lang="de-DE" sz="1100" b="0" i="0" u="none" strike="noStrike" baseline="0" dirty="0" err="1">
-                <a:solidFill>
-                  <a:srgbClr val="000000"/>
-                </a:solidFill>
-                <a:latin typeface="+mj-lt"/>
-              </a:rPr>
-              <a:t>Jurgen</a:t>
-            </a:r>
-            <a:r>
-              <a:rPr lang="de-DE" sz="1100" b="0" i="0" u="none" strike="noStrike" baseline="0" dirty="0">
-                <a:solidFill>
-                  <a:srgbClr val="000000"/>
-                </a:solidFill>
-                <a:latin typeface="+mj-lt"/>
-              </a:rPr>
-              <a:t> Bortz (2015). Forschungsmethoden und Evaluation in den Sozial- und Humanwissenschaften. 5. 	Aufl. Springer Berlin, Heidelberg. </a:t>
-            </a:r>
-            <a:r>
-              <a:rPr lang="de-DE" sz="1100" b="0" i="0" u="none" strike="noStrike" baseline="0" dirty="0" err="1">
-                <a:solidFill>
-                  <a:srgbClr val="000000"/>
-                </a:solidFill>
-                <a:latin typeface="+mj-lt"/>
-              </a:rPr>
-              <a:t>doi</a:t>
-            </a:r>
-            <a:r>
-              <a:rPr lang="de-DE" sz="1100" b="0" i="0" u="none" strike="noStrike" baseline="0" dirty="0">
-                <a:solidFill>
-                  <a:srgbClr val="000000"/>
-                </a:solidFill>
-                <a:latin typeface="+mj-lt"/>
-              </a:rPr>
-              <a:t>: </a:t>
-            </a:r>
-            <a:r>
-              <a:rPr lang="de-DE" sz="1100" b="0" i="0" u="none" strike="noStrike" baseline="0" dirty="0">
-                <a:solidFill>
-                  <a:srgbClr val="AE0000"/>
-                </a:solidFill>
-                <a:latin typeface="+mj-lt"/>
-              </a:rPr>
-              <a:t>10.1007/978-3-642-41089-5</a:t>
-            </a:r>
-            <a:r>
-              <a:rPr lang="de-DE" sz="1100" b="0" i="0" u="none" strike="noStrike" baseline="0" dirty="0">
-                <a:solidFill>
-                  <a:srgbClr val="000000"/>
-                </a:solidFill>
-                <a:latin typeface="+mj-lt"/>
-              </a:rPr>
-              <a:t>.</a:t>
-            </a:r>
-          </a:p>
-          <a:p>
-            <a:pPr algn="l"/>
-            <a:r>
-              <a:rPr lang="de-DE" sz="1100" dirty="0">
-                <a:latin typeface="+mj-lt"/>
-              </a:rPr>
-              <a:t>Kirill </a:t>
-            </a:r>
-            <a:r>
-              <a:rPr lang="de-DE" sz="1100" dirty="0" err="1">
-                <a:latin typeface="+mj-lt"/>
-              </a:rPr>
-              <a:t>Fakhroutdinov</a:t>
-            </a:r>
-            <a:r>
-              <a:rPr lang="de-DE" sz="1100" dirty="0">
-                <a:latin typeface="+mj-lt"/>
-              </a:rPr>
-              <a:t>. The Unified Modeling Language. </a:t>
-            </a:r>
-            <a:r>
-              <a:rPr lang="de-DE" sz="1100" b="0" i="0" u="none" strike="noStrike" baseline="0" dirty="0">
-                <a:solidFill>
-                  <a:srgbClr val="000000"/>
-                </a:solidFill>
-                <a:latin typeface="+mj-lt"/>
-              </a:rPr>
-              <a:t>aufgerufen am 06.06.2023. </a:t>
-            </a:r>
-            <a:r>
-              <a:rPr lang="de-DE" sz="1100" dirty="0">
-                <a:latin typeface="+mj-lt"/>
-              </a:rPr>
-              <a:t>url: </a:t>
-            </a:r>
-            <a:r>
-              <a:rPr lang="de-DE" sz="1100" dirty="0">
-                <a:solidFill>
-                  <a:srgbClr val="AE0000"/>
-                </a:solidFill>
-                <a:latin typeface="+mj-lt"/>
-                <a:hlinkClick r:id="rId3">
-                  <a:extLst>
-                    <a:ext uri="{A12FA001-AC4F-418D-AE19-62706E023703}">
-                      <ahyp:hlinkClr xmlns:ahyp="http://schemas.microsoft.com/office/drawing/2018/hyperlinkcolor" val="tx"/>
-                    </a:ext>
-                  </a:extLst>
-                </a:hlinkClick>
-              </a:rPr>
-              <a:t>https://www.uml-diagrams.org/</a:t>
-            </a:r>
-            <a:r>
-              <a:rPr lang="de-DE" sz="1100" dirty="0">
-                <a:solidFill>
-                  <a:srgbClr val="AE0000"/>
-                </a:solidFill>
-                <a:latin typeface="+mj-lt"/>
-              </a:rPr>
-              <a:t> </a:t>
-            </a:r>
-          </a:p>
-          <a:p>
-            <a:r>
-              <a:rPr lang="de-DE" sz="1100" dirty="0">
-                <a:latin typeface="+mj-lt"/>
-              </a:rPr>
-              <a:t>Leiner, F., W. Gaus, R. Haux, P. Knaup-Gregori, K.P. Pfeiffer und J. Wagner (2012). </a:t>
-            </a:r>
-            <a:r>
-              <a:rPr lang="de-DE" sz="1100" i="1" dirty="0">
-                <a:latin typeface="+mj-lt"/>
-              </a:rPr>
-              <a:t>Medizinische Dokumentation: 	Grundlagen einer qualitätsgesicherten integrierten Krankenversorgung Lehrbuch und Leitfaden</a:t>
-            </a:r>
-            <a:r>
-              <a:rPr lang="de-DE" sz="1100" dirty="0">
-                <a:latin typeface="+mj-lt"/>
-              </a:rPr>
-              <a:t>. 6. Aufl. Stuttgart: 	Schattauer. </a:t>
-            </a:r>
-            <a:r>
-              <a:rPr lang="de-DE" sz="1100" dirty="0" err="1">
-                <a:latin typeface="+mj-lt"/>
-              </a:rPr>
-              <a:t>isbn</a:t>
-            </a:r>
-            <a:r>
-              <a:rPr lang="de-DE" sz="1100" dirty="0">
-                <a:latin typeface="+mj-lt"/>
-              </a:rPr>
-              <a:t>: 9783794567089.</a:t>
-            </a:r>
-          </a:p>
-          <a:p>
-            <a:r>
-              <a:rPr lang="de-DE" sz="1100" dirty="0" err="1">
-                <a:latin typeface="+mj-lt"/>
-              </a:rPr>
-              <a:t>Object</a:t>
-            </a:r>
-            <a:r>
-              <a:rPr lang="de-DE" sz="1100" dirty="0">
-                <a:latin typeface="+mj-lt"/>
-              </a:rPr>
-              <a:t> Management Group (2013). </a:t>
-            </a:r>
-            <a:r>
-              <a:rPr lang="en-US" sz="1100" i="1" dirty="0">
-                <a:effectLst/>
-                <a:latin typeface="+mj-lt"/>
-              </a:rPr>
-              <a:t>Business Process Model and Notation (BPMN)</a:t>
-            </a:r>
-            <a:r>
-              <a:rPr lang="en-US" sz="1100" dirty="0">
-                <a:effectLst/>
-                <a:latin typeface="+mj-lt"/>
-              </a:rPr>
-              <a:t>. Version 2.0.2. </a:t>
-            </a:r>
-            <a:r>
-              <a:rPr lang="de-DE" sz="1100" b="0" i="0" u="none" strike="noStrike" baseline="0" dirty="0">
-                <a:solidFill>
-                  <a:srgbClr val="000000"/>
-                </a:solidFill>
-                <a:latin typeface="+mj-lt"/>
-              </a:rPr>
-              <a:t>aufgerufen am 06.06.2023. 	</a:t>
-            </a:r>
-            <a:r>
-              <a:rPr lang="en-US" sz="1100" dirty="0">
-                <a:effectLst/>
-                <a:latin typeface="+mj-lt"/>
-              </a:rPr>
-              <a:t>url: </a:t>
-            </a:r>
-            <a:r>
-              <a:rPr lang="en-US" sz="1100" dirty="0">
-                <a:solidFill>
-                  <a:srgbClr val="AE0000"/>
-                </a:solidFill>
-                <a:latin typeface="+mj-lt"/>
-                <a:hlinkClick r:id="rId4">
-                  <a:extLst>
-                    <a:ext uri="{A12FA001-AC4F-418D-AE19-62706E023703}">
-                      <ahyp:hlinkClr xmlns:ahyp="http://schemas.microsoft.com/office/drawing/2018/hyperlinkcolor" val="tx"/>
-                    </a:ext>
-                  </a:extLst>
-                </a:hlinkClick>
-              </a:rPr>
-              <a:t>https://www.omg.org/spec/BPMN/2.0.2/PDF</a:t>
-            </a:r>
-            <a:r>
-              <a:rPr lang="en-US" sz="1100" dirty="0">
-                <a:latin typeface="+mj-lt"/>
-              </a:rPr>
-              <a:t>.</a:t>
-            </a:r>
-          </a:p>
-          <a:p>
-            <a:r>
-              <a:rPr lang="de-DE" sz="1100" dirty="0">
-                <a:latin typeface="+mj-lt"/>
-              </a:rPr>
-              <a:t>Safe – Straßensozialarbeit für Erwachsene. </a:t>
-            </a:r>
-            <a:r>
-              <a:rPr lang="de-DE" sz="1100" b="0" i="0" u="none" strike="noStrike" baseline="0" dirty="0">
-                <a:solidFill>
-                  <a:srgbClr val="000000"/>
-                </a:solidFill>
-                <a:latin typeface="+mj-lt"/>
-              </a:rPr>
-              <a:t>aufgerufen am 06.06.2023. url:</a:t>
-            </a:r>
-            <a:r>
-              <a:rPr lang="de-DE" sz="1100" dirty="0">
-                <a:solidFill>
-                  <a:srgbClr val="AE0000"/>
-                </a:solidFill>
-                <a:latin typeface="+mj-lt"/>
-              </a:rPr>
-              <a:t> </a:t>
-            </a:r>
-            <a:r>
-              <a:rPr lang="de-DE" sz="1100" dirty="0">
-                <a:solidFill>
-                  <a:srgbClr val="AE0000"/>
-                </a:solidFill>
-                <a:latin typeface="+mj-lt"/>
-                <a:hlinkClick r:id="rId5">
-                  <a:extLst>
-                    <a:ext uri="{A12FA001-AC4F-418D-AE19-62706E023703}">
-                      <ahyp:hlinkClr xmlns:ahyp="http://schemas.microsoft.com/office/drawing/2018/hyperlinkcolor" val="tx"/>
-                    </a:ext>
-                  </a:extLst>
-                </a:hlinkClick>
-              </a:rPr>
-              <a:t>https://www.suchtzentrum.de/unsere-angebote/streetwork/safe</a:t>
-            </a:r>
-            <a:r>
-              <a:rPr lang="de-DE" sz="1100" dirty="0">
-                <a:latin typeface="+mj-lt"/>
-              </a:rPr>
-              <a:t>.</a:t>
-            </a:r>
-            <a:endParaRPr lang="en-US" sz="1100" dirty="0">
-              <a:latin typeface="+mj-lt"/>
-            </a:endParaRPr>
-          </a:p>
-          <a:p>
-            <a:r>
-              <a:rPr lang="de-DE" sz="1100" dirty="0">
-                <a:latin typeface="+mj-lt"/>
-              </a:rPr>
-              <a:t>Winter, A., </a:t>
-            </a:r>
-            <a:r>
-              <a:rPr lang="de-DE" sz="1100" dirty="0" err="1">
-                <a:latin typeface="+mj-lt"/>
-              </a:rPr>
-              <a:t>Takabayashi</a:t>
-            </a:r>
-            <a:r>
-              <a:rPr lang="de-DE" sz="1100" dirty="0">
-                <a:latin typeface="+mj-lt"/>
-              </a:rPr>
-              <a:t>, K., Jahn, F., Kimura, E., Engelbrecht, R., Haux, R., Honda, M., Hübner, U. H., Inoue, S., Kohl, C. D., 	Matsumoto, T., </a:t>
-            </a:r>
-            <a:r>
-              <a:rPr lang="de-DE" sz="1100" dirty="0" err="1">
-                <a:latin typeface="+mj-lt"/>
-              </a:rPr>
-              <a:t>Matsumura</a:t>
-            </a:r>
-            <a:r>
-              <a:rPr lang="de-DE" sz="1100" dirty="0">
-                <a:latin typeface="+mj-lt"/>
-              </a:rPr>
-              <a:t>, Y., </a:t>
-            </a:r>
-            <a:r>
-              <a:rPr lang="de-DE" sz="1100" dirty="0" err="1">
-                <a:latin typeface="+mj-lt"/>
-              </a:rPr>
-              <a:t>Miyo</a:t>
-            </a:r>
-            <a:r>
-              <a:rPr lang="de-DE" sz="1100" dirty="0">
-                <a:latin typeface="+mj-lt"/>
-              </a:rPr>
-              <a:t>, K., </a:t>
-            </a:r>
-            <a:r>
-              <a:rPr lang="de-DE" sz="1100" dirty="0" err="1">
-                <a:latin typeface="+mj-lt"/>
-              </a:rPr>
-              <a:t>Nakashima</a:t>
-            </a:r>
-            <a:r>
-              <a:rPr lang="de-DE" sz="1100" dirty="0">
-                <a:latin typeface="+mj-lt"/>
-              </a:rPr>
-              <a:t>, N., </a:t>
-            </a:r>
-            <a:r>
-              <a:rPr lang="de-DE" sz="1100" dirty="0" err="1">
-                <a:latin typeface="+mj-lt"/>
-              </a:rPr>
-              <a:t>Prokosch</a:t>
-            </a:r>
-            <a:r>
-              <a:rPr lang="de-DE" sz="1100" dirty="0">
-                <a:latin typeface="+mj-lt"/>
-              </a:rPr>
-              <a:t>, H. U., &amp; Staemmler, M. (2017). Quality </a:t>
-            </a:r>
-            <a:r>
-              <a:rPr lang="de-DE" sz="1100" dirty="0" err="1">
-                <a:latin typeface="+mj-lt"/>
-              </a:rPr>
-              <a:t>Requirements</a:t>
-            </a:r>
-            <a:r>
-              <a:rPr lang="de-DE" sz="1100" dirty="0">
-                <a:latin typeface="+mj-lt"/>
-              </a:rPr>
-              <a:t> 	</a:t>
-            </a:r>
-            <a:r>
-              <a:rPr lang="de-DE" sz="1100" dirty="0" err="1">
-                <a:latin typeface="+mj-lt"/>
-              </a:rPr>
-              <a:t>for</a:t>
-            </a:r>
-            <a:r>
-              <a:rPr lang="de-DE" sz="1100" dirty="0">
-                <a:latin typeface="+mj-lt"/>
-              </a:rPr>
-              <a:t> Electronic Health </a:t>
-            </a:r>
-            <a:r>
-              <a:rPr lang="de-DE" sz="1100" dirty="0" err="1">
-                <a:latin typeface="+mj-lt"/>
-              </a:rPr>
-              <a:t>Record</a:t>
-            </a:r>
-            <a:r>
-              <a:rPr lang="de-DE" sz="1100" dirty="0">
-                <a:latin typeface="+mj-lt"/>
-              </a:rPr>
-              <a:t> Systems*. A </a:t>
-            </a:r>
-            <a:r>
-              <a:rPr lang="de-DE" sz="1100" dirty="0" err="1">
-                <a:latin typeface="+mj-lt"/>
-              </a:rPr>
-              <a:t>Japanese</a:t>
-            </a:r>
-            <a:r>
-              <a:rPr lang="de-DE" sz="1100" dirty="0">
-                <a:latin typeface="+mj-lt"/>
-              </a:rPr>
-              <a:t>-German Information Management </a:t>
-            </a:r>
-            <a:r>
-              <a:rPr lang="de-DE" sz="1100" dirty="0" err="1">
-                <a:latin typeface="+mj-lt"/>
-              </a:rPr>
-              <a:t>Perspective</a:t>
-            </a:r>
-            <a:r>
-              <a:rPr lang="de-DE" sz="1100" dirty="0">
-                <a:latin typeface="+mj-lt"/>
-              </a:rPr>
-              <a:t>. Methods </a:t>
-            </a:r>
-            <a:r>
-              <a:rPr lang="de-DE" sz="1100" dirty="0" err="1">
-                <a:latin typeface="+mj-lt"/>
-              </a:rPr>
-              <a:t>of</a:t>
-            </a:r>
-            <a:r>
-              <a:rPr lang="de-DE" sz="1100" dirty="0">
-                <a:latin typeface="+mj-lt"/>
-              </a:rPr>
-              <a:t> </a:t>
-            </a:r>
-            <a:r>
-              <a:rPr lang="de-DE" sz="1100" dirty="0" err="1">
-                <a:latin typeface="+mj-lt"/>
-              </a:rPr>
-              <a:t>information</a:t>
-            </a:r>
-            <a:r>
-              <a:rPr lang="de-DE" sz="1100" dirty="0">
-                <a:latin typeface="+mj-lt"/>
-              </a:rPr>
-              <a:t> 	in </a:t>
-            </a:r>
-            <a:r>
-              <a:rPr lang="de-DE" sz="1100" dirty="0" err="1">
-                <a:latin typeface="+mj-lt"/>
-              </a:rPr>
-              <a:t>medicine</a:t>
-            </a:r>
-            <a:r>
-              <a:rPr lang="de-DE" sz="1100" dirty="0">
-                <a:latin typeface="+mj-lt"/>
-              </a:rPr>
-              <a:t>, 56(7), e92–e104. </a:t>
-            </a:r>
-            <a:r>
-              <a:rPr lang="de-DE" sz="1100" dirty="0">
-                <a:solidFill>
-                  <a:srgbClr val="AE0000"/>
-                </a:solidFill>
-                <a:latin typeface="+mj-lt"/>
-                <a:hlinkClick r:id="rId6">
-                  <a:extLst>
-                    <a:ext uri="{A12FA001-AC4F-418D-AE19-62706E023703}">
-                      <ahyp:hlinkClr xmlns:ahyp="http://schemas.microsoft.com/office/drawing/2018/hyperlinkcolor" val="tx"/>
-                    </a:ext>
-                  </a:extLst>
-                </a:hlinkClick>
-              </a:rPr>
-              <a:t>https://doi.org/10.3414/ME17-05-0002</a:t>
-            </a:r>
-            <a:endParaRPr lang="de-DE" sz="1100" dirty="0">
-              <a:solidFill>
-                <a:srgbClr val="AE0000"/>
-              </a:solidFill>
-              <a:latin typeface="+mj-lt"/>
-            </a:endParaRPr>
-          </a:p>
-          <a:p>
-            <a:endParaRPr lang="de-DE" sz="1100" dirty="0">
-              <a:latin typeface="+mj-lt"/>
-            </a:endParaRPr>
-          </a:p>
-        </p:txBody>
-      </p:sp>
-      <p:sp>
-        <p:nvSpPr>
-          <p:cNvPr id="4" name="Foliennummernplatzhalter 3">
-            <a:extLst>
-              <a:ext uri="{FF2B5EF4-FFF2-40B4-BE49-F238E27FC236}">
-                <a16:creationId xmlns:a16="http://schemas.microsoft.com/office/drawing/2014/main" id="{C350ED56-727F-CE48-B94D-DCEFECE1ADF8}"/>
-              </a:ext>
-            </a:extLst>
-          </p:cNvPr>
-          <p:cNvSpPr>
-            <a:spLocks noGrp="1"/>
-          </p:cNvSpPr>
-          <p:nvPr>
-            <p:ph type="sldNum" sz="quarter" idx="4"/>
-          </p:nvPr>
-        </p:nvSpPr>
-        <p:spPr/>
-        <p:txBody>
-          <a:bodyPr/>
-          <a:lstStyle/>
-          <a:p>
-            <a:pPr>
-              <a:defRPr/>
-            </a:pPr>
-            <a:fld id="{AFCF9BA9-AB08-46E1-A235-3AC71B2FE2C1}" type="slidenum">
-              <a:rPr lang="de-DE" altLang="de-DE" sz="1000" smtClean="0">
-                <a:solidFill>
-                  <a:srgbClr val="D8413E"/>
-                </a:solidFill>
-                <a:latin typeface="Arial" panose="020B0604020202020204" pitchFamily="34" charset="0"/>
-                <a:cs typeface="Arial" panose="020B0604020202020204" pitchFamily="34" charset="0"/>
-              </a:rPr>
-              <a:pPr>
-                <a:defRPr/>
-              </a:pPr>
-              <a:t>9</a:t>
-            </a:fld>
-            <a:endParaRPr lang="de-DE" altLang="de-DE" sz="1000" dirty="0">
-              <a:solidFill>
-                <a:srgbClr val="D8413E"/>
-              </a:solidFill>
-              <a:latin typeface="Arial" panose="020B0604020202020204" pitchFamily="34" charset="0"/>
-              <a:cs typeface="Arial" panose="020B0604020202020204" pitchFamily="34" charset="0"/>
-            </a:endParaRPr>
-          </a:p>
-        </p:txBody>
-      </p:sp>
-    </p:spTree>
-    <p:extLst>
-      <p:ext uri="{BB962C8B-B14F-4D97-AF65-F5344CB8AC3E}">
-        <p14:creationId xmlns:p14="http://schemas.microsoft.com/office/powerpoint/2010/main" val="1875078228"/>
       </p:ext>
     </p:extLst>
   </p:cSld>
